--- a/11. Index Number (STA101).pptx
+++ b/11. Index Number (STA101).pptx
@@ -523,7 +523,7 @@
           <a:p>
             <a:fld id="{97B34786-0A07-4281-A7C3-7630DD8912B6}" type="datetimeFigureOut">
               <a:rPr lang="en-US" smtClean="0"/>
-              <a:t>4/27/2024</a:t>
+              <a:t>1/4/2025</a:t>
             </a:fld>
             <a:endParaRPr lang="en-US"/>
           </a:p>
@@ -702,7 +702,7 @@
           <a:p>
             <a:fld id="{97B34786-0A07-4281-A7C3-7630DD8912B6}" type="datetimeFigureOut">
               <a:rPr lang="en-US" smtClean="0"/>
-              <a:t>4/27/2024</a:t>
+              <a:t>1/4/2025</a:t>
             </a:fld>
             <a:endParaRPr lang="en-US"/>
           </a:p>
@@ -882,7 +882,7 @@
           <a:p>
             <a:fld id="{97B34786-0A07-4281-A7C3-7630DD8912B6}" type="datetimeFigureOut">
               <a:rPr lang="en-US" smtClean="0"/>
-              <a:t>4/27/2024</a:t>
+              <a:t>1/4/2025</a:t>
             </a:fld>
             <a:endParaRPr lang="en-US"/>
           </a:p>
@@ -1057,7 +1057,7 @@
           <a:p>
             <a:fld id="{97B34786-0A07-4281-A7C3-7630DD8912B6}" type="datetimeFigureOut">
               <a:rPr lang="en-US" smtClean="0"/>
-              <a:t>4/27/2024</a:t>
+              <a:t>1/4/2025</a:t>
             </a:fld>
             <a:endParaRPr lang="en-US"/>
           </a:p>
@@ -1227,7 +1227,7 @@
           <a:p>
             <a:fld id="{97B34786-0A07-4281-A7C3-7630DD8912B6}" type="datetimeFigureOut">
               <a:rPr lang="en-US" smtClean="0"/>
-              <a:t>4/27/2024</a:t>
+              <a:t>1/4/2025</a:t>
             </a:fld>
             <a:endParaRPr lang="en-US"/>
           </a:p>
@@ -1540,7 +1540,7 @@
           <a:p>
             <a:fld id="{97B34786-0A07-4281-A7C3-7630DD8912B6}" type="datetimeFigureOut">
               <a:rPr lang="en-US" smtClean="0"/>
-              <a:t>4/27/2024</a:t>
+              <a:t>1/4/2025</a:t>
             </a:fld>
             <a:endParaRPr lang="en-US"/>
           </a:p>
@@ -1926,7 +1926,7 @@
           <a:p>
             <a:fld id="{97B34786-0A07-4281-A7C3-7630DD8912B6}" type="datetimeFigureOut">
               <a:rPr lang="en-US" smtClean="0"/>
-              <a:t>4/27/2024</a:t>
+              <a:t>1/4/2025</a:t>
             </a:fld>
             <a:endParaRPr lang="en-US"/>
           </a:p>
@@ -2360,7 +2360,7 @@
           <a:p>
             <a:fld id="{97B34786-0A07-4281-A7C3-7630DD8912B6}" type="datetimeFigureOut">
               <a:rPr lang="en-US" smtClean="0"/>
-              <a:t>4/27/2024</a:t>
+              <a:t>1/4/2025</a:t>
             </a:fld>
             <a:endParaRPr lang="en-US"/>
           </a:p>
@@ -2478,7 +2478,7 @@
           <a:p>
             <a:fld id="{97B34786-0A07-4281-A7C3-7630DD8912B6}" type="datetimeFigureOut">
               <a:rPr lang="en-US" smtClean="0"/>
-              <a:t>4/27/2024</a:t>
+              <a:t>1/4/2025</a:t>
             </a:fld>
             <a:endParaRPr lang="en-US"/>
           </a:p>
@@ -2573,7 +2573,7 @@
           <a:p>
             <a:fld id="{97B34786-0A07-4281-A7C3-7630DD8912B6}" type="datetimeFigureOut">
               <a:rPr lang="en-US" smtClean="0"/>
-              <a:t>4/27/2024</a:t>
+              <a:t>1/4/2025</a:t>
             </a:fld>
             <a:endParaRPr lang="en-US"/>
           </a:p>
@@ -2923,7 +2923,7 @@
           <a:p>
             <a:fld id="{97B34786-0A07-4281-A7C3-7630DD8912B6}" type="datetimeFigureOut">
               <a:rPr lang="en-US" smtClean="0"/>
-              <a:t>4/27/2024</a:t>
+              <a:t>1/4/2025</a:t>
             </a:fld>
             <a:endParaRPr lang="en-US"/>
           </a:p>
@@ -3348,7 +3348,7 @@
           <a:p>
             <a:fld id="{97B34786-0A07-4281-A7C3-7630DD8912B6}" type="datetimeFigureOut">
               <a:rPr lang="en-US" smtClean="0"/>
-              <a:t>4/27/2024</a:t>
+              <a:t>1/4/2025</a:t>
             </a:fld>
             <a:endParaRPr lang="en-US"/>
           </a:p>
@@ -3629,7 +3629,7 @@
           <a:p>
             <a:fld id="{97B34786-0A07-4281-A7C3-7630DD8912B6}" type="datetimeFigureOut">
               <a:rPr lang="en-US" smtClean="0"/>
-              <a:t>4/27/2024</a:t>
+              <a:t>1/4/2025</a:t>
             </a:fld>
             <a:endParaRPr lang="en-US"/>
           </a:p>
@@ -7535,8 +7535,8 @@
           </a:p>
         </p:txBody>
       </p:sp>
-      <mc:AlternateContent xmlns:mc="http://schemas.openxmlformats.org/markup-compatibility/2006">
-        <mc:Choice xmlns:a14="http://schemas.microsoft.com/office/drawing/2010/main" Requires="a14">
+      <mc:AlternateContent xmlns:mc="http://schemas.openxmlformats.org/markup-compatibility/2006" xmlns:a14="http://schemas.microsoft.com/office/drawing/2010/main">
+        <mc:Choice Requires="a14">
           <p:sp>
             <p:nvSpPr>
               <p:cNvPr id="4" name="TextBox 3">
@@ -7914,6 +7914,7 @@
               </a:bodyPr>
               <a:lstStyle/>
               <a:p>
+                <a:pPr/>
                 <a14:m>
                   <m:oMathPara xmlns:m="http://schemas.openxmlformats.org/officeDocument/2006/math">
                     <m:oMathParaPr>
@@ -8060,7 +8061,7 @@
             </p:txBody>
           </p:sp>
         </mc:Choice>
-        <mc:Fallback>
+        <mc:Fallback xmlns="">
           <p:sp>
             <p:nvSpPr>
               <p:cNvPr id="4" name="TextBox 3">
@@ -8466,7 +8467,7 @@
         </p:nvSpPr>
         <p:spPr>
           <a:xfrm>
-            <a:off x="3809625" y="4702468"/>
+            <a:off x="4644511" y="4663587"/>
             <a:ext cx="3505576" cy="523220"/>
           </a:xfrm>
           <a:custGeom>
@@ -8755,7 +8756,7 @@
         </p:nvSpPr>
         <p:spPr>
           <a:xfrm>
-            <a:off x="3809248" y="5418315"/>
+            <a:off x="4644134" y="5379434"/>
             <a:ext cx="3505576" cy="523220"/>
           </a:xfrm>
           <a:custGeom>
@@ -9044,7 +9045,7 @@
         </p:nvSpPr>
         <p:spPr>
           <a:xfrm>
-            <a:off x="3809248" y="6120514"/>
+            <a:off x="4644134" y="6081633"/>
             <a:ext cx="3505576" cy="523220"/>
           </a:xfrm>
           <a:custGeom>
@@ -9333,7 +9334,7 @@
         </p:nvSpPr>
         <p:spPr>
           <a:xfrm>
-            <a:off x="3809248" y="6854807"/>
+            <a:off x="4644134" y="6815926"/>
             <a:ext cx="3505576" cy="523220"/>
           </a:xfrm>
           <a:custGeom>
@@ -9626,7 +9627,7 @@
         </p:nvSpPr>
         <p:spPr>
           <a:xfrm>
-            <a:off x="3809248" y="7602330"/>
+            <a:off x="4644134" y="7563449"/>
             <a:ext cx="3505576" cy="523220"/>
           </a:xfrm>
           <a:custGeom>
@@ -9917,7 +9918,7 @@
             </p:nvSpPr>
             <p:spPr>
               <a:xfrm>
-                <a:off x="8242476" y="4465095"/>
+                <a:off x="9077362" y="4426214"/>
                 <a:ext cx="2670690" cy="997966"/>
               </a:xfrm>
               <a:custGeom>
@@ -10155,6 +10156,7 @@
               </a:bodyPr>
               <a:lstStyle/>
               <a:p>
+                <a:pPr/>
                 <a14:m>
                   <m:oMathPara xmlns:m="http://schemas.openxmlformats.org/officeDocument/2006/math">
                     <m:oMathParaPr>
@@ -10174,13 +10176,7 @@
                             <a:rPr lang="en-US" sz="2800" b="0" i="1" smtClean="0">
                               <a:latin typeface="Cambria Math" panose="02040503050406030204" pitchFamily="18" charset="0"/>
                             </a:rPr>
-                            <m:t>𝐿</m:t>
-                          </m:r>
-                          <m:r>
-                            <a:rPr lang="en-US" sz="2800" b="0" i="1" smtClean="0">
-                              <a:latin typeface="Cambria Math" panose="02040503050406030204" pitchFamily="18" charset="0"/>
-                            </a:rPr>
-                            <m:t>𝐼</m:t>
+                            <m:t>𝐿𝐼</m:t>
                           </m:r>
                         </m:e>
                         <m:sub>
@@ -10368,7 +10364,7 @@
             </p:nvSpPr>
             <p:spPr>
               <a:xfrm>
-                <a:off x="8242476" y="4465095"/>
+                <a:off x="9077362" y="4426214"/>
                 <a:ext cx="2670690" cy="997966"/>
               </a:xfrm>
               <a:prstGeom prst="rect">
@@ -10634,7 +10630,7 @@
             </p:nvSpPr>
             <p:spPr>
               <a:xfrm>
-                <a:off x="210907" y="5180942"/>
+                <a:off x="1045793" y="5142061"/>
                 <a:ext cx="2670689" cy="997966"/>
               </a:xfrm>
               <a:custGeom>
@@ -10872,6 +10868,7 @@
               </a:bodyPr>
               <a:lstStyle/>
               <a:p>
+                <a:pPr/>
                 <a14:m>
                   <m:oMathPara xmlns:m="http://schemas.openxmlformats.org/officeDocument/2006/math">
                     <m:oMathParaPr>
@@ -10891,13 +10888,7 @@
                             <a:rPr lang="en-US" sz="2800" b="0" i="1" smtClean="0">
                               <a:latin typeface="Cambria Math" panose="02040503050406030204" pitchFamily="18" charset="0"/>
                             </a:rPr>
-                            <m:t>𝑃</m:t>
-                          </m:r>
-                          <m:r>
-                            <a:rPr lang="en-US" sz="2800" b="0" i="1" smtClean="0">
-                              <a:latin typeface="Cambria Math" panose="02040503050406030204" pitchFamily="18" charset="0"/>
-                            </a:rPr>
-                            <m:t>𝐼</m:t>
+                            <m:t>𝑃𝐼</m:t>
                           </m:r>
                         </m:e>
                         <m:sub>
@@ -11085,7 +11076,7 @@
             </p:nvSpPr>
             <p:spPr>
               <a:xfrm>
-                <a:off x="210907" y="5180942"/>
+                <a:off x="1045793" y="5142061"/>
                 <a:ext cx="2670689" cy="997966"/>
               </a:xfrm>
               <a:prstGeom prst="rect">
@@ -11351,7 +11342,7 @@
             </p:nvSpPr>
             <p:spPr>
               <a:xfrm>
-                <a:off x="8242476" y="7556869"/>
+                <a:off x="9077362" y="7517988"/>
                 <a:ext cx="3227281" cy="614142"/>
               </a:xfrm>
               <a:custGeom>
@@ -11589,6 +11580,7 @@
               </a:bodyPr>
               <a:lstStyle/>
               <a:p>
+                <a:pPr/>
                 <a14:m>
                   <m:oMathPara xmlns:m="http://schemas.openxmlformats.org/officeDocument/2006/math">
                     <m:oMathParaPr>
@@ -11608,13 +11600,7 @@
                             <a:rPr lang="en-US" sz="2800" b="0" i="1" smtClean="0">
                               <a:latin typeface="Cambria Math" panose="02040503050406030204" pitchFamily="18" charset="0"/>
                             </a:rPr>
-                            <m:t>𝐹</m:t>
-                          </m:r>
-                          <m:r>
-                            <a:rPr lang="en-US" sz="2800" b="0" i="1" smtClean="0">
-                              <a:latin typeface="Cambria Math" panose="02040503050406030204" pitchFamily="18" charset="0"/>
-                            </a:rPr>
-                            <m:t>𝐼</m:t>
+                            <m:t>𝐹𝐼</m:t>
                           </m:r>
                         </m:e>
                         <m:sub>
@@ -11732,7 +11718,7 @@
             </p:nvSpPr>
             <p:spPr>
               <a:xfrm>
-                <a:off x="8242476" y="7556869"/>
+                <a:off x="9077362" y="7517988"/>
                 <a:ext cx="3227281" cy="614142"/>
               </a:xfrm>
               <a:prstGeom prst="rect">
@@ -12000,7 +11986,7 @@
         </p:nvCxnSpPr>
         <p:spPr>
           <a:xfrm>
-            <a:off x="7315201" y="4964078"/>
+            <a:off x="8150087" y="4925197"/>
             <a:ext cx="927275" cy="0"/>
           </a:xfrm>
           <a:prstGeom prst="straightConnector1">
@@ -12045,7 +12031,7 @@
         </p:nvCxnSpPr>
         <p:spPr>
           <a:xfrm>
-            <a:off x="7315201" y="7863940"/>
+            <a:off x="8150087" y="7825059"/>
             <a:ext cx="927275" cy="0"/>
           </a:xfrm>
           <a:prstGeom prst="straightConnector1">
@@ -12091,7 +12077,2102 @@
         </p:nvCxnSpPr>
         <p:spPr>
           <a:xfrm flipH="1">
-            <a:off x="2881596" y="5679925"/>
+            <a:off x="3716482" y="5641044"/>
+            <a:ext cx="927652" cy="0"/>
+          </a:xfrm>
+          <a:prstGeom prst="straightConnector1">
+            <a:avLst/>
+          </a:prstGeom>
+          <a:ln w="57150">
+            <a:solidFill>
+              <a:srgbClr val="FF0000"/>
+            </a:solidFill>
+            <a:tailEnd type="triangle"/>
+          </a:ln>
+        </p:spPr>
+        <p:style>
+          <a:lnRef idx="1">
+            <a:schemeClr val="dk1"/>
+          </a:lnRef>
+          <a:fillRef idx="0">
+            <a:schemeClr val="dk1"/>
+          </a:fillRef>
+          <a:effectRef idx="0">
+            <a:schemeClr val="dk1"/>
+          </a:effectRef>
+          <a:fontRef idx="minor">
+            <a:schemeClr val="tx1"/>
+          </a:fontRef>
+        </p:style>
+      </p:cxnSp>
+      <mc:AlternateContent xmlns:mc="http://schemas.openxmlformats.org/markup-compatibility/2006">
+        <mc:Choice xmlns:a14="http://schemas.microsoft.com/office/drawing/2010/main" Requires="a14">
+          <p:sp>
+            <p:nvSpPr>
+              <p:cNvPr id="13" name="TextBox 12">
+                <a:extLst>
+                  <a:ext uri="{FF2B5EF4-FFF2-40B4-BE49-F238E27FC236}">
+                    <a16:creationId xmlns:a16="http://schemas.microsoft.com/office/drawing/2014/main" id="{64F3243E-152A-47E7-BCBE-983D6E2BB39D}"/>
+                  </a:ext>
+                </a:extLst>
+              </p:cNvPr>
+              <p:cNvSpPr txBox="1"/>
+              <p:nvPr/>
+            </p:nvSpPr>
+            <p:spPr>
+              <a:xfrm>
+                <a:off x="9077362" y="5847026"/>
+                <a:ext cx="3942898" cy="998543"/>
+              </a:xfrm>
+              <a:custGeom>
+                <a:avLst/>
+                <a:gdLst>
+                  <a:gd name="connsiteX0" fmla="*/ 0 w 3942898"/>
+                  <a:gd name="connsiteY0" fmla="*/ 0 h 998543"/>
+                  <a:gd name="connsiteX1" fmla="*/ 578292 w 3942898"/>
+                  <a:gd name="connsiteY1" fmla="*/ 0 h 998543"/>
+                  <a:gd name="connsiteX2" fmla="*/ 1235441 w 3942898"/>
+                  <a:gd name="connsiteY2" fmla="*/ 0 h 998543"/>
+                  <a:gd name="connsiteX3" fmla="*/ 1853162 w 3942898"/>
+                  <a:gd name="connsiteY3" fmla="*/ 0 h 998543"/>
+                  <a:gd name="connsiteX4" fmla="*/ 2470883 w 3942898"/>
+                  <a:gd name="connsiteY4" fmla="*/ 0 h 998543"/>
+                  <a:gd name="connsiteX5" fmla="*/ 3049174 w 3942898"/>
+                  <a:gd name="connsiteY5" fmla="*/ 0 h 998543"/>
+                  <a:gd name="connsiteX6" fmla="*/ 3942898 w 3942898"/>
+                  <a:gd name="connsiteY6" fmla="*/ 0 h 998543"/>
+                  <a:gd name="connsiteX7" fmla="*/ 3942898 w 3942898"/>
+                  <a:gd name="connsiteY7" fmla="*/ 489286 h 998543"/>
+                  <a:gd name="connsiteX8" fmla="*/ 3942898 w 3942898"/>
+                  <a:gd name="connsiteY8" fmla="*/ 998543 h 998543"/>
+                  <a:gd name="connsiteX9" fmla="*/ 3364606 w 3942898"/>
+                  <a:gd name="connsiteY9" fmla="*/ 998543 h 998543"/>
+                  <a:gd name="connsiteX10" fmla="*/ 2825744 w 3942898"/>
+                  <a:gd name="connsiteY10" fmla="*/ 998543 h 998543"/>
+                  <a:gd name="connsiteX11" fmla="*/ 2168594 w 3942898"/>
+                  <a:gd name="connsiteY11" fmla="*/ 998543 h 998543"/>
+                  <a:gd name="connsiteX12" fmla="*/ 1511444 w 3942898"/>
+                  <a:gd name="connsiteY12" fmla="*/ 998543 h 998543"/>
+                  <a:gd name="connsiteX13" fmla="*/ 775437 w 3942898"/>
+                  <a:gd name="connsiteY13" fmla="*/ 998543 h 998543"/>
+                  <a:gd name="connsiteX14" fmla="*/ 0 w 3942898"/>
+                  <a:gd name="connsiteY14" fmla="*/ 998543 h 998543"/>
+                  <a:gd name="connsiteX15" fmla="*/ 0 w 3942898"/>
+                  <a:gd name="connsiteY15" fmla="*/ 529228 h 998543"/>
+                  <a:gd name="connsiteX16" fmla="*/ 0 w 3942898"/>
+                  <a:gd name="connsiteY16" fmla="*/ 0 h 998543"/>
+                </a:gdLst>
+                <a:ahLst/>
+                <a:cxnLst>
+                  <a:cxn ang="0">
+                    <a:pos x="connsiteX0" y="connsiteY0"/>
+                  </a:cxn>
+                  <a:cxn ang="0">
+                    <a:pos x="connsiteX1" y="connsiteY1"/>
+                  </a:cxn>
+                  <a:cxn ang="0">
+                    <a:pos x="connsiteX2" y="connsiteY2"/>
+                  </a:cxn>
+                  <a:cxn ang="0">
+                    <a:pos x="connsiteX3" y="connsiteY3"/>
+                  </a:cxn>
+                  <a:cxn ang="0">
+                    <a:pos x="connsiteX4" y="connsiteY4"/>
+                  </a:cxn>
+                  <a:cxn ang="0">
+                    <a:pos x="connsiteX5" y="connsiteY5"/>
+                  </a:cxn>
+                  <a:cxn ang="0">
+                    <a:pos x="connsiteX6" y="connsiteY6"/>
+                  </a:cxn>
+                  <a:cxn ang="0">
+                    <a:pos x="connsiteX7" y="connsiteY7"/>
+                  </a:cxn>
+                  <a:cxn ang="0">
+                    <a:pos x="connsiteX8" y="connsiteY8"/>
+                  </a:cxn>
+                  <a:cxn ang="0">
+                    <a:pos x="connsiteX9" y="connsiteY9"/>
+                  </a:cxn>
+                  <a:cxn ang="0">
+                    <a:pos x="connsiteX10" y="connsiteY10"/>
+                  </a:cxn>
+                  <a:cxn ang="0">
+                    <a:pos x="connsiteX11" y="connsiteY11"/>
+                  </a:cxn>
+                  <a:cxn ang="0">
+                    <a:pos x="connsiteX12" y="connsiteY12"/>
+                  </a:cxn>
+                  <a:cxn ang="0">
+                    <a:pos x="connsiteX13" y="connsiteY13"/>
+                  </a:cxn>
+                  <a:cxn ang="0">
+                    <a:pos x="connsiteX14" y="connsiteY14"/>
+                  </a:cxn>
+                  <a:cxn ang="0">
+                    <a:pos x="connsiteX15" y="connsiteY15"/>
+                  </a:cxn>
+                  <a:cxn ang="0">
+                    <a:pos x="connsiteX16" y="connsiteY16"/>
+                  </a:cxn>
+                </a:cxnLst>
+                <a:rect l="l" t="t" r="r" b="b"/>
+                <a:pathLst>
+                  <a:path w="3942898" h="998543" fill="none" extrusionOk="0">
+                    <a:moveTo>
+                      <a:pt x="0" y="0"/>
+                    </a:moveTo>
+                    <a:cubicBezTo>
+                      <a:pt x="269422" y="13660"/>
+                      <a:pt x="359202" y="5490"/>
+                      <a:pt x="578292" y="0"/>
+                    </a:cubicBezTo>
+                    <a:cubicBezTo>
+                      <a:pt x="797382" y="-5490"/>
+                      <a:pt x="929416" y="-30184"/>
+                      <a:pt x="1235441" y="0"/>
+                    </a:cubicBezTo>
+                    <a:cubicBezTo>
+                      <a:pt x="1541466" y="30184"/>
+                      <a:pt x="1609764" y="3958"/>
+                      <a:pt x="1853162" y="0"/>
+                    </a:cubicBezTo>
+                    <a:cubicBezTo>
+                      <a:pt x="2096560" y="-3958"/>
+                      <a:pt x="2259682" y="29376"/>
+                      <a:pt x="2470883" y="0"/>
+                    </a:cubicBezTo>
+                    <a:cubicBezTo>
+                      <a:pt x="2682084" y="-29376"/>
+                      <a:pt x="2822413" y="11150"/>
+                      <a:pt x="3049174" y="0"/>
+                    </a:cubicBezTo>
+                    <a:cubicBezTo>
+                      <a:pt x="3275935" y="-11150"/>
+                      <a:pt x="3592931" y="11488"/>
+                      <a:pt x="3942898" y="0"/>
+                    </a:cubicBezTo>
+                    <a:cubicBezTo>
+                      <a:pt x="3937610" y="199470"/>
+                      <a:pt x="3928813" y="270665"/>
+                      <a:pt x="3942898" y="489286"/>
+                    </a:cubicBezTo>
+                    <a:cubicBezTo>
+                      <a:pt x="3956983" y="707907"/>
+                      <a:pt x="3945849" y="877929"/>
+                      <a:pt x="3942898" y="998543"/>
+                    </a:cubicBezTo>
+                    <a:cubicBezTo>
+                      <a:pt x="3826832" y="998591"/>
+                      <a:pt x="3538255" y="1014983"/>
+                      <a:pt x="3364606" y="998543"/>
+                    </a:cubicBezTo>
+                    <a:cubicBezTo>
+                      <a:pt x="3190957" y="982103"/>
+                      <a:pt x="2984061" y="1007720"/>
+                      <a:pt x="2825744" y="998543"/>
+                    </a:cubicBezTo>
+                    <a:cubicBezTo>
+                      <a:pt x="2667427" y="989366"/>
+                      <a:pt x="2308997" y="992018"/>
+                      <a:pt x="2168594" y="998543"/>
+                    </a:cubicBezTo>
+                    <a:cubicBezTo>
+                      <a:pt x="2028191" y="1005069"/>
+                      <a:pt x="1716748" y="1006158"/>
+                      <a:pt x="1511444" y="998543"/>
+                    </a:cubicBezTo>
+                    <a:cubicBezTo>
+                      <a:pt x="1306140" y="990929"/>
+                      <a:pt x="1029243" y="1012899"/>
+                      <a:pt x="775437" y="998543"/>
+                    </a:cubicBezTo>
+                    <a:cubicBezTo>
+                      <a:pt x="521631" y="984187"/>
+                      <a:pt x="348521" y="988594"/>
+                      <a:pt x="0" y="998543"/>
+                    </a:cubicBezTo>
+                    <a:cubicBezTo>
+                      <a:pt x="15806" y="833253"/>
+                      <a:pt x="8707" y="673061"/>
+                      <a:pt x="0" y="529228"/>
+                    </a:cubicBezTo>
+                    <a:cubicBezTo>
+                      <a:pt x="-8707" y="385395"/>
+                      <a:pt x="-14545" y="203241"/>
+                      <a:pt x="0" y="0"/>
+                    </a:cubicBezTo>
+                    <a:close/>
+                  </a:path>
+                  <a:path w="3942898" h="998543" stroke="0" extrusionOk="0">
+                    <a:moveTo>
+                      <a:pt x="0" y="0"/>
+                    </a:moveTo>
+                    <a:cubicBezTo>
+                      <a:pt x="281402" y="28522"/>
+                      <a:pt x="420676" y="-28109"/>
+                      <a:pt x="657150" y="0"/>
+                    </a:cubicBezTo>
+                    <a:cubicBezTo>
+                      <a:pt x="893624" y="28109"/>
+                      <a:pt x="1114468" y="16148"/>
+                      <a:pt x="1353728" y="0"/>
+                    </a:cubicBezTo>
+                    <a:cubicBezTo>
+                      <a:pt x="1592988" y="-16148"/>
+                      <a:pt x="1661467" y="-15847"/>
+                      <a:pt x="1892591" y="0"/>
+                    </a:cubicBezTo>
+                    <a:cubicBezTo>
+                      <a:pt x="2123715" y="15847"/>
+                      <a:pt x="2240873" y="-18111"/>
+                      <a:pt x="2549741" y="0"/>
+                    </a:cubicBezTo>
+                    <a:cubicBezTo>
+                      <a:pt x="2858609" y="18111"/>
+                      <a:pt x="3071114" y="19338"/>
+                      <a:pt x="3246319" y="0"/>
+                    </a:cubicBezTo>
+                    <a:cubicBezTo>
+                      <a:pt x="3421524" y="-19338"/>
+                      <a:pt x="3789996" y="31057"/>
+                      <a:pt x="3942898" y="0"/>
+                    </a:cubicBezTo>
+                    <a:cubicBezTo>
+                      <a:pt x="3958068" y="168439"/>
+                      <a:pt x="3939947" y="285510"/>
+                      <a:pt x="3942898" y="469315"/>
+                    </a:cubicBezTo>
+                    <a:cubicBezTo>
+                      <a:pt x="3945849" y="653120"/>
+                      <a:pt x="3957532" y="876690"/>
+                      <a:pt x="3942898" y="998543"/>
+                    </a:cubicBezTo>
+                    <a:cubicBezTo>
+                      <a:pt x="3717404" y="985708"/>
+                      <a:pt x="3464482" y="1015584"/>
+                      <a:pt x="3325177" y="998543"/>
+                    </a:cubicBezTo>
+                    <a:cubicBezTo>
+                      <a:pt x="3185872" y="981502"/>
+                      <a:pt x="2778013" y="1033071"/>
+                      <a:pt x="2628599" y="998543"/>
+                    </a:cubicBezTo>
+                    <a:cubicBezTo>
+                      <a:pt x="2479185" y="964015"/>
+                      <a:pt x="2064710" y="986881"/>
+                      <a:pt x="1892591" y="998543"/>
+                    </a:cubicBezTo>
+                    <a:cubicBezTo>
+                      <a:pt x="1720472" y="1010205"/>
+                      <a:pt x="1514375" y="974819"/>
+                      <a:pt x="1353728" y="998543"/>
+                    </a:cubicBezTo>
+                    <a:cubicBezTo>
+                      <a:pt x="1193081" y="1022267"/>
+                      <a:pt x="899520" y="973576"/>
+                      <a:pt x="736008" y="998543"/>
+                    </a:cubicBezTo>
+                    <a:cubicBezTo>
+                      <a:pt x="572496" y="1023510"/>
+                      <a:pt x="188433" y="1005340"/>
+                      <a:pt x="0" y="998543"/>
+                    </a:cubicBezTo>
+                    <a:cubicBezTo>
+                      <a:pt x="7847" y="825702"/>
+                      <a:pt x="-883" y="755291"/>
+                      <a:pt x="0" y="519242"/>
+                    </a:cubicBezTo>
+                    <a:cubicBezTo>
+                      <a:pt x="883" y="283193"/>
+                      <a:pt x="-603" y="122749"/>
+                      <a:pt x="0" y="0"/>
+                    </a:cubicBezTo>
+                    <a:close/>
+                  </a:path>
+                </a:pathLst>
+              </a:custGeom>
+              <a:solidFill>
+                <a:srgbClr val="FFC000"/>
+              </a:solidFill>
+              <a:ln w="19050">
+                <a:solidFill>
+                  <a:schemeClr val="tx1"/>
+                </a:solidFill>
+                <a:extLst>
+                  <a:ext uri="{C807C97D-BFC1-408E-A445-0C87EB9F89A2}">
+                    <ask:lineSketchStyleProps xmlns:ask="http://schemas.microsoft.com/office/drawing/2018/sketchyshapes" sd="3950756230">
+                      <a:prstGeom prst="rect">
+                        <a:avLst/>
+                      </a:prstGeom>
+                      <ask:type>
+                        <ask:lineSketchFreehand/>
+                      </ask:type>
+                    </ask:lineSketchStyleProps>
+                  </a:ext>
+                </a:extLst>
+              </a:ln>
+            </p:spPr>
+            <p:txBody>
+              <a:bodyPr wrap="square" rtlCol="0">
+                <a:spAutoFit/>
+              </a:bodyPr>
+              <a:lstStyle/>
+              <a:p>
+                <a:pPr/>
+                <a14:m>
+                  <m:oMathPara xmlns:m="http://schemas.openxmlformats.org/officeDocument/2006/math">
+                    <m:oMathParaPr>
+                      <m:jc m:val="centerGroup"/>
+                    </m:oMathParaPr>
+                    <m:oMath xmlns:m="http://schemas.openxmlformats.org/officeDocument/2006/math">
+                      <m:sSub>
+                        <m:sSubPr>
+                          <m:ctrlPr>
+                            <a:rPr lang="en-US" sz="2800" b="0" i="1" smtClean="0">
+                              <a:latin typeface="Cambria Math" panose="02040503050406030204" pitchFamily="18" charset="0"/>
+                            </a:rPr>
+                          </m:ctrlPr>
+                        </m:sSubPr>
+                        <m:e>
+                          <m:r>
+                            <a:rPr lang="en-US" sz="2800" b="0" i="1" smtClean="0">
+                              <a:latin typeface="Cambria Math" panose="02040503050406030204" pitchFamily="18" charset="0"/>
+                            </a:rPr>
+                            <m:t>𝐸</m:t>
+                          </m:r>
+                          <m:r>
+                            <a:rPr lang="en-US" sz="2800" b="0" i="1" smtClean="0">
+                              <a:latin typeface="Cambria Math" panose="02040503050406030204" pitchFamily="18" charset="0"/>
+                            </a:rPr>
+                            <m:t>𝐼</m:t>
+                          </m:r>
+                        </m:e>
+                        <m:sub>
+                          <m:r>
+                            <a:rPr lang="en-US" sz="2800" b="0" i="1" smtClean="0">
+                              <a:latin typeface="Cambria Math" panose="02040503050406030204" pitchFamily="18" charset="0"/>
+                            </a:rPr>
+                            <m:t>01</m:t>
+                          </m:r>
+                        </m:sub>
+                      </m:sSub>
+                      <m:r>
+                        <a:rPr lang="en-US" sz="2800" b="0" i="1" smtClean="0">
+                          <a:latin typeface="Cambria Math" panose="02040503050406030204" pitchFamily="18" charset="0"/>
+                        </a:rPr>
+                        <m:t>=</m:t>
+                      </m:r>
+                      <m:f>
+                        <m:fPr>
+                          <m:ctrlPr>
+                            <a:rPr lang="en-US" sz="2800" b="0" i="1" smtClean="0">
+                              <a:latin typeface="Cambria Math" panose="02040503050406030204" pitchFamily="18" charset="0"/>
+                            </a:rPr>
+                          </m:ctrlPr>
+                        </m:fPr>
+                        <m:num>
+                          <m:nary>
+                            <m:naryPr>
+                              <m:chr m:val="∑"/>
+                              <m:subHide m:val="on"/>
+                              <m:supHide m:val="on"/>
+                              <m:ctrlPr>
+                                <a:rPr lang="en-US" sz="2800" b="0" i="1" smtClean="0">
+                                  <a:latin typeface="Cambria Math" panose="02040503050406030204" pitchFamily="18" charset="0"/>
+                                </a:rPr>
+                              </m:ctrlPr>
+                            </m:naryPr>
+                            <m:sub/>
+                            <m:sup/>
+                            <m:e>
+                              <m:sSub>
+                                <m:sSubPr>
+                                  <m:ctrlPr>
+                                    <a:rPr lang="en-US" sz="2800" b="0" i="1" smtClean="0">
+                                      <a:latin typeface="Cambria Math" panose="02040503050406030204" pitchFamily="18" charset="0"/>
+                                    </a:rPr>
+                                  </m:ctrlPr>
+                                </m:sSubPr>
+                                <m:e>
+                                  <m:r>
+                                    <a:rPr lang="en-US" sz="2800" b="0" i="1" smtClean="0">
+                                      <a:latin typeface="Cambria Math" panose="02040503050406030204" pitchFamily="18" charset="0"/>
+                                    </a:rPr>
+                                    <m:t>𝑃</m:t>
+                                  </m:r>
+                                </m:e>
+                                <m:sub>
+                                  <m:r>
+                                    <a:rPr lang="en-US" sz="2800" b="0" i="1" smtClean="0">
+                                      <a:latin typeface="Cambria Math" panose="02040503050406030204" pitchFamily="18" charset="0"/>
+                                    </a:rPr>
+                                    <m:t>1</m:t>
+                                  </m:r>
+                                </m:sub>
+                              </m:sSub>
+                              <m:sSub>
+                                <m:sSubPr>
+                                  <m:ctrlPr>
+                                    <a:rPr lang="en-US" sz="2800" b="0" i="1" smtClean="0">
+                                      <a:latin typeface="Cambria Math" panose="02040503050406030204" pitchFamily="18" charset="0"/>
+                                    </a:rPr>
+                                  </m:ctrlPr>
+                                </m:sSubPr>
+                                <m:e>
+                                  <m:r>
+                                    <a:rPr lang="en-US" sz="2800" b="0" i="1" smtClean="0">
+                                      <a:latin typeface="Cambria Math" panose="02040503050406030204" pitchFamily="18" charset="0"/>
+                                    </a:rPr>
+                                    <m:t>𝑄</m:t>
+                                  </m:r>
+                                </m:e>
+                                <m:sub>
+                                  <m:r>
+                                    <a:rPr lang="en-US" sz="2800" b="0" i="1" smtClean="0">
+                                      <a:latin typeface="Cambria Math" panose="02040503050406030204" pitchFamily="18" charset="0"/>
+                                    </a:rPr>
+                                    <m:t>0</m:t>
+                                  </m:r>
+                                </m:sub>
+                              </m:sSub>
+                              <m:r>
+                                <a:rPr lang="en-US" sz="2800" b="0" i="1" smtClean="0">
+                                  <a:latin typeface="Cambria Math" panose="02040503050406030204" pitchFamily="18" charset="0"/>
+                                </a:rPr>
+                                <m:t>+</m:t>
+                              </m:r>
+                              <m:nary>
+                                <m:naryPr>
+                                  <m:chr m:val="∑"/>
+                                  <m:subHide m:val="on"/>
+                                  <m:supHide m:val="on"/>
+                                  <m:ctrlPr>
+                                    <a:rPr lang="en-US" sz="2800" b="0" i="1" smtClean="0">
+                                      <a:latin typeface="Cambria Math" panose="02040503050406030204" pitchFamily="18" charset="0"/>
+                                    </a:rPr>
+                                  </m:ctrlPr>
+                                </m:naryPr>
+                                <m:sub/>
+                                <m:sup/>
+                                <m:e>
+                                  <m:sSub>
+                                    <m:sSubPr>
+                                      <m:ctrlPr>
+                                        <a:rPr lang="en-US" sz="2800" b="0" i="1" smtClean="0">
+                                          <a:latin typeface="Cambria Math" panose="02040503050406030204" pitchFamily="18" charset="0"/>
+                                        </a:rPr>
+                                      </m:ctrlPr>
+                                    </m:sSubPr>
+                                    <m:e>
+                                      <m:r>
+                                        <a:rPr lang="en-US" sz="2800" b="0" i="1" smtClean="0">
+                                          <a:latin typeface="Cambria Math" panose="02040503050406030204" pitchFamily="18" charset="0"/>
+                                        </a:rPr>
+                                        <m:t>𝑃</m:t>
+                                      </m:r>
+                                    </m:e>
+                                    <m:sub>
+                                      <m:r>
+                                        <a:rPr lang="en-US" sz="2800" b="0" i="1" smtClean="0">
+                                          <a:latin typeface="Cambria Math" panose="02040503050406030204" pitchFamily="18" charset="0"/>
+                                        </a:rPr>
+                                        <m:t>1</m:t>
+                                      </m:r>
+                                    </m:sub>
+                                  </m:sSub>
+                                  <m:sSub>
+                                    <m:sSubPr>
+                                      <m:ctrlPr>
+                                        <a:rPr lang="en-US" sz="2800" b="0" i="1" smtClean="0">
+                                          <a:latin typeface="Cambria Math" panose="02040503050406030204" pitchFamily="18" charset="0"/>
+                                        </a:rPr>
+                                      </m:ctrlPr>
+                                    </m:sSubPr>
+                                    <m:e>
+                                      <m:r>
+                                        <a:rPr lang="en-US" sz="2800" b="0" i="1" smtClean="0">
+                                          <a:latin typeface="Cambria Math" panose="02040503050406030204" pitchFamily="18" charset="0"/>
+                                        </a:rPr>
+                                        <m:t>𝑄</m:t>
+                                      </m:r>
+                                    </m:e>
+                                    <m:sub>
+                                      <m:r>
+                                        <a:rPr lang="en-US" sz="2800" b="0" i="1" smtClean="0">
+                                          <a:latin typeface="Cambria Math" panose="02040503050406030204" pitchFamily="18" charset="0"/>
+                                        </a:rPr>
+                                        <m:t>1</m:t>
+                                      </m:r>
+                                    </m:sub>
+                                  </m:sSub>
+                                </m:e>
+                              </m:nary>
+                            </m:e>
+                          </m:nary>
+                        </m:num>
+                        <m:den>
+                          <m:nary>
+                            <m:naryPr>
+                              <m:chr m:val="∑"/>
+                              <m:subHide m:val="on"/>
+                              <m:supHide m:val="on"/>
+                              <m:ctrlPr>
+                                <a:rPr lang="en-US" sz="2800" b="0" i="1" smtClean="0">
+                                  <a:latin typeface="Cambria Math" panose="02040503050406030204" pitchFamily="18" charset="0"/>
+                                </a:rPr>
+                              </m:ctrlPr>
+                            </m:naryPr>
+                            <m:sub/>
+                            <m:sup/>
+                            <m:e>
+                              <m:sSub>
+                                <m:sSubPr>
+                                  <m:ctrlPr>
+                                    <a:rPr lang="en-US" sz="2800" b="0" i="1" smtClean="0">
+                                      <a:latin typeface="Cambria Math" panose="02040503050406030204" pitchFamily="18" charset="0"/>
+                                    </a:rPr>
+                                  </m:ctrlPr>
+                                </m:sSubPr>
+                                <m:e>
+                                  <m:r>
+                                    <a:rPr lang="en-US" sz="2800" b="0" i="1" smtClean="0">
+                                      <a:latin typeface="Cambria Math" panose="02040503050406030204" pitchFamily="18" charset="0"/>
+                                    </a:rPr>
+                                    <m:t>𝑃</m:t>
+                                  </m:r>
+                                </m:e>
+                                <m:sub>
+                                  <m:r>
+                                    <a:rPr lang="en-US" sz="2800" b="0" i="1" smtClean="0">
+                                      <a:latin typeface="Cambria Math" panose="02040503050406030204" pitchFamily="18" charset="0"/>
+                                    </a:rPr>
+                                    <m:t>0</m:t>
+                                  </m:r>
+                                </m:sub>
+                              </m:sSub>
+                              <m:sSub>
+                                <m:sSubPr>
+                                  <m:ctrlPr>
+                                    <a:rPr lang="en-US" sz="2800" b="0" i="1" smtClean="0">
+                                      <a:latin typeface="Cambria Math" panose="02040503050406030204" pitchFamily="18" charset="0"/>
+                                    </a:rPr>
+                                  </m:ctrlPr>
+                                </m:sSubPr>
+                                <m:e>
+                                  <m:r>
+                                    <a:rPr lang="en-US" sz="2800" b="0" i="1" smtClean="0">
+                                      <a:latin typeface="Cambria Math" panose="02040503050406030204" pitchFamily="18" charset="0"/>
+                                    </a:rPr>
+                                    <m:t>𝑄</m:t>
+                                  </m:r>
+                                </m:e>
+                                <m:sub>
+                                  <m:r>
+                                    <a:rPr lang="en-US" sz="2800" b="0" i="1" smtClean="0">
+                                      <a:latin typeface="Cambria Math" panose="02040503050406030204" pitchFamily="18" charset="0"/>
+                                    </a:rPr>
+                                    <m:t>0</m:t>
+                                  </m:r>
+                                </m:sub>
+                              </m:sSub>
+                            </m:e>
+                          </m:nary>
+                          <m:r>
+                            <a:rPr lang="en-US" sz="2800" i="1">
+                              <a:latin typeface="Cambria Math" panose="02040503050406030204" pitchFamily="18" charset="0"/>
+                            </a:rPr>
+                            <m:t>+</m:t>
+                          </m:r>
+                          <m:nary>
+                            <m:naryPr>
+                              <m:chr m:val="∑"/>
+                              <m:subHide m:val="on"/>
+                              <m:supHide m:val="on"/>
+                              <m:ctrlPr>
+                                <a:rPr lang="en-US" sz="2800" i="1">
+                                  <a:latin typeface="Cambria Math" panose="02040503050406030204" pitchFamily="18" charset="0"/>
+                                </a:rPr>
+                              </m:ctrlPr>
+                            </m:naryPr>
+                            <m:sub/>
+                            <m:sup/>
+                            <m:e>
+                              <m:sSub>
+                                <m:sSubPr>
+                                  <m:ctrlPr>
+                                    <a:rPr lang="en-US" sz="2800" i="1">
+                                      <a:latin typeface="Cambria Math" panose="02040503050406030204" pitchFamily="18" charset="0"/>
+                                    </a:rPr>
+                                  </m:ctrlPr>
+                                </m:sSubPr>
+                                <m:e>
+                                  <m:r>
+                                    <a:rPr lang="en-US" sz="2800" i="1">
+                                      <a:latin typeface="Cambria Math" panose="02040503050406030204" pitchFamily="18" charset="0"/>
+                                    </a:rPr>
+                                    <m:t>𝑃</m:t>
+                                  </m:r>
+                                </m:e>
+                                <m:sub>
+                                  <m:r>
+                                    <a:rPr lang="en-US" sz="2800" b="0" i="1" smtClean="0">
+                                      <a:latin typeface="Cambria Math" panose="02040503050406030204" pitchFamily="18" charset="0"/>
+                                    </a:rPr>
+                                    <m:t>0</m:t>
+                                  </m:r>
+                                </m:sub>
+                              </m:sSub>
+                              <m:sSub>
+                                <m:sSubPr>
+                                  <m:ctrlPr>
+                                    <a:rPr lang="en-US" sz="2800" i="1">
+                                      <a:latin typeface="Cambria Math" panose="02040503050406030204" pitchFamily="18" charset="0"/>
+                                    </a:rPr>
+                                  </m:ctrlPr>
+                                </m:sSubPr>
+                                <m:e>
+                                  <m:r>
+                                    <a:rPr lang="en-US" sz="2800" i="1">
+                                      <a:latin typeface="Cambria Math" panose="02040503050406030204" pitchFamily="18" charset="0"/>
+                                    </a:rPr>
+                                    <m:t>𝑄</m:t>
+                                  </m:r>
+                                </m:e>
+                                <m:sub>
+                                  <m:r>
+                                    <a:rPr lang="en-US" sz="2800" i="1">
+                                      <a:latin typeface="Cambria Math" panose="02040503050406030204" pitchFamily="18" charset="0"/>
+                                    </a:rPr>
+                                    <m:t>1</m:t>
+                                  </m:r>
+                                </m:sub>
+                              </m:sSub>
+                            </m:e>
+                          </m:nary>
+                        </m:den>
+                      </m:f>
+                    </m:oMath>
+                  </m:oMathPara>
+                </a14:m>
+                <a:endParaRPr lang="en-US" sz="2800" dirty="0"/>
+              </a:p>
+            </p:txBody>
+          </p:sp>
+        </mc:Choice>
+        <mc:Fallback>
+          <p:sp>
+            <p:nvSpPr>
+              <p:cNvPr id="13" name="TextBox 12">
+                <a:extLst>
+                  <a:ext uri="{FF2B5EF4-FFF2-40B4-BE49-F238E27FC236}">
+                    <a16:creationId xmlns:a16="http://schemas.microsoft.com/office/drawing/2014/main" id="{64F3243E-152A-47E7-BCBE-983D6E2BB39D}"/>
+                  </a:ext>
+                </a:extLst>
+              </p:cNvPr>
+              <p:cNvSpPr txBox="1">
+                <a:spLocks noRot="1" noChangeAspect="1" noMove="1" noResize="1" noEditPoints="1" noAdjustHandles="1" noChangeArrowheads="1" noChangeShapeType="1" noTextEdit="1"/>
+              </p:cNvSpPr>
+              <p:nvPr/>
+            </p:nvSpPr>
+            <p:spPr>
+              <a:xfrm>
+                <a:off x="9077362" y="5847026"/>
+                <a:ext cx="3942898" cy="998543"/>
+              </a:xfrm>
+              <a:prstGeom prst="rect">
+                <a:avLst/>
+              </a:prstGeom>
+              <a:blipFill>
+                <a:blip r:embed="rId6"/>
+                <a:stretch>
+                  <a:fillRect/>
+                </a:stretch>
+              </a:blipFill>
+              <a:ln w="19050">
+                <a:solidFill>
+                  <a:schemeClr val="tx1"/>
+                </a:solidFill>
+                <a:extLst>
+                  <a:ext uri="{C807C97D-BFC1-408E-A445-0C87EB9F89A2}">
+                    <ask:lineSketchStyleProps xmlns:ask="http://schemas.microsoft.com/office/drawing/2018/sketchyshapes" sd="3950756230">
+                      <a:custGeom>
+                        <a:avLst/>
+                        <a:gdLst>
+                          <a:gd name="connsiteX0" fmla="*/ 0 w 3942898"/>
+                          <a:gd name="connsiteY0" fmla="*/ 0 h 998543"/>
+                          <a:gd name="connsiteX1" fmla="*/ 578292 w 3942898"/>
+                          <a:gd name="connsiteY1" fmla="*/ 0 h 998543"/>
+                          <a:gd name="connsiteX2" fmla="*/ 1235441 w 3942898"/>
+                          <a:gd name="connsiteY2" fmla="*/ 0 h 998543"/>
+                          <a:gd name="connsiteX3" fmla="*/ 1853162 w 3942898"/>
+                          <a:gd name="connsiteY3" fmla="*/ 0 h 998543"/>
+                          <a:gd name="connsiteX4" fmla="*/ 2470883 w 3942898"/>
+                          <a:gd name="connsiteY4" fmla="*/ 0 h 998543"/>
+                          <a:gd name="connsiteX5" fmla="*/ 3049174 w 3942898"/>
+                          <a:gd name="connsiteY5" fmla="*/ 0 h 998543"/>
+                          <a:gd name="connsiteX6" fmla="*/ 3942898 w 3942898"/>
+                          <a:gd name="connsiteY6" fmla="*/ 0 h 998543"/>
+                          <a:gd name="connsiteX7" fmla="*/ 3942898 w 3942898"/>
+                          <a:gd name="connsiteY7" fmla="*/ 489286 h 998543"/>
+                          <a:gd name="connsiteX8" fmla="*/ 3942898 w 3942898"/>
+                          <a:gd name="connsiteY8" fmla="*/ 998543 h 998543"/>
+                          <a:gd name="connsiteX9" fmla="*/ 3364606 w 3942898"/>
+                          <a:gd name="connsiteY9" fmla="*/ 998543 h 998543"/>
+                          <a:gd name="connsiteX10" fmla="*/ 2825744 w 3942898"/>
+                          <a:gd name="connsiteY10" fmla="*/ 998543 h 998543"/>
+                          <a:gd name="connsiteX11" fmla="*/ 2168594 w 3942898"/>
+                          <a:gd name="connsiteY11" fmla="*/ 998543 h 998543"/>
+                          <a:gd name="connsiteX12" fmla="*/ 1511444 w 3942898"/>
+                          <a:gd name="connsiteY12" fmla="*/ 998543 h 998543"/>
+                          <a:gd name="connsiteX13" fmla="*/ 775437 w 3942898"/>
+                          <a:gd name="connsiteY13" fmla="*/ 998543 h 998543"/>
+                          <a:gd name="connsiteX14" fmla="*/ 0 w 3942898"/>
+                          <a:gd name="connsiteY14" fmla="*/ 998543 h 998543"/>
+                          <a:gd name="connsiteX15" fmla="*/ 0 w 3942898"/>
+                          <a:gd name="connsiteY15" fmla="*/ 529228 h 998543"/>
+                          <a:gd name="connsiteX16" fmla="*/ 0 w 3942898"/>
+                          <a:gd name="connsiteY16" fmla="*/ 0 h 998543"/>
+                        </a:gdLst>
+                        <a:ahLst/>
+                        <a:cxnLst>
+                          <a:cxn ang="0">
+                            <a:pos x="connsiteX0" y="connsiteY0"/>
+                          </a:cxn>
+                          <a:cxn ang="0">
+                            <a:pos x="connsiteX1" y="connsiteY1"/>
+                          </a:cxn>
+                          <a:cxn ang="0">
+                            <a:pos x="connsiteX2" y="connsiteY2"/>
+                          </a:cxn>
+                          <a:cxn ang="0">
+                            <a:pos x="connsiteX3" y="connsiteY3"/>
+                          </a:cxn>
+                          <a:cxn ang="0">
+                            <a:pos x="connsiteX4" y="connsiteY4"/>
+                          </a:cxn>
+                          <a:cxn ang="0">
+                            <a:pos x="connsiteX5" y="connsiteY5"/>
+                          </a:cxn>
+                          <a:cxn ang="0">
+                            <a:pos x="connsiteX6" y="connsiteY6"/>
+                          </a:cxn>
+                          <a:cxn ang="0">
+                            <a:pos x="connsiteX7" y="connsiteY7"/>
+                          </a:cxn>
+                          <a:cxn ang="0">
+                            <a:pos x="connsiteX8" y="connsiteY8"/>
+                          </a:cxn>
+                          <a:cxn ang="0">
+                            <a:pos x="connsiteX9" y="connsiteY9"/>
+                          </a:cxn>
+                          <a:cxn ang="0">
+                            <a:pos x="connsiteX10" y="connsiteY10"/>
+                          </a:cxn>
+                          <a:cxn ang="0">
+                            <a:pos x="connsiteX11" y="connsiteY11"/>
+                          </a:cxn>
+                          <a:cxn ang="0">
+                            <a:pos x="connsiteX12" y="connsiteY12"/>
+                          </a:cxn>
+                          <a:cxn ang="0">
+                            <a:pos x="connsiteX13" y="connsiteY13"/>
+                          </a:cxn>
+                          <a:cxn ang="0">
+                            <a:pos x="connsiteX14" y="connsiteY14"/>
+                          </a:cxn>
+                          <a:cxn ang="0">
+                            <a:pos x="connsiteX15" y="connsiteY15"/>
+                          </a:cxn>
+                          <a:cxn ang="0">
+                            <a:pos x="connsiteX16" y="connsiteY16"/>
+                          </a:cxn>
+                        </a:cxnLst>
+                        <a:rect l="l" t="t" r="r" b="b"/>
+                        <a:pathLst>
+                          <a:path w="3942898" h="998543" fill="none" extrusionOk="0">
+                            <a:moveTo>
+                              <a:pt x="0" y="0"/>
+                            </a:moveTo>
+                            <a:cubicBezTo>
+                              <a:pt x="269422" y="13660"/>
+                              <a:pt x="359202" y="5490"/>
+                              <a:pt x="578292" y="0"/>
+                            </a:cubicBezTo>
+                            <a:cubicBezTo>
+                              <a:pt x="797382" y="-5490"/>
+                              <a:pt x="929416" y="-30184"/>
+                              <a:pt x="1235441" y="0"/>
+                            </a:cubicBezTo>
+                            <a:cubicBezTo>
+                              <a:pt x="1541466" y="30184"/>
+                              <a:pt x="1609764" y="3958"/>
+                              <a:pt x="1853162" y="0"/>
+                            </a:cubicBezTo>
+                            <a:cubicBezTo>
+                              <a:pt x="2096560" y="-3958"/>
+                              <a:pt x="2259682" y="29376"/>
+                              <a:pt x="2470883" y="0"/>
+                            </a:cubicBezTo>
+                            <a:cubicBezTo>
+                              <a:pt x="2682084" y="-29376"/>
+                              <a:pt x="2822413" y="11150"/>
+                              <a:pt x="3049174" y="0"/>
+                            </a:cubicBezTo>
+                            <a:cubicBezTo>
+                              <a:pt x="3275935" y="-11150"/>
+                              <a:pt x="3592931" y="11488"/>
+                              <a:pt x="3942898" y="0"/>
+                            </a:cubicBezTo>
+                            <a:cubicBezTo>
+                              <a:pt x="3937610" y="199470"/>
+                              <a:pt x="3928813" y="270665"/>
+                              <a:pt x="3942898" y="489286"/>
+                            </a:cubicBezTo>
+                            <a:cubicBezTo>
+                              <a:pt x="3956983" y="707907"/>
+                              <a:pt x="3945849" y="877929"/>
+                              <a:pt x="3942898" y="998543"/>
+                            </a:cubicBezTo>
+                            <a:cubicBezTo>
+                              <a:pt x="3826832" y="998591"/>
+                              <a:pt x="3538255" y="1014983"/>
+                              <a:pt x="3364606" y="998543"/>
+                            </a:cubicBezTo>
+                            <a:cubicBezTo>
+                              <a:pt x="3190957" y="982103"/>
+                              <a:pt x="2984061" y="1007720"/>
+                              <a:pt x="2825744" y="998543"/>
+                            </a:cubicBezTo>
+                            <a:cubicBezTo>
+                              <a:pt x="2667427" y="989366"/>
+                              <a:pt x="2308997" y="992018"/>
+                              <a:pt x="2168594" y="998543"/>
+                            </a:cubicBezTo>
+                            <a:cubicBezTo>
+                              <a:pt x="2028191" y="1005069"/>
+                              <a:pt x="1716748" y="1006158"/>
+                              <a:pt x="1511444" y="998543"/>
+                            </a:cubicBezTo>
+                            <a:cubicBezTo>
+                              <a:pt x="1306140" y="990929"/>
+                              <a:pt x="1029243" y="1012899"/>
+                              <a:pt x="775437" y="998543"/>
+                            </a:cubicBezTo>
+                            <a:cubicBezTo>
+                              <a:pt x="521631" y="984187"/>
+                              <a:pt x="348521" y="988594"/>
+                              <a:pt x="0" y="998543"/>
+                            </a:cubicBezTo>
+                            <a:cubicBezTo>
+                              <a:pt x="15806" y="833253"/>
+                              <a:pt x="8707" y="673061"/>
+                              <a:pt x="0" y="529228"/>
+                            </a:cubicBezTo>
+                            <a:cubicBezTo>
+                              <a:pt x="-8707" y="385395"/>
+                              <a:pt x="-14545" y="203241"/>
+                              <a:pt x="0" y="0"/>
+                            </a:cubicBezTo>
+                            <a:close/>
+                          </a:path>
+                          <a:path w="3942898" h="998543" stroke="0" extrusionOk="0">
+                            <a:moveTo>
+                              <a:pt x="0" y="0"/>
+                            </a:moveTo>
+                            <a:cubicBezTo>
+                              <a:pt x="281402" y="28522"/>
+                              <a:pt x="420676" y="-28109"/>
+                              <a:pt x="657150" y="0"/>
+                            </a:cubicBezTo>
+                            <a:cubicBezTo>
+                              <a:pt x="893624" y="28109"/>
+                              <a:pt x="1114468" y="16148"/>
+                              <a:pt x="1353728" y="0"/>
+                            </a:cubicBezTo>
+                            <a:cubicBezTo>
+                              <a:pt x="1592988" y="-16148"/>
+                              <a:pt x="1661467" y="-15847"/>
+                              <a:pt x="1892591" y="0"/>
+                            </a:cubicBezTo>
+                            <a:cubicBezTo>
+                              <a:pt x="2123715" y="15847"/>
+                              <a:pt x="2240873" y="-18111"/>
+                              <a:pt x="2549741" y="0"/>
+                            </a:cubicBezTo>
+                            <a:cubicBezTo>
+                              <a:pt x="2858609" y="18111"/>
+                              <a:pt x="3071114" y="19338"/>
+                              <a:pt x="3246319" y="0"/>
+                            </a:cubicBezTo>
+                            <a:cubicBezTo>
+                              <a:pt x="3421524" y="-19338"/>
+                              <a:pt x="3789996" y="31057"/>
+                              <a:pt x="3942898" y="0"/>
+                            </a:cubicBezTo>
+                            <a:cubicBezTo>
+                              <a:pt x="3958068" y="168439"/>
+                              <a:pt x="3939947" y="285510"/>
+                              <a:pt x="3942898" y="469315"/>
+                            </a:cubicBezTo>
+                            <a:cubicBezTo>
+                              <a:pt x="3945849" y="653120"/>
+                              <a:pt x="3957532" y="876690"/>
+                              <a:pt x="3942898" y="998543"/>
+                            </a:cubicBezTo>
+                            <a:cubicBezTo>
+                              <a:pt x="3717404" y="985708"/>
+                              <a:pt x="3464482" y="1015584"/>
+                              <a:pt x="3325177" y="998543"/>
+                            </a:cubicBezTo>
+                            <a:cubicBezTo>
+                              <a:pt x="3185872" y="981502"/>
+                              <a:pt x="2778013" y="1033071"/>
+                              <a:pt x="2628599" y="998543"/>
+                            </a:cubicBezTo>
+                            <a:cubicBezTo>
+                              <a:pt x="2479185" y="964015"/>
+                              <a:pt x="2064710" y="986881"/>
+                              <a:pt x="1892591" y="998543"/>
+                            </a:cubicBezTo>
+                            <a:cubicBezTo>
+                              <a:pt x="1720472" y="1010205"/>
+                              <a:pt x="1514375" y="974819"/>
+                              <a:pt x="1353728" y="998543"/>
+                            </a:cubicBezTo>
+                            <a:cubicBezTo>
+                              <a:pt x="1193081" y="1022267"/>
+                              <a:pt x="899520" y="973576"/>
+                              <a:pt x="736008" y="998543"/>
+                            </a:cubicBezTo>
+                            <a:cubicBezTo>
+                              <a:pt x="572496" y="1023510"/>
+                              <a:pt x="188433" y="1005340"/>
+                              <a:pt x="0" y="998543"/>
+                            </a:cubicBezTo>
+                            <a:cubicBezTo>
+                              <a:pt x="7847" y="825702"/>
+                              <a:pt x="-883" y="755291"/>
+                              <a:pt x="0" y="519242"/>
+                            </a:cubicBezTo>
+                            <a:cubicBezTo>
+                              <a:pt x="883" y="283193"/>
+                              <a:pt x="-603" y="122749"/>
+                              <a:pt x="0" y="0"/>
+                            </a:cubicBezTo>
+                            <a:close/>
+                          </a:path>
+                        </a:pathLst>
+                      </a:custGeom>
+                      <ask:type>
+                        <ask:lineSketchFreehand/>
+                      </ask:type>
+                    </ask:lineSketchStyleProps>
+                  </a:ext>
+                </a:extLst>
+              </a:ln>
+            </p:spPr>
+            <p:txBody>
+              <a:bodyPr/>
+              <a:lstStyle/>
+              <a:p>
+                <a:r>
+                  <a:rPr lang="en-US">
+                    <a:noFill/>
+                  </a:rPr>
+                  <a:t> </a:t>
+                </a:r>
+              </a:p>
+            </p:txBody>
+          </p:sp>
+        </mc:Fallback>
+      </mc:AlternateContent>
+      <p:cxnSp>
+        <p:nvCxnSpPr>
+          <p:cNvPr id="19" name="Straight Arrow Connector 18">
+            <a:extLst>
+              <a:ext uri="{FF2B5EF4-FFF2-40B4-BE49-F238E27FC236}">
+                <a16:creationId xmlns:a16="http://schemas.microsoft.com/office/drawing/2014/main" id="{234C33A6-BB53-52CF-528B-54D45C3DEC17}"/>
+              </a:ext>
+            </a:extLst>
+          </p:cNvPr>
+          <p:cNvCxnSpPr>
+            <a:cxnSpLocks/>
+          </p:cNvCxnSpPr>
+          <p:nvPr/>
+        </p:nvCxnSpPr>
+        <p:spPr>
+          <a:xfrm>
+            <a:off x="8150087" y="6343243"/>
+            <a:ext cx="927275" cy="0"/>
+          </a:xfrm>
+          <a:prstGeom prst="straightConnector1">
+            <a:avLst/>
+          </a:prstGeom>
+          <a:ln w="57150">
+            <a:solidFill>
+              <a:srgbClr val="FF0000"/>
+            </a:solidFill>
+            <a:tailEnd type="triangle"/>
+          </a:ln>
+        </p:spPr>
+        <p:style>
+          <a:lnRef idx="1">
+            <a:schemeClr val="dk1"/>
+          </a:lnRef>
+          <a:fillRef idx="0">
+            <a:schemeClr val="dk1"/>
+          </a:fillRef>
+          <a:effectRef idx="0">
+            <a:schemeClr val="dk1"/>
+          </a:effectRef>
+          <a:fontRef idx="minor">
+            <a:schemeClr val="tx1"/>
+          </a:fontRef>
+        </p:style>
+      </p:cxnSp>
+      <mc:AlternateContent xmlns:mc="http://schemas.openxmlformats.org/markup-compatibility/2006">
+        <mc:Choice xmlns:a14="http://schemas.microsoft.com/office/drawing/2010/main" Requires="a14">
+          <p:sp>
+            <p:nvSpPr>
+              <p:cNvPr id="20" name="TextBox 19">
+                <a:extLst>
+                  <a:ext uri="{FF2B5EF4-FFF2-40B4-BE49-F238E27FC236}">
+                    <a16:creationId xmlns:a16="http://schemas.microsoft.com/office/drawing/2014/main" id="{56B889E2-9AEE-F8B2-72BB-E9A2C0AC4C80}"/>
+                  </a:ext>
+                </a:extLst>
+              </p:cNvPr>
+              <p:cNvSpPr txBox="1"/>
+              <p:nvPr/>
+            </p:nvSpPr>
+            <p:spPr>
+              <a:xfrm>
+                <a:off x="210906" y="6685601"/>
+                <a:ext cx="3505576" cy="783869"/>
+              </a:xfrm>
+              <a:custGeom>
+                <a:avLst/>
+                <a:gdLst>
+                  <a:gd name="connsiteX0" fmla="*/ 0 w 3505576"/>
+                  <a:gd name="connsiteY0" fmla="*/ 0 h 783869"/>
+                  <a:gd name="connsiteX1" fmla="*/ 514151 w 3505576"/>
+                  <a:gd name="connsiteY1" fmla="*/ 0 h 783869"/>
+                  <a:gd name="connsiteX2" fmla="*/ 1098414 w 3505576"/>
+                  <a:gd name="connsiteY2" fmla="*/ 0 h 783869"/>
+                  <a:gd name="connsiteX3" fmla="*/ 1647621 w 3505576"/>
+                  <a:gd name="connsiteY3" fmla="*/ 0 h 783869"/>
+                  <a:gd name="connsiteX4" fmla="*/ 2196828 w 3505576"/>
+                  <a:gd name="connsiteY4" fmla="*/ 0 h 783869"/>
+                  <a:gd name="connsiteX5" fmla="*/ 2710979 w 3505576"/>
+                  <a:gd name="connsiteY5" fmla="*/ 0 h 783869"/>
+                  <a:gd name="connsiteX6" fmla="*/ 3505576 w 3505576"/>
+                  <a:gd name="connsiteY6" fmla="*/ 0 h 783869"/>
+                  <a:gd name="connsiteX7" fmla="*/ 3505576 w 3505576"/>
+                  <a:gd name="connsiteY7" fmla="*/ 384096 h 783869"/>
+                  <a:gd name="connsiteX8" fmla="*/ 3505576 w 3505576"/>
+                  <a:gd name="connsiteY8" fmla="*/ 783869 h 783869"/>
+                  <a:gd name="connsiteX9" fmla="*/ 2991425 w 3505576"/>
+                  <a:gd name="connsiteY9" fmla="*/ 783869 h 783869"/>
+                  <a:gd name="connsiteX10" fmla="*/ 2512329 w 3505576"/>
+                  <a:gd name="connsiteY10" fmla="*/ 783869 h 783869"/>
+                  <a:gd name="connsiteX11" fmla="*/ 1928067 w 3505576"/>
+                  <a:gd name="connsiteY11" fmla="*/ 783869 h 783869"/>
+                  <a:gd name="connsiteX12" fmla="*/ 1343804 w 3505576"/>
+                  <a:gd name="connsiteY12" fmla="*/ 783869 h 783869"/>
+                  <a:gd name="connsiteX13" fmla="*/ 689430 w 3505576"/>
+                  <a:gd name="connsiteY13" fmla="*/ 783869 h 783869"/>
+                  <a:gd name="connsiteX14" fmla="*/ 0 w 3505576"/>
+                  <a:gd name="connsiteY14" fmla="*/ 783869 h 783869"/>
+                  <a:gd name="connsiteX15" fmla="*/ 0 w 3505576"/>
+                  <a:gd name="connsiteY15" fmla="*/ 415451 h 783869"/>
+                  <a:gd name="connsiteX16" fmla="*/ 0 w 3505576"/>
+                  <a:gd name="connsiteY16" fmla="*/ 0 h 783869"/>
+                </a:gdLst>
+                <a:ahLst/>
+                <a:cxnLst>
+                  <a:cxn ang="0">
+                    <a:pos x="connsiteX0" y="connsiteY0"/>
+                  </a:cxn>
+                  <a:cxn ang="0">
+                    <a:pos x="connsiteX1" y="connsiteY1"/>
+                  </a:cxn>
+                  <a:cxn ang="0">
+                    <a:pos x="connsiteX2" y="connsiteY2"/>
+                  </a:cxn>
+                  <a:cxn ang="0">
+                    <a:pos x="connsiteX3" y="connsiteY3"/>
+                  </a:cxn>
+                  <a:cxn ang="0">
+                    <a:pos x="connsiteX4" y="connsiteY4"/>
+                  </a:cxn>
+                  <a:cxn ang="0">
+                    <a:pos x="connsiteX5" y="connsiteY5"/>
+                  </a:cxn>
+                  <a:cxn ang="0">
+                    <a:pos x="connsiteX6" y="connsiteY6"/>
+                  </a:cxn>
+                  <a:cxn ang="0">
+                    <a:pos x="connsiteX7" y="connsiteY7"/>
+                  </a:cxn>
+                  <a:cxn ang="0">
+                    <a:pos x="connsiteX8" y="connsiteY8"/>
+                  </a:cxn>
+                  <a:cxn ang="0">
+                    <a:pos x="connsiteX9" y="connsiteY9"/>
+                  </a:cxn>
+                  <a:cxn ang="0">
+                    <a:pos x="connsiteX10" y="connsiteY10"/>
+                  </a:cxn>
+                  <a:cxn ang="0">
+                    <a:pos x="connsiteX11" y="connsiteY11"/>
+                  </a:cxn>
+                  <a:cxn ang="0">
+                    <a:pos x="connsiteX12" y="connsiteY12"/>
+                  </a:cxn>
+                  <a:cxn ang="0">
+                    <a:pos x="connsiteX13" y="connsiteY13"/>
+                  </a:cxn>
+                  <a:cxn ang="0">
+                    <a:pos x="connsiteX14" y="connsiteY14"/>
+                  </a:cxn>
+                  <a:cxn ang="0">
+                    <a:pos x="connsiteX15" y="connsiteY15"/>
+                  </a:cxn>
+                  <a:cxn ang="0">
+                    <a:pos x="connsiteX16" y="connsiteY16"/>
+                  </a:cxn>
+                </a:cxnLst>
+                <a:rect l="l" t="t" r="r" b="b"/>
+                <a:pathLst>
+                  <a:path w="3505576" h="783869" fill="none" extrusionOk="0">
+                    <a:moveTo>
+                      <a:pt x="0" y="0"/>
+                    </a:moveTo>
+                    <a:cubicBezTo>
+                      <a:pt x="171458" y="-21792"/>
+                      <a:pt x="327436" y="-20892"/>
+                      <a:pt x="514151" y="0"/>
+                    </a:cubicBezTo>
+                    <a:cubicBezTo>
+                      <a:pt x="700866" y="20892"/>
+                      <a:pt x="823730" y="13416"/>
+                      <a:pt x="1098414" y="0"/>
+                    </a:cubicBezTo>
+                    <a:cubicBezTo>
+                      <a:pt x="1373098" y="-13416"/>
+                      <a:pt x="1393252" y="-25088"/>
+                      <a:pt x="1647621" y="0"/>
+                    </a:cubicBezTo>
+                    <a:cubicBezTo>
+                      <a:pt x="1901990" y="25088"/>
+                      <a:pt x="2053684" y="-378"/>
+                      <a:pt x="2196828" y="0"/>
+                    </a:cubicBezTo>
+                    <a:cubicBezTo>
+                      <a:pt x="2339972" y="378"/>
+                      <a:pt x="2462432" y="-4043"/>
+                      <a:pt x="2710979" y="0"/>
+                    </a:cubicBezTo>
+                    <a:cubicBezTo>
+                      <a:pt x="2959526" y="4043"/>
+                      <a:pt x="3317221" y="25609"/>
+                      <a:pt x="3505576" y="0"/>
+                    </a:cubicBezTo>
+                    <a:cubicBezTo>
+                      <a:pt x="3524777" y="136667"/>
+                      <a:pt x="3522168" y="247867"/>
+                      <a:pt x="3505576" y="384096"/>
+                    </a:cubicBezTo>
+                    <a:cubicBezTo>
+                      <a:pt x="3488984" y="520325"/>
+                      <a:pt x="3498665" y="690674"/>
+                      <a:pt x="3505576" y="783869"/>
+                    </a:cubicBezTo>
+                    <a:cubicBezTo>
+                      <a:pt x="3269504" y="791873"/>
+                      <a:pt x="3230179" y="781261"/>
+                      <a:pt x="2991425" y="783869"/>
+                    </a:cubicBezTo>
+                    <a:cubicBezTo>
+                      <a:pt x="2752671" y="786477"/>
+                      <a:pt x="2680542" y="804772"/>
+                      <a:pt x="2512329" y="783869"/>
+                    </a:cubicBezTo>
+                    <a:cubicBezTo>
+                      <a:pt x="2344116" y="762966"/>
+                      <a:pt x="2047021" y="810287"/>
+                      <a:pt x="1928067" y="783869"/>
+                    </a:cubicBezTo>
+                    <a:cubicBezTo>
+                      <a:pt x="1809113" y="757451"/>
+                      <a:pt x="1492000" y="776772"/>
+                      <a:pt x="1343804" y="783869"/>
+                    </a:cubicBezTo>
+                    <a:cubicBezTo>
+                      <a:pt x="1195608" y="790966"/>
+                      <a:pt x="918833" y="760377"/>
+                      <a:pt x="689430" y="783869"/>
+                    </a:cubicBezTo>
+                    <a:cubicBezTo>
+                      <a:pt x="460027" y="807361"/>
+                      <a:pt x="279348" y="752929"/>
+                      <a:pt x="0" y="783869"/>
+                    </a:cubicBezTo>
+                    <a:cubicBezTo>
+                      <a:pt x="-10797" y="630128"/>
+                      <a:pt x="13388" y="529476"/>
+                      <a:pt x="0" y="415451"/>
+                    </a:cubicBezTo>
+                    <a:cubicBezTo>
+                      <a:pt x="-13388" y="301426"/>
+                      <a:pt x="5618" y="187761"/>
+                      <a:pt x="0" y="0"/>
+                    </a:cubicBezTo>
+                    <a:close/>
+                  </a:path>
+                  <a:path w="3505576" h="783869" stroke="0" extrusionOk="0">
+                    <a:moveTo>
+                      <a:pt x="0" y="0"/>
+                    </a:moveTo>
+                    <a:cubicBezTo>
+                      <a:pt x="182085" y="28812"/>
+                      <a:pt x="410065" y="-28055"/>
+                      <a:pt x="584263" y="0"/>
+                    </a:cubicBezTo>
+                    <a:cubicBezTo>
+                      <a:pt x="758461" y="28055"/>
+                      <a:pt x="903399" y="19120"/>
+                      <a:pt x="1203581" y="0"/>
+                    </a:cubicBezTo>
+                    <a:cubicBezTo>
+                      <a:pt x="1503763" y="-19120"/>
+                      <a:pt x="1497230" y="19181"/>
+                      <a:pt x="1682676" y="0"/>
+                    </a:cubicBezTo>
+                    <a:cubicBezTo>
+                      <a:pt x="1868123" y="-19181"/>
+                      <a:pt x="2032234" y="-9097"/>
+                      <a:pt x="2266939" y="0"/>
+                    </a:cubicBezTo>
+                    <a:cubicBezTo>
+                      <a:pt x="2501644" y="9097"/>
+                      <a:pt x="2617691" y="-27767"/>
+                      <a:pt x="2886258" y="0"/>
+                    </a:cubicBezTo>
+                    <a:cubicBezTo>
+                      <a:pt x="3154825" y="27767"/>
+                      <a:pt x="3207583" y="27375"/>
+                      <a:pt x="3505576" y="0"/>
+                    </a:cubicBezTo>
+                    <a:cubicBezTo>
+                      <a:pt x="3490731" y="158216"/>
+                      <a:pt x="3515110" y="272291"/>
+                      <a:pt x="3505576" y="368418"/>
+                    </a:cubicBezTo>
+                    <a:cubicBezTo>
+                      <a:pt x="3496042" y="464545"/>
+                      <a:pt x="3516925" y="677546"/>
+                      <a:pt x="3505576" y="783869"/>
+                    </a:cubicBezTo>
+                    <a:cubicBezTo>
+                      <a:pt x="3332864" y="770332"/>
+                      <a:pt x="3195069" y="795839"/>
+                      <a:pt x="2956369" y="783869"/>
+                    </a:cubicBezTo>
+                    <a:cubicBezTo>
+                      <a:pt x="2717669" y="771899"/>
+                      <a:pt x="2555920" y="782089"/>
+                      <a:pt x="2337051" y="783869"/>
+                    </a:cubicBezTo>
+                    <a:cubicBezTo>
+                      <a:pt x="2118182" y="785649"/>
+                      <a:pt x="1972415" y="754420"/>
+                      <a:pt x="1682676" y="783869"/>
+                    </a:cubicBezTo>
+                    <a:cubicBezTo>
+                      <a:pt x="1392938" y="813318"/>
+                      <a:pt x="1422291" y="801327"/>
+                      <a:pt x="1203581" y="783869"/>
+                    </a:cubicBezTo>
+                    <a:cubicBezTo>
+                      <a:pt x="984871" y="766411"/>
+                      <a:pt x="809523" y="797911"/>
+                      <a:pt x="654374" y="783869"/>
+                    </a:cubicBezTo>
+                    <a:cubicBezTo>
+                      <a:pt x="499225" y="769827"/>
+                      <a:pt x="205026" y="809176"/>
+                      <a:pt x="0" y="783869"/>
+                    </a:cubicBezTo>
+                    <a:cubicBezTo>
+                      <a:pt x="-12279" y="694827"/>
+                      <a:pt x="-5391" y="574258"/>
+                      <a:pt x="0" y="407612"/>
+                    </a:cubicBezTo>
+                    <a:cubicBezTo>
+                      <a:pt x="5391" y="240966"/>
+                      <a:pt x="-3735" y="150759"/>
+                      <a:pt x="0" y="0"/>
+                    </a:cubicBezTo>
+                    <a:close/>
+                  </a:path>
+                </a:pathLst>
+              </a:custGeom>
+              <a:solidFill>
+                <a:srgbClr val="FFC000"/>
+              </a:solidFill>
+              <a:ln w="19050">
+                <a:solidFill>
+                  <a:schemeClr val="tx1"/>
+                </a:solidFill>
+                <a:extLst>
+                  <a:ext uri="{C807C97D-BFC1-408E-A445-0C87EB9F89A2}">
+                    <ask:lineSketchStyleProps xmlns:ask="http://schemas.microsoft.com/office/drawing/2018/sketchyshapes" sd="3950756230">
+                      <a:prstGeom prst="rect">
+                        <a:avLst/>
+                      </a:prstGeom>
+                      <ask:type>
+                        <ask:lineSketchFreehand/>
+                      </ask:type>
+                    </ask:lineSketchStyleProps>
+                  </a:ext>
+                </a:extLst>
+              </a:ln>
+            </p:spPr>
+            <p:txBody>
+              <a:bodyPr wrap="square" rtlCol="0">
+                <a:spAutoFit/>
+              </a:bodyPr>
+              <a:lstStyle/>
+              <a:p>
+                <a:pPr/>
+                <a14:m>
+                  <m:oMathPara xmlns:m="http://schemas.openxmlformats.org/officeDocument/2006/math">
+                    <m:oMathParaPr>
+                      <m:jc m:val="centerGroup"/>
+                    </m:oMathParaPr>
+                    <m:oMath xmlns:m="http://schemas.openxmlformats.org/officeDocument/2006/math">
+                      <m:sSub>
+                        <m:sSubPr>
+                          <m:ctrlPr>
+                            <a:rPr lang="en-US" sz="2000" b="0" i="1" smtClean="0">
+                              <a:latin typeface="Cambria Math" panose="02040503050406030204" pitchFamily="18" charset="0"/>
+                            </a:rPr>
+                          </m:ctrlPr>
+                        </m:sSubPr>
+                        <m:e>
+                          <m:r>
+                            <a:rPr lang="en-US" sz="2000" b="0" i="1" smtClean="0">
+                              <a:latin typeface="Cambria Math" panose="02040503050406030204" pitchFamily="18" charset="0"/>
+                            </a:rPr>
+                            <m:t>𝐵</m:t>
+                          </m:r>
+                          <m:r>
+                            <a:rPr lang="en-US" sz="2000" b="0" i="1" smtClean="0">
+                              <a:latin typeface="Cambria Math" panose="02040503050406030204" pitchFamily="18" charset="0"/>
+                            </a:rPr>
+                            <m:t>𝐼</m:t>
+                          </m:r>
+                        </m:e>
+                        <m:sub>
+                          <m:r>
+                            <a:rPr lang="en-US" sz="2000" b="0" i="1" smtClean="0">
+                              <a:latin typeface="Cambria Math" panose="02040503050406030204" pitchFamily="18" charset="0"/>
+                            </a:rPr>
+                            <m:t>01</m:t>
+                          </m:r>
+                        </m:sub>
+                      </m:sSub>
+                      <m:r>
+                        <a:rPr lang="en-US" sz="2000" b="0" i="1" smtClean="0">
+                          <a:latin typeface="Cambria Math" panose="02040503050406030204" pitchFamily="18" charset="0"/>
+                        </a:rPr>
+                        <m:t>=</m:t>
+                      </m:r>
+                      <m:f>
+                        <m:fPr>
+                          <m:ctrlPr>
+                            <a:rPr lang="en-US" sz="2000" b="0" i="1" smtClean="0">
+                              <a:latin typeface="Cambria Math" panose="02040503050406030204" pitchFamily="18" charset="0"/>
+                            </a:rPr>
+                          </m:ctrlPr>
+                        </m:fPr>
+                        <m:num>
+                          <m:r>
+                            <a:rPr lang="en-US" sz="2000" b="0" i="1" smtClean="0">
+                              <a:latin typeface="Cambria Math" panose="02040503050406030204" pitchFamily="18" charset="0"/>
+                            </a:rPr>
+                            <m:t>1</m:t>
+                          </m:r>
+                        </m:num>
+                        <m:den>
+                          <m:r>
+                            <a:rPr lang="en-US" sz="2000" b="0" i="1" smtClean="0">
+                              <a:latin typeface="Cambria Math" panose="02040503050406030204" pitchFamily="18" charset="0"/>
+                            </a:rPr>
+                            <m:t>2</m:t>
+                          </m:r>
+                        </m:den>
+                      </m:f>
+                      <m:d>
+                        <m:dPr>
+                          <m:ctrlPr>
+                            <a:rPr lang="en-US" sz="2000" b="0" i="1" smtClean="0">
+                              <a:latin typeface="Cambria Math" panose="02040503050406030204" pitchFamily="18" charset="0"/>
+                            </a:rPr>
+                          </m:ctrlPr>
+                        </m:dPr>
+                        <m:e>
+                          <m:f>
+                            <m:fPr>
+                              <m:ctrlPr>
+                                <a:rPr lang="en-US" sz="2000" i="1">
+                                  <a:latin typeface="Cambria Math" panose="02040503050406030204" pitchFamily="18" charset="0"/>
+                                </a:rPr>
+                              </m:ctrlPr>
+                            </m:fPr>
+                            <m:num>
+                              <m:nary>
+                                <m:naryPr>
+                                  <m:chr m:val="∑"/>
+                                  <m:subHide m:val="on"/>
+                                  <m:supHide m:val="on"/>
+                                  <m:ctrlPr>
+                                    <a:rPr lang="en-US" sz="2000" i="1">
+                                      <a:latin typeface="Cambria Math" panose="02040503050406030204" pitchFamily="18" charset="0"/>
+                                    </a:rPr>
+                                  </m:ctrlPr>
+                                </m:naryPr>
+                                <m:sub/>
+                                <m:sup/>
+                                <m:e>
+                                  <m:sSub>
+                                    <m:sSubPr>
+                                      <m:ctrlPr>
+                                        <a:rPr lang="en-US" sz="2000" i="1">
+                                          <a:latin typeface="Cambria Math" panose="02040503050406030204" pitchFamily="18" charset="0"/>
+                                        </a:rPr>
+                                      </m:ctrlPr>
+                                    </m:sSubPr>
+                                    <m:e>
+                                      <m:r>
+                                        <a:rPr lang="en-US" sz="2000" i="1">
+                                          <a:latin typeface="Cambria Math" panose="02040503050406030204" pitchFamily="18" charset="0"/>
+                                        </a:rPr>
+                                        <m:t>𝑃</m:t>
+                                      </m:r>
+                                    </m:e>
+                                    <m:sub>
+                                      <m:r>
+                                        <a:rPr lang="en-US" sz="2000" i="1">
+                                          <a:latin typeface="Cambria Math" panose="02040503050406030204" pitchFamily="18" charset="0"/>
+                                        </a:rPr>
+                                        <m:t>1</m:t>
+                                      </m:r>
+                                    </m:sub>
+                                  </m:sSub>
+                                  <m:sSub>
+                                    <m:sSubPr>
+                                      <m:ctrlPr>
+                                        <a:rPr lang="en-US" sz="2000" i="1">
+                                          <a:latin typeface="Cambria Math" panose="02040503050406030204" pitchFamily="18" charset="0"/>
+                                        </a:rPr>
+                                      </m:ctrlPr>
+                                    </m:sSubPr>
+                                    <m:e>
+                                      <m:r>
+                                        <a:rPr lang="en-US" sz="2000" i="1">
+                                          <a:latin typeface="Cambria Math" panose="02040503050406030204" pitchFamily="18" charset="0"/>
+                                        </a:rPr>
+                                        <m:t>𝑄</m:t>
+                                      </m:r>
+                                    </m:e>
+                                    <m:sub>
+                                      <m:r>
+                                        <a:rPr lang="en-US" sz="2000" i="1">
+                                          <a:latin typeface="Cambria Math" panose="02040503050406030204" pitchFamily="18" charset="0"/>
+                                        </a:rPr>
+                                        <m:t>0</m:t>
+                                      </m:r>
+                                    </m:sub>
+                                  </m:sSub>
+                                </m:e>
+                              </m:nary>
+                            </m:num>
+                            <m:den>
+                              <m:nary>
+                                <m:naryPr>
+                                  <m:chr m:val="∑"/>
+                                  <m:subHide m:val="on"/>
+                                  <m:supHide m:val="on"/>
+                                  <m:ctrlPr>
+                                    <a:rPr lang="en-US" sz="2000" i="1">
+                                      <a:latin typeface="Cambria Math" panose="02040503050406030204" pitchFamily="18" charset="0"/>
+                                    </a:rPr>
+                                  </m:ctrlPr>
+                                </m:naryPr>
+                                <m:sub/>
+                                <m:sup/>
+                                <m:e>
+                                  <m:sSub>
+                                    <m:sSubPr>
+                                      <m:ctrlPr>
+                                        <a:rPr lang="en-US" sz="2000" i="1">
+                                          <a:latin typeface="Cambria Math" panose="02040503050406030204" pitchFamily="18" charset="0"/>
+                                        </a:rPr>
+                                      </m:ctrlPr>
+                                    </m:sSubPr>
+                                    <m:e>
+                                      <m:r>
+                                        <a:rPr lang="en-US" sz="2000" i="1">
+                                          <a:latin typeface="Cambria Math" panose="02040503050406030204" pitchFamily="18" charset="0"/>
+                                        </a:rPr>
+                                        <m:t>𝑃</m:t>
+                                      </m:r>
+                                    </m:e>
+                                    <m:sub>
+                                      <m:r>
+                                        <a:rPr lang="en-US" sz="2000" i="1">
+                                          <a:latin typeface="Cambria Math" panose="02040503050406030204" pitchFamily="18" charset="0"/>
+                                        </a:rPr>
+                                        <m:t>0</m:t>
+                                      </m:r>
+                                    </m:sub>
+                                  </m:sSub>
+                                  <m:sSub>
+                                    <m:sSubPr>
+                                      <m:ctrlPr>
+                                        <a:rPr lang="en-US" sz="2000" i="1">
+                                          <a:latin typeface="Cambria Math" panose="02040503050406030204" pitchFamily="18" charset="0"/>
+                                        </a:rPr>
+                                      </m:ctrlPr>
+                                    </m:sSubPr>
+                                    <m:e>
+                                      <m:r>
+                                        <a:rPr lang="en-US" sz="2000" i="1">
+                                          <a:latin typeface="Cambria Math" panose="02040503050406030204" pitchFamily="18" charset="0"/>
+                                        </a:rPr>
+                                        <m:t>𝑄</m:t>
+                                      </m:r>
+                                    </m:e>
+                                    <m:sub>
+                                      <m:r>
+                                        <a:rPr lang="en-US" sz="2000" i="1">
+                                          <a:latin typeface="Cambria Math" panose="02040503050406030204" pitchFamily="18" charset="0"/>
+                                        </a:rPr>
+                                        <m:t>0</m:t>
+                                      </m:r>
+                                    </m:sub>
+                                  </m:sSub>
+                                </m:e>
+                              </m:nary>
+                            </m:den>
+                          </m:f>
+                          <m:r>
+                            <a:rPr lang="en-US" sz="2000" b="0" i="1" smtClean="0">
+                              <a:latin typeface="Cambria Math" panose="02040503050406030204" pitchFamily="18" charset="0"/>
+                            </a:rPr>
+                            <m:t>+</m:t>
+                          </m:r>
+                          <m:f>
+                            <m:fPr>
+                              <m:ctrlPr>
+                                <a:rPr lang="en-US" sz="2000" i="1">
+                                  <a:latin typeface="Cambria Math" panose="02040503050406030204" pitchFamily="18" charset="0"/>
+                                </a:rPr>
+                              </m:ctrlPr>
+                            </m:fPr>
+                            <m:num>
+                              <m:nary>
+                                <m:naryPr>
+                                  <m:chr m:val="∑"/>
+                                  <m:subHide m:val="on"/>
+                                  <m:supHide m:val="on"/>
+                                  <m:ctrlPr>
+                                    <a:rPr lang="en-US" sz="2000" i="1">
+                                      <a:latin typeface="Cambria Math" panose="02040503050406030204" pitchFamily="18" charset="0"/>
+                                    </a:rPr>
+                                  </m:ctrlPr>
+                                </m:naryPr>
+                                <m:sub/>
+                                <m:sup/>
+                                <m:e>
+                                  <m:sSub>
+                                    <m:sSubPr>
+                                      <m:ctrlPr>
+                                        <a:rPr lang="en-US" sz="2000" i="1">
+                                          <a:latin typeface="Cambria Math" panose="02040503050406030204" pitchFamily="18" charset="0"/>
+                                        </a:rPr>
+                                      </m:ctrlPr>
+                                    </m:sSubPr>
+                                    <m:e>
+                                      <m:r>
+                                        <a:rPr lang="en-US" sz="2000" i="1">
+                                          <a:latin typeface="Cambria Math" panose="02040503050406030204" pitchFamily="18" charset="0"/>
+                                        </a:rPr>
+                                        <m:t>𝑃</m:t>
+                                      </m:r>
+                                    </m:e>
+                                    <m:sub>
+                                      <m:r>
+                                        <a:rPr lang="en-US" sz="2000" i="1">
+                                          <a:latin typeface="Cambria Math" panose="02040503050406030204" pitchFamily="18" charset="0"/>
+                                        </a:rPr>
+                                        <m:t>1</m:t>
+                                      </m:r>
+                                    </m:sub>
+                                  </m:sSub>
+                                  <m:sSub>
+                                    <m:sSubPr>
+                                      <m:ctrlPr>
+                                        <a:rPr lang="en-US" sz="2000" i="1">
+                                          <a:latin typeface="Cambria Math" panose="02040503050406030204" pitchFamily="18" charset="0"/>
+                                        </a:rPr>
+                                      </m:ctrlPr>
+                                    </m:sSubPr>
+                                    <m:e>
+                                      <m:r>
+                                        <a:rPr lang="en-US" sz="2000" i="1">
+                                          <a:latin typeface="Cambria Math" panose="02040503050406030204" pitchFamily="18" charset="0"/>
+                                        </a:rPr>
+                                        <m:t>𝑄</m:t>
+                                      </m:r>
+                                    </m:e>
+                                    <m:sub>
+                                      <m:r>
+                                        <a:rPr lang="en-US" sz="2000" i="1">
+                                          <a:latin typeface="Cambria Math" panose="02040503050406030204" pitchFamily="18" charset="0"/>
+                                        </a:rPr>
+                                        <m:t>1</m:t>
+                                      </m:r>
+                                    </m:sub>
+                                  </m:sSub>
+                                </m:e>
+                              </m:nary>
+                            </m:num>
+                            <m:den>
+                              <m:nary>
+                                <m:naryPr>
+                                  <m:chr m:val="∑"/>
+                                  <m:subHide m:val="on"/>
+                                  <m:supHide m:val="on"/>
+                                  <m:ctrlPr>
+                                    <a:rPr lang="en-US" sz="2000" i="1">
+                                      <a:latin typeface="Cambria Math" panose="02040503050406030204" pitchFamily="18" charset="0"/>
+                                    </a:rPr>
+                                  </m:ctrlPr>
+                                </m:naryPr>
+                                <m:sub/>
+                                <m:sup/>
+                                <m:e>
+                                  <m:sSub>
+                                    <m:sSubPr>
+                                      <m:ctrlPr>
+                                        <a:rPr lang="en-US" sz="2000" i="1">
+                                          <a:latin typeface="Cambria Math" panose="02040503050406030204" pitchFamily="18" charset="0"/>
+                                        </a:rPr>
+                                      </m:ctrlPr>
+                                    </m:sSubPr>
+                                    <m:e>
+                                      <m:r>
+                                        <a:rPr lang="en-US" sz="2000" i="1">
+                                          <a:latin typeface="Cambria Math" panose="02040503050406030204" pitchFamily="18" charset="0"/>
+                                        </a:rPr>
+                                        <m:t>𝑃</m:t>
+                                      </m:r>
+                                    </m:e>
+                                    <m:sub>
+                                      <m:r>
+                                        <a:rPr lang="en-US" sz="2000" i="1">
+                                          <a:latin typeface="Cambria Math" panose="02040503050406030204" pitchFamily="18" charset="0"/>
+                                        </a:rPr>
+                                        <m:t>0</m:t>
+                                      </m:r>
+                                    </m:sub>
+                                  </m:sSub>
+                                  <m:sSub>
+                                    <m:sSubPr>
+                                      <m:ctrlPr>
+                                        <a:rPr lang="en-US" sz="2000" i="1">
+                                          <a:latin typeface="Cambria Math" panose="02040503050406030204" pitchFamily="18" charset="0"/>
+                                        </a:rPr>
+                                      </m:ctrlPr>
+                                    </m:sSubPr>
+                                    <m:e>
+                                      <m:r>
+                                        <a:rPr lang="en-US" sz="2000" i="1">
+                                          <a:latin typeface="Cambria Math" panose="02040503050406030204" pitchFamily="18" charset="0"/>
+                                        </a:rPr>
+                                        <m:t>𝑄</m:t>
+                                      </m:r>
+                                    </m:e>
+                                    <m:sub>
+                                      <m:r>
+                                        <a:rPr lang="en-US" sz="2000" i="1">
+                                          <a:latin typeface="Cambria Math" panose="02040503050406030204" pitchFamily="18" charset="0"/>
+                                        </a:rPr>
+                                        <m:t>1</m:t>
+                                      </m:r>
+                                    </m:sub>
+                                  </m:sSub>
+                                </m:e>
+                              </m:nary>
+                            </m:den>
+                          </m:f>
+                        </m:e>
+                      </m:d>
+                    </m:oMath>
+                  </m:oMathPara>
+                </a14:m>
+                <a:endParaRPr lang="en-US" sz="2000" dirty="0"/>
+              </a:p>
+            </p:txBody>
+          </p:sp>
+        </mc:Choice>
+        <mc:Fallback>
+          <p:sp>
+            <p:nvSpPr>
+              <p:cNvPr id="20" name="TextBox 19">
+                <a:extLst>
+                  <a:ext uri="{FF2B5EF4-FFF2-40B4-BE49-F238E27FC236}">
+                    <a16:creationId xmlns:a16="http://schemas.microsoft.com/office/drawing/2014/main" id="{56B889E2-9AEE-F8B2-72BB-E9A2C0AC4C80}"/>
+                  </a:ext>
+                </a:extLst>
+              </p:cNvPr>
+              <p:cNvSpPr txBox="1">
+                <a:spLocks noRot="1" noChangeAspect="1" noMove="1" noResize="1" noEditPoints="1" noAdjustHandles="1" noChangeArrowheads="1" noChangeShapeType="1" noTextEdit="1"/>
+              </p:cNvSpPr>
+              <p:nvPr/>
+            </p:nvSpPr>
+            <p:spPr>
+              <a:xfrm>
+                <a:off x="210906" y="6685601"/>
+                <a:ext cx="3505576" cy="783869"/>
+              </a:xfrm>
+              <a:prstGeom prst="rect">
+                <a:avLst/>
+              </a:prstGeom>
+              <a:blipFill>
+                <a:blip r:embed="rId7"/>
+                <a:stretch>
+                  <a:fillRect/>
+                </a:stretch>
+              </a:blipFill>
+              <a:ln w="19050">
+                <a:solidFill>
+                  <a:schemeClr val="tx1"/>
+                </a:solidFill>
+                <a:extLst>
+                  <a:ext uri="{C807C97D-BFC1-408E-A445-0C87EB9F89A2}">
+                    <ask:lineSketchStyleProps xmlns:ask="http://schemas.microsoft.com/office/drawing/2018/sketchyshapes" sd="3950756230">
+                      <a:custGeom>
+                        <a:avLst/>
+                        <a:gdLst>
+                          <a:gd name="connsiteX0" fmla="*/ 0 w 3505576"/>
+                          <a:gd name="connsiteY0" fmla="*/ 0 h 783869"/>
+                          <a:gd name="connsiteX1" fmla="*/ 514151 w 3505576"/>
+                          <a:gd name="connsiteY1" fmla="*/ 0 h 783869"/>
+                          <a:gd name="connsiteX2" fmla="*/ 1098414 w 3505576"/>
+                          <a:gd name="connsiteY2" fmla="*/ 0 h 783869"/>
+                          <a:gd name="connsiteX3" fmla="*/ 1647621 w 3505576"/>
+                          <a:gd name="connsiteY3" fmla="*/ 0 h 783869"/>
+                          <a:gd name="connsiteX4" fmla="*/ 2196828 w 3505576"/>
+                          <a:gd name="connsiteY4" fmla="*/ 0 h 783869"/>
+                          <a:gd name="connsiteX5" fmla="*/ 2710979 w 3505576"/>
+                          <a:gd name="connsiteY5" fmla="*/ 0 h 783869"/>
+                          <a:gd name="connsiteX6" fmla="*/ 3505576 w 3505576"/>
+                          <a:gd name="connsiteY6" fmla="*/ 0 h 783869"/>
+                          <a:gd name="connsiteX7" fmla="*/ 3505576 w 3505576"/>
+                          <a:gd name="connsiteY7" fmla="*/ 384096 h 783869"/>
+                          <a:gd name="connsiteX8" fmla="*/ 3505576 w 3505576"/>
+                          <a:gd name="connsiteY8" fmla="*/ 783869 h 783869"/>
+                          <a:gd name="connsiteX9" fmla="*/ 2991425 w 3505576"/>
+                          <a:gd name="connsiteY9" fmla="*/ 783869 h 783869"/>
+                          <a:gd name="connsiteX10" fmla="*/ 2512329 w 3505576"/>
+                          <a:gd name="connsiteY10" fmla="*/ 783869 h 783869"/>
+                          <a:gd name="connsiteX11" fmla="*/ 1928067 w 3505576"/>
+                          <a:gd name="connsiteY11" fmla="*/ 783869 h 783869"/>
+                          <a:gd name="connsiteX12" fmla="*/ 1343804 w 3505576"/>
+                          <a:gd name="connsiteY12" fmla="*/ 783869 h 783869"/>
+                          <a:gd name="connsiteX13" fmla="*/ 689430 w 3505576"/>
+                          <a:gd name="connsiteY13" fmla="*/ 783869 h 783869"/>
+                          <a:gd name="connsiteX14" fmla="*/ 0 w 3505576"/>
+                          <a:gd name="connsiteY14" fmla="*/ 783869 h 783869"/>
+                          <a:gd name="connsiteX15" fmla="*/ 0 w 3505576"/>
+                          <a:gd name="connsiteY15" fmla="*/ 415451 h 783869"/>
+                          <a:gd name="connsiteX16" fmla="*/ 0 w 3505576"/>
+                          <a:gd name="connsiteY16" fmla="*/ 0 h 783869"/>
+                        </a:gdLst>
+                        <a:ahLst/>
+                        <a:cxnLst>
+                          <a:cxn ang="0">
+                            <a:pos x="connsiteX0" y="connsiteY0"/>
+                          </a:cxn>
+                          <a:cxn ang="0">
+                            <a:pos x="connsiteX1" y="connsiteY1"/>
+                          </a:cxn>
+                          <a:cxn ang="0">
+                            <a:pos x="connsiteX2" y="connsiteY2"/>
+                          </a:cxn>
+                          <a:cxn ang="0">
+                            <a:pos x="connsiteX3" y="connsiteY3"/>
+                          </a:cxn>
+                          <a:cxn ang="0">
+                            <a:pos x="connsiteX4" y="connsiteY4"/>
+                          </a:cxn>
+                          <a:cxn ang="0">
+                            <a:pos x="connsiteX5" y="connsiteY5"/>
+                          </a:cxn>
+                          <a:cxn ang="0">
+                            <a:pos x="connsiteX6" y="connsiteY6"/>
+                          </a:cxn>
+                          <a:cxn ang="0">
+                            <a:pos x="connsiteX7" y="connsiteY7"/>
+                          </a:cxn>
+                          <a:cxn ang="0">
+                            <a:pos x="connsiteX8" y="connsiteY8"/>
+                          </a:cxn>
+                          <a:cxn ang="0">
+                            <a:pos x="connsiteX9" y="connsiteY9"/>
+                          </a:cxn>
+                          <a:cxn ang="0">
+                            <a:pos x="connsiteX10" y="connsiteY10"/>
+                          </a:cxn>
+                          <a:cxn ang="0">
+                            <a:pos x="connsiteX11" y="connsiteY11"/>
+                          </a:cxn>
+                          <a:cxn ang="0">
+                            <a:pos x="connsiteX12" y="connsiteY12"/>
+                          </a:cxn>
+                          <a:cxn ang="0">
+                            <a:pos x="connsiteX13" y="connsiteY13"/>
+                          </a:cxn>
+                          <a:cxn ang="0">
+                            <a:pos x="connsiteX14" y="connsiteY14"/>
+                          </a:cxn>
+                          <a:cxn ang="0">
+                            <a:pos x="connsiteX15" y="connsiteY15"/>
+                          </a:cxn>
+                          <a:cxn ang="0">
+                            <a:pos x="connsiteX16" y="connsiteY16"/>
+                          </a:cxn>
+                        </a:cxnLst>
+                        <a:rect l="l" t="t" r="r" b="b"/>
+                        <a:pathLst>
+                          <a:path w="3505576" h="783869" fill="none" extrusionOk="0">
+                            <a:moveTo>
+                              <a:pt x="0" y="0"/>
+                            </a:moveTo>
+                            <a:cubicBezTo>
+                              <a:pt x="171458" y="-21792"/>
+                              <a:pt x="327436" y="-20892"/>
+                              <a:pt x="514151" y="0"/>
+                            </a:cubicBezTo>
+                            <a:cubicBezTo>
+                              <a:pt x="700866" y="20892"/>
+                              <a:pt x="823730" y="13416"/>
+                              <a:pt x="1098414" y="0"/>
+                            </a:cubicBezTo>
+                            <a:cubicBezTo>
+                              <a:pt x="1373098" y="-13416"/>
+                              <a:pt x="1393252" y="-25088"/>
+                              <a:pt x="1647621" y="0"/>
+                            </a:cubicBezTo>
+                            <a:cubicBezTo>
+                              <a:pt x="1901990" y="25088"/>
+                              <a:pt x="2053684" y="-378"/>
+                              <a:pt x="2196828" y="0"/>
+                            </a:cubicBezTo>
+                            <a:cubicBezTo>
+                              <a:pt x="2339972" y="378"/>
+                              <a:pt x="2462432" y="-4043"/>
+                              <a:pt x="2710979" y="0"/>
+                            </a:cubicBezTo>
+                            <a:cubicBezTo>
+                              <a:pt x="2959526" y="4043"/>
+                              <a:pt x="3317221" y="25609"/>
+                              <a:pt x="3505576" y="0"/>
+                            </a:cubicBezTo>
+                            <a:cubicBezTo>
+                              <a:pt x="3524777" y="136667"/>
+                              <a:pt x="3522168" y="247867"/>
+                              <a:pt x="3505576" y="384096"/>
+                            </a:cubicBezTo>
+                            <a:cubicBezTo>
+                              <a:pt x="3488984" y="520325"/>
+                              <a:pt x="3498665" y="690674"/>
+                              <a:pt x="3505576" y="783869"/>
+                            </a:cubicBezTo>
+                            <a:cubicBezTo>
+                              <a:pt x="3269504" y="791873"/>
+                              <a:pt x="3230179" y="781261"/>
+                              <a:pt x="2991425" y="783869"/>
+                            </a:cubicBezTo>
+                            <a:cubicBezTo>
+                              <a:pt x="2752671" y="786477"/>
+                              <a:pt x="2680542" y="804772"/>
+                              <a:pt x="2512329" y="783869"/>
+                            </a:cubicBezTo>
+                            <a:cubicBezTo>
+                              <a:pt x="2344116" y="762966"/>
+                              <a:pt x="2047021" y="810287"/>
+                              <a:pt x="1928067" y="783869"/>
+                            </a:cubicBezTo>
+                            <a:cubicBezTo>
+                              <a:pt x="1809113" y="757451"/>
+                              <a:pt x="1492000" y="776772"/>
+                              <a:pt x="1343804" y="783869"/>
+                            </a:cubicBezTo>
+                            <a:cubicBezTo>
+                              <a:pt x="1195608" y="790966"/>
+                              <a:pt x="918833" y="760377"/>
+                              <a:pt x="689430" y="783869"/>
+                            </a:cubicBezTo>
+                            <a:cubicBezTo>
+                              <a:pt x="460027" y="807361"/>
+                              <a:pt x="279348" y="752929"/>
+                              <a:pt x="0" y="783869"/>
+                            </a:cubicBezTo>
+                            <a:cubicBezTo>
+                              <a:pt x="-10797" y="630128"/>
+                              <a:pt x="13388" y="529476"/>
+                              <a:pt x="0" y="415451"/>
+                            </a:cubicBezTo>
+                            <a:cubicBezTo>
+                              <a:pt x="-13388" y="301426"/>
+                              <a:pt x="5618" y="187761"/>
+                              <a:pt x="0" y="0"/>
+                            </a:cubicBezTo>
+                            <a:close/>
+                          </a:path>
+                          <a:path w="3505576" h="783869" stroke="0" extrusionOk="0">
+                            <a:moveTo>
+                              <a:pt x="0" y="0"/>
+                            </a:moveTo>
+                            <a:cubicBezTo>
+                              <a:pt x="182085" y="28812"/>
+                              <a:pt x="410065" y="-28055"/>
+                              <a:pt x="584263" y="0"/>
+                            </a:cubicBezTo>
+                            <a:cubicBezTo>
+                              <a:pt x="758461" y="28055"/>
+                              <a:pt x="903399" y="19120"/>
+                              <a:pt x="1203581" y="0"/>
+                            </a:cubicBezTo>
+                            <a:cubicBezTo>
+                              <a:pt x="1503763" y="-19120"/>
+                              <a:pt x="1497230" y="19181"/>
+                              <a:pt x="1682676" y="0"/>
+                            </a:cubicBezTo>
+                            <a:cubicBezTo>
+                              <a:pt x="1868123" y="-19181"/>
+                              <a:pt x="2032234" y="-9097"/>
+                              <a:pt x="2266939" y="0"/>
+                            </a:cubicBezTo>
+                            <a:cubicBezTo>
+                              <a:pt x="2501644" y="9097"/>
+                              <a:pt x="2617691" y="-27767"/>
+                              <a:pt x="2886258" y="0"/>
+                            </a:cubicBezTo>
+                            <a:cubicBezTo>
+                              <a:pt x="3154825" y="27767"/>
+                              <a:pt x="3207583" y="27375"/>
+                              <a:pt x="3505576" y="0"/>
+                            </a:cubicBezTo>
+                            <a:cubicBezTo>
+                              <a:pt x="3490731" y="158216"/>
+                              <a:pt x="3515110" y="272291"/>
+                              <a:pt x="3505576" y="368418"/>
+                            </a:cubicBezTo>
+                            <a:cubicBezTo>
+                              <a:pt x="3496042" y="464545"/>
+                              <a:pt x="3516925" y="677546"/>
+                              <a:pt x="3505576" y="783869"/>
+                            </a:cubicBezTo>
+                            <a:cubicBezTo>
+                              <a:pt x="3332864" y="770332"/>
+                              <a:pt x="3195069" y="795839"/>
+                              <a:pt x="2956369" y="783869"/>
+                            </a:cubicBezTo>
+                            <a:cubicBezTo>
+                              <a:pt x="2717669" y="771899"/>
+                              <a:pt x="2555920" y="782089"/>
+                              <a:pt x="2337051" y="783869"/>
+                            </a:cubicBezTo>
+                            <a:cubicBezTo>
+                              <a:pt x="2118182" y="785649"/>
+                              <a:pt x="1972415" y="754420"/>
+                              <a:pt x="1682676" y="783869"/>
+                            </a:cubicBezTo>
+                            <a:cubicBezTo>
+                              <a:pt x="1392938" y="813318"/>
+                              <a:pt x="1422291" y="801327"/>
+                              <a:pt x="1203581" y="783869"/>
+                            </a:cubicBezTo>
+                            <a:cubicBezTo>
+                              <a:pt x="984871" y="766411"/>
+                              <a:pt x="809523" y="797911"/>
+                              <a:pt x="654374" y="783869"/>
+                            </a:cubicBezTo>
+                            <a:cubicBezTo>
+                              <a:pt x="499225" y="769827"/>
+                              <a:pt x="205026" y="809176"/>
+                              <a:pt x="0" y="783869"/>
+                            </a:cubicBezTo>
+                            <a:cubicBezTo>
+                              <a:pt x="-12279" y="694827"/>
+                              <a:pt x="-5391" y="574258"/>
+                              <a:pt x="0" y="407612"/>
+                            </a:cubicBezTo>
+                            <a:cubicBezTo>
+                              <a:pt x="5391" y="240966"/>
+                              <a:pt x="-3735" y="150759"/>
+                              <a:pt x="0" y="0"/>
+                            </a:cubicBezTo>
+                            <a:close/>
+                          </a:path>
+                        </a:pathLst>
+                      </a:custGeom>
+                      <ask:type>
+                        <ask:lineSketchFreehand/>
+                      </ask:type>
+                    </ask:lineSketchStyleProps>
+                  </a:ext>
+                </a:extLst>
+              </a:ln>
+            </p:spPr>
+            <p:txBody>
+              <a:bodyPr/>
+              <a:lstStyle/>
+              <a:p>
+                <a:r>
+                  <a:rPr lang="en-US">
+                    <a:noFill/>
+                  </a:rPr>
+                  <a:t> </a:t>
+                </a:r>
+              </a:p>
+            </p:txBody>
+          </p:sp>
+        </mc:Fallback>
+      </mc:AlternateContent>
+      <p:cxnSp>
+        <p:nvCxnSpPr>
+          <p:cNvPr id="22" name="Straight Arrow Connector 21">
+            <a:extLst>
+              <a:ext uri="{FF2B5EF4-FFF2-40B4-BE49-F238E27FC236}">
+                <a16:creationId xmlns:a16="http://schemas.microsoft.com/office/drawing/2014/main" id="{612507B1-BD18-A19B-0FD1-16FAAE5E41A1}"/>
+              </a:ext>
+            </a:extLst>
+          </p:cNvPr>
+          <p:cNvCxnSpPr>
+            <a:cxnSpLocks/>
+          </p:cNvCxnSpPr>
+          <p:nvPr/>
+        </p:nvCxnSpPr>
+        <p:spPr>
+          <a:xfrm flipH="1">
+            <a:off x="3716482" y="7077535"/>
             <a:ext cx="927652" cy="0"/>
           </a:xfrm>
           <a:prstGeom prst="straightConnector1">
@@ -12675,7 +14756,7 @@
                                           </p:stCondLst>
                                         </p:cTn>
                                         <p:tgtEl>
-                                          <p:spTgt spid="16"/>
+                                          <p:spTgt spid="19"/>
                                         </p:tgtEl>
                                         <p:attrNameLst>
                                           <p:attrName>style.visibility</p:attrName>
@@ -12697,6 +14778,150 @@
                                     <p:set>
                                       <p:cBhvr>
                                         <p:cTn id="52" dur="1" fill="hold">
+                                          <p:stCondLst>
+                                            <p:cond delay="0"/>
+                                          </p:stCondLst>
+                                        </p:cTn>
+                                        <p:tgtEl>
+                                          <p:spTgt spid="13"/>
+                                        </p:tgtEl>
+                                        <p:attrNameLst>
+                                          <p:attrName>style.visibility</p:attrName>
+                                        </p:attrNameLst>
+                                      </p:cBhvr>
+                                      <p:to>
+                                        <p:strVal val="visible"/>
+                                      </p:to>
+                                    </p:set>
+                                  </p:childTnLst>
+                                </p:cTn>
+                              </p:par>
+                            </p:childTnLst>
+                          </p:cTn>
+                        </p:par>
+                      </p:childTnLst>
+                    </p:cTn>
+                  </p:par>
+                  <p:par>
+                    <p:cTn id="53" fill="hold">
+                      <p:stCondLst>
+                        <p:cond delay="indefinite"/>
+                      </p:stCondLst>
+                      <p:childTnLst>
+                        <p:par>
+                          <p:cTn id="54" fill="hold">
+                            <p:stCondLst>
+                              <p:cond delay="0"/>
+                            </p:stCondLst>
+                            <p:childTnLst>
+                              <p:par>
+                                <p:cTn id="55" presetID="1" presetClass="entr" presetSubtype="0" fill="hold" nodeType="clickEffect">
+                                  <p:stCondLst>
+                                    <p:cond delay="0"/>
+                                  </p:stCondLst>
+                                  <p:childTnLst>
+                                    <p:set>
+                                      <p:cBhvr>
+                                        <p:cTn id="56" dur="1" fill="hold">
+                                          <p:stCondLst>
+                                            <p:cond delay="0"/>
+                                          </p:stCondLst>
+                                        </p:cTn>
+                                        <p:tgtEl>
+                                          <p:spTgt spid="22"/>
+                                        </p:tgtEl>
+                                        <p:attrNameLst>
+                                          <p:attrName>style.visibility</p:attrName>
+                                        </p:attrNameLst>
+                                      </p:cBhvr>
+                                      <p:to>
+                                        <p:strVal val="visible"/>
+                                      </p:to>
+                                    </p:set>
+                                  </p:childTnLst>
+                                </p:cTn>
+                              </p:par>
+                              <p:par>
+                                <p:cTn id="57" presetID="1" presetClass="entr" presetSubtype="0" fill="hold" grpId="0" nodeType="withEffect">
+                                  <p:stCondLst>
+                                    <p:cond delay="0"/>
+                                  </p:stCondLst>
+                                  <p:childTnLst>
+                                    <p:set>
+                                      <p:cBhvr>
+                                        <p:cTn id="58" dur="1" fill="hold">
+                                          <p:stCondLst>
+                                            <p:cond delay="0"/>
+                                          </p:stCondLst>
+                                        </p:cTn>
+                                        <p:tgtEl>
+                                          <p:spTgt spid="20"/>
+                                        </p:tgtEl>
+                                        <p:attrNameLst>
+                                          <p:attrName>style.visibility</p:attrName>
+                                        </p:attrNameLst>
+                                      </p:cBhvr>
+                                      <p:to>
+                                        <p:strVal val="visible"/>
+                                      </p:to>
+                                    </p:set>
+                                  </p:childTnLst>
+                                </p:cTn>
+                              </p:par>
+                            </p:childTnLst>
+                          </p:cTn>
+                        </p:par>
+                      </p:childTnLst>
+                    </p:cTn>
+                  </p:par>
+                  <p:par>
+                    <p:cTn id="59" fill="hold">
+                      <p:stCondLst>
+                        <p:cond delay="indefinite"/>
+                      </p:stCondLst>
+                      <p:childTnLst>
+                        <p:par>
+                          <p:cTn id="60" fill="hold">
+                            <p:stCondLst>
+                              <p:cond delay="0"/>
+                            </p:stCondLst>
+                            <p:childTnLst>
+                              <p:par>
+                                <p:cTn id="61" presetID="1" presetClass="entr" presetSubtype="0" fill="hold" nodeType="clickEffect">
+                                  <p:stCondLst>
+                                    <p:cond delay="0"/>
+                                  </p:stCondLst>
+                                  <p:childTnLst>
+                                    <p:set>
+                                      <p:cBhvr>
+                                        <p:cTn id="62" dur="1" fill="hold">
+                                          <p:stCondLst>
+                                            <p:cond delay="0"/>
+                                          </p:stCondLst>
+                                        </p:cTn>
+                                        <p:tgtEl>
+                                          <p:spTgt spid="16"/>
+                                        </p:tgtEl>
+                                        <p:attrNameLst>
+                                          <p:attrName>style.visibility</p:attrName>
+                                        </p:attrNameLst>
+                                      </p:cBhvr>
+                                      <p:to>
+                                        <p:strVal val="visible"/>
+                                      </p:to>
+                                    </p:set>
+                                  </p:childTnLst>
+                                </p:cTn>
+                              </p:par>
+                              <p:par>
+                                <p:cTn id="63" presetID="1" presetClass="entr" presetSubtype="0" fill="hold" grpId="0" nodeType="withEffect">
+                                  <p:stCondLst>
+                                    <p:cond delay="0"/>
+                                  </p:stCondLst>
+                                  <p:childTnLst>
+                                    <p:set>
+                                      <p:cBhvr>
+                                        <p:cTn id="64" dur="1" fill="hold">
                                           <p:stCondLst>
                                             <p:cond delay="0"/>
                                           </p:stCondLst>
@@ -12753,6 +14978,8 @@
       <p:bldP spid="10" grpId="0" animBg="1"/>
       <p:bldP spid="11" grpId="0" animBg="1"/>
       <p:bldP spid="12" grpId="0" animBg="1"/>
+      <p:bldP spid="13" grpId="0" animBg="1"/>
+      <p:bldP spid="20" grpId="0" animBg="1"/>
     </p:bldLst>
   </p:timing>
 </p:sld>
@@ -15228,8 +17455,8 @@
           </a:p>
         </p:txBody>
       </p:sp>
-      <mc:AlternateContent xmlns:mc="http://schemas.openxmlformats.org/markup-compatibility/2006">
-        <mc:Choice xmlns:a14="http://schemas.microsoft.com/office/drawing/2010/main" Requires="a14">
+      <mc:AlternateContent xmlns:mc="http://schemas.openxmlformats.org/markup-compatibility/2006" xmlns:a14="http://schemas.microsoft.com/office/drawing/2010/main">
+        <mc:Choice Requires="a14">
           <p:sp>
             <p:nvSpPr>
               <p:cNvPr id="6" name="TextBox 5">
@@ -15482,6 +17709,7 @@
               </a:bodyPr>
               <a:lstStyle/>
               <a:p>
+                <a:pPr/>
                 <a14:m>
                   <m:oMathPara xmlns:m="http://schemas.openxmlformats.org/officeDocument/2006/math">
                     <m:oMathParaPr>
@@ -15533,7 +17761,7 @@
             </p:txBody>
           </p:sp>
         </mc:Choice>
-        <mc:Fallback>
+        <mc:Fallback xmlns="">
           <p:sp>
             <p:nvSpPr>
               <p:cNvPr id="6" name="TextBox 5">
@@ -15800,8 +18028,8 @@
           </p:sp>
         </mc:Fallback>
       </mc:AlternateContent>
-      <mc:AlternateContent xmlns:mc="http://schemas.openxmlformats.org/markup-compatibility/2006">
-        <mc:Choice xmlns:a14="http://schemas.microsoft.com/office/drawing/2010/main" Requires="a14">
+      <mc:AlternateContent xmlns:mc="http://schemas.openxmlformats.org/markup-compatibility/2006" xmlns:a14="http://schemas.microsoft.com/office/drawing/2010/main">
+        <mc:Choice Requires="a14">
           <p:sp>
             <p:nvSpPr>
               <p:cNvPr id="7" name="TextBox 6">
@@ -16054,6 +18282,7 @@
               </a:bodyPr>
               <a:lstStyle/>
               <a:p>
+                <a:pPr/>
                 <a14:m>
                   <m:oMathPara xmlns:m="http://schemas.openxmlformats.org/officeDocument/2006/math">
                     <m:oMathParaPr>
@@ -16105,7 +18334,7 @@
             </p:txBody>
           </p:sp>
         </mc:Choice>
-        <mc:Fallback>
+        <mc:Fallback xmlns="">
           <p:sp>
             <p:nvSpPr>
               <p:cNvPr id="7" name="TextBox 6">
@@ -16372,8 +18601,8 @@
           </p:sp>
         </mc:Fallback>
       </mc:AlternateContent>
-      <mc:AlternateContent xmlns:mc="http://schemas.openxmlformats.org/markup-compatibility/2006">
-        <mc:Choice xmlns:a14="http://schemas.microsoft.com/office/drawing/2010/main" Requires="a14">
+      <mc:AlternateContent xmlns:mc="http://schemas.openxmlformats.org/markup-compatibility/2006" xmlns:a14="http://schemas.microsoft.com/office/drawing/2010/main">
+        <mc:Choice Requires="a14">
           <p:sp>
             <p:nvSpPr>
               <p:cNvPr id="8" name="TextBox 7">
@@ -16626,6 +18855,7 @@
               </a:bodyPr>
               <a:lstStyle/>
               <a:p>
+                <a:pPr/>
                 <a14:m>
                   <m:oMathPara xmlns:m="http://schemas.openxmlformats.org/officeDocument/2006/math">
                     <m:oMathParaPr>
@@ -16677,7 +18907,7 @@
             </p:txBody>
           </p:sp>
         </mc:Choice>
-        <mc:Fallback>
+        <mc:Fallback xmlns="">
           <p:sp>
             <p:nvSpPr>
               <p:cNvPr id="8" name="TextBox 7">

--- a/11. Index Number (STA101).pptx
+++ b/11. Index Number (STA101).pptx
@@ -13,7 +13,8 @@
     <p:sldId id="367" r:id="rId7"/>
     <p:sldId id="368" r:id="rId8"/>
     <p:sldId id="369" r:id="rId9"/>
-    <p:sldId id="363" r:id="rId10"/>
+    <p:sldId id="370" r:id="rId10"/>
+    <p:sldId id="363" r:id="rId11"/>
   </p:sldIdLst>
   <p:sldSz cx="14630400" cy="8229600"/>
   <p:notesSz cx="6858000" cy="9144000"/>
@@ -523,7 +524,7 @@
           <a:p>
             <a:fld id="{97B34786-0A07-4281-A7C3-7630DD8912B6}" type="datetimeFigureOut">
               <a:rPr lang="en-US" smtClean="0"/>
-              <a:t>1/4/2025</a:t>
+              <a:t>5/5/2025</a:t>
             </a:fld>
             <a:endParaRPr lang="en-US"/>
           </a:p>
@@ -702,7 +703,7 @@
           <a:p>
             <a:fld id="{97B34786-0A07-4281-A7C3-7630DD8912B6}" type="datetimeFigureOut">
               <a:rPr lang="en-US" smtClean="0"/>
-              <a:t>1/4/2025</a:t>
+              <a:t>5/5/2025</a:t>
             </a:fld>
             <a:endParaRPr lang="en-US"/>
           </a:p>
@@ -882,7 +883,7 @@
           <a:p>
             <a:fld id="{97B34786-0A07-4281-A7C3-7630DD8912B6}" type="datetimeFigureOut">
               <a:rPr lang="en-US" smtClean="0"/>
-              <a:t>1/4/2025</a:t>
+              <a:t>5/5/2025</a:t>
             </a:fld>
             <a:endParaRPr lang="en-US"/>
           </a:p>
@@ -1057,7 +1058,7 @@
           <a:p>
             <a:fld id="{97B34786-0A07-4281-A7C3-7630DD8912B6}" type="datetimeFigureOut">
               <a:rPr lang="en-US" smtClean="0"/>
-              <a:t>1/4/2025</a:t>
+              <a:t>5/5/2025</a:t>
             </a:fld>
             <a:endParaRPr lang="en-US"/>
           </a:p>
@@ -1227,7 +1228,7 @@
           <a:p>
             <a:fld id="{97B34786-0A07-4281-A7C3-7630DD8912B6}" type="datetimeFigureOut">
               <a:rPr lang="en-US" smtClean="0"/>
-              <a:t>1/4/2025</a:t>
+              <a:t>5/5/2025</a:t>
             </a:fld>
             <a:endParaRPr lang="en-US"/>
           </a:p>
@@ -1540,7 +1541,7 @@
           <a:p>
             <a:fld id="{97B34786-0A07-4281-A7C3-7630DD8912B6}" type="datetimeFigureOut">
               <a:rPr lang="en-US" smtClean="0"/>
-              <a:t>1/4/2025</a:t>
+              <a:t>5/5/2025</a:t>
             </a:fld>
             <a:endParaRPr lang="en-US"/>
           </a:p>
@@ -1926,7 +1927,7 @@
           <a:p>
             <a:fld id="{97B34786-0A07-4281-A7C3-7630DD8912B6}" type="datetimeFigureOut">
               <a:rPr lang="en-US" smtClean="0"/>
-              <a:t>1/4/2025</a:t>
+              <a:t>5/5/2025</a:t>
             </a:fld>
             <a:endParaRPr lang="en-US"/>
           </a:p>
@@ -2360,7 +2361,7 @@
           <a:p>
             <a:fld id="{97B34786-0A07-4281-A7C3-7630DD8912B6}" type="datetimeFigureOut">
               <a:rPr lang="en-US" smtClean="0"/>
-              <a:t>1/4/2025</a:t>
+              <a:t>5/5/2025</a:t>
             </a:fld>
             <a:endParaRPr lang="en-US"/>
           </a:p>
@@ -2478,7 +2479,7 @@
           <a:p>
             <a:fld id="{97B34786-0A07-4281-A7C3-7630DD8912B6}" type="datetimeFigureOut">
               <a:rPr lang="en-US" smtClean="0"/>
-              <a:t>1/4/2025</a:t>
+              <a:t>5/5/2025</a:t>
             </a:fld>
             <a:endParaRPr lang="en-US"/>
           </a:p>
@@ -2573,7 +2574,7 @@
           <a:p>
             <a:fld id="{97B34786-0A07-4281-A7C3-7630DD8912B6}" type="datetimeFigureOut">
               <a:rPr lang="en-US" smtClean="0"/>
-              <a:t>1/4/2025</a:t>
+              <a:t>5/5/2025</a:t>
             </a:fld>
             <a:endParaRPr lang="en-US"/>
           </a:p>
@@ -2923,7 +2924,7 @@
           <a:p>
             <a:fld id="{97B34786-0A07-4281-A7C3-7630DD8912B6}" type="datetimeFigureOut">
               <a:rPr lang="en-US" smtClean="0"/>
-              <a:t>1/4/2025</a:t>
+              <a:t>5/5/2025</a:t>
             </a:fld>
             <a:endParaRPr lang="en-US"/>
           </a:p>
@@ -3348,7 +3349,7 @@
           <a:p>
             <a:fld id="{97B34786-0A07-4281-A7C3-7630DD8912B6}" type="datetimeFigureOut">
               <a:rPr lang="en-US" smtClean="0"/>
-              <a:t>1/4/2025</a:t>
+              <a:t>5/5/2025</a:t>
             </a:fld>
             <a:endParaRPr lang="en-US"/>
           </a:p>
@@ -3629,7 +3630,7 @@
           <a:p>
             <a:fld id="{97B34786-0A07-4281-A7C3-7630DD8912B6}" type="datetimeFigureOut">
               <a:rPr lang="en-US" smtClean="0"/>
-              <a:t>1/4/2025</a:t>
+              <a:t>5/5/2025</a:t>
             </a:fld>
             <a:endParaRPr lang="en-US"/>
           </a:p>
@@ -4268,6 +4269,89 @@
     <p:extLst>
       <p:ext uri="{BB962C8B-B14F-4D97-AF65-F5344CB8AC3E}">
         <p14:creationId xmlns:p14="http://schemas.microsoft.com/office/powerpoint/2010/main" val="4198927630"/>
+      </p:ext>
+    </p:extLst>
+  </p:cSld>
+  <p:clrMapOvr>
+    <a:masterClrMapping/>
+  </p:clrMapOvr>
+</p:sld>
+</file>
+
+<file path=ppt/slides/slide10.xml><?xml version="1.0" encoding="utf-8"?>
+<p:sld xmlns:a="http://schemas.openxmlformats.org/drawingml/2006/main" xmlns:r="http://schemas.openxmlformats.org/officeDocument/2006/relationships" xmlns:p="http://schemas.openxmlformats.org/presentationml/2006/main">
+  <p:cSld>
+    <p:spTree>
+      <p:nvGrpSpPr>
+        <p:cNvPr id="1" name=""/>
+        <p:cNvGrpSpPr/>
+        <p:nvPr/>
+      </p:nvGrpSpPr>
+      <p:grpSpPr>
+        <a:xfrm>
+          <a:off x="0" y="0"/>
+          <a:ext cx="0" cy="0"/>
+          <a:chOff x="0" y="0"/>
+          <a:chExt cx="0" cy="0"/>
+        </a:xfrm>
+      </p:grpSpPr>
+      <p:sp>
+        <p:nvSpPr>
+          <p:cNvPr id="2" name="Title 1">
+            <a:extLst>
+              <a:ext uri="{FF2B5EF4-FFF2-40B4-BE49-F238E27FC236}">
+                <a16:creationId xmlns:a16="http://schemas.microsoft.com/office/drawing/2014/main" id="{1C982241-89AB-3749-37B5-D91600C86C7C}"/>
+              </a:ext>
+            </a:extLst>
+          </p:cNvPr>
+          <p:cNvSpPr>
+            <a:spLocks noGrp="1"/>
+          </p:cNvSpPr>
+          <p:nvPr>
+            <p:ph type="title"/>
+          </p:nvPr>
+        </p:nvSpPr>
+        <p:spPr/>
+        <p:txBody>
+          <a:bodyPr/>
+          <a:lstStyle/>
+          <a:p>
+            <a:r>
+              <a:rPr lang="en-US" dirty="0"/>
+              <a:t>Thank You</a:t>
+            </a:r>
+          </a:p>
+        </p:txBody>
+      </p:sp>
+      <p:sp>
+        <p:nvSpPr>
+          <p:cNvPr id="3" name="Text Placeholder 2">
+            <a:extLst>
+              <a:ext uri="{FF2B5EF4-FFF2-40B4-BE49-F238E27FC236}">
+                <a16:creationId xmlns:a16="http://schemas.microsoft.com/office/drawing/2014/main" id="{8D6F0738-B5E3-EAFC-3114-58678F032ABC}"/>
+              </a:ext>
+            </a:extLst>
+          </p:cNvPr>
+          <p:cNvSpPr>
+            <a:spLocks noGrp="1"/>
+          </p:cNvSpPr>
+          <p:nvPr>
+            <p:ph type="body" idx="1"/>
+          </p:nvPr>
+        </p:nvSpPr>
+        <p:spPr/>
+        <p:txBody>
+          <a:bodyPr/>
+          <a:lstStyle/>
+          <a:p>
+            <a:endParaRPr lang="en-US" dirty="0"/>
+          </a:p>
+        </p:txBody>
+      </p:sp>
+    </p:spTree>
+    <p:extLst>
+      <p:ext uri="{BB962C8B-B14F-4D97-AF65-F5344CB8AC3E}">
+        <p14:creationId xmlns:p14="http://schemas.microsoft.com/office/powerpoint/2010/main" val="140860828"/>
       </p:ext>
     </p:extLst>
   </p:cSld>
@@ -9902,8 +9986,8 @@
           </a:p>
         </p:txBody>
       </p:sp>
-      <mc:AlternateContent xmlns:mc="http://schemas.openxmlformats.org/markup-compatibility/2006">
-        <mc:Choice xmlns:a14="http://schemas.microsoft.com/office/drawing/2010/main" Requires="a14">
+      <mc:AlternateContent xmlns:mc="http://schemas.openxmlformats.org/markup-compatibility/2006" xmlns:a14="http://schemas.microsoft.com/office/drawing/2010/main">
+        <mc:Choice Requires="a14">
           <p:sp>
             <p:nvSpPr>
               <p:cNvPr id="10" name="TextBox 9">
@@ -10347,7 +10431,7 @@
             </p:txBody>
           </p:sp>
         </mc:Choice>
-        <mc:Fallback>
+        <mc:Fallback xmlns="">
           <p:sp>
             <p:nvSpPr>
               <p:cNvPr id="10" name="TextBox 9">
@@ -10614,8 +10698,8 @@
           </p:sp>
         </mc:Fallback>
       </mc:AlternateContent>
-      <mc:AlternateContent xmlns:mc="http://schemas.openxmlformats.org/markup-compatibility/2006">
-        <mc:Choice xmlns:a14="http://schemas.microsoft.com/office/drawing/2010/main" Requires="a14">
+      <mc:AlternateContent xmlns:mc="http://schemas.openxmlformats.org/markup-compatibility/2006" xmlns:a14="http://schemas.microsoft.com/office/drawing/2010/main">
+        <mc:Choice Requires="a14">
           <p:sp>
             <p:nvSpPr>
               <p:cNvPr id="11" name="TextBox 10">
@@ -11059,7 +11143,7 @@
             </p:txBody>
           </p:sp>
         </mc:Choice>
-        <mc:Fallback>
+        <mc:Fallback xmlns="">
           <p:sp>
             <p:nvSpPr>
               <p:cNvPr id="11" name="TextBox 10">
@@ -11326,8 +11410,8 @@
           </p:sp>
         </mc:Fallback>
       </mc:AlternateContent>
-      <mc:AlternateContent xmlns:mc="http://schemas.openxmlformats.org/markup-compatibility/2006">
-        <mc:Choice xmlns:a14="http://schemas.microsoft.com/office/drawing/2010/main" Requires="a14">
+      <mc:AlternateContent xmlns:mc="http://schemas.openxmlformats.org/markup-compatibility/2006" xmlns:a14="http://schemas.microsoft.com/office/drawing/2010/main">
+        <mc:Choice Requires="a14">
           <p:sp>
             <p:nvSpPr>
               <p:cNvPr id="12" name="TextBox 11">
@@ -11701,7 +11785,7 @@
             </p:txBody>
           </p:sp>
         </mc:Choice>
-        <mc:Fallback>
+        <mc:Fallback xmlns="">
           <p:sp>
             <p:nvSpPr>
               <p:cNvPr id="12" name="TextBox 11">
@@ -12105,8 +12189,8 @@
           </a:fontRef>
         </p:style>
       </p:cxnSp>
-      <mc:AlternateContent xmlns:mc="http://schemas.openxmlformats.org/markup-compatibility/2006">
-        <mc:Choice xmlns:a14="http://schemas.microsoft.com/office/drawing/2010/main" Requires="a14">
+      <mc:AlternateContent xmlns:mc="http://schemas.openxmlformats.org/markup-compatibility/2006" xmlns:a14="http://schemas.microsoft.com/office/drawing/2010/main">
+        <mc:Choice Requires="a14">
           <p:sp>
             <p:nvSpPr>
               <p:cNvPr id="13" name="TextBox 12">
@@ -12439,13 +12523,7 @@
                             <a:rPr lang="en-US" sz="2800" b="0" i="1" smtClean="0">
                               <a:latin typeface="Cambria Math" panose="02040503050406030204" pitchFamily="18" charset="0"/>
                             </a:rPr>
-                            <m:t>𝐸</m:t>
-                          </m:r>
-                          <m:r>
-                            <a:rPr lang="en-US" sz="2800" b="0" i="1" smtClean="0">
-                              <a:latin typeface="Cambria Math" panose="02040503050406030204" pitchFamily="18" charset="0"/>
-                            </a:rPr>
-                            <m:t>𝐼</m:t>
+                            <m:t>𝐸𝐼</m:t>
                           </m:r>
                         </m:e>
                         <m:sub>
@@ -12760,7 +12838,7 @@
             </p:txBody>
           </p:sp>
         </mc:Choice>
-        <mc:Fallback>
+        <mc:Fallback xmlns="">
           <p:sp>
             <p:nvSpPr>
               <p:cNvPr id="13" name="TextBox 12">
@@ -13131,8 +13209,8 @@
           </a:fontRef>
         </p:style>
       </p:cxnSp>
-      <mc:AlternateContent xmlns:mc="http://schemas.openxmlformats.org/markup-compatibility/2006">
-        <mc:Choice xmlns:a14="http://schemas.microsoft.com/office/drawing/2010/main" Requires="a14">
+      <mc:AlternateContent xmlns:mc="http://schemas.openxmlformats.org/markup-compatibility/2006" xmlns:a14="http://schemas.microsoft.com/office/drawing/2010/main">
+        <mc:Choice Requires="a14">
           <p:sp>
             <p:nvSpPr>
               <p:cNvPr id="20" name="TextBox 19">
@@ -13465,13 +13543,7 @@
                             <a:rPr lang="en-US" sz="2000" b="0" i="1" smtClean="0">
                               <a:latin typeface="Cambria Math" panose="02040503050406030204" pitchFamily="18" charset="0"/>
                             </a:rPr>
-                            <m:t>𝐵</m:t>
-                          </m:r>
-                          <m:r>
-                            <a:rPr lang="en-US" sz="2000" b="0" i="1" smtClean="0">
-                              <a:latin typeface="Cambria Math" panose="02040503050406030204" pitchFamily="18" charset="0"/>
-                            </a:rPr>
-                            <m:t>𝐼</m:t>
+                            <m:t>𝐵𝐼</m:t>
                           </m:r>
                         </m:e>
                         <m:sub>
@@ -13829,7 +13901,7 @@
             </p:txBody>
           </p:sp>
         </mc:Choice>
-        <mc:Fallback>
+        <mc:Fallback xmlns="">
           <p:sp>
             <p:nvSpPr>
               <p:cNvPr id="20" name="TextBox 19">
@@ -19787,7 +19859,13 @@
   <p:cSld>
     <p:spTree>
       <p:nvGrpSpPr>
-        <p:cNvPr id="1" name=""/>
+        <p:cNvPr id="1" name="">
+          <a:extLst>
+            <a:ext uri="{FF2B5EF4-FFF2-40B4-BE49-F238E27FC236}">
+              <a16:creationId xmlns:a16="http://schemas.microsoft.com/office/drawing/2014/main" id="{CD91CBFE-A1F4-4F17-F6B8-155DA87FD31A}"/>
+            </a:ext>
+          </a:extLst>
+        </p:cNvPr>
         <p:cNvGrpSpPr/>
         <p:nvPr/>
       </p:nvGrpSpPr>
@@ -19804,7 +19882,7 @@
           <p:cNvPr id="2" name="Title 1">
             <a:extLst>
               <a:ext uri="{FF2B5EF4-FFF2-40B4-BE49-F238E27FC236}">
-                <a16:creationId xmlns:a16="http://schemas.microsoft.com/office/drawing/2014/main" id="{1C982241-89AB-3749-37B5-D91600C86C7C}"/>
+                <a16:creationId xmlns:a16="http://schemas.microsoft.com/office/drawing/2014/main" id="{41842347-653C-2639-7B1A-0D0724E3C4B3}"/>
               </a:ext>
             </a:extLst>
           </p:cNvPr>
@@ -19815,47 +19893,7145 @@
             <p:ph type="title"/>
           </p:nvPr>
         </p:nvSpPr>
-        <p:spPr/>
+        <p:spPr>
+          <a:xfrm>
+            <a:off x="1283818" y="97470"/>
+            <a:ext cx="12070080" cy="1931213"/>
+          </a:xfrm>
+        </p:spPr>
         <p:txBody>
           <a:bodyPr/>
           <a:lstStyle/>
           <a:p>
             <a:r>
               <a:rPr lang="en-US" dirty="0"/>
-              <a:t>Thank You</a:t>
+              <a:t>Self Practice</a:t>
             </a:r>
+          </a:p>
+        </p:txBody>
+      </p:sp>
+      <p:graphicFrame>
+        <p:nvGraphicFramePr>
+          <p:cNvPr id="4" name="Content Placeholder 3">
+            <a:extLst>
+              <a:ext uri="{FF2B5EF4-FFF2-40B4-BE49-F238E27FC236}">
+                <a16:creationId xmlns:a16="http://schemas.microsoft.com/office/drawing/2014/main" id="{459704EE-A85E-328A-F996-8E955188A752}"/>
+              </a:ext>
+            </a:extLst>
+          </p:cNvPr>
+          <p:cNvGraphicFramePr>
+            <a:graphicFrameLocks noGrp="1"/>
+          </p:cNvGraphicFramePr>
+          <p:nvPr>
+            <p:ph sz="quarter" idx="13"/>
+            <p:extLst>
+              <p:ext uri="{D42A27DB-BD31-4B8C-83A1-F6EECF244321}">
+                <p14:modId xmlns:p14="http://schemas.microsoft.com/office/powerpoint/2010/main" val="1065979333"/>
+              </p:ext>
+            </p:extLst>
+          </p:nvPr>
+        </p:nvGraphicFramePr>
+        <p:xfrm>
+          <a:off x="731520" y="1750387"/>
+          <a:ext cx="13167360" cy="3200400"/>
+        </p:xfrm>
+        <a:graphic>
+          <a:graphicData uri="http://schemas.openxmlformats.org/drawingml/2006/table">
+            <a:tbl>
+              <a:tblPr firstRow="1" firstCol="1" bandRow="1">
+                <a:tableStyleId>{5C22544A-7EE6-4342-B048-85BDC9FD1C3A}</a:tableStyleId>
+              </a:tblPr>
+              <a:tblGrid>
+                <a:gridCol w="1463040">
+                  <a:extLst>
+                    <a:ext uri="{9D8B030D-6E8A-4147-A177-3AD203B41FA5}">
+                      <a16:colId xmlns:a16="http://schemas.microsoft.com/office/drawing/2014/main" val="2446163245"/>
+                    </a:ext>
+                  </a:extLst>
+                </a:gridCol>
+                <a:gridCol w="1463040">
+                  <a:extLst>
+                    <a:ext uri="{9D8B030D-6E8A-4147-A177-3AD203B41FA5}">
+                      <a16:colId xmlns:a16="http://schemas.microsoft.com/office/drawing/2014/main" val="2669184655"/>
+                    </a:ext>
+                  </a:extLst>
+                </a:gridCol>
+                <a:gridCol w="1463040">
+                  <a:extLst>
+                    <a:ext uri="{9D8B030D-6E8A-4147-A177-3AD203B41FA5}">
+                      <a16:colId xmlns:a16="http://schemas.microsoft.com/office/drawing/2014/main" val="1670426455"/>
+                    </a:ext>
+                  </a:extLst>
+                </a:gridCol>
+                <a:gridCol w="1463040">
+                  <a:extLst>
+                    <a:ext uri="{9D8B030D-6E8A-4147-A177-3AD203B41FA5}">
+                      <a16:colId xmlns:a16="http://schemas.microsoft.com/office/drawing/2014/main" val="4282788250"/>
+                    </a:ext>
+                  </a:extLst>
+                </a:gridCol>
+                <a:gridCol w="1463040">
+                  <a:extLst>
+                    <a:ext uri="{9D8B030D-6E8A-4147-A177-3AD203B41FA5}">
+                      <a16:colId xmlns:a16="http://schemas.microsoft.com/office/drawing/2014/main" val="4279478243"/>
+                    </a:ext>
+                  </a:extLst>
+                </a:gridCol>
+                <a:gridCol w="1463040">
+                  <a:extLst>
+                    <a:ext uri="{9D8B030D-6E8A-4147-A177-3AD203B41FA5}">
+                      <a16:colId xmlns:a16="http://schemas.microsoft.com/office/drawing/2014/main" val="3415710947"/>
+                    </a:ext>
+                  </a:extLst>
+                </a:gridCol>
+                <a:gridCol w="1463040">
+                  <a:extLst>
+                    <a:ext uri="{9D8B030D-6E8A-4147-A177-3AD203B41FA5}">
+                      <a16:colId xmlns:a16="http://schemas.microsoft.com/office/drawing/2014/main" val="2387698682"/>
+                    </a:ext>
+                  </a:extLst>
+                </a:gridCol>
+                <a:gridCol w="1463040">
+                  <a:extLst>
+                    <a:ext uri="{9D8B030D-6E8A-4147-A177-3AD203B41FA5}">
+                      <a16:colId xmlns:a16="http://schemas.microsoft.com/office/drawing/2014/main" val="146700737"/>
+                    </a:ext>
+                  </a:extLst>
+                </a:gridCol>
+                <a:gridCol w="1463040">
+                  <a:extLst>
+                    <a:ext uri="{9D8B030D-6E8A-4147-A177-3AD203B41FA5}">
+                      <a16:colId xmlns:a16="http://schemas.microsoft.com/office/drawing/2014/main" val="3997907052"/>
+                    </a:ext>
+                  </a:extLst>
+                </a:gridCol>
+              </a:tblGrid>
+              <a:tr h="457200">
+                <a:tc>
+                  <a:txBody>
+                    <a:bodyPr/>
+                    <a:lstStyle/>
+                    <a:p>
+                      <a:pPr marL="0" marR="0" algn="ctr">
+                        <a:lnSpc>
+                          <a:spcPct val="115000"/>
+                        </a:lnSpc>
+                        <a:buNone/>
+                        <a:tabLst>
+                          <a:tab pos="2618740" algn="l"/>
+                        </a:tabLst>
+                      </a:pPr>
+                      <a:r>
+                        <a:rPr lang="en-US" sz="1800" kern="100">
+                          <a:ln>
+                            <a:noFill/>
+                          </a:ln>
+                          <a:solidFill>
+                            <a:sysClr val="windowText" lastClr="000000"/>
+                          </a:solidFill>
+                          <a:effectLst/>
+                        </a:rPr>
+                        <a:t> </a:t>
+                      </a:r>
+                      <a:endParaRPr lang="en-US" sz="1600" kern="100">
+                        <a:ln>
+                          <a:noFill/>
+                        </a:ln>
+                        <a:solidFill>
+                          <a:sysClr val="windowText" lastClr="000000"/>
+                        </a:solidFill>
+                        <a:effectLst/>
+                        <a:latin typeface="Calibri" panose="020F0502020204030204" pitchFamily="34" charset="0"/>
+                        <a:ea typeface="Calibri" panose="020F0502020204030204" pitchFamily="34" charset="0"/>
+                        <a:cs typeface="Vrinda" panose="020B0502040204020203" pitchFamily="34" charset="0"/>
+                      </a:endParaRPr>
+                    </a:p>
+                  </a:txBody>
+                  <a:tcPr marL="68580" marR="68580" marT="0" marB="0">
+                    <a:lnL w="12700" cap="flat" cmpd="sng" algn="ctr">
+                      <a:solidFill>
+                        <a:schemeClr val="tx1"/>
+                      </a:solidFill>
+                      <a:prstDash val="solid"/>
+                      <a:round/>
+                      <a:headEnd type="none" w="med" len="med"/>
+                      <a:tailEnd type="none" w="med" len="med"/>
+                    </a:lnL>
+                    <a:lnR w="12700" cap="flat" cmpd="sng" algn="ctr">
+                      <a:solidFill>
+                        <a:schemeClr val="tx1"/>
+                      </a:solidFill>
+                      <a:prstDash val="solid"/>
+                      <a:round/>
+                      <a:headEnd type="none" w="med" len="med"/>
+                      <a:tailEnd type="none" w="med" len="med"/>
+                    </a:lnR>
+                    <a:lnT w="12700" cap="flat" cmpd="sng" algn="ctr">
+                      <a:solidFill>
+                        <a:schemeClr val="tx1"/>
+                      </a:solidFill>
+                      <a:prstDash val="solid"/>
+                      <a:round/>
+                      <a:headEnd type="none" w="med" len="med"/>
+                      <a:tailEnd type="none" w="med" len="med"/>
+                    </a:lnT>
+                    <a:lnB w="12700" cap="flat" cmpd="sng" algn="ctr">
+                      <a:solidFill>
+                        <a:schemeClr val="tx1"/>
+                      </a:solidFill>
+                      <a:prstDash val="solid"/>
+                      <a:round/>
+                      <a:headEnd type="none" w="med" len="med"/>
+                      <a:tailEnd type="none" w="med" len="med"/>
+                    </a:lnB>
+                    <a:lnTlToBr w="12700" cmpd="sng">
+                      <a:noFill/>
+                      <a:prstDash val="solid"/>
+                    </a:lnTlToBr>
+                    <a:lnBlToTr w="12700" cmpd="sng">
+                      <a:noFill/>
+                      <a:prstDash val="solid"/>
+                    </a:lnBlToTr>
+                    <a:noFill/>
+                  </a:tcPr>
+                </a:tc>
+                <a:tc>
+                  <a:txBody>
+                    <a:bodyPr/>
+                    <a:lstStyle/>
+                    <a:p>
+                      <a:pPr marL="0" marR="0" algn="ctr">
+                        <a:lnSpc>
+                          <a:spcPct val="115000"/>
+                        </a:lnSpc>
+                        <a:buNone/>
+                        <a:tabLst>
+                          <a:tab pos="2618740" algn="l"/>
+                        </a:tabLst>
+                      </a:pPr>
+                      <a:r>
+                        <a:rPr lang="en-US" sz="1800" kern="100" dirty="0">
+                          <a:ln>
+                            <a:noFill/>
+                          </a:ln>
+                          <a:solidFill>
+                            <a:sysClr val="windowText" lastClr="000000"/>
+                          </a:solidFill>
+                          <a:effectLst/>
+                        </a:rPr>
+                        <a:t>Year</a:t>
+                      </a:r>
+                      <a:endParaRPr lang="en-US" sz="1600" kern="100" dirty="0">
+                        <a:ln>
+                          <a:noFill/>
+                        </a:ln>
+                        <a:solidFill>
+                          <a:sysClr val="windowText" lastClr="000000"/>
+                        </a:solidFill>
+                        <a:effectLst/>
+                        <a:latin typeface="Calibri" panose="020F0502020204030204" pitchFamily="34" charset="0"/>
+                        <a:ea typeface="Calibri" panose="020F0502020204030204" pitchFamily="34" charset="0"/>
+                        <a:cs typeface="Vrinda" panose="020B0502040204020203" pitchFamily="34" charset="0"/>
+                      </a:endParaRPr>
+                    </a:p>
+                  </a:txBody>
+                  <a:tcPr marL="68580" marR="68580" marT="0" marB="0" anchor="ctr">
+                    <a:lnL w="12700" cap="flat" cmpd="sng" algn="ctr">
+                      <a:solidFill>
+                        <a:schemeClr val="tx1"/>
+                      </a:solidFill>
+                      <a:prstDash val="solid"/>
+                      <a:round/>
+                      <a:headEnd type="none" w="med" len="med"/>
+                      <a:tailEnd type="none" w="med" len="med"/>
+                    </a:lnL>
+                    <a:lnR w="12700" cap="flat" cmpd="sng" algn="ctr">
+                      <a:solidFill>
+                        <a:schemeClr val="tx1"/>
+                      </a:solidFill>
+                      <a:prstDash val="solid"/>
+                      <a:round/>
+                      <a:headEnd type="none" w="med" len="med"/>
+                      <a:tailEnd type="none" w="med" len="med"/>
+                    </a:lnR>
+                    <a:lnT w="12700" cap="flat" cmpd="sng" algn="ctr">
+                      <a:solidFill>
+                        <a:schemeClr val="tx1"/>
+                      </a:solidFill>
+                      <a:prstDash val="solid"/>
+                      <a:round/>
+                      <a:headEnd type="none" w="med" len="med"/>
+                      <a:tailEnd type="none" w="med" len="med"/>
+                    </a:lnT>
+                    <a:lnB w="12700" cap="flat" cmpd="sng" algn="ctr">
+                      <a:solidFill>
+                        <a:schemeClr val="tx1"/>
+                      </a:solidFill>
+                      <a:prstDash val="solid"/>
+                      <a:round/>
+                      <a:headEnd type="none" w="med" len="med"/>
+                      <a:tailEnd type="none" w="med" len="med"/>
+                    </a:lnB>
+                    <a:lnTlToBr w="12700" cmpd="sng">
+                      <a:noFill/>
+                      <a:prstDash val="solid"/>
+                    </a:lnTlToBr>
+                    <a:lnBlToTr w="12700" cmpd="sng">
+                      <a:noFill/>
+                      <a:prstDash val="solid"/>
+                    </a:lnBlToTr>
+                    <a:noFill/>
+                  </a:tcPr>
+                </a:tc>
+                <a:tc>
+                  <a:txBody>
+                    <a:bodyPr/>
+                    <a:lstStyle/>
+                    <a:p>
+                      <a:pPr marL="0" marR="0" algn="ctr">
+                        <a:lnSpc>
+                          <a:spcPct val="115000"/>
+                        </a:lnSpc>
+                        <a:buNone/>
+                        <a:tabLst>
+                          <a:tab pos="2618740" algn="l"/>
+                        </a:tabLst>
+                      </a:pPr>
+                      <a:r>
+                        <a:rPr lang="en-US" sz="1800" kern="100">
+                          <a:ln>
+                            <a:noFill/>
+                          </a:ln>
+                          <a:solidFill>
+                            <a:sysClr val="windowText" lastClr="000000"/>
+                          </a:solidFill>
+                          <a:effectLst/>
+                        </a:rPr>
+                        <a:t>2013</a:t>
+                      </a:r>
+                      <a:endParaRPr lang="en-US" sz="1600" kern="100">
+                        <a:ln>
+                          <a:noFill/>
+                        </a:ln>
+                        <a:solidFill>
+                          <a:sysClr val="windowText" lastClr="000000"/>
+                        </a:solidFill>
+                        <a:effectLst/>
+                        <a:latin typeface="Calibri" panose="020F0502020204030204" pitchFamily="34" charset="0"/>
+                        <a:ea typeface="Calibri" panose="020F0502020204030204" pitchFamily="34" charset="0"/>
+                        <a:cs typeface="Vrinda" panose="020B0502040204020203" pitchFamily="34" charset="0"/>
+                      </a:endParaRPr>
+                    </a:p>
+                  </a:txBody>
+                  <a:tcPr marL="68580" marR="68580" marT="0" marB="0" anchor="ctr">
+                    <a:lnL w="12700" cap="flat" cmpd="sng" algn="ctr">
+                      <a:solidFill>
+                        <a:schemeClr val="tx1"/>
+                      </a:solidFill>
+                      <a:prstDash val="solid"/>
+                      <a:round/>
+                      <a:headEnd type="none" w="med" len="med"/>
+                      <a:tailEnd type="none" w="med" len="med"/>
+                    </a:lnL>
+                    <a:lnR w="12700" cap="flat" cmpd="sng" algn="ctr">
+                      <a:solidFill>
+                        <a:schemeClr val="tx1"/>
+                      </a:solidFill>
+                      <a:prstDash val="solid"/>
+                      <a:round/>
+                      <a:headEnd type="none" w="med" len="med"/>
+                      <a:tailEnd type="none" w="med" len="med"/>
+                    </a:lnR>
+                    <a:lnT w="12700" cap="flat" cmpd="sng" algn="ctr">
+                      <a:solidFill>
+                        <a:schemeClr val="tx1"/>
+                      </a:solidFill>
+                      <a:prstDash val="solid"/>
+                      <a:round/>
+                      <a:headEnd type="none" w="med" len="med"/>
+                      <a:tailEnd type="none" w="med" len="med"/>
+                    </a:lnT>
+                    <a:lnB w="12700" cap="flat" cmpd="sng" algn="ctr">
+                      <a:solidFill>
+                        <a:schemeClr val="tx1"/>
+                      </a:solidFill>
+                      <a:prstDash val="solid"/>
+                      <a:round/>
+                      <a:headEnd type="none" w="med" len="med"/>
+                      <a:tailEnd type="none" w="med" len="med"/>
+                    </a:lnB>
+                    <a:lnTlToBr w="12700" cmpd="sng">
+                      <a:noFill/>
+                      <a:prstDash val="solid"/>
+                    </a:lnTlToBr>
+                    <a:lnBlToTr w="12700" cmpd="sng">
+                      <a:noFill/>
+                      <a:prstDash val="solid"/>
+                    </a:lnBlToTr>
+                    <a:noFill/>
+                  </a:tcPr>
+                </a:tc>
+                <a:tc>
+                  <a:txBody>
+                    <a:bodyPr/>
+                    <a:lstStyle/>
+                    <a:p>
+                      <a:pPr marL="0" marR="0" algn="ctr">
+                        <a:lnSpc>
+                          <a:spcPct val="115000"/>
+                        </a:lnSpc>
+                        <a:buNone/>
+                        <a:tabLst>
+                          <a:tab pos="2618740" algn="l"/>
+                        </a:tabLst>
+                      </a:pPr>
+                      <a:r>
+                        <a:rPr lang="en-US" sz="1800" kern="100">
+                          <a:ln>
+                            <a:noFill/>
+                          </a:ln>
+                          <a:solidFill>
+                            <a:sysClr val="windowText" lastClr="000000"/>
+                          </a:solidFill>
+                          <a:effectLst/>
+                        </a:rPr>
+                        <a:t>2014</a:t>
+                      </a:r>
+                      <a:endParaRPr lang="en-US" sz="1600" kern="100">
+                        <a:ln>
+                          <a:noFill/>
+                        </a:ln>
+                        <a:solidFill>
+                          <a:sysClr val="windowText" lastClr="000000"/>
+                        </a:solidFill>
+                        <a:effectLst/>
+                        <a:latin typeface="Calibri" panose="020F0502020204030204" pitchFamily="34" charset="0"/>
+                        <a:ea typeface="Calibri" panose="020F0502020204030204" pitchFamily="34" charset="0"/>
+                        <a:cs typeface="Vrinda" panose="020B0502040204020203" pitchFamily="34" charset="0"/>
+                      </a:endParaRPr>
+                    </a:p>
+                  </a:txBody>
+                  <a:tcPr marL="68580" marR="68580" marT="0" marB="0" anchor="ctr">
+                    <a:lnL w="12700" cap="flat" cmpd="sng" algn="ctr">
+                      <a:solidFill>
+                        <a:schemeClr val="tx1"/>
+                      </a:solidFill>
+                      <a:prstDash val="solid"/>
+                      <a:round/>
+                      <a:headEnd type="none" w="med" len="med"/>
+                      <a:tailEnd type="none" w="med" len="med"/>
+                    </a:lnL>
+                    <a:lnR w="12700" cap="flat" cmpd="sng" algn="ctr">
+                      <a:solidFill>
+                        <a:schemeClr val="tx1"/>
+                      </a:solidFill>
+                      <a:prstDash val="solid"/>
+                      <a:round/>
+                      <a:headEnd type="none" w="med" len="med"/>
+                      <a:tailEnd type="none" w="med" len="med"/>
+                    </a:lnR>
+                    <a:lnT w="12700" cap="flat" cmpd="sng" algn="ctr">
+                      <a:solidFill>
+                        <a:schemeClr val="tx1"/>
+                      </a:solidFill>
+                      <a:prstDash val="solid"/>
+                      <a:round/>
+                      <a:headEnd type="none" w="med" len="med"/>
+                      <a:tailEnd type="none" w="med" len="med"/>
+                    </a:lnT>
+                    <a:lnB w="12700" cap="flat" cmpd="sng" algn="ctr">
+                      <a:solidFill>
+                        <a:schemeClr val="tx1"/>
+                      </a:solidFill>
+                      <a:prstDash val="solid"/>
+                      <a:round/>
+                      <a:headEnd type="none" w="med" len="med"/>
+                      <a:tailEnd type="none" w="med" len="med"/>
+                    </a:lnB>
+                    <a:lnTlToBr w="12700" cmpd="sng">
+                      <a:noFill/>
+                      <a:prstDash val="solid"/>
+                    </a:lnTlToBr>
+                    <a:lnBlToTr w="12700" cmpd="sng">
+                      <a:noFill/>
+                      <a:prstDash val="solid"/>
+                    </a:lnBlToTr>
+                    <a:noFill/>
+                  </a:tcPr>
+                </a:tc>
+                <a:tc>
+                  <a:txBody>
+                    <a:bodyPr/>
+                    <a:lstStyle/>
+                    <a:p>
+                      <a:pPr marL="0" marR="0" algn="ctr">
+                        <a:lnSpc>
+                          <a:spcPct val="115000"/>
+                        </a:lnSpc>
+                        <a:buNone/>
+                        <a:tabLst>
+                          <a:tab pos="2618740" algn="l"/>
+                        </a:tabLst>
+                      </a:pPr>
+                      <a:r>
+                        <a:rPr lang="en-US" sz="1800" kern="100">
+                          <a:ln>
+                            <a:noFill/>
+                          </a:ln>
+                          <a:solidFill>
+                            <a:sysClr val="windowText" lastClr="000000"/>
+                          </a:solidFill>
+                          <a:effectLst/>
+                        </a:rPr>
+                        <a:t>2015</a:t>
+                      </a:r>
+                      <a:endParaRPr lang="en-US" sz="1600" kern="100">
+                        <a:ln>
+                          <a:noFill/>
+                        </a:ln>
+                        <a:solidFill>
+                          <a:sysClr val="windowText" lastClr="000000"/>
+                        </a:solidFill>
+                        <a:effectLst/>
+                        <a:latin typeface="Calibri" panose="020F0502020204030204" pitchFamily="34" charset="0"/>
+                        <a:ea typeface="Calibri" panose="020F0502020204030204" pitchFamily="34" charset="0"/>
+                        <a:cs typeface="Vrinda" panose="020B0502040204020203" pitchFamily="34" charset="0"/>
+                      </a:endParaRPr>
+                    </a:p>
+                  </a:txBody>
+                  <a:tcPr marL="68580" marR="68580" marT="0" marB="0" anchor="ctr">
+                    <a:lnL w="12700" cap="flat" cmpd="sng" algn="ctr">
+                      <a:solidFill>
+                        <a:schemeClr val="tx1"/>
+                      </a:solidFill>
+                      <a:prstDash val="solid"/>
+                      <a:round/>
+                      <a:headEnd type="none" w="med" len="med"/>
+                      <a:tailEnd type="none" w="med" len="med"/>
+                    </a:lnL>
+                    <a:lnR w="12700" cap="flat" cmpd="sng" algn="ctr">
+                      <a:solidFill>
+                        <a:schemeClr val="tx1"/>
+                      </a:solidFill>
+                      <a:prstDash val="solid"/>
+                      <a:round/>
+                      <a:headEnd type="none" w="med" len="med"/>
+                      <a:tailEnd type="none" w="med" len="med"/>
+                    </a:lnR>
+                    <a:lnT w="12700" cap="flat" cmpd="sng" algn="ctr">
+                      <a:solidFill>
+                        <a:schemeClr val="tx1"/>
+                      </a:solidFill>
+                      <a:prstDash val="solid"/>
+                      <a:round/>
+                      <a:headEnd type="none" w="med" len="med"/>
+                      <a:tailEnd type="none" w="med" len="med"/>
+                    </a:lnT>
+                    <a:lnB w="12700" cap="flat" cmpd="sng" algn="ctr">
+                      <a:solidFill>
+                        <a:schemeClr val="tx1"/>
+                      </a:solidFill>
+                      <a:prstDash val="solid"/>
+                      <a:round/>
+                      <a:headEnd type="none" w="med" len="med"/>
+                      <a:tailEnd type="none" w="med" len="med"/>
+                    </a:lnB>
+                    <a:lnTlToBr w="12700" cmpd="sng">
+                      <a:noFill/>
+                      <a:prstDash val="solid"/>
+                    </a:lnTlToBr>
+                    <a:lnBlToTr w="12700" cmpd="sng">
+                      <a:noFill/>
+                      <a:prstDash val="solid"/>
+                    </a:lnBlToTr>
+                    <a:noFill/>
+                  </a:tcPr>
+                </a:tc>
+                <a:tc>
+                  <a:txBody>
+                    <a:bodyPr/>
+                    <a:lstStyle/>
+                    <a:p>
+                      <a:pPr marL="0" marR="0" algn="ctr">
+                        <a:lnSpc>
+                          <a:spcPct val="115000"/>
+                        </a:lnSpc>
+                        <a:buNone/>
+                        <a:tabLst>
+                          <a:tab pos="2618740" algn="l"/>
+                        </a:tabLst>
+                      </a:pPr>
+                      <a:r>
+                        <a:rPr lang="en-US" sz="1800" kern="100">
+                          <a:ln>
+                            <a:noFill/>
+                          </a:ln>
+                          <a:solidFill>
+                            <a:sysClr val="windowText" lastClr="000000"/>
+                          </a:solidFill>
+                          <a:effectLst/>
+                        </a:rPr>
+                        <a:t>2016</a:t>
+                      </a:r>
+                      <a:endParaRPr lang="en-US" sz="1600" kern="100">
+                        <a:ln>
+                          <a:noFill/>
+                        </a:ln>
+                        <a:solidFill>
+                          <a:sysClr val="windowText" lastClr="000000"/>
+                        </a:solidFill>
+                        <a:effectLst/>
+                        <a:latin typeface="Calibri" panose="020F0502020204030204" pitchFamily="34" charset="0"/>
+                        <a:ea typeface="Calibri" panose="020F0502020204030204" pitchFamily="34" charset="0"/>
+                        <a:cs typeface="Vrinda" panose="020B0502040204020203" pitchFamily="34" charset="0"/>
+                      </a:endParaRPr>
+                    </a:p>
+                  </a:txBody>
+                  <a:tcPr marL="68580" marR="68580" marT="0" marB="0" anchor="ctr">
+                    <a:lnL w="12700" cap="flat" cmpd="sng" algn="ctr">
+                      <a:solidFill>
+                        <a:schemeClr val="tx1"/>
+                      </a:solidFill>
+                      <a:prstDash val="solid"/>
+                      <a:round/>
+                      <a:headEnd type="none" w="med" len="med"/>
+                      <a:tailEnd type="none" w="med" len="med"/>
+                    </a:lnL>
+                    <a:lnR w="12700" cap="flat" cmpd="sng" algn="ctr">
+                      <a:solidFill>
+                        <a:schemeClr val="tx1"/>
+                      </a:solidFill>
+                      <a:prstDash val="solid"/>
+                      <a:round/>
+                      <a:headEnd type="none" w="med" len="med"/>
+                      <a:tailEnd type="none" w="med" len="med"/>
+                    </a:lnR>
+                    <a:lnT w="12700" cap="flat" cmpd="sng" algn="ctr">
+                      <a:solidFill>
+                        <a:schemeClr val="tx1"/>
+                      </a:solidFill>
+                      <a:prstDash val="solid"/>
+                      <a:round/>
+                      <a:headEnd type="none" w="med" len="med"/>
+                      <a:tailEnd type="none" w="med" len="med"/>
+                    </a:lnT>
+                    <a:lnB w="12700" cap="flat" cmpd="sng" algn="ctr">
+                      <a:solidFill>
+                        <a:schemeClr val="tx1"/>
+                      </a:solidFill>
+                      <a:prstDash val="solid"/>
+                      <a:round/>
+                      <a:headEnd type="none" w="med" len="med"/>
+                      <a:tailEnd type="none" w="med" len="med"/>
+                    </a:lnB>
+                    <a:lnTlToBr w="12700" cmpd="sng">
+                      <a:noFill/>
+                      <a:prstDash val="solid"/>
+                    </a:lnTlToBr>
+                    <a:lnBlToTr w="12700" cmpd="sng">
+                      <a:noFill/>
+                      <a:prstDash val="solid"/>
+                    </a:lnBlToTr>
+                    <a:noFill/>
+                  </a:tcPr>
+                </a:tc>
+                <a:tc>
+                  <a:txBody>
+                    <a:bodyPr/>
+                    <a:lstStyle/>
+                    <a:p>
+                      <a:pPr marL="0" marR="0" algn="ctr">
+                        <a:lnSpc>
+                          <a:spcPct val="115000"/>
+                        </a:lnSpc>
+                        <a:buNone/>
+                        <a:tabLst>
+                          <a:tab pos="2618740" algn="l"/>
+                        </a:tabLst>
+                      </a:pPr>
+                      <a:r>
+                        <a:rPr lang="en-US" sz="1800" kern="100">
+                          <a:ln>
+                            <a:noFill/>
+                          </a:ln>
+                          <a:solidFill>
+                            <a:sysClr val="windowText" lastClr="000000"/>
+                          </a:solidFill>
+                          <a:effectLst/>
+                        </a:rPr>
+                        <a:t>2017</a:t>
+                      </a:r>
+                      <a:endParaRPr lang="en-US" sz="1600" kern="100">
+                        <a:ln>
+                          <a:noFill/>
+                        </a:ln>
+                        <a:solidFill>
+                          <a:sysClr val="windowText" lastClr="000000"/>
+                        </a:solidFill>
+                        <a:effectLst/>
+                        <a:latin typeface="Calibri" panose="020F0502020204030204" pitchFamily="34" charset="0"/>
+                        <a:ea typeface="Calibri" panose="020F0502020204030204" pitchFamily="34" charset="0"/>
+                        <a:cs typeface="Vrinda" panose="020B0502040204020203" pitchFamily="34" charset="0"/>
+                      </a:endParaRPr>
+                    </a:p>
+                  </a:txBody>
+                  <a:tcPr marL="68580" marR="68580" marT="0" marB="0" anchor="ctr">
+                    <a:lnL w="12700" cap="flat" cmpd="sng" algn="ctr">
+                      <a:solidFill>
+                        <a:schemeClr val="tx1"/>
+                      </a:solidFill>
+                      <a:prstDash val="solid"/>
+                      <a:round/>
+                      <a:headEnd type="none" w="med" len="med"/>
+                      <a:tailEnd type="none" w="med" len="med"/>
+                    </a:lnL>
+                    <a:lnR w="12700" cap="flat" cmpd="sng" algn="ctr">
+                      <a:solidFill>
+                        <a:schemeClr val="tx1"/>
+                      </a:solidFill>
+                      <a:prstDash val="solid"/>
+                      <a:round/>
+                      <a:headEnd type="none" w="med" len="med"/>
+                      <a:tailEnd type="none" w="med" len="med"/>
+                    </a:lnR>
+                    <a:lnT w="12700" cap="flat" cmpd="sng" algn="ctr">
+                      <a:solidFill>
+                        <a:schemeClr val="tx1"/>
+                      </a:solidFill>
+                      <a:prstDash val="solid"/>
+                      <a:round/>
+                      <a:headEnd type="none" w="med" len="med"/>
+                      <a:tailEnd type="none" w="med" len="med"/>
+                    </a:lnT>
+                    <a:lnB w="12700" cap="flat" cmpd="sng" algn="ctr">
+                      <a:solidFill>
+                        <a:schemeClr val="tx1"/>
+                      </a:solidFill>
+                      <a:prstDash val="solid"/>
+                      <a:round/>
+                      <a:headEnd type="none" w="med" len="med"/>
+                      <a:tailEnd type="none" w="med" len="med"/>
+                    </a:lnB>
+                    <a:lnTlToBr w="12700" cmpd="sng">
+                      <a:noFill/>
+                      <a:prstDash val="solid"/>
+                    </a:lnTlToBr>
+                    <a:lnBlToTr w="12700" cmpd="sng">
+                      <a:noFill/>
+                      <a:prstDash val="solid"/>
+                    </a:lnBlToTr>
+                    <a:noFill/>
+                  </a:tcPr>
+                </a:tc>
+                <a:tc>
+                  <a:txBody>
+                    <a:bodyPr/>
+                    <a:lstStyle/>
+                    <a:p>
+                      <a:pPr marL="0" marR="0" algn="ctr">
+                        <a:lnSpc>
+                          <a:spcPct val="115000"/>
+                        </a:lnSpc>
+                        <a:buNone/>
+                        <a:tabLst>
+                          <a:tab pos="2618740" algn="l"/>
+                        </a:tabLst>
+                      </a:pPr>
+                      <a:r>
+                        <a:rPr lang="en-US" sz="1800" kern="100">
+                          <a:ln>
+                            <a:noFill/>
+                          </a:ln>
+                          <a:solidFill>
+                            <a:sysClr val="windowText" lastClr="000000"/>
+                          </a:solidFill>
+                          <a:effectLst/>
+                        </a:rPr>
+                        <a:t>2018</a:t>
+                      </a:r>
+                      <a:endParaRPr lang="en-US" sz="1600" kern="100">
+                        <a:ln>
+                          <a:noFill/>
+                        </a:ln>
+                        <a:solidFill>
+                          <a:sysClr val="windowText" lastClr="000000"/>
+                        </a:solidFill>
+                        <a:effectLst/>
+                        <a:latin typeface="Calibri" panose="020F0502020204030204" pitchFamily="34" charset="0"/>
+                        <a:ea typeface="Calibri" panose="020F0502020204030204" pitchFamily="34" charset="0"/>
+                        <a:cs typeface="Vrinda" panose="020B0502040204020203" pitchFamily="34" charset="0"/>
+                      </a:endParaRPr>
+                    </a:p>
+                  </a:txBody>
+                  <a:tcPr marL="68580" marR="68580" marT="0" marB="0" anchor="ctr">
+                    <a:lnL w="12700" cap="flat" cmpd="sng" algn="ctr">
+                      <a:solidFill>
+                        <a:schemeClr val="tx1"/>
+                      </a:solidFill>
+                      <a:prstDash val="solid"/>
+                      <a:round/>
+                      <a:headEnd type="none" w="med" len="med"/>
+                      <a:tailEnd type="none" w="med" len="med"/>
+                    </a:lnL>
+                    <a:lnR w="12700" cap="flat" cmpd="sng" algn="ctr">
+                      <a:solidFill>
+                        <a:schemeClr val="tx1"/>
+                      </a:solidFill>
+                      <a:prstDash val="solid"/>
+                      <a:round/>
+                      <a:headEnd type="none" w="med" len="med"/>
+                      <a:tailEnd type="none" w="med" len="med"/>
+                    </a:lnR>
+                    <a:lnT w="12700" cap="flat" cmpd="sng" algn="ctr">
+                      <a:solidFill>
+                        <a:schemeClr val="tx1"/>
+                      </a:solidFill>
+                      <a:prstDash val="solid"/>
+                      <a:round/>
+                      <a:headEnd type="none" w="med" len="med"/>
+                      <a:tailEnd type="none" w="med" len="med"/>
+                    </a:lnT>
+                    <a:lnB w="12700" cap="flat" cmpd="sng" algn="ctr">
+                      <a:solidFill>
+                        <a:schemeClr val="tx1"/>
+                      </a:solidFill>
+                      <a:prstDash val="solid"/>
+                      <a:round/>
+                      <a:headEnd type="none" w="med" len="med"/>
+                      <a:tailEnd type="none" w="med" len="med"/>
+                    </a:lnB>
+                    <a:lnTlToBr w="12700" cmpd="sng">
+                      <a:noFill/>
+                      <a:prstDash val="solid"/>
+                    </a:lnTlToBr>
+                    <a:lnBlToTr w="12700" cmpd="sng">
+                      <a:noFill/>
+                      <a:prstDash val="solid"/>
+                    </a:lnBlToTr>
+                    <a:noFill/>
+                  </a:tcPr>
+                </a:tc>
+                <a:tc>
+                  <a:txBody>
+                    <a:bodyPr/>
+                    <a:lstStyle/>
+                    <a:p>
+                      <a:pPr marL="0" marR="0" algn="ctr">
+                        <a:lnSpc>
+                          <a:spcPct val="115000"/>
+                        </a:lnSpc>
+                        <a:spcAft>
+                          <a:spcPts val="800"/>
+                        </a:spcAft>
+                        <a:buNone/>
+                        <a:tabLst>
+                          <a:tab pos="2618740" algn="l"/>
+                        </a:tabLst>
+                      </a:pPr>
+                      <a:r>
+                        <a:rPr lang="en-US" sz="1800" kern="100">
+                          <a:ln>
+                            <a:noFill/>
+                          </a:ln>
+                          <a:solidFill>
+                            <a:sysClr val="windowText" lastClr="000000"/>
+                          </a:solidFill>
+                          <a:effectLst/>
+                        </a:rPr>
+                        <a:t>2019</a:t>
+                      </a:r>
+                      <a:endParaRPr lang="en-US" sz="1600" kern="100">
+                        <a:ln>
+                          <a:noFill/>
+                        </a:ln>
+                        <a:solidFill>
+                          <a:sysClr val="windowText" lastClr="000000"/>
+                        </a:solidFill>
+                        <a:effectLst/>
+                        <a:latin typeface="Calibri" panose="020F0502020204030204" pitchFamily="34" charset="0"/>
+                        <a:ea typeface="Calibri" panose="020F0502020204030204" pitchFamily="34" charset="0"/>
+                        <a:cs typeface="Vrinda" panose="020B0502040204020203" pitchFamily="34" charset="0"/>
+                      </a:endParaRPr>
+                    </a:p>
+                  </a:txBody>
+                  <a:tcPr marL="68580" marR="68580" marT="0" marB="0" anchor="ctr">
+                    <a:lnL w="12700" cap="flat" cmpd="sng" algn="ctr">
+                      <a:solidFill>
+                        <a:schemeClr val="tx1"/>
+                      </a:solidFill>
+                      <a:prstDash val="solid"/>
+                      <a:round/>
+                      <a:headEnd type="none" w="med" len="med"/>
+                      <a:tailEnd type="none" w="med" len="med"/>
+                    </a:lnL>
+                    <a:lnR w="12700" cap="flat" cmpd="sng" algn="ctr">
+                      <a:solidFill>
+                        <a:schemeClr val="tx1"/>
+                      </a:solidFill>
+                      <a:prstDash val="solid"/>
+                      <a:round/>
+                      <a:headEnd type="none" w="med" len="med"/>
+                      <a:tailEnd type="none" w="med" len="med"/>
+                    </a:lnR>
+                    <a:lnT w="12700" cap="flat" cmpd="sng" algn="ctr">
+                      <a:solidFill>
+                        <a:schemeClr val="tx1"/>
+                      </a:solidFill>
+                      <a:prstDash val="solid"/>
+                      <a:round/>
+                      <a:headEnd type="none" w="med" len="med"/>
+                      <a:tailEnd type="none" w="med" len="med"/>
+                    </a:lnT>
+                    <a:lnB w="12700" cap="flat" cmpd="sng" algn="ctr">
+                      <a:solidFill>
+                        <a:schemeClr val="tx1"/>
+                      </a:solidFill>
+                      <a:prstDash val="solid"/>
+                      <a:round/>
+                      <a:headEnd type="none" w="med" len="med"/>
+                      <a:tailEnd type="none" w="med" len="med"/>
+                    </a:lnB>
+                    <a:lnTlToBr w="12700" cmpd="sng">
+                      <a:noFill/>
+                      <a:prstDash val="solid"/>
+                    </a:lnTlToBr>
+                    <a:lnBlToTr w="12700" cmpd="sng">
+                      <a:noFill/>
+                      <a:prstDash val="solid"/>
+                    </a:lnBlToTr>
+                    <a:noFill/>
+                  </a:tcPr>
+                </a:tc>
+                <a:extLst>
+                  <a:ext uri="{0D108BD9-81ED-4DB2-BD59-A6C34878D82A}">
+                    <a16:rowId xmlns:a16="http://schemas.microsoft.com/office/drawing/2014/main" val="740994256"/>
+                  </a:ext>
+                </a:extLst>
+              </a:tr>
+              <a:tr h="457200">
+                <a:tc rowSpan="2">
+                  <a:txBody>
+                    <a:bodyPr/>
+                    <a:lstStyle/>
+                    <a:p>
+                      <a:pPr marL="0" marR="0" algn="ctr">
+                        <a:lnSpc>
+                          <a:spcPct val="115000"/>
+                        </a:lnSpc>
+                        <a:buNone/>
+                        <a:tabLst>
+                          <a:tab pos="2618740" algn="l"/>
+                        </a:tabLst>
+                      </a:pPr>
+                      <a:r>
+                        <a:rPr lang="en-US" sz="1800" b="1" i="1" kern="100">
+                          <a:ln>
+                            <a:noFill/>
+                          </a:ln>
+                          <a:solidFill>
+                            <a:sysClr val="windowText" lastClr="000000"/>
+                          </a:solidFill>
+                          <a:effectLst/>
+                        </a:rPr>
+                        <a:t>Item 1</a:t>
+                      </a:r>
+                      <a:endParaRPr lang="en-US" sz="1600" b="1" i="1" kern="100">
+                        <a:ln>
+                          <a:noFill/>
+                        </a:ln>
+                        <a:solidFill>
+                          <a:sysClr val="windowText" lastClr="000000"/>
+                        </a:solidFill>
+                        <a:effectLst/>
+                        <a:latin typeface="Calibri" panose="020F0502020204030204" pitchFamily="34" charset="0"/>
+                        <a:ea typeface="Calibri" panose="020F0502020204030204" pitchFamily="34" charset="0"/>
+                        <a:cs typeface="Vrinda" panose="020B0502040204020203" pitchFamily="34" charset="0"/>
+                      </a:endParaRPr>
+                    </a:p>
+                  </a:txBody>
+                  <a:tcPr marL="68580" marR="68580" marT="0" marB="0" anchor="ctr">
+                    <a:lnL w="12700" cap="flat" cmpd="sng" algn="ctr">
+                      <a:solidFill>
+                        <a:schemeClr val="tx1"/>
+                      </a:solidFill>
+                      <a:prstDash val="solid"/>
+                      <a:round/>
+                      <a:headEnd type="none" w="med" len="med"/>
+                      <a:tailEnd type="none" w="med" len="med"/>
+                    </a:lnL>
+                    <a:lnR w="12700" cap="flat" cmpd="sng" algn="ctr">
+                      <a:solidFill>
+                        <a:schemeClr val="tx1"/>
+                      </a:solidFill>
+                      <a:prstDash val="solid"/>
+                      <a:round/>
+                      <a:headEnd type="none" w="med" len="med"/>
+                      <a:tailEnd type="none" w="med" len="med"/>
+                    </a:lnR>
+                    <a:lnT w="12700" cap="flat" cmpd="sng" algn="ctr">
+                      <a:solidFill>
+                        <a:schemeClr val="tx1"/>
+                      </a:solidFill>
+                      <a:prstDash val="solid"/>
+                      <a:round/>
+                      <a:headEnd type="none" w="med" len="med"/>
+                      <a:tailEnd type="none" w="med" len="med"/>
+                    </a:lnT>
+                    <a:lnB w="12700" cap="flat" cmpd="sng" algn="ctr">
+                      <a:solidFill>
+                        <a:schemeClr val="tx1"/>
+                      </a:solidFill>
+                      <a:prstDash val="solid"/>
+                      <a:round/>
+                      <a:headEnd type="none" w="med" len="med"/>
+                      <a:tailEnd type="none" w="med" len="med"/>
+                    </a:lnB>
+                    <a:lnTlToBr w="12700" cmpd="sng">
+                      <a:noFill/>
+                      <a:prstDash val="solid"/>
+                    </a:lnTlToBr>
+                    <a:lnBlToTr w="12700" cmpd="sng">
+                      <a:noFill/>
+                      <a:prstDash val="solid"/>
+                    </a:lnBlToTr>
+                    <a:noFill/>
+                  </a:tcPr>
+                </a:tc>
+                <a:tc>
+                  <a:txBody>
+                    <a:bodyPr/>
+                    <a:lstStyle/>
+                    <a:p>
+                      <a:pPr marL="0" marR="0" algn="ctr">
+                        <a:lnSpc>
+                          <a:spcPct val="115000"/>
+                        </a:lnSpc>
+                        <a:buNone/>
+                        <a:tabLst>
+                          <a:tab pos="2618740" algn="l"/>
+                        </a:tabLst>
+                      </a:pPr>
+                      <a:r>
+                        <a:rPr lang="en-US" sz="1800" b="1" i="1" kern="100" dirty="0">
+                          <a:ln>
+                            <a:noFill/>
+                          </a:ln>
+                          <a:solidFill>
+                            <a:sysClr val="windowText" lastClr="000000"/>
+                          </a:solidFill>
+                          <a:effectLst/>
+                        </a:rPr>
+                        <a:t>Price</a:t>
+                      </a:r>
+                      <a:endParaRPr lang="en-US" sz="1600" b="1" i="1" kern="100" dirty="0">
+                        <a:ln>
+                          <a:noFill/>
+                        </a:ln>
+                        <a:solidFill>
+                          <a:sysClr val="windowText" lastClr="000000"/>
+                        </a:solidFill>
+                        <a:effectLst/>
+                        <a:latin typeface="Calibri" panose="020F0502020204030204" pitchFamily="34" charset="0"/>
+                        <a:ea typeface="Calibri" panose="020F0502020204030204" pitchFamily="34" charset="0"/>
+                        <a:cs typeface="Vrinda" panose="020B0502040204020203" pitchFamily="34" charset="0"/>
+                      </a:endParaRPr>
+                    </a:p>
+                  </a:txBody>
+                  <a:tcPr marL="68580" marR="68580" marT="0" marB="0">
+                    <a:lnL w="12700" cap="flat" cmpd="sng" algn="ctr">
+                      <a:solidFill>
+                        <a:schemeClr val="tx1"/>
+                      </a:solidFill>
+                      <a:prstDash val="solid"/>
+                      <a:round/>
+                      <a:headEnd type="none" w="med" len="med"/>
+                      <a:tailEnd type="none" w="med" len="med"/>
+                    </a:lnL>
+                    <a:lnR w="12700" cap="flat" cmpd="sng" algn="ctr">
+                      <a:solidFill>
+                        <a:schemeClr val="tx1"/>
+                      </a:solidFill>
+                      <a:prstDash val="solid"/>
+                      <a:round/>
+                      <a:headEnd type="none" w="med" len="med"/>
+                      <a:tailEnd type="none" w="med" len="med"/>
+                    </a:lnR>
+                    <a:lnT w="12700" cap="flat" cmpd="sng" algn="ctr">
+                      <a:solidFill>
+                        <a:schemeClr val="tx1"/>
+                      </a:solidFill>
+                      <a:prstDash val="solid"/>
+                      <a:round/>
+                      <a:headEnd type="none" w="med" len="med"/>
+                      <a:tailEnd type="none" w="med" len="med"/>
+                    </a:lnT>
+                    <a:lnB w="12700" cap="flat" cmpd="sng" algn="ctr">
+                      <a:solidFill>
+                        <a:schemeClr val="tx1"/>
+                      </a:solidFill>
+                      <a:prstDash val="solid"/>
+                      <a:round/>
+                      <a:headEnd type="none" w="med" len="med"/>
+                      <a:tailEnd type="none" w="med" len="med"/>
+                    </a:lnB>
+                    <a:lnTlToBr w="12700" cmpd="sng">
+                      <a:noFill/>
+                      <a:prstDash val="solid"/>
+                    </a:lnTlToBr>
+                    <a:lnBlToTr w="12700" cmpd="sng">
+                      <a:noFill/>
+                      <a:prstDash val="solid"/>
+                    </a:lnBlToTr>
+                    <a:noFill/>
+                  </a:tcPr>
+                </a:tc>
+                <a:tc>
+                  <a:txBody>
+                    <a:bodyPr/>
+                    <a:lstStyle/>
+                    <a:p>
+                      <a:pPr marL="0" marR="0" algn="ctr">
+                        <a:lnSpc>
+                          <a:spcPct val="115000"/>
+                        </a:lnSpc>
+                        <a:buNone/>
+                        <a:tabLst>
+                          <a:tab pos="2618740" algn="l"/>
+                        </a:tabLst>
+                      </a:pPr>
+                      <a:r>
+                        <a:rPr lang="en-US" sz="1800" kern="100" dirty="0">
+                          <a:ln>
+                            <a:noFill/>
+                          </a:ln>
+                          <a:solidFill>
+                            <a:sysClr val="windowText" lastClr="000000"/>
+                          </a:solidFill>
+                          <a:effectLst/>
+                        </a:rPr>
+                        <a:t>56</a:t>
+                      </a:r>
+                      <a:endParaRPr lang="en-US" sz="1600" kern="100" dirty="0">
+                        <a:ln>
+                          <a:noFill/>
+                        </a:ln>
+                        <a:solidFill>
+                          <a:sysClr val="windowText" lastClr="000000"/>
+                        </a:solidFill>
+                        <a:effectLst/>
+                        <a:latin typeface="Calibri" panose="020F0502020204030204" pitchFamily="34" charset="0"/>
+                        <a:ea typeface="Calibri" panose="020F0502020204030204" pitchFamily="34" charset="0"/>
+                        <a:cs typeface="Vrinda" panose="020B0502040204020203" pitchFamily="34" charset="0"/>
+                      </a:endParaRPr>
+                    </a:p>
+                  </a:txBody>
+                  <a:tcPr marL="68580" marR="68580" marT="0" marB="0" anchor="ctr">
+                    <a:lnL w="12700" cap="flat" cmpd="sng" algn="ctr">
+                      <a:solidFill>
+                        <a:schemeClr val="tx1"/>
+                      </a:solidFill>
+                      <a:prstDash val="solid"/>
+                      <a:round/>
+                      <a:headEnd type="none" w="med" len="med"/>
+                      <a:tailEnd type="none" w="med" len="med"/>
+                    </a:lnL>
+                    <a:lnR w="12700" cap="flat" cmpd="sng" algn="ctr">
+                      <a:solidFill>
+                        <a:schemeClr val="tx1"/>
+                      </a:solidFill>
+                      <a:prstDash val="solid"/>
+                      <a:round/>
+                      <a:headEnd type="none" w="med" len="med"/>
+                      <a:tailEnd type="none" w="med" len="med"/>
+                    </a:lnR>
+                    <a:lnT w="12700" cap="flat" cmpd="sng" algn="ctr">
+                      <a:solidFill>
+                        <a:schemeClr val="tx1"/>
+                      </a:solidFill>
+                      <a:prstDash val="solid"/>
+                      <a:round/>
+                      <a:headEnd type="none" w="med" len="med"/>
+                      <a:tailEnd type="none" w="med" len="med"/>
+                    </a:lnT>
+                    <a:lnB w="12700" cap="flat" cmpd="sng" algn="ctr">
+                      <a:solidFill>
+                        <a:schemeClr val="tx1"/>
+                      </a:solidFill>
+                      <a:prstDash val="solid"/>
+                      <a:round/>
+                      <a:headEnd type="none" w="med" len="med"/>
+                      <a:tailEnd type="none" w="med" len="med"/>
+                    </a:lnB>
+                    <a:lnTlToBr w="12700" cmpd="sng">
+                      <a:noFill/>
+                      <a:prstDash val="solid"/>
+                    </a:lnTlToBr>
+                    <a:lnBlToTr w="12700" cmpd="sng">
+                      <a:noFill/>
+                      <a:prstDash val="solid"/>
+                    </a:lnBlToTr>
+                    <a:noFill/>
+                  </a:tcPr>
+                </a:tc>
+                <a:tc>
+                  <a:txBody>
+                    <a:bodyPr/>
+                    <a:lstStyle/>
+                    <a:p>
+                      <a:pPr marL="0" marR="0" algn="ctr">
+                        <a:lnSpc>
+                          <a:spcPct val="115000"/>
+                        </a:lnSpc>
+                        <a:buNone/>
+                        <a:tabLst>
+                          <a:tab pos="2618740" algn="l"/>
+                        </a:tabLst>
+                      </a:pPr>
+                      <a:r>
+                        <a:rPr lang="en-US" sz="1800" kern="100" dirty="0">
+                          <a:ln>
+                            <a:noFill/>
+                          </a:ln>
+                          <a:solidFill>
+                            <a:sysClr val="windowText" lastClr="000000"/>
+                          </a:solidFill>
+                          <a:effectLst/>
+                        </a:rPr>
+                        <a:t>58</a:t>
+                      </a:r>
+                      <a:endParaRPr lang="en-US" sz="1600" kern="100" dirty="0">
+                        <a:ln>
+                          <a:noFill/>
+                        </a:ln>
+                        <a:solidFill>
+                          <a:sysClr val="windowText" lastClr="000000"/>
+                        </a:solidFill>
+                        <a:effectLst/>
+                        <a:latin typeface="Calibri" panose="020F0502020204030204" pitchFamily="34" charset="0"/>
+                        <a:ea typeface="Calibri" panose="020F0502020204030204" pitchFamily="34" charset="0"/>
+                        <a:cs typeface="Vrinda" panose="020B0502040204020203" pitchFamily="34" charset="0"/>
+                      </a:endParaRPr>
+                    </a:p>
+                  </a:txBody>
+                  <a:tcPr marL="68580" marR="68580" marT="0" marB="0" anchor="ctr">
+                    <a:lnL w="12700" cap="flat" cmpd="sng" algn="ctr">
+                      <a:solidFill>
+                        <a:schemeClr val="tx1"/>
+                      </a:solidFill>
+                      <a:prstDash val="solid"/>
+                      <a:round/>
+                      <a:headEnd type="none" w="med" len="med"/>
+                      <a:tailEnd type="none" w="med" len="med"/>
+                    </a:lnL>
+                    <a:lnR w="12700" cap="flat" cmpd="sng" algn="ctr">
+                      <a:solidFill>
+                        <a:schemeClr val="tx1"/>
+                      </a:solidFill>
+                      <a:prstDash val="solid"/>
+                      <a:round/>
+                      <a:headEnd type="none" w="med" len="med"/>
+                      <a:tailEnd type="none" w="med" len="med"/>
+                    </a:lnR>
+                    <a:lnT w="12700" cap="flat" cmpd="sng" algn="ctr">
+                      <a:solidFill>
+                        <a:schemeClr val="tx1"/>
+                      </a:solidFill>
+                      <a:prstDash val="solid"/>
+                      <a:round/>
+                      <a:headEnd type="none" w="med" len="med"/>
+                      <a:tailEnd type="none" w="med" len="med"/>
+                    </a:lnT>
+                    <a:lnB w="12700" cap="flat" cmpd="sng" algn="ctr">
+                      <a:solidFill>
+                        <a:schemeClr val="tx1"/>
+                      </a:solidFill>
+                      <a:prstDash val="solid"/>
+                      <a:round/>
+                      <a:headEnd type="none" w="med" len="med"/>
+                      <a:tailEnd type="none" w="med" len="med"/>
+                    </a:lnB>
+                    <a:lnTlToBr w="12700" cmpd="sng">
+                      <a:noFill/>
+                      <a:prstDash val="solid"/>
+                    </a:lnTlToBr>
+                    <a:lnBlToTr w="12700" cmpd="sng">
+                      <a:noFill/>
+                      <a:prstDash val="solid"/>
+                    </a:lnBlToTr>
+                    <a:noFill/>
+                  </a:tcPr>
+                </a:tc>
+                <a:tc>
+                  <a:txBody>
+                    <a:bodyPr/>
+                    <a:lstStyle/>
+                    <a:p>
+                      <a:pPr marL="0" marR="0" algn="ctr">
+                        <a:lnSpc>
+                          <a:spcPct val="115000"/>
+                        </a:lnSpc>
+                        <a:buNone/>
+                        <a:tabLst>
+                          <a:tab pos="2618740" algn="l"/>
+                        </a:tabLst>
+                      </a:pPr>
+                      <a:r>
+                        <a:rPr lang="en-US" sz="1800" kern="100" dirty="0">
+                          <a:ln>
+                            <a:noFill/>
+                          </a:ln>
+                          <a:solidFill>
+                            <a:sysClr val="windowText" lastClr="000000"/>
+                          </a:solidFill>
+                          <a:effectLst/>
+                        </a:rPr>
+                        <a:t>60</a:t>
+                      </a:r>
+                      <a:endParaRPr lang="en-US" sz="1600" kern="100" dirty="0">
+                        <a:ln>
+                          <a:noFill/>
+                        </a:ln>
+                        <a:solidFill>
+                          <a:sysClr val="windowText" lastClr="000000"/>
+                        </a:solidFill>
+                        <a:effectLst/>
+                        <a:latin typeface="Calibri" panose="020F0502020204030204" pitchFamily="34" charset="0"/>
+                        <a:ea typeface="Calibri" panose="020F0502020204030204" pitchFamily="34" charset="0"/>
+                        <a:cs typeface="Vrinda" panose="020B0502040204020203" pitchFamily="34" charset="0"/>
+                      </a:endParaRPr>
+                    </a:p>
+                  </a:txBody>
+                  <a:tcPr marL="68580" marR="68580" marT="0" marB="0" anchor="ctr">
+                    <a:lnL w="12700" cap="flat" cmpd="sng" algn="ctr">
+                      <a:solidFill>
+                        <a:schemeClr val="tx1"/>
+                      </a:solidFill>
+                      <a:prstDash val="solid"/>
+                      <a:round/>
+                      <a:headEnd type="none" w="med" len="med"/>
+                      <a:tailEnd type="none" w="med" len="med"/>
+                    </a:lnL>
+                    <a:lnR w="12700" cap="flat" cmpd="sng" algn="ctr">
+                      <a:solidFill>
+                        <a:schemeClr val="tx1"/>
+                      </a:solidFill>
+                      <a:prstDash val="solid"/>
+                      <a:round/>
+                      <a:headEnd type="none" w="med" len="med"/>
+                      <a:tailEnd type="none" w="med" len="med"/>
+                    </a:lnR>
+                    <a:lnT w="12700" cap="flat" cmpd="sng" algn="ctr">
+                      <a:solidFill>
+                        <a:schemeClr val="tx1"/>
+                      </a:solidFill>
+                      <a:prstDash val="solid"/>
+                      <a:round/>
+                      <a:headEnd type="none" w="med" len="med"/>
+                      <a:tailEnd type="none" w="med" len="med"/>
+                    </a:lnT>
+                    <a:lnB w="12700" cap="flat" cmpd="sng" algn="ctr">
+                      <a:solidFill>
+                        <a:schemeClr val="tx1"/>
+                      </a:solidFill>
+                      <a:prstDash val="solid"/>
+                      <a:round/>
+                      <a:headEnd type="none" w="med" len="med"/>
+                      <a:tailEnd type="none" w="med" len="med"/>
+                    </a:lnB>
+                    <a:lnTlToBr w="12700" cmpd="sng">
+                      <a:noFill/>
+                      <a:prstDash val="solid"/>
+                    </a:lnTlToBr>
+                    <a:lnBlToTr w="12700" cmpd="sng">
+                      <a:noFill/>
+                      <a:prstDash val="solid"/>
+                    </a:lnBlToTr>
+                    <a:noFill/>
+                  </a:tcPr>
+                </a:tc>
+                <a:tc>
+                  <a:txBody>
+                    <a:bodyPr/>
+                    <a:lstStyle/>
+                    <a:p>
+                      <a:pPr marL="0" marR="0" algn="ctr">
+                        <a:lnSpc>
+                          <a:spcPct val="115000"/>
+                        </a:lnSpc>
+                        <a:buNone/>
+                        <a:tabLst>
+                          <a:tab pos="2618740" algn="l"/>
+                        </a:tabLst>
+                      </a:pPr>
+                      <a:r>
+                        <a:rPr lang="en-US" sz="1800" kern="100" dirty="0">
+                          <a:ln>
+                            <a:noFill/>
+                          </a:ln>
+                          <a:solidFill>
+                            <a:sysClr val="windowText" lastClr="000000"/>
+                          </a:solidFill>
+                          <a:effectLst/>
+                        </a:rPr>
+                        <a:t>65</a:t>
+                      </a:r>
+                      <a:endParaRPr lang="en-US" sz="1600" kern="100" dirty="0">
+                        <a:ln>
+                          <a:noFill/>
+                        </a:ln>
+                        <a:solidFill>
+                          <a:sysClr val="windowText" lastClr="000000"/>
+                        </a:solidFill>
+                        <a:effectLst/>
+                        <a:latin typeface="Calibri" panose="020F0502020204030204" pitchFamily="34" charset="0"/>
+                        <a:ea typeface="Calibri" panose="020F0502020204030204" pitchFamily="34" charset="0"/>
+                        <a:cs typeface="Vrinda" panose="020B0502040204020203" pitchFamily="34" charset="0"/>
+                      </a:endParaRPr>
+                    </a:p>
+                  </a:txBody>
+                  <a:tcPr marL="68580" marR="68580" marT="0" marB="0" anchor="ctr">
+                    <a:lnL w="12700" cap="flat" cmpd="sng" algn="ctr">
+                      <a:solidFill>
+                        <a:schemeClr val="tx1"/>
+                      </a:solidFill>
+                      <a:prstDash val="solid"/>
+                      <a:round/>
+                      <a:headEnd type="none" w="med" len="med"/>
+                      <a:tailEnd type="none" w="med" len="med"/>
+                    </a:lnL>
+                    <a:lnR w="12700" cap="flat" cmpd="sng" algn="ctr">
+                      <a:solidFill>
+                        <a:schemeClr val="tx1"/>
+                      </a:solidFill>
+                      <a:prstDash val="solid"/>
+                      <a:round/>
+                      <a:headEnd type="none" w="med" len="med"/>
+                      <a:tailEnd type="none" w="med" len="med"/>
+                    </a:lnR>
+                    <a:lnT w="12700" cap="flat" cmpd="sng" algn="ctr">
+                      <a:solidFill>
+                        <a:schemeClr val="tx1"/>
+                      </a:solidFill>
+                      <a:prstDash val="solid"/>
+                      <a:round/>
+                      <a:headEnd type="none" w="med" len="med"/>
+                      <a:tailEnd type="none" w="med" len="med"/>
+                    </a:lnT>
+                    <a:lnB w="12700" cap="flat" cmpd="sng" algn="ctr">
+                      <a:solidFill>
+                        <a:schemeClr val="tx1"/>
+                      </a:solidFill>
+                      <a:prstDash val="solid"/>
+                      <a:round/>
+                      <a:headEnd type="none" w="med" len="med"/>
+                      <a:tailEnd type="none" w="med" len="med"/>
+                    </a:lnB>
+                    <a:lnTlToBr w="12700" cmpd="sng">
+                      <a:noFill/>
+                      <a:prstDash val="solid"/>
+                    </a:lnTlToBr>
+                    <a:lnBlToTr w="12700" cmpd="sng">
+                      <a:noFill/>
+                      <a:prstDash val="solid"/>
+                    </a:lnBlToTr>
+                    <a:noFill/>
+                  </a:tcPr>
+                </a:tc>
+                <a:tc>
+                  <a:txBody>
+                    <a:bodyPr/>
+                    <a:lstStyle/>
+                    <a:p>
+                      <a:pPr marL="0" marR="0" algn="ctr">
+                        <a:lnSpc>
+                          <a:spcPct val="115000"/>
+                        </a:lnSpc>
+                        <a:buNone/>
+                        <a:tabLst>
+                          <a:tab pos="2618740" algn="l"/>
+                        </a:tabLst>
+                      </a:pPr>
+                      <a:r>
+                        <a:rPr lang="en-US" sz="1800" kern="100" dirty="0">
+                          <a:ln>
+                            <a:noFill/>
+                          </a:ln>
+                          <a:solidFill>
+                            <a:sysClr val="windowText" lastClr="000000"/>
+                          </a:solidFill>
+                          <a:effectLst/>
+                        </a:rPr>
+                        <a:t>68</a:t>
+                      </a:r>
+                      <a:endParaRPr lang="en-US" sz="1600" kern="100" dirty="0">
+                        <a:ln>
+                          <a:noFill/>
+                        </a:ln>
+                        <a:solidFill>
+                          <a:sysClr val="windowText" lastClr="000000"/>
+                        </a:solidFill>
+                        <a:effectLst/>
+                        <a:latin typeface="Calibri" panose="020F0502020204030204" pitchFamily="34" charset="0"/>
+                        <a:ea typeface="Calibri" panose="020F0502020204030204" pitchFamily="34" charset="0"/>
+                        <a:cs typeface="Vrinda" panose="020B0502040204020203" pitchFamily="34" charset="0"/>
+                      </a:endParaRPr>
+                    </a:p>
+                  </a:txBody>
+                  <a:tcPr marL="68580" marR="68580" marT="0" marB="0" anchor="ctr">
+                    <a:lnL w="12700" cap="flat" cmpd="sng" algn="ctr">
+                      <a:solidFill>
+                        <a:schemeClr val="tx1"/>
+                      </a:solidFill>
+                      <a:prstDash val="solid"/>
+                      <a:round/>
+                      <a:headEnd type="none" w="med" len="med"/>
+                      <a:tailEnd type="none" w="med" len="med"/>
+                    </a:lnL>
+                    <a:lnR w="12700" cap="flat" cmpd="sng" algn="ctr">
+                      <a:solidFill>
+                        <a:schemeClr val="tx1"/>
+                      </a:solidFill>
+                      <a:prstDash val="solid"/>
+                      <a:round/>
+                      <a:headEnd type="none" w="med" len="med"/>
+                      <a:tailEnd type="none" w="med" len="med"/>
+                    </a:lnR>
+                    <a:lnT w="12700" cap="flat" cmpd="sng" algn="ctr">
+                      <a:solidFill>
+                        <a:schemeClr val="tx1"/>
+                      </a:solidFill>
+                      <a:prstDash val="solid"/>
+                      <a:round/>
+                      <a:headEnd type="none" w="med" len="med"/>
+                      <a:tailEnd type="none" w="med" len="med"/>
+                    </a:lnT>
+                    <a:lnB w="12700" cap="flat" cmpd="sng" algn="ctr">
+                      <a:solidFill>
+                        <a:schemeClr val="tx1"/>
+                      </a:solidFill>
+                      <a:prstDash val="solid"/>
+                      <a:round/>
+                      <a:headEnd type="none" w="med" len="med"/>
+                      <a:tailEnd type="none" w="med" len="med"/>
+                    </a:lnB>
+                    <a:lnTlToBr w="12700" cmpd="sng">
+                      <a:noFill/>
+                      <a:prstDash val="solid"/>
+                    </a:lnTlToBr>
+                    <a:lnBlToTr w="12700" cmpd="sng">
+                      <a:noFill/>
+                      <a:prstDash val="solid"/>
+                    </a:lnBlToTr>
+                    <a:noFill/>
+                  </a:tcPr>
+                </a:tc>
+                <a:tc>
+                  <a:txBody>
+                    <a:bodyPr/>
+                    <a:lstStyle/>
+                    <a:p>
+                      <a:pPr marL="0" marR="0" algn="ctr">
+                        <a:lnSpc>
+                          <a:spcPct val="115000"/>
+                        </a:lnSpc>
+                        <a:buNone/>
+                        <a:tabLst>
+                          <a:tab pos="2618740" algn="l"/>
+                        </a:tabLst>
+                      </a:pPr>
+                      <a:r>
+                        <a:rPr lang="en-US" sz="1800" kern="100" dirty="0">
+                          <a:ln>
+                            <a:noFill/>
+                          </a:ln>
+                          <a:solidFill>
+                            <a:sysClr val="windowText" lastClr="000000"/>
+                          </a:solidFill>
+                          <a:effectLst/>
+                        </a:rPr>
+                        <a:t>81</a:t>
+                      </a:r>
+                      <a:endParaRPr lang="en-US" sz="1600" kern="100" dirty="0">
+                        <a:ln>
+                          <a:noFill/>
+                        </a:ln>
+                        <a:solidFill>
+                          <a:sysClr val="windowText" lastClr="000000"/>
+                        </a:solidFill>
+                        <a:effectLst/>
+                        <a:latin typeface="Calibri" panose="020F0502020204030204" pitchFamily="34" charset="0"/>
+                        <a:ea typeface="Calibri" panose="020F0502020204030204" pitchFamily="34" charset="0"/>
+                        <a:cs typeface="Vrinda" panose="020B0502040204020203" pitchFamily="34" charset="0"/>
+                      </a:endParaRPr>
+                    </a:p>
+                  </a:txBody>
+                  <a:tcPr marL="68580" marR="68580" marT="0" marB="0" anchor="ctr">
+                    <a:lnL w="12700" cap="flat" cmpd="sng" algn="ctr">
+                      <a:solidFill>
+                        <a:schemeClr val="tx1"/>
+                      </a:solidFill>
+                      <a:prstDash val="solid"/>
+                      <a:round/>
+                      <a:headEnd type="none" w="med" len="med"/>
+                      <a:tailEnd type="none" w="med" len="med"/>
+                    </a:lnL>
+                    <a:lnR w="12700" cap="flat" cmpd="sng" algn="ctr">
+                      <a:solidFill>
+                        <a:schemeClr val="tx1"/>
+                      </a:solidFill>
+                      <a:prstDash val="solid"/>
+                      <a:round/>
+                      <a:headEnd type="none" w="med" len="med"/>
+                      <a:tailEnd type="none" w="med" len="med"/>
+                    </a:lnR>
+                    <a:lnT w="12700" cap="flat" cmpd="sng" algn="ctr">
+                      <a:solidFill>
+                        <a:schemeClr val="tx1"/>
+                      </a:solidFill>
+                      <a:prstDash val="solid"/>
+                      <a:round/>
+                      <a:headEnd type="none" w="med" len="med"/>
+                      <a:tailEnd type="none" w="med" len="med"/>
+                    </a:lnT>
+                    <a:lnB w="12700" cap="flat" cmpd="sng" algn="ctr">
+                      <a:solidFill>
+                        <a:schemeClr val="tx1"/>
+                      </a:solidFill>
+                      <a:prstDash val="solid"/>
+                      <a:round/>
+                      <a:headEnd type="none" w="med" len="med"/>
+                      <a:tailEnd type="none" w="med" len="med"/>
+                    </a:lnB>
+                    <a:lnTlToBr w="12700" cmpd="sng">
+                      <a:noFill/>
+                      <a:prstDash val="solid"/>
+                    </a:lnTlToBr>
+                    <a:lnBlToTr w="12700" cmpd="sng">
+                      <a:noFill/>
+                      <a:prstDash val="solid"/>
+                    </a:lnBlToTr>
+                    <a:noFill/>
+                  </a:tcPr>
+                </a:tc>
+                <a:tc>
+                  <a:txBody>
+                    <a:bodyPr/>
+                    <a:lstStyle/>
+                    <a:p>
+                      <a:pPr marL="0" marR="0" algn="ctr">
+                        <a:lnSpc>
+                          <a:spcPct val="115000"/>
+                        </a:lnSpc>
+                        <a:spcAft>
+                          <a:spcPts val="800"/>
+                        </a:spcAft>
+                        <a:buNone/>
+                        <a:tabLst>
+                          <a:tab pos="2618740" algn="l"/>
+                        </a:tabLst>
+                      </a:pPr>
+                      <a:r>
+                        <a:rPr lang="en-US" sz="1800" kern="100" dirty="0">
+                          <a:ln>
+                            <a:noFill/>
+                          </a:ln>
+                          <a:solidFill>
+                            <a:sysClr val="windowText" lastClr="000000"/>
+                          </a:solidFill>
+                          <a:effectLst/>
+                        </a:rPr>
+                        <a:t>83</a:t>
+                      </a:r>
+                      <a:endParaRPr lang="en-US" sz="1600" kern="100" dirty="0">
+                        <a:ln>
+                          <a:noFill/>
+                        </a:ln>
+                        <a:solidFill>
+                          <a:sysClr val="windowText" lastClr="000000"/>
+                        </a:solidFill>
+                        <a:effectLst/>
+                        <a:latin typeface="Calibri" panose="020F0502020204030204" pitchFamily="34" charset="0"/>
+                        <a:ea typeface="Calibri" panose="020F0502020204030204" pitchFamily="34" charset="0"/>
+                        <a:cs typeface="Vrinda" panose="020B0502040204020203" pitchFamily="34" charset="0"/>
+                      </a:endParaRPr>
+                    </a:p>
+                  </a:txBody>
+                  <a:tcPr marL="68580" marR="68580" marT="0" marB="0" anchor="ctr">
+                    <a:lnL w="12700" cap="flat" cmpd="sng" algn="ctr">
+                      <a:solidFill>
+                        <a:schemeClr val="tx1"/>
+                      </a:solidFill>
+                      <a:prstDash val="solid"/>
+                      <a:round/>
+                      <a:headEnd type="none" w="med" len="med"/>
+                      <a:tailEnd type="none" w="med" len="med"/>
+                    </a:lnL>
+                    <a:lnR w="12700" cap="flat" cmpd="sng" algn="ctr">
+                      <a:solidFill>
+                        <a:schemeClr val="tx1"/>
+                      </a:solidFill>
+                      <a:prstDash val="solid"/>
+                      <a:round/>
+                      <a:headEnd type="none" w="med" len="med"/>
+                      <a:tailEnd type="none" w="med" len="med"/>
+                    </a:lnR>
+                    <a:lnT w="12700" cap="flat" cmpd="sng" algn="ctr">
+                      <a:solidFill>
+                        <a:schemeClr val="tx1"/>
+                      </a:solidFill>
+                      <a:prstDash val="solid"/>
+                      <a:round/>
+                      <a:headEnd type="none" w="med" len="med"/>
+                      <a:tailEnd type="none" w="med" len="med"/>
+                    </a:lnT>
+                    <a:lnB w="12700" cap="flat" cmpd="sng" algn="ctr">
+                      <a:solidFill>
+                        <a:schemeClr val="tx1"/>
+                      </a:solidFill>
+                      <a:prstDash val="solid"/>
+                      <a:round/>
+                      <a:headEnd type="none" w="med" len="med"/>
+                      <a:tailEnd type="none" w="med" len="med"/>
+                    </a:lnB>
+                    <a:lnTlToBr w="12700" cmpd="sng">
+                      <a:noFill/>
+                      <a:prstDash val="solid"/>
+                    </a:lnTlToBr>
+                    <a:lnBlToTr w="12700" cmpd="sng">
+                      <a:noFill/>
+                      <a:prstDash val="solid"/>
+                    </a:lnBlToTr>
+                    <a:noFill/>
+                  </a:tcPr>
+                </a:tc>
+                <a:extLst>
+                  <a:ext uri="{0D108BD9-81ED-4DB2-BD59-A6C34878D82A}">
+                    <a16:rowId xmlns:a16="http://schemas.microsoft.com/office/drawing/2014/main" val="1413591383"/>
+                  </a:ext>
+                </a:extLst>
+              </a:tr>
+              <a:tr h="457200">
+                <a:tc vMerge="1">
+                  <a:txBody>
+                    <a:bodyPr/>
+                    <a:lstStyle/>
+                    <a:p>
+                      <a:endParaRPr lang="en-US"/>
+                    </a:p>
+                  </a:txBody>
+                  <a:tcPr/>
+                </a:tc>
+                <a:tc>
+                  <a:txBody>
+                    <a:bodyPr/>
+                    <a:lstStyle/>
+                    <a:p>
+                      <a:pPr marL="0" marR="0" algn="ctr">
+                        <a:lnSpc>
+                          <a:spcPct val="115000"/>
+                        </a:lnSpc>
+                        <a:buNone/>
+                        <a:tabLst>
+                          <a:tab pos="2618740" algn="l"/>
+                        </a:tabLst>
+                      </a:pPr>
+                      <a:r>
+                        <a:rPr lang="en-US" sz="1800" b="1" i="1" kern="100" dirty="0">
+                          <a:ln>
+                            <a:noFill/>
+                          </a:ln>
+                          <a:solidFill>
+                            <a:sysClr val="windowText" lastClr="000000"/>
+                          </a:solidFill>
+                          <a:effectLst/>
+                        </a:rPr>
+                        <a:t>Quantity</a:t>
+                      </a:r>
+                      <a:endParaRPr lang="en-US" sz="1600" b="1" i="1" kern="100" dirty="0">
+                        <a:ln>
+                          <a:noFill/>
+                        </a:ln>
+                        <a:solidFill>
+                          <a:sysClr val="windowText" lastClr="000000"/>
+                        </a:solidFill>
+                        <a:effectLst/>
+                        <a:latin typeface="Calibri" panose="020F0502020204030204" pitchFamily="34" charset="0"/>
+                        <a:ea typeface="Calibri" panose="020F0502020204030204" pitchFamily="34" charset="0"/>
+                        <a:cs typeface="Vrinda" panose="020B0502040204020203" pitchFamily="34" charset="0"/>
+                      </a:endParaRPr>
+                    </a:p>
+                  </a:txBody>
+                  <a:tcPr marL="68580" marR="68580" marT="0" marB="0">
+                    <a:lnL w="12700" cap="flat" cmpd="sng" algn="ctr">
+                      <a:solidFill>
+                        <a:schemeClr val="tx1"/>
+                      </a:solidFill>
+                      <a:prstDash val="solid"/>
+                      <a:round/>
+                      <a:headEnd type="none" w="med" len="med"/>
+                      <a:tailEnd type="none" w="med" len="med"/>
+                    </a:lnL>
+                    <a:lnR w="12700" cap="flat" cmpd="sng" algn="ctr">
+                      <a:solidFill>
+                        <a:schemeClr val="tx1"/>
+                      </a:solidFill>
+                      <a:prstDash val="solid"/>
+                      <a:round/>
+                      <a:headEnd type="none" w="med" len="med"/>
+                      <a:tailEnd type="none" w="med" len="med"/>
+                    </a:lnR>
+                    <a:lnT w="12700" cap="flat" cmpd="sng" algn="ctr">
+                      <a:solidFill>
+                        <a:schemeClr val="tx1"/>
+                      </a:solidFill>
+                      <a:prstDash val="solid"/>
+                      <a:round/>
+                      <a:headEnd type="none" w="med" len="med"/>
+                      <a:tailEnd type="none" w="med" len="med"/>
+                    </a:lnT>
+                    <a:lnB w="12700" cap="flat" cmpd="sng" algn="ctr">
+                      <a:solidFill>
+                        <a:schemeClr val="tx1"/>
+                      </a:solidFill>
+                      <a:prstDash val="solid"/>
+                      <a:round/>
+                      <a:headEnd type="none" w="med" len="med"/>
+                      <a:tailEnd type="none" w="med" len="med"/>
+                    </a:lnB>
+                    <a:lnTlToBr w="12700" cmpd="sng">
+                      <a:noFill/>
+                      <a:prstDash val="solid"/>
+                    </a:lnTlToBr>
+                    <a:lnBlToTr w="12700" cmpd="sng">
+                      <a:noFill/>
+                      <a:prstDash val="solid"/>
+                    </a:lnBlToTr>
+                    <a:noFill/>
+                  </a:tcPr>
+                </a:tc>
+                <a:tc>
+                  <a:txBody>
+                    <a:bodyPr/>
+                    <a:lstStyle/>
+                    <a:p>
+                      <a:pPr marL="0" marR="0" algn="ctr">
+                        <a:lnSpc>
+                          <a:spcPct val="115000"/>
+                        </a:lnSpc>
+                        <a:buNone/>
+                        <a:tabLst>
+                          <a:tab pos="2618740" algn="l"/>
+                        </a:tabLst>
+                      </a:pPr>
+                      <a:r>
+                        <a:rPr lang="en-US" sz="1800" kern="100" dirty="0">
+                          <a:ln>
+                            <a:noFill/>
+                          </a:ln>
+                          <a:solidFill>
+                            <a:sysClr val="windowText" lastClr="000000"/>
+                          </a:solidFill>
+                          <a:effectLst/>
+                        </a:rPr>
+                        <a:t>25</a:t>
+                      </a:r>
+                      <a:endParaRPr lang="en-US" sz="1600" kern="100" dirty="0">
+                        <a:ln>
+                          <a:noFill/>
+                        </a:ln>
+                        <a:solidFill>
+                          <a:sysClr val="windowText" lastClr="000000"/>
+                        </a:solidFill>
+                        <a:effectLst/>
+                        <a:latin typeface="Calibri" panose="020F0502020204030204" pitchFamily="34" charset="0"/>
+                        <a:ea typeface="Calibri" panose="020F0502020204030204" pitchFamily="34" charset="0"/>
+                        <a:cs typeface="Vrinda" panose="020B0502040204020203" pitchFamily="34" charset="0"/>
+                      </a:endParaRPr>
+                    </a:p>
+                  </a:txBody>
+                  <a:tcPr marL="68580" marR="68580" marT="0" marB="0" anchor="ctr">
+                    <a:lnL w="12700" cap="flat" cmpd="sng" algn="ctr">
+                      <a:solidFill>
+                        <a:schemeClr val="tx1"/>
+                      </a:solidFill>
+                      <a:prstDash val="solid"/>
+                      <a:round/>
+                      <a:headEnd type="none" w="med" len="med"/>
+                      <a:tailEnd type="none" w="med" len="med"/>
+                    </a:lnL>
+                    <a:lnR w="12700" cap="flat" cmpd="sng" algn="ctr">
+                      <a:solidFill>
+                        <a:schemeClr val="tx1"/>
+                      </a:solidFill>
+                      <a:prstDash val="solid"/>
+                      <a:round/>
+                      <a:headEnd type="none" w="med" len="med"/>
+                      <a:tailEnd type="none" w="med" len="med"/>
+                    </a:lnR>
+                    <a:lnT w="12700" cap="flat" cmpd="sng" algn="ctr">
+                      <a:solidFill>
+                        <a:schemeClr val="tx1"/>
+                      </a:solidFill>
+                      <a:prstDash val="solid"/>
+                      <a:round/>
+                      <a:headEnd type="none" w="med" len="med"/>
+                      <a:tailEnd type="none" w="med" len="med"/>
+                    </a:lnT>
+                    <a:lnB w="12700" cap="flat" cmpd="sng" algn="ctr">
+                      <a:solidFill>
+                        <a:schemeClr val="tx1"/>
+                      </a:solidFill>
+                      <a:prstDash val="solid"/>
+                      <a:round/>
+                      <a:headEnd type="none" w="med" len="med"/>
+                      <a:tailEnd type="none" w="med" len="med"/>
+                    </a:lnB>
+                    <a:lnTlToBr w="12700" cmpd="sng">
+                      <a:noFill/>
+                      <a:prstDash val="solid"/>
+                    </a:lnTlToBr>
+                    <a:lnBlToTr w="12700" cmpd="sng">
+                      <a:noFill/>
+                      <a:prstDash val="solid"/>
+                    </a:lnBlToTr>
+                    <a:noFill/>
+                  </a:tcPr>
+                </a:tc>
+                <a:tc>
+                  <a:txBody>
+                    <a:bodyPr/>
+                    <a:lstStyle/>
+                    <a:p>
+                      <a:pPr marL="0" marR="0" algn="ctr">
+                        <a:lnSpc>
+                          <a:spcPct val="115000"/>
+                        </a:lnSpc>
+                        <a:buNone/>
+                        <a:tabLst>
+                          <a:tab pos="2618740" algn="l"/>
+                        </a:tabLst>
+                      </a:pPr>
+                      <a:r>
+                        <a:rPr lang="en-US" sz="1800" kern="100" dirty="0">
+                          <a:ln>
+                            <a:noFill/>
+                          </a:ln>
+                          <a:solidFill>
+                            <a:sysClr val="windowText" lastClr="000000"/>
+                          </a:solidFill>
+                          <a:effectLst/>
+                        </a:rPr>
+                        <a:t>30</a:t>
+                      </a:r>
+                      <a:endParaRPr lang="en-US" sz="1600" kern="100" dirty="0">
+                        <a:ln>
+                          <a:noFill/>
+                        </a:ln>
+                        <a:solidFill>
+                          <a:sysClr val="windowText" lastClr="000000"/>
+                        </a:solidFill>
+                        <a:effectLst/>
+                        <a:latin typeface="Calibri" panose="020F0502020204030204" pitchFamily="34" charset="0"/>
+                        <a:ea typeface="Calibri" panose="020F0502020204030204" pitchFamily="34" charset="0"/>
+                        <a:cs typeface="Vrinda" panose="020B0502040204020203" pitchFamily="34" charset="0"/>
+                      </a:endParaRPr>
+                    </a:p>
+                  </a:txBody>
+                  <a:tcPr marL="68580" marR="68580" marT="0" marB="0" anchor="ctr">
+                    <a:lnL w="12700" cap="flat" cmpd="sng" algn="ctr">
+                      <a:solidFill>
+                        <a:schemeClr val="tx1"/>
+                      </a:solidFill>
+                      <a:prstDash val="solid"/>
+                      <a:round/>
+                      <a:headEnd type="none" w="med" len="med"/>
+                      <a:tailEnd type="none" w="med" len="med"/>
+                    </a:lnL>
+                    <a:lnR w="12700" cap="flat" cmpd="sng" algn="ctr">
+                      <a:solidFill>
+                        <a:schemeClr val="tx1"/>
+                      </a:solidFill>
+                      <a:prstDash val="solid"/>
+                      <a:round/>
+                      <a:headEnd type="none" w="med" len="med"/>
+                      <a:tailEnd type="none" w="med" len="med"/>
+                    </a:lnR>
+                    <a:lnT w="12700" cap="flat" cmpd="sng" algn="ctr">
+                      <a:solidFill>
+                        <a:schemeClr val="tx1"/>
+                      </a:solidFill>
+                      <a:prstDash val="solid"/>
+                      <a:round/>
+                      <a:headEnd type="none" w="med" len="med"/>
+                      <a:tailEnd type="none" w="med" len="med"/>
+                    </a:lnT>
+                    <a:lnB w="12700" cap="flat" cmpd="sng" algn="ctr">
+                      <a:solidFill>
+                        <a:schemeClr val="tx1"/>
+                      </a:solidFill>
+                      <a:prstDash val="solid"/>
+                      <a:round/>
+                      <a:headEnd type="none" w="med" len="med"/>
+                      <a:tailEnd type="none" w="med" len="med"/>
+                    </a:lnB>
+                    <a:lnTlToBr w="12700" cmpd="sng">
+                      <a:noFill/>
+                      <a:prstDash val="solid"/>
+                    </a:lnTlToBr>
+                    <a:lnBlToTr w="12700" cmpd="sng">
+                      <a:noFill/>
+                      <a:prstDash val="solid"/>
+                    </a:lnBlToTr>
+                    <a:noFill/>
+                  </a:tcPr>
+                </a:tc>
+                <a:tc>
+                  <a:txBody>
+                    <a:bodyPr/>
+                    <a:lstStyle/>
+                    <a:p>
+                      <a:pPr marL="0" marR="0" algn="ctr">
+                        <a:lnSpc>
+                          <a:spcPct val="115000"/>
+                        </a:lnSpc>
+                        <a:buNone/>
+                        <a:tabLst>
+                          <a:tab pos="2618740" algn="l"/>
+                        </a:tabLst>
+                      </a:pPr>
+                      <a:r>
+                        <a:rPr lang="en-US" sz="1800" kern="100" dirty="0">
+                          <a:ln>
+                            <a:noFill/>
+                          </a:ln>
+                          <a:solidFill>
+                            <a:sysClr val="windowText" lastClr="000000"/>
+                          </a:solidFill>
+                          <a:effectLst/>
+                        </a:rPr>
+                        <a:t>20</a:t>
+                      </a:r>
+                      <a:endParaRPr lang="en-US" sz="1600" kern="100" dirty="0">
+                        <a:ln>
+                          <a:noFill/>
+                        </a:ln>
+                        <a:solidFill>
+                          <a:sysClr val="windowText" lastClr="000000"/>
+                        </a:solidFill>
+                        <a:effectLst/>
+                        <a:latin typeface="Calibri" panose="020F0502020204030204" pitchFamily="34" charset="0"/>
+                        <a:ea typeface="Calibri" panose="020F0502020204030204" pitchFamily="34" charset="0"/>
+                        <a:cs typeface="Vrinda" panose="020B0502040204020203" pitchFamily="34" charset="0"/>
+                      </a:endParaRPr>
+                    </a:p>
+                  </a:txBody>
+                  <a:tcPr marL="68580" marR="68580" marT="0" marB="0" anchor="ctr">
+                    <a:lnL w="12700" cap="flat" cmpd="sng" algn="ctr">
+                      <a:solidFill>
+                        <a:schemeClr val="tx1"/>
+                      </a:solidFill>
+                      <a:prstDash val="solid"/>
+                      <a:round/>
+                      <a:headEnd type="none" w="med" len="med"/>
+                      <a:tailEnd type="none" w="med" len="med"/>
+                    </a:lnL>
+                    <a:lnR w="12700" cap="flat" cmpd="sng" algn="ctr">
+                      <a:solidFill>
+                        <a:schemeClr val="tx1"/>
+                      </a:solidFill>
+                      <a:prstDash val="solid"/>
+                      <a:round/>
+                      <a:headEnd type="none" w="med" len="med"/>
+                      <a:tailEnd type="none" w="med" len="med"/>
+                    </a:lnR>
+                    <a:lnT w="12700" cap="flat" cmpd="sng" algn="ctr">
+                      <a:solidFill>
+                        <a:schemeClr val="tx1"/>
+                      </a:solidFill>
+                      <a:prstDash val="solid"/>
+                      <a:round/>
+                      <a:headEnd type="none" w="med" len="med"/>
+                      <a:tailEnd type="none" w="med" len="med"/>
+                    </a:lnT>
+                    <a:lnB w="12700" cap="flat" cmpd="sng" algn="ctr">
+                      <a:solidFill>
+                        <a:schemeClr val="tx1"/>
+                      </a:solidFill>
+                      <a:prstDash val="solid"/>
+                      <a:round/>
+                      <a:headEnd type="none" w="med" len="med"/>
+                      <a:tailEnd type="none" w="med" len="med"/>
+                    </a:lnB>
+                    <a:lnTlToBr w="12700" cmpd="sng">
+                      <a:noFill/>
+                      <a:prstDash val="solid"/>
+                    </a:lnTlToBr>
+                    <a:lnBlToTr w="12700" cmpd="sng">
+                      <a:noFill/>
+                      <a:prstDash val="solid"/>
+                    </a:lnBlToTr>
+                    <a:noFill/>
+                  </a:tcPr>
+                </a:tc>
+                <a:tc>
+                  <a:txBody>
+                    <a:bodyPr/>
+                    <a:lstStyle/>
+                    <a:p>
+                      <a:pPr marL="0" marR="0" algn="ctr">
+                        <a:lnSpc>
+                          <a:spcPct val="115000"/>
+                        </a:lnSpc>
+                        <a:buNone/>
+                        <a:tabLst>
+                          <a:tab pos="2618740" algn="l"/>
+                        </a:tabLst>
+                      </a:pPr>
+                      <a:r>
+                        <a:rPr lang="en-US" sz="1800" kern="100" dirty="0">
+                          <a:ln>
+                            <a:noFill/>
+                          </a:ln>
+                          <a:solidFill>
+                            <a:sysClr val="windowText" lastClr="000000"/>
+                          </a:solidFill>
+                          <a:effectLst/>
+                        </a:rPr>
+                        <a:t>35</a:t>
+                      </a:r>
+                      <a:endParaRPr lang="en-US" sz="1600" kern="100" dirty="0">
+                        <a:ln>
+                          <a:noFill/>
+                        </a:ln>
+                        <a:solidFill>
+                          <a:sysClr val="windowText" lastClr="000000"/>
+                        </a:solidFill>
+                        <a:effectLst/>
+                        <a:latin typeface="Calibri" panose="020F0502020204030204" pitchFamily="34" charset="0"/>
+                        <a:ea typeface="Calibri" panose="020F0502020204030204" pitchFamily="34" charset="0"/>
+                        <a:cs typeface="Vrinda" panose="020B0502040204020203" pitchFamily="34" charset="0"/>
+                      </a:endParaRPr>
+                    </a:p>
+                  </a:txBody>
+                  <a:tcPr marL="68580" marR="68580" marT="0" marB="0" anchor="ctr">
+                    <a:lnL w="12700" cap="flat" cmpd="sng" algn="ctr">
+                      <a:solidFill>
+                        <a:schemeClr val="tx1"/>
+                      </a:solidFill>
+                      <a:prstDash val="solid"/>
+                      <a:round/>
+                      <a:headEnd type="none" w="med" len="med"/>
+                      <a:tailEnd type="none" w="med" len="med"/>
+                    </a:lnL>
+                    <a:lnR w="12700" cap="flat" cmpd="sng" algn="ctr">
+                      <a:solidFill>
+                        <a:schemeClr val="tx1"/>
+                      </a:solidFill>
+                      <a:prstDash val="solid"/>
+                      <a:round/>
+                      <a:headEnd type="none" w="med" len="med"/>
+                      <a:tailEnd type="none" w="med" len="med"/>
+                    </a:lnR>
+                    <a:lnT w="12700" cap="flat" cmpd="sng" algn="ctr">
+                      <a:solidFill>
+                        <a:schemeClr val="tx1"/>
+                      </a:solidFill>
+                      <a:prstDash val="solid"/>
+                      <a:round/>
+                      <a:headEnd type="none" w="med" len="med"/>
+                      <a:tailEnd type="none" w="med" len="med"/>
+                    </a:lnT>
+                    <a:lnB w="12700" cap="flat" cmpd="sng" algn="ctr">
+                      <a:solidFill>
+                        <a:schemeClr val="tx1"/>
+                      </a:solidFill>
+                      <a:prstDash val="solid"/>
+                      <a:round/>
+                      <a:headEnd type="none" w="med" len="med"/>
+                      <a:tailEnd type="none" w="med" len="med"/>
+                    </a:lnB>
+                    <a:lnTlToBr w="12700" cmpd="sng">
+                      <a:noFill/>
+                      <a:prstDash val="solid"/>
+                    </a:lnTlToBr>
+                    <a:lnBlToTr w="12700" cmpd="sng">
+                      <a:noFill/>
+                      <a:prstDash val="solid"/>
+                    </a:lnBlToTr>
+                    <a:noFill/>
+                  </a:tcPr>
+                </a:tc>
+                <a:tc>
+                  <a:txBody>
+                    <a:bodyPr/>
+                    <a:lstStyle/>
+                    <a:p>
+                      <a:pPr marL="0" marR="0" algn="ctr">
+                        <a:lnSpc>
+                          <a:spcPct val="115000"/>
+                        </a:lnSpc>
+                        <a:buNone/>
+                        <a:tabLst>
+                          <a:tab pos="2618740" algn="l"/>
+                        </a:tabLst>
+                      </a:pPr>
+                      <a:r>
+                        <a:rPr lang="en-US" sz="1800" kern="100" dirty="0">
+                          <a:ln>
+                            <a:noFill/>
+                          </a:ln>
+                          <a:solidFill>
+                            <a:sysClr val="windowText" lastClr="000000"/>
+                          </a:solidFill>
+                          <a:effectLst/>
+                        </a:rPr>
+                        <a:t>28</a:t>
+                      </a:r>
+                      <a:endParaRPr lang="en-US" sz="1600" kern="100" dirty="0">
+                        <a:ln>
+                          <a:noFill/>
+                        </a:ln>
+                        <a:solidFill>
+                          <a:sysClr val="windowText" lastClr="000000"/>
+                        </a:solidFill>
+                        <a:effectLst/>
+                        <a:latin typeface="Calibri" panose="020F0502020204030204" pitchFamily="34" charset="0"/>
+                        <a:ea typeface="Calibri" panose="020F0502020204030204" pitchFamily="34" charset="0"/>
+                        <a:cs typeface="Vrinda" panose="020B0502040204020203" pitchFamily="34" charset="0"/>
+                      </a:endParaRPr>
+                    </a:p>
+                  </a:txBody>
+                  <a:tcPr marL="68580" marR="68580" marT="0" marB="0" anchor="ctr">
+                    <a:lnL w="12700" cap="flat" cmpd="sng" algn="ctr">
+                      <a:solidFill>
+                        <a:schemeClr val="tx1"/>
+                      </a:solidFill>
+                      <a:prstDash val="solid"/>
+                      <a:round/>
+                      <a:headEnd type="none" w="med" len="med"/>
+                      <a:tailEnd type="none" w="med" len="med"/>
+                    </a:lnL>
+                    <a:lnR w="12700" cap="flat" cmpd="sng" algn="ctr">
+                      <a:solidFill>
+                        <a:schemeClr val="tx1"/>
+                      </a:solidFill>
+                      <a:prstDash val="solid"/>
+                      <a:round/>
+                      <a:headEnd type="none" w="med" len="med"/>
+                      <a:tailEnd type="none" w="med" len="med"/>
+                    </a:lnR>
+                    <a:lnT w="12700" cap="flat" cmpd="sng" algn="ctr">
+                      <a:solidFill>
+                        <a:schemeClr val="tx1"/>
+                      </a:solidFill>
+                      <a:prstDash val="solid"/>
+                      <a:round/>
+                      <a:headEnd type="none" w="med" len="med"/>
+                      <a:tailEnd type="none" w="med" len="med"/>
+                    </a:lnT>
+                    <a:lnB w="12700" cap="flat" cmpd="sng" algn="ctr">
+                      <a:solidFill>
+                        <a:schemeClr val="tx1"/>
+                      </a:solidFill>
+                      <a:prstDash val="solid"/>
+                      <a:round/>
+                      <a:headEnd type="none" w="med" len="med"/>
+                      <a:tailEnd type="none" w="med" len="med"/>
+                    </a:lnB>
+                    <a:lnTlToBr w="12700" cmpd="sng">
+                      <a:noFill/>
+                      <a:prstDash val="solid"/>
+                    </a:lnTlToBr>
+                    <a:lnBlToTr w="12700" cmpd="sng">
+                      <a:noFill/>
+                      <a:prstDash val="solid"/>
+                    </a:lnBlToTr>
+                    <a:noFill/>
+                  </a:tcPr>
+                </a:tc>
+                <a:tc>
+                  <a:txBody>
+                    <a:bodyPr/>
+                    <a:lstStyle/>
+                    <a:p>
+                      <a:pPr marL="0" marR="0" algn="ctr">
+                        <a:lnSpc>
+                          <a:spcPct val="115000"/>
+                        </a:lnSpc>
+                        <a:buNone/>
+                        <a:tabLst>
+                          <a:tab pos="2618740" algn="l"/>
+                        </a:tabLst>
+                      </a:pPr>
+                      <a:r>
+                        <a:rPr lang="en-US" sz="1800" kern="100" dirty="0">
+                          <a:ln>
+                            <a:noFill/>
+                          </a:ln>
+                          <a:solidFill>
+                            <a:sysClr val="windowText" lastClr="000000"/>
+                          </a:solidFill>
+                          <a:effectLst/>
+                        </a:rPr>
+                        <a:t>32</a:t>
+                      </a:r>
+                      <a:endParaRPr lang="en-US" sz="1600" kern="100" dirty="0">
+                        <a:ln>
+                          <a:noFill/>
+                        </a:ln>
+                        <a:solidFill>
+                          <a:sysClr val="windowText" lastClr="000000"/>
+                        </a:solidFill>
+                        <a:effectLst/>
+                        <a:latin typeface="Calibri" panose="020F0502020204030204" pitchFamily="34" charset="0"/>
+                        <a:ea typeface="Calibri" panose="020F0502020204030204" pitchFamily="34" charset="0"/>
+                        <a:cs typeface="Vrinda" panose="020B0502040204020203" pitchFamily="34" charset="0"/>
+                      </a:endParaRPr>
+                    </a:p>
+                  </a:txBody>
+                  <a:tcPr marL="68580" marR="68580" marT="0" marB="0" anchor="ctr">
+                    <a:lnL w="12700" cap="flat" cmpd="sng" algn="ctr">
+                      <a:solidFill>
+                        <a:schemeClr val="tx1"/>
+                      </a:solidFill>
+                      <a:prstDash val="solid"/>
+                      <a:round/>
+                      <a:headEnd type="none" w="med" len="med"/>
+                      <a:tailEnd type="none" w="med" len="med"/>
+                    </a:lnL>
+                    <a:lnR w="12700" cap="flat" cmpd="sng" algn="ctr">
+                      <a:solidFill>
+                        <a:schemeClr val="tx1"/>
+                      </a:solidFill>
+                      <a:prstDash val="solid"/>
+                      <a:round/>
+                      <a:headEnd type="none" w="med" len="med"/>
+                      <a:tailEnd type="none" w="med" len="med"/>
+                    </a:lnR>
+                    <a:lnT w="12700" cap="flat" cmpd="sng" algn="ctr">
+                      <a:solidFill>
+                        <a:schemeClr val="tx1"/>
+                      </a:solidFill>
+                      <a:prstDash val="solid"/>
+                      <a:round/>
+                      <a:headEnd type="none" w="med" len="med"/>
+                      <a:tailEnd type="none" w="med" len="med"/>
+                    </a:lnT>
+                    <a:lnB w="12700" cap="flat" cmpd="sng" algn="ctr">
+                      <a:solidFill>
+                        <a:schemeClr val="tx1"/>
+                      </a:solidFill>
+                      <a:prstDash val="solid"/>
+                      <a:round/>
+                      <a:headEnd type="none" w="med" len="med"/>
+                      <a:tailEnd type="none" w="med" len="med"/>
+                    </a:lnB>
+                    <a:lnTlToBr w="12700" cmpd="sng">
+                      <a:noFill/>
+                      <a:prstDash val="solid"/>
+                    </a:lnTlToBr>
+                    <a:lnBlToTr w="12700" cmpd="sng">
+                      <a:noFill/>
+                      <a:prstDash val="solid"/>
+                    </a:lnBlToTr>
+                    <a:noFill/>
+                  </a:tcPr>
+                </a:tc>
+                <a:tc>
+                  <a:txBody>
+                    <a:bodyPr/>
+                    <a:lstStyle/>
+                    <a:p>
+                      <a:pPr marL="0" marR="0" algn="ctr">
+                        <a:lnSpc>
+                          <a:spcPct val="115000"/>
+                        </a:lnSpc>
+                        <a:spcAft>
+                          <a:spcPts val="800"/>
+                        </a:spcAft>
+                        <a:buNone/>
+                        <a:tabLst>
+                          <a:tab pos="2618740" algn="l"/>
+                        </a:tabLst>
+                      </a:pPr>
+                      <a:r>
+                        <a:rPr lang="en-US" sz="1800" kern="100" dirty="0">
+                          <a:ln>
+                            <a:noFill/>
+                          </a:ln>
+                          <a:solidFill>
+                            <a:sysClr val="windowText" lastClr="000000"/>
+                          </a:solidFill>
+                          <a:effectLst/>
+                        </a:rPr>
+                        <a:t>22</a:t>
+                      </a:r>
+                      <a:endParaRPr lang="en-US" sz="1600" kern="100" dirty="0">
+                        <a:ln>
+                          <a:noFill/>
+                        </a:ln>
+                        <a:solidFill>
+                          <a:sysClr val="windowText" lastClr="000000"/>
+                        </a:solidFill>
+                        <a:effectLst/>
+                        <a:latin typeface="Calibri" panose="020F0502020204030204" pitchFamily="34" charset="0"/>
+                        <a:ea typeface="Calibri" panose="020F0502020204030204" pitchFamily="34" charset="0"/>
+                        <a:cs typeface="Vrinda" panose="020B0502040204020203" pitchFamily="34" charset="0"/>
+                      </a:endParaRPr>
+                    </a:p>
+                  </a:txBody>
+                  <a:tcPr marL="68580" marR="68580" marT="0" marB="0" anchor="ctr">
+                    <a:lnL w="12700" cap="flat" cmpd="sng" algn="ctr">
+                      <a:solidFill>
+                        <a:schemeClr val="tx1"/>
+                      </a:solidFill>
+                      <a:prstDash val="solid"/>
+                      <a:round/>
+                      <a:headEnd type="none" w="med" len="med"/>
+                      <a:tailEnd type="none" w="med" len="med"/>
+                    </a:lnL>
+                    <a:lnR w="12700" cap="flat" cmpd="sng" algn="ctr">
+                      <a:solidFill>
+                        <a:schemeClr val="tx1"/>
+                      </a:solidFill>
+                      <a:prstDash val="solid"/>
+                      <a:round/>
+                      <a:headEnd type="none" w="med" len="med"/>
+                      <a:tailEnd type="none" w="med" len="med"/>
+                    </a:lnR>
+                    <a:lnT w="12700" cap="flat" cmpd="sng" algn="ctr">
+                      <a:solidFill>
+                        <a:schemeClr val="tx1"/>
+                      </a:solidFill>
+                      <a:prstDash val="solid"/>
+                      <a:round/>
+                      <a:headEnd type="none" w="med" len="med"/>
+                      <a:tailEnd type="none" w="med" len="med"/>
+                    </a:lnT>
+                    <a:lnB w="12700" cap="flat" cmpd="sng" algn="ctr">
+                      <a:solidFill>
+                        <a:schemeClr val="tx1"/>
+                      </a:solidFill>
+                      <a:prstDash val="solid"/>
+                      <a:round/>
+                      <a:headEnd type="none" w="med" len="med"/>
+                      <a:tailEnd type="none" w="med" len="med"/>
+                    </a:lnB>
+                    <a:lnTlToBr w="12700" cmpd="sng">
+                      <a:noFill/>
+                      <a:prstDash val="solid"/>
+                    </a:lnTlToBr>
+                    <a:lnBlToTr w="12700" cmpd="sng">
+                      <a:noFill/>
+                      <a:prstDash val="solid"/>
+                    </a:lnBlToTr>
+                    <a:noFill/>
+                  </a:tcPr>
+                </a:tc>
+                <a:extLst>
+                  <a:ext uri="{0D108BD9-81ED-4DB2-BD59-A6C34878D82A}">
+                    <a16:rowId xmlns:a16="http://schemas.microsoft.com/office/drawing/2014/main" val="1198792035"/>
+                  </a:ext>
+                </a:extLst>
+              </a:tr>
+              <a:tr h="457200">
+                <a:tc rowSpan="2">
+                  <a:txBody>
+                    <a:bodyPr/>
+                    <a:lstStyle/>
+                    <a:p>
+                      <a:pPr marL="0" marR="0" algn="ctr">
+                        <a:lnSpc>
+                          <a:spcPct val="115000"/>
+                        </a:lnSpc>
+                        <a:buNone/>
+                        <a:tabLst>
+                          <a:tab pos="2618740" algn="l"/>
+                        </a:tabLst>
+                      </a:pPr>
+                      <a:r>
+                        <a:rPr lang="en-US" sz="1800" b="1" i="1" kern="100">
+                          <a:ln>
+                            <a:noFill/>
+                          </a:ln>
+                          <a:solidFill>
+                            <a:sysClr val="windowText" lastClr="000000"/>
+                          </a:solidFill>
+                          <a:effectLst/>
+                        </a:rPr>
+                        <a:t>Item 2</a:t>
+                      </a:r>
+                      <a:endParaRPr lang="en-US" sz="1600" b="1" i="1" kern="100">
+                        <a:ln>
+                          <a:noFill/>
+                        </a:ln>
+                        <a:solidFill>
+                          <a:sysClr val="windowText" lastClr="000000"/>
+                        </a:solidFill>
+                        <a:effectLst/>
+                        <a:latin typeface="Calibri" panose="020F0502020204030204" pitchFamily="34" charset="0"/>
+                        <a:ea typeface="Calibri" panose="020F0502020204030204" pitchFamily="34" charset="0"/>
+                        <a:cs typeface="Vrinda" panose="020B0502040204020203" pitchFamily="34" charset="0"/>
+                      </a:endParaRPr>
+                    </a:p>
+                  </a:txBody>
+                  <a:tcPr marL="68580" marR="68580" marT="0" marB="0" anchor="ctr">
+                    <a:lnL w="12700" cap="flat" cmpd="sng" algn="ctr">
+                      <a:solidFill>
+                        <a:schemeClr val="tx1"/>
+                      </a:solidFill>
+                      <a:prstDash val="solid"/>
+                      <a:round/>
+                      <a:headEnd type="none" w="med" len="med"/>
+                      <a:tailEnd type="none" w="med" len="med"/>
+                    </a:lnL>
+                    <a:lnR w="12700" cap="flat" cmpd="sng" algn="ctr">
+                      <a:solidFill>
+                        <a:schemeClr val="tx1"/>
+                      </a:solidFill>
+                      <a:prstDash val="solid"/>
+                      <a:round/>
+                      <a:headEnd type="none" w="med" len="med"/>
+                      <a:tailEnd type="none" w="med" len="med"/>
+                    </a:lnR>
+                    <a:lnT w="12700" cap="flat" cmpd="sng" algn="ctr">
+                      <a:solidFill>
+                        <a:schemeClr val="tx1"/>
+                      </a:solidFill>
+                      <a:prstDash val="solid"/>
+                      <a:round/>
+                      <a:headEnd type="none" w="med" len="med"/>
+                      <a:tailEnd type="none" w="med" len="med"/>
+                    </a:lnT>
+                    <a:lnB w="12700" cap="flat" cmpd="sng" algn="ctr">
+                      <a:solidFill>
+                        <a:schemeClr val="tx1"/>
+                      </a:solidFill>
+                      <a:prstDash val="solid"/>
+                      <a:round/>
+                      <a:headEnd type="none" w="med" len="med"/>
+                      <a:tailEnd type="none" w="med" len="med"/>
+                    </a:lnB>
+                    <a:lnTlToBr w="12700" cmpd="sng">
+                      <a:noFill/>
+                      <a:prstDash val="solid"/>
+                    </a:lnTlToBr>
+                    <a:lnBlToTr w="12700" cmpd="sng">
+                      <a:noFill/>
+                      <a:prstDash val="solid"/>
+                    </a:lnBlToTr>
+                    <a:noFill/>
+                  </a:tcPr>
+                </a:tc>
+                <a:tc>
+                  <a:txBody>
+                    <a:bodyPr/>
+                    <a:lstStyle/>
+                    <a:p>
+                      <a:pPr marL="0" marR="0" algn="ctr">
+                        <a:lnSpc>
+                          <a:spcPct val="115000"/>
+                        </a:lnSpc>
+                        <a:buNone/>
+                        <a:tabLst>
+                          <a:tab pos="2618740" algn="l"/>
+                        </a:tabLst>
+                      </a:pPr>
+                      <a:r>
+                        <a:rPr lang="en-US" sz="1800" b="1" i="1" kern="100" dirty="0">
+                          <a:ln>
+                            <a:noFill/>
+                          </a:ln>
+                          <a:solidFill>
+                            <a:sysClr val="windowText" lastClr="000000"/>
+                          </a:solidFill>
+                          <a:effectLst/>
+                        </a:rPr>
+                        <a:t>Price </a:t>
+                      </a:r>
+                      <a:endParaRPr lang="en-US" sz="1600" b="1" i="1" kern="100" dirty="0">
+                        <a:ln>
+                          <a:noFill/>
+                        </a:ln>
+                        <a:solidFill>
+                          <a:sysClr val="windowText" lastClr="000000"/>
+                        </a:solidFill>
+                        <a:effectLst/>
+                        <a:latin typeface="Calibri" panose="020F0502020204030204" pitchFamily="34" charset="0"/>
+                        <a:ea typeface="Calibri" panose="020F0502020204030204" pitchFamily="34" charset="0"/>
+                        <a:cs typeface="Vrinda" panose="020B0502040204020203" pitchFamily="34" charset="0"/>
+                      </a:endParaRPr>
+                    </a:p>
+                  </a:txBody>
+                  <a:tcPr marL="68580" marR="68580" marT="0" marB="0">
+                    <a:lnL w="12700" cap="flat" cmpd="sng" algn="ctr">
+                      <a:solidFill>
+                        <a:schemeClr val="tx1"/>
+                      </a:solidFill>
+                      <a:prstDash val="solid"/>
+                      <a:round/>
+                      <a:headEnd type="none" w="med" len="med"/>
+                      <a:tailEnd type="none" w="med" len="med"/>
+                    </a:lnL>
+                    <a:lnR w="12700" cap="flat" cmpd="sng" algn="ctr">
+                      <a:solidFill>
+                        <a:schemeClr val="tx1"/>
+                      </a:solidFill>
+                      <a:prstDash val="solid"/>
+                      <a:round/>
+                      <a:headEnd type="none" w="med" len="med"/>
+                      <a:tailEnd type="none" w="med" len="med"/>
+                    </a:lnR>
+                    <a:lnT w="12700" cap="flat" cmpd="sng" algn="ctr">
+                      <a:solidFill>
+                        <a:schemeClr val="tx1"/>
+                      </a:solidFill>
+                      <a:prstDash val="solid"/>
+                      <a:round/>
+                      <a:headEnd type="none" w="med" len="med"/>
+                      <a:tailEnd type="none" w="med" len="med"/>
+                    </a:lnT>
+                    <a:lnB w="12700" cap="flat" cmpd="sng" algn="ctr">
+                      <a:solidFill>
+                        <a:schemeClr val="tx1"/>
+                      </a:solidFill>
+                      <a:prstDash val="solid"/>
+                      <a:round/>
+                      <a:headEnd type="none" w="med" len="med"/>
+                      <a:tailEnd type="none" w="med" len="med"/>
+                    </a:lnB>
+                    <a:lnTlToBr w="12700" cmpd="sng">
+                      <a:noFill/>
+                      <a:prstDash val="solid"/>
+                    </a:lnTlToBr>
+                    <a:lnBlToTr w="12700" cmpd="sng">
+                      <a:noFill/>
+                      <a:prstDash val="solid"/>
+                    </a:lnBlToTr>
+                    <a:noFill/>
+                  </a:tcPr>
+                </a:tc>
+                <a:tc>
+                  <a:txBody>
+                    <a:bodyPr/>
+                    <a:lstStyle/>
+                    <a:p>
+                      <a:pPr marL="0" marR="0" algn="ctr">
+                        <a:lnSpc>
+                          <a:spcPct val="115000"/>
+                        </a:lnSpc>
+                        <a:buNone/>
+                        <a:tabLst>
+                          <a:tab pos="2618740" algn="l"/>
+                        </a:tabLst>
+                      </a:pPr>
+                      <a:r>
+                        <a:rPr lang="en-US" sz="1800" kern="100">
+                          <a:ln>
+                            <a:noFill/>
+                          </a:ln>
+                          <a:solidFill>
+                            <a:sysClr val="windowText" lastClr="000000"/>
+                          </a:solidFill>
+                          <a:effectLst/>
+                        </a:rPr>
+                        <a:t>49</a:t>
+                      </a:r>
+                      <a:endParaRPr lang="en-US" sz="1600" kern="100">
+                        <a:ln>
+                          <a:noFill/>
+                        </a:ln>
+                        <a:solidFill>
+                          <a:sysClr val="windowText" lastClr="000000"/>
+                        </a:solidFill>
+                        <a:effectLst/>
+                        <a:latin typeface="Calibri" panose="020F0502020204030204" pitchFamily="34" charset="0"/>
+                        <a:ea typeface="Calibri" panose="020F0502020204030204" pitchFamily="34" charset="0"/>
+                        <a:cs typeface="Vrinda" panose="020B0502040204020203" pitchFamily="34" charset="0"/>
+                      </a:endParaRPr>
+                    </a:p>
+                  </a:txBody>
+                  <a:tcPr marL="68580" marR="68580" marT="0" marB="0" anchor="ctr">
+                    <a:lnL w="12700" cap="flat" cmpd="sng" algn="ctr">
+                      <a:solidFill>
+                        <a:schemeClr val="tx1"/>
+                      </a:solidFill>
+                      <a:prstDash val="solid"/>
+                      <a:round/>
+                      <a:headEnd type="none" w="med" len="med"/>
+                      <a:tailEnd type="none" w="med" len="med"/>
+                    </a:lnL>
+                    <a:lnR w="12700" cap="flat" cmpd="sng" algn="ctr">
+                      <a:solidFill>
+                        <a:schemeClr val="tx1"/>
+                      </a:solidFill>
+                      <a:prstDash val="solid"/>
+                      <a:round/>
+                      <a:headEnd type="none" w="med" len="med"/>
+                      <a:tailEnd type="none" w="med" len="med"/>
+                    </a:lnR>
+                    <a:lnT w="12700" cap="flat" cmpd="sng" algn="ctr">
+                      <a:solidFill>
+                        <a:schemeClr val="tx1"/>
+                      </a:solidFill>
+                      <a:prstDash val="solid"/>
+                      <a:round/>
+                      <a:headEnd type="none" w="med" len="med"/>
+                      <a:tailEnd type="none" w="med" len="med"/>
+                    </a:lnT>
+                    <a:lnB w="12700" cap="flat" cmpd="sng" algn="ctr">
+                      <a:solidFill>
+                        <a:schemeClr val="tx1"/>
+                      </a:solidFill>
+                      <a:prstDash val="solid"/>
+                      <a:round/>
+                      <a:headEnd type="none" w="med" len="med"/>
+                      <a:tailEnd type="none" w="med" len="med"/>
+                    </a:lnB>
+                    <a:lnTlToBr w="12700" cmpd="sng">
+                      <a:noFill/>
+                      <a:prstDash val="solid"/>
+                    </a:lnTlToBr>
+                    <a:lnBlToTr w="12700" cmpd="sng">
+                      <a:noFill/>
+                      <a:prstDash val="solid"/>
+                    </a:lnBlToTr>
+                    <a:noFill/>
+                  </a:tcPr>
+                </a:tc>
+                <a:tc>
+                  <a:txBody>
+                    <a:bodyPr/>
+                    <a:lstStyle/>
+                    <a:p>
+                      <a:pPr marL="0" marR="0" algn="ctr">
+                        <a:lnSpc>
+                          <a:spcPct val="115000"/>
+                        </a:lnSpc>
+                        <a:buNone/>
+                        <a:tabLst>
+                          <a:tab pos="2618740" algn="l"/>
+                        </a:tabLst>
+                      </a:pPr>
+                      <a:r>
+                        <a:rPr lang="en-US" sz="1800" kern="100" dirty="0">
+                          <a:ln>
+                            <a:noFill/>
+                          </a:ln>
+                          <a:solidFill>
+                            <a:sysClr val="windowText" lastClr="000000"/>
+                          </a:solidFill>
+                          <a:effectLst/>
+                        </a:rPr>
+                        <a:t>54</a:t>
+                      </a:r>
+                      <a:endParaRPr lang="en-US" sz="1600" kern="100" dirty="0">
+                        <a:ln>
+                          <a:noFill/>
+                        </a:ln>
+                        <a:solidFill>
+                          <a:sysClr val="windowText" lastClr="000000"/>
+                        </a:solidFill>
+                        <a:effectLst/>
+                        <a:latin typeface="Calibri" panose="020F0502020204030204" pitchFamily="34" charset="0"/>
+                        <a:ea typeface="Calibri" panose="020F0502020204030204" pitchFamily="34" charset="0"/>
+                        <a:cs typeface="Vrinda" panose="020B0502040204020203" pitchFamily="34" charset="0"/>
+                      </a:endParaRPr>
+                    </a:p>
+                  </a:txBody>
+                  <a:tcPr marL="68580" marR="68580" marT="0" marB="0" anchor="ctr">
+                    <a:lnL w="12700" cap="flat" cmpd="sng" algn="ctr">
+                      <a:solidFill>
+                        <a:schemeClr val="tx1"/>
+                      </a:solidFill>
+                      <a:prstDash val="solid"/>
+                      <a:round/>
+                      <a:headEnd type="none" w="med" len="med"/>
+                      <a:tailEnd type="none" w="med" len="med"/>
+                    </a:lnL>
+                    <a:lnR w="12700" cap="flat" cmpd="sng" algn="ctr">
+                      <a:solidFill>
+                        <a:schemeClr val="tx1"/>
+                      </a:solidFill>
+                      <a:prstDash val="solid"/>
+                      <a:round/>
+                      <a:headEnd type="none" w="med" len="med"/>
+                      <a:tailEnd type="none" w="med" len="med"/>
+                    </a:lnR>
+                    <a:lnT w="12700" cap="flat" cmpd="sng" algn="ctr">
+                      <a:solidFill>
+                        <a:schemeClr val="tx1"/>
+                      </a:solidFill>
+                      <a:prstDash val="solid"/>
+                      <a:round/>
+                      <a:headEnd type="none" w="med" len="med"/>
+                      <a:tailEnd type="none" w="med" len="med"/>
+                    </a:lnT>
+                    <a:lnB w="12700" cap="flat" cmpd="sng" algn="ctr">
+                      <a:solidFill>
+                        <a:schemeClr val="tx1"/>
+                      </a:solidFill>
+                      <a:prstDash val="solid"/>
+                      <a:round/>
+                      <a:headEnd type="none" w="med" len="med"/>
+                      <a:tailEnd type="none" w="med" len="med"/>
+                    </a:lnB>
+                    <a:lnTlToBr w="12700" cmpd="sng">
+                      <a:noFill/>
+                      <a:prstDash val="solid"/>
+                    </a:lnTlToBr>
+                    <a:lnBlToTr w="12700" cmpd="sng">
+                      <a:noFill/>
+                      <a:prstDash val="solid"/>
+                    </a:lnBlToTr>
+                    <a:noFill/>
+                  </a:tcPr>
+                </a:tc>
+                <a:tc>
+                  <a:txBody>
+                    <a:bodyPr/>
+                    <a:lstStyle/>
+                    <a:p>
+                      <a:pPr marL="0" marR="0" algn="ctr">
+                        <a:lnSpc>
+                          <a:spcPct val="115000"/>
+                        </a:lnSpc>
+                        <a:buNone/>
+                        <a:tabLst>
+                          <a:tab pos="2618740" algn="l"/>
+                        </a:tabLst>
+                      </a:pPr>
+                      <a:r>
+                        <a:rPr lang="en-US" sz="1800" kern="100">
+                          <a:ln>
+                            <a:noFill/>
+                          </a:ln>
+                          <a:solidFill>
+                            <a:sysClr val="windowText" lastClr="000000"/>
+                          </a:solidFill>
+                          <a:effectLst/>
+                        </a:rPr>
+                        <a:t>58</a:t>
+                      </a:r>
+                      <a:endParaRPr lang="en-US" sz="1600" kern="100">
+                        <a:ln>
+                          <a:noFill/>
+                        </a:ln>
+                        <a:solidFill>
+                          <a:sysClr val="windowText" lastClr="000000"/>
+                        </a:solidFill>
+                        <a:effectLst/>
+                        <a:latin typeface="Calibri" panose="020F0502020204030204" pitchFamily="34" charset="0"/>
+                        <a:ea typeface="Calibri" panose="020F0502020204030204" pitchFamily="34" charset="0"/>
+                        <a:cs typeface="Vrinda" panose="020B0502040204020203" pitchFamily="34" charset="0"/>
+                      </a:endParaRPr>
+                    </a:p>
+                  </a:txBody>
+                  <a:tcPr marL="68580" marR="68580" marT="0" marB="0" anchor="ctr">
+                    <a:lnL w="12700" cap="flat" cmpd="sng" algn="ctr">
+                      <a:solidFill>
+                        <a:schemeClr val="tx1"/>
+                      </a:solidFill>
+                      <a:prstDash val="solid"/>
+                      <a:round/>
+                      <a:headEnd type="none" w="med" len="med"/>
+                      <a:tailEnd type="none" w="med" len="med"/>
+                    </a:lnL>
+                    <a:lnR w="12700" cap="flat" cmpd="sng" algn="ctr">
+                      <a:solidFill>
+                        <a:schemeClr val="tx1"/>
+                      </a:solidFill>
+                      <a:prstDash val="solid"/>
+                      <a:round/>
+                      <a:headEnd type="none" w="med" len="med"/>
+                      <a:tailEnd type="none" w="med" len="med"/>
+                    </a:lnR>
+                    <a:lnT w="12700" cap="flat" cmpd="sng" algn="ctr">
+                      <a:solidFill>
+                        <a:schemeClr val="tx1"/>
+                      </a:solidFill>
+                      <a:prstDash val="solid"/>
+                      <a:round/>
+                      <a:headEnd type="none" w="med" len="med"/>
+                      <a:tailEnd type="none" w="med" len="med"/>
+                    </a:lnT>
+                    <a:lnB w="12700" cap="flat" cmpd="sng" algn="ctr">
+                      <a:solidFill>
+                        <a:schemeClr val="tx1"/>
+                      </a:solidFill>
+                      <a:prstDash val="solid"/>
+                      <a:round/>
+                      <a:headEnd type="none" w="med" len="med"/>
+                      <a:tailEnd type="none" w="med" len="med"/>
+                    </a:lnB>
+                    <a:lnTlToBr w="12700" cmpd="sng">
+                      <a:noFill/>
+                      <a:prstDash val="solid"/>
+                    </a:lnTlToBr>
+                    <a:lnBlToTr w="12700" cmpd="sng">
+                      <a:noFill/>
+                      <a:prstDash val="solid"/>
+                    </a:lnBlToTr>
+                    <a:noFill/>
+                  </a:tcPr>
+                </a:tc>
+                <a:tc>
+                  <a:txBody>
+                    <a:bodyPr/>
+                    <a:lstStyle/>
+                    <a:p>
+                      <a:pPr marL="0" marR="0" algn="ctr">
+                        <a:lnSpc>
+                          <a:spcPct val="115000"/>
+                        </a:lnSpc>
+                        <a:buNone/>
+                        <a:tabLst>
+                          <a:tab pos="2618740" algn="l"/>
+                        </a:tabLst>
+                      </a:pPr>
+                      <a:r>
+                        <a:rPr lang="en-US" sz="1800" kern="100">
+                          <a:ln>
+                            <a:noFill/>
+                          </a:ln>
+                          <a:solidFill>
+                            <a:sysClr val="windowText" lastClr="000000"/>
+                          </a:solidFill>
+                          <a:effectLst/>
+                        </a:rPr>
+                        <a:t>66</a:t>
+                      </a:r>
+                      <a:endParaRPr lang="en-US" sz="1600" kern="100">
+                        <a:ln>
+                          <a:noFill/>
+                        </a:ln>
+                        <a:solidFill>
+                          <a:sysClr val="windowText" lastClr="000000"/>
+                        </a:solidFill>
+                        <a:effectLst/>
+                        <a:latin typeface="Calibri" panose="020F0502020204030204" pitchFamily="34" charset="0"/>
+                        <a:ea typeface="Calibri" panose="020F0502020204030204" pitchFamily="34" charset="0"/>
+                        <a:cs typeface="Vrinda" panose="020B0502040204020203" pitchFamily="34" charset="0"/>
+                      </a:endParaRPr>
+                    </a:p>
+                  </a:txBody>
+                  <a:tcPr marL="68580" marR="68580" marT="0" marB="0" anchor="ctr">
+                    <a:lnL w="12700" cap="flat" cmpd="sng" algn="ctr">
+                      <a:solidFill>
+                        <a:schemeClr val="tx1"/>
+                      </a:solidFill>
+                      <a:prstDash val="solid"/>
+                      <a:round/>
+                      <a:headEnd type="none" w="med" len="med"/>
+                      <a:tailEnd type="none" w="med" len="med"/>
+                    </a:lnL>
+                    <a:lnR w="12700" cap="flat" cmpd="sng" algn="ctr">
+                      <a:solidFill>
+                        <a:schemeClr val="tx1"/>
+                      </a:solidFill>
+                      <a:prstDash val="solid"/>
+                      <a:round/>
+                      <a:headEnd type="none" w="med" len="med"/>
+                      <a:tailEnd type="none" w="med" len="med"/>
+                    </a:lnR>
+                    <a:lnT w="12700" cap="flat" cmpd="sng" algn="ctr">
+                      <a:solidFill>
+                        <a:schemeClr val="tx1"/>
+                      </a:solidFill>
+                      <a:prstDash val="solid"/>
+                      <a:round/>
+                      <a:headEnd type="none" w="med" len="med"/>
+                      <a:tailEnd type="none" w="med" len="med"/>
+                    </a:lnT>
+                    <a:lnB w="12700" cap="flat" cmpd="sng" algn="ctr">
+                      <a:solidFill>
+                        <a:schemeClr val="tx1"/>
+                      </a:solidFill>
+                      <a:prstDash val="solid"/>
+                      <a:round/>
+                      <a:headEnd type="none" w="med" len="med"/>
+                      <a:tailEnd type="none" w="med" len="med"/>
+                    </a:lnB>
+                    <a:lnTlToBr w="12700" cmpd="sng">
+                      <a:noFill/>
+                      <a:prstDash val="solid"/>
+                    </a:lnTlToBr>
+                    <a:lnBlToTr w="12700" cmpd="sng">
+                      <a:noFill/>
+                      <a:prstDash val="solid"/>
+                    </a:lnBlToTr>
+                    <a:noFill/>
+                  </a:tcPr>
+                </a:tc>
+                <a:tc>
+                  <a:txBody>
+                    <a:bodyPr/>
+                    <a:lstStyle/>
+                    <a:p>
+                      <a:pPr marL="0" marR="0" algn="ctr">
+                        <a:lnSpc>
+                          <a:spcPct val="115000"/>
+                        </a:lnSpc>
+                        <a:buNone/>
+                        <a:tabLst>
+                          <a:tab pos="2618740" algn="l"/>
+                        </a:tabLst>
+                      </a:pPr>
+                      <a:r>
+                        <a:rPr lang="en-US" sz="1800" kern="100">
+                          <a:ln>
+                            <a:noFill/>
+                          </a:ln>
+                          <a:solidFill>
+                            <a:sysClr val="windowText" lastClr="000000"/>
+                          </a:solidFill>
+                          <a:effectLst/>
+                        </a:rPr>
+                        <a:t>68</a:t>
+                      </a:r>
+                      <a:endParaRPr lang="en-US" sz="1600" kern="100">
+                        <a:ln>
+                          <a:noFill/>
+                        </a:ln>
+                        <a:solidFill>
+                          <a:sysClr val="windowText" lastClr="000000"/>
+                        </a:solidFill>
+                        <a:effectLst/>
+                        <a:latin typeface="Calibri" panose="020F0502020204030204" pitchFamily="34" charset="0"/>
+                        <a:ea typeface="Calibri" panose="020F0502020204030204" pitchFamily="34" charset="0"/>
+                        <a:cs typeface="Vrinda" panose="020B0502040204020203" pitchFamily="34" charset="0"/>
+                      </a:endParaRPr>
+                    </a:p>
+                  </a:txBody>
+                  <a:tcPr marL="68580" marR="68580" marT="0" marB="0" anchor="ctr">
+                    <a:lnL w="12700" cap="flat" cmpd="sng" algn="ctr">
+                      <a:solidFill>
+                        <a:schemeClr val="tx1"/>
+                      </a:solidFill>
+                      <a:prstDash val="solid"/>
+                      <a:round/>
+                      <a:headEnd type="none" w="med" len="med"/>
+                      <a:tailEnd type="none" w="med" len="med"/>
+                    </a:lnL>
+                    <a:lnR w="12700" cap="flat" cmpd="sng" algn="ctr">
+                      <a:solidFill>
+                        <a:schemeClr val="tx1"/>
+                      </a:solidFill>
+                      <a:prstDash val="solid"/>
+                      <a:round/>
+                      <a:headEnd type="none" w="med" len="med"/>
+                      <a:tailEnd type="none" w="med" len="med"/>
+                    </a:lnR>
+                    <a:lnT w="12700" cap="flat" cmpd="sng" algn="ctr">
+                      <a:solidFill>
+                        <a:schemeClr val="tx1"/>
+                      </a:solidFill>
+                      <a:prstDash val="solid"/>
+                      <a:round/>
+                      <a:headEnd type="none" w="med" len="med"/>
+                      <a:tailEnd type="none" w="med" len="med"/>
+                    </a:lnT>
+                    <a:lnB w="12700" cap="flat" cmpd="sng" algn="ctr">
+                      <a:solidFill>
+                        <a:schemeClr val="tx1"/>
+                      </a:solidFill>
+                      <a:prstDash val="solid"/>
+                      <a:round/>
+                      <a:headEnd type="none" w="med" len="med"/>
+                      <a:tailEnd type="none" w="med" len="med"/>
+                    </a:lnB>
+                    <a:lnTlToBr w="12700" cmpd="sng">
+                      <a:noFill/>
+                      <a:prstDash val="solid"/>
+                    </a:lnTlToBr>
+                    <a:lnBlToTr w="12700" cmpd="sng">
+                      <a:noFill/>
+                      <a:prstDash val="solid"/>
+                    </a:lnBlToTr>
+                    <a:noFill/>
+                  </a:tcPr>
+                </a:tc>
+                <a:tc>
+                  <a:txBody>
+                    <a:bodyPr/>
+                    <a:lstStyle/>
+                    <a:p>
+                      <a:pPr marL="0" marR="0" algn="ctr">
+                        <a:lnSpc>
+                          <a:spcPct val="115000"/>
+                        </a:lnSpc>
+                        <a:buNone/>
+                        <a:tabLst>
+                          <a:tab pos="2618740" algn="l"/>
+                        </a:tabLst>
+                      </a:pPr>
+                      <a:r>
+                        <a:rPr lang="en-US" sz="1800" kern="100">
+                          <a:ln>
+                            <a:noFill/>
+                          </a:ln>
+                          <a:solidFill>
+                            <a:sysClr val="windowText" lastClr="000000"/>
+                          </a:solidFill>
+                          <a:effectLst/>
+                        </a:rPr>
+                        <a:t>72</a:t>
+                      </a:r>
+                      <a:endParaRPr lang="en-US" sz="1600" kern="100">
+                        <a:ln>
+                          <a:noFill/>
+                        </a:ln>
+                        <a:solidFill>
+                          <a:sysClr val="windowText" lastClr="000000"/>
+                        </a:solidFill>
+                        <a:effectLst/>
+                        <a:latin typeface="Calibri" panose="020F0502020204030204" pitchFamily="34" charset="0"/>
+                        <a:ea typeface="Calibri" panose="020F0502020204030204" pitchFamily="34" charset="0"/>
+                        <a:cs typeface="Vrinda" panose="020B0502040204020203" pitchFamily="34" charset="0"/>
+                      </a:endParaRPr>
+                    </a:p>
+                  </a:txBody>
+                  <a:tcPr marL="68580" marR="68580" marT="0" marB="0" anchor="ctr">
+                    <a:lnL w="12700" cap="flat" cmpd="sng" algn="ctr">
+                      <a:solidFill>
+                        <a:schemeClr val="tx1"/>
+                      </a:solidFill>
+                      <a:prstDash val="solid"/>
+                      <a:round/>
+                      <a:headEnd type="none" w="med" len="med"/>
+                      <a:tailEnd type="none" w="med" len="med"/>
+                    </a:lnL>
+                    <a:lnR w="12700" cap="flat" cmpd="sng" algn="ctr">
+                      <a:solidFill>
+                        <a:schemeClr val="tx1"/>
+                      </a:solidFill>
+                      <a:prstDash val="solid"/>
+                      <a:round/>
+                      <a:headEnd type="none" w="med" len="med"/>
+                      <a:tailEnd type="none" w="med" len="med"/>
+                    </a:lnR>
+                    <a:lnT w="12700" cap="flat" cmpd="sng" algn="ctr">
+                      <a:solidFill>
+                        <a:schemeClr val="tx1"/>
+                      </a:solidFill>
+                      <a:prstDash val="solid"/>
+                      <a:round/>
+                      <a:headEnd type="none" w="med" len="med"/>
+                      <a:tailEnd type="none" w="med" len="med"/>
+                    </a:lnT>
+                    <a:lnB w="12700" cap="flat" cmpd="sng" algn="ctr">
+                      <a:solidFill>
+                        <a:schemeClr val="tx1"/>
+                      </a:solidFill>
+                      <a:prstDash val="solid"/>
+                      <a:round/>
+                      <a:headEnd type="none" w="med" len="med"/>
+                      <a:tailEnd type="none" w="med" len="med"/>
+                    </a:lnB>
+                    <a:lnTlToBr w="12700" cmpd="sng">
+                      <a:noFill/>
+                      <a:prstDash val="solid"/>
+                    </a:lnTlToBr>
+                    <a:lnBlToTr w="12700" cmpd="sng">
+                      <a:noFill/>
+                      <a:prstDash val="solid"/>
+                    </a:lnBlToTr>
+                    <a:noFill/>
+                  </a:tcPr>
+                </a:tc>
+                <a:tc>
+                  <a:txBody>
+                    <a:bodyPr/>
+                    <a:lstStyle/>
+                    <a:p>
+                      <a:pPr marL="0" marR="0" algn="ctr">
+                        <a:lnSpc>
+                          <a:spcPct val="115000"/>
+                        </a:lnSpc>
+                        <a:spcAft>
+                          <a:spcPts val="800"/>
+                        </a:spcAft>
+                        <a:buNone/>
+                        <a:tabLst>
+                          <a:tab pos="2618740" algn="l"/>
+                        </a:tabLst>
+                      </a:pPr>
+                      <a:r>
+                        <a:rPr lang="en-US" sz="1800" kern="100">
+                          <a:ln>
+                            <a:noFill/>
+                          </a:ln>
+                          <a:solidFill>
+                            <a:sysClr val="windowText" lastClr="000000"/>
+                          </a:solidFill>
+                          <a:effectLst/>
+                        </a:rPr>
+                        <a:t>75</a:t>
+                      </a:r>
+                      <a:endParaRPr lang="en-US" sz="1600" kern="100">
+                        <a:ln>
+                          <a:noFill/>
+                        </a:ln>
+                        <a:solidFill>
+                          <a:sysClr val="windowText" lastClr="000000"/>
+                        </a:solidFill>
+                        <a:effectLst/>
+                        <a:latin typeface="Calibri" panose="020F0502020204030204" pitchFamily="34" charset="0"/>
+                        <a:ea typeface="Calibri" panose="020F0502020204030204" pitchFamily="34" charset="0"/>
+                        <a:cs typeface="Vrinda" panose="020B0502040204020203" pitchFamily="34" charset="0"/>
+                      </a:endParaRPr>
+                    </a:p>
+                  </a:txBody>
+                  <a:tcPr marL="68580" marR="68580" marT="0" marB="0" anchor="ctr">
+                    <a:lnL w="12700" cap="flat" cmpd="sng" algn="ctr">
+                      <a:solidFill>
+                        <a:schemeClr val="tx1"/>
+                      </a:solidFill>
+                      <a:prstDash val="solid"/>
+                      <a:round/>
+                      <a:headEnd type="none" w="med" len="med"/>
+                      <a:tailEnd type="none" w="med" len="med"/>
+                    </a:lnL>
+                    <a:lnR w="12700" cap="flat" cmpd="sng" algn="ctr">
+                      <a:solidFill>
+                        <a:schemeClr val="tx1"/>
+                      </a:solidFill>
+                      <a:prstDash val="solid"/>
+                      <a:round/>
+                      <a:headEnd type="none" w="med" len="med"/>
+                      <a:tailEnd type="none" w="med" len="med"/>
+                    </a:lnR>
+                    <a:lnT w="12700" cap="flat" cmpd="sng" algn="ctr">
+                      <a:solidFill>
+                        <a:schemeClr val="tx1"/>
+                      </a:solidFill>
+                      <a:prstDash val="solid"/>
+                      <a:round/>
+                      <a:headEnd type="none" w="med" len="med"/>
+                      <a:tailEnd type="none" w="med" len="med"/>
+                    </a:lnT>
+                    <a:lnB w="12700" cap="flat" cmpd="sng" algn="ctr">
+                      <a:solidFill>
+                        <a:schemeClr val="tx1"/>
+                      </a:solidFill>
+                      <a:prstDash val="solid"/>
+                      <a:round/>
+                      <a:headEnd type="none" w="med" len="med"/>
+                      <a:tailEnd type="none" w="med" len="med"/>
+                    </a:lnB>
+                    <a:lnTlToBr w="12700" cmpd="sng">
+                      <a:noFill/>
+                      <a:prstDash val="solid"/>
+                    </a:lnTlToBr>
+                    <a:lnBlToTr w="12700" cmpd="sng">
+                      <a:noFill/>
+                      <a:prstDash val="solid"/>
+                    </a:lnBlToTr>
+                    <a:noFill/>
+                  </a:tcPr>
+                </a:tc>
+                <a:extLst>
+                  <a:ext uri="{0D108BD9-81ED-4DB2-BD59-A6C34878D82A}">
+                    <a16:rowId xmlns:a16="http://schemas.microsoft.com/office/drawing/2014/main" val="1846117194"/>
+                  </a:ext>
+                </a:extLst>
+              </a:tr>
+              <a:tr h="457200">
+                <a:tc vMerge="1">
+                  <a:txBody>
+                    <a:bodyPr/>
+                    <a:lstStyle/>
+                    <a:p>
+                      <a:endParaRPr lang="en-US"/>
+                    </a:p>
+                  </a:txBody>
+                  <a:tcPr/>
+                </a:tc>
+                <a:tc>
+                  <a:txBody>
+                    <a:bodyPr/>
+                    <a:lstStyle/>
+                    <a:p>
+                      <a:pPr marL="0" marR="0" algn="ctr">
+                        <a:lnSpc>
+                          <a:spcPct val="115000"/>
+                        </a:lnSpc>
+                        <a:buNone/>
+                        <a:tabLst>
+                          <a:tab pos="2618740" algn="l"/>
+                        </a:tabLst>
+                      </a:pPr>
+                      <a:r>
+                        <a:rPr lang="en-US" sz="1800" b="1" i="1" kern="100">
+                          <a:ln>
+                            <a:noFill/>
+                          </a:ln>
+                          <a:solidFill>
+                            <a:sysClr val="windowText" lastClr="000000"/>
+                          </a:solidFill>
+                          <a:effectLst/>
+                        </a:rPr>
+                        <a:t>Quantity</a:t>
+                      </a:r>
+                      <a:endParaRPr lang="en-US" sz="1600" b="1" i="1" kern="100">
+                        <a:ln>
+                          <a:noFill/>
+                        </a:ln>
+                        <a:solidFill>
+                          <a:sysClr val="windowText" lastClr="000000"/>
+                        </a:solidFill>
+                        <a:effectLst/>
+                        <a:latin typeface="Calibri" panose="020F0502020204030204" pitchFamily="34" charset="0"/>
+                        <a:ea typeface="Calibri" panose="020F0502020204030204" pitchFamily="34" charset="0"/>
+                        <a:cs typeface="Vrinda" panose="020B0502040204020203" pitchFamily="34" charset="0"/>
+                      </a:endParaRPr>
+                    </a:p>
+                  </a:txBody>
+                  <a:tcPr marL="68580" marR="68580" marT="0" marB="0">
+                    <a:lnL w="12700" cap="flat" cmpd="sng" algn="ctr">
+                      <a:solidFill>
+                        <a:schemeClr val="tx1"/>
+                      </a:solidFill>
+                      <a:prstDash val="solid"/>
+                      <a:round/>
+                      <a:headEnd type="none" w="med" len="med"/>
+                      <a:tailEnd type="none" w="med" len="med"/>
+                    </a:lnL>
+                    <a:lnR w="12700" cap="flat" cmpd="sng" algn="ctr">
+                      <a:solidFill>
+                        <a:schemeClr val="tx1"/>
+                      </a:solidFill>
+                      <a:prstDash val="solid"/>
+                      <a:round/>
+                      <a:headEnd type="none" w="med" len="med"/>
+                      <a:tailEnd type="none" w="med" len="med"/>
+                    </a:lnR>
+                    <a:lnT w="12700" cap="flat" cmpd="sng" algn="ctr">
+                      <a:solidFill>
+                        <a:schemeClr val="tx1"/>
+                      </a:solidFill>
+                      <a:prstDash val="solid"/>
+                      <a:round/>
+                      <a:headEnd type="none" w="med" len="med"/>
+                      <a:tailEnd type="none" w="med" len="med"/>
+                    </a:lnT>
+                    <a:lnB w="12700" cap="flat" cmpd="sng" algn="ctr">
+                      <a:solidFill>
+                        <a:schemeClr val="tx1"/>
+                      </a:solidFill>
+                      <a:prstDash val="solid"/>
+                      <a:round/>
+                      <a:headEnd type="none" w="med" len="med"/>
+                      <a:tailEnd type="none" w="med" len="med"/>
+                    </a:lnB>
+                    <a:lnTlToBr w="12700" cmpd="sng">
+                      <a:noFill/>
+                      <a:prstDash val="solid"/>
+                    </a:lnTlToBr>
+                    <a:lnBlToTr w="12700" cmpd="sng">
+                      <a:noFill/>
+                      <a:prstDash val="solid"/>
+                    </a:lnBlToTr>
+                    <a:noFill/>
+                  </a:tcPr>
+                </a:tc>
+                <a:tc>
+                  <a:txBody>
+                    <a:bodyPr/>
+                    <a:lstStyle/>
+                    <a:p>
+                      <a:pPr marL="0" marR="0" algn="ctr">
+                        <a:lnSpc>
+                          <a:spcPct val="115000"/>
+                        </a:lnSpc>
+                        <a:buNone/>
+                        <a:tabLst>
+                          <a:tab pos="2618740" algn="l"/>
+                        </a:tabLst>
+                      </a:pPr>
+                      <a:r>
+                        <a:rPr lang="en-US" sz="1800" kern="100">
+                          <a:ln>
+                            <a:noFill/>
+                          </a:ln>
+                          <a:solidFill>
+                            <a:sysClr val="windowText" lastClr="000000"/>
+                          </a:solidFill>
+                          <a:effectLst/>
+                        </a:rPr>
+                        <a:t>18</a:t>
+                      </a:r>
+                      <a:endParaRPr lang="en-US" sz="1600" kern="100">
+                        <a:ln>
+                          <a:noFill/>
+                        </a:ln>
+                        <a:solidFill>
+                          <a:sysClr val="windowText" lastClr="000000"/>
+                        </a:solidFill>
+                        <a:effectLst/>
+                        <a:latin typeface="Calibri" panose="020F0502020204030204" pitchFamily="34" charset="0"/>
+                        <a:ea typeface="Calibri" panose="020F0502020204030204" pitchFamily="34" charset="0"/>
+                        <a:cs typeface="Vrinda" panose="020B0502040204020203" pitchFamily="34" charset="0"/>
+                      </a:endParaRPr>
+                    </a:p>
+                  </a:txBody>
+                  <a:tcPr marL="68580" marR="68580" marT="0" marB="0" anchor="ctr">
+                    <a:lnL w="12700" cap="flat" cmpd="sng" algn="ctr">
+                      <a:solidFill>
+                        <a:schemeClr val="tx1"/>
+                      </a:solidFill>
+                      <a:prstDash val="solid"/>
+                      <a:round/>
+                      <a:headEnd type="none" w="med" len="med"/>
+                      <a:tailEnd type="none" w="med" len="med"/>
+                    </a:lnL>
+                    <a:lnR w="12700" cap="flat" cmpd="sng" algn="ctr">
+                      <a:solidFill>
+                        <a:schemeClr val="tx1"/>
+                      </a:solidFill>
+                      <a:prstDash val="solid"/>
+                      <a:round/>
+                      <a:headEnd type="none" w="med" len="med"/>
+                      <a:tailEnd type="none" w="med" len="med"/>
+                    </a:lnR>
+                    <a:lnT w="12700" cap="flat" cmpd="sng" algn="ctr">
+                      <a:solidFill>
+                        <a:schemeClr val="tx1"/>
+                      </a:solidFill>
+                      <a:prstDash val="solid"/>
+                      <a:round/>
+                      <a:headEnd type="none" w="med" len="med"/>
+                      <a:tailEnd type="none" w="med" len="med"/>
+                    </a:lnT>
+                    <a:lnB w="12700" cap="flat" cmpd="sng" algn="ctr">
+                      <a:solidFill>
+                        <a:schemeClr val="tx1"/>
+                      </a:solidFill>
+                      <a:prstDash val="solid"/>
+                      <a:round/>
+                      <a:headEnd type="none" w="med" len="med"/>
+                      <a:tailEnd type="none" w="med" len="med"/>
+                    </a:lnB>
+                    <a:lnTlToBr w="12700" cmpd="sng">
+                      <a:noFill/>
+                      <a:prstDash val="solid"/>
+                    </a:lnTlToBr>
+                    <a:lnBlToTr w="12700" cmpd="sng">
+                      <a:noFill/>
+                      <a:prstDash val="solid"/>
+                    </a:lnBlToTr>
+                    <a:noFill/>
+                  </a:tcPr>
+                </a:tc>
+                <a:tc>
+                  <a:txBody>
+                    <a:bodyPr/>
+                    <a:lstStyle/>
+                    <a:p>
+                      <a:pPr marL="0" marR="0" algn="ctr">
+                        <a:lnSpc>
+                          <a:spcPct val="115000"/>
+                        </a:lnSpc>
+                        <a:buNone/>
+                        <a:tabLst>
+                          <a:tab pos="2618740" algn="l"/>
+                        </a:tabLst>
+                      </a:pPr>
+                      <a:r>
+                        <a:rPr lang="en-US" sz="1800" kern="100">
+                          <a:ln>
+                            <a:noFill/>
+                          </a:ln>
+                          <a:solidFill>
+                            <a:sysClr val="windowText" lastClr="000000"/>
+                          </a:solidFill>
+                          <a:effectLst/>
+                        </a:rPr>
+                        <a:t>23</a:t>
+                      </a:r>
+                      <a:endParaRPr lang="en-US" sz="1600" kern="100">
+                        <a:ln>
+                          <a:noFill/>
+                        </a:ln>
+                        <a:solidFill>
+                          <a:sysClr val="windowText" lastClr="000000"/>
+                        </a:solidFill>
+                        <a:effectLst/>
+                        <a:latin typeface="Calibri" panose="020F0502020204030204" pitchFamily="34" charset="0"/>
+                        <a:ea typeface="Calibri" panose="020F0502020204030204" pitchFamily="34" charset="0"/>
+                        <a:cs typeface="Vrinda" panose="020B0502040204020203" pitchFamily="34" charset="0"/>
+                      </a:endParaRPr>
+                    </a:p>
+                  </a:txBody>
+                  <a:tcPr marL="68580" marR="68580" marT="0" marB="0" anchor="ctr">
+                    <a:lnL w="12700" cap="flat" cmpd="sng" algn="ctr">
+                      <a:solidFill>
+                        <a:schemeClr val="tx1"/>
+                      </a:solidFill>
+                      <a:prstDash val="solid"/>
+                      <a:round/>
+                      <a:headEnd type="none" w="med" len="med"/>
+                      <a:tailEnd type="none" w="med" len="med"/>
+                    </a:lnL>
+                    <a:lnR w="12700" cap="flat" cmpd="sng" algn="ctr">
+                      <a:solidFill>
+                        <a:schemeClr val="tx1"/>
+                      </a:solidFill>
+                      <a:prstDash val="solid"/>
+                      <a:round/>
+                      <a:headEnd type="none" w="med" len="med"/>
+                      <a:tailEnd type="none" w="med" len="med"/>
+                    </a:lnR>
+                    <a:lnT w="12700" cap="flat" cmpd="sng" algn="ctr">
+                      <a:solidFill>
+                        <a:schemeClr val="tx1"/>
+                      </a:solidFill>
+                      <a:prstDash val="solid"/>
+                      <a:round/>
+                      <a:headEnd type="none" w="med" len="med"/>
+                      <a:tailEnd type="none" w="med" len="med"/>
+                    </a:lnT>
+                    <a:lnB w="12700" cap="flat" cmpd="sng" algn="ctr">
+                      <a:solidFill>
+                        <a:schemeClr val="tx1"/>
+                      </a:solidFill>
+                      <a:prstDash val="solid"/>
+                      <a:round/>
+                      <a:headEnd type="none" w="med" len="med"/>
+                      <a:tailEnd type="none" w="med" len="med"/>
+                    </a:lnB>
+                    <a:lnTlToBr w="12700" cmpd="sng">
+                      <a:noFill/>
+                      <a:prstDash val="solid"/>
+                    </a:lnTlToBr>
+                    <a:lnBlToTr w="12700" cmpd="sng">
+                      <a:noFill/>
+                      <a:prstDash val="solid"/>
+                    </a:lnBlToTr>
+                    <a:noFill/>
+                  </a:tcPr>
+                </a:tc>
+                <a:tc>
+                  <a:txBody>
+                    <a:bodyPr/>
+                    <a:lstStyle/>
+                    <a:p>
+                      <a:pPr marL="0" marR="0" algn="ctr">
+                        <a:lnSpc>
+                          <a:spcPct val="115000"/>
+                        </a:lnSpc>
+                        <a:buNone/>
+                        <a:tabLst>
+                          <a:tab pos="2618740" algn="l"/>
+                        </a:tabLst>
+                      </a:pPr>
+                      <a:r>
+                        <a:rPr lang="en-US" sz="1800" kern="100">
+                          <a:ln>
+                            <a:noFill/>
+                          </a:ln>
+                          <a:solidFill>
+                            <a:sysClr val="windowText" lastClr="000000"/>
+                          </a:solidFill>
+                          <a:effectLst/>
+                        </a:rPr>
+                        <a:t>15</a:t>
+                      </a:r>
+                      <a:endParaRPr lang="en-US" sz="1600" kern="100">
+                        <a:ln>
+                          <a:noFill/>
+                        </a:ln>
+                        <a:solidFill>
+                          <a:sysClr val="windowText" lastClr="000000"/>
+                        </a:solidFill>
+                        <a:effectLst/>
+                        <a:latin typeface="Calibri" panose="020F0502020204030204" pitchFamily="34" charset="0"/>
+                        <a:ea typeface="Calibri" panose="020F0502020204030204" pitchFamily="34" charset="0"/>
+                        <a:cs typeface="Vrinda" panose="020B0502040204020203" pitchFamily="34" charset="0"/>
+                      </a:endParaRPr>
+                    </a:p>
+                  </a:txBody>
+                  <a:tcPr marL="68580" marR="68580" marT="0" marB="0" anchor="ctr">
+                    <a:lnL w="12700" cap="flat" cmpd="sng" algn="ctr">
+                      <a:solidFill>
+                        <a:schemeClr val="tx1"/>
+                      </a:solidFill>
+                      <a:prstDash val="solid"/>
+                      <a:round/>
+                      <a:headEnd type="none" w="med" len="med"/>
+                      <a:tailEnd type="none" w="med" len="med"/>
+                    </a:lnL>
+                    <a:lnR w="12700" cap="flat" cmpd="sng" algn="ctr">
+                      <a:solidFill>
+                        <a:schemeClr val="tx1"/>
+                      </a:solidFill>
+                      <a:prstDash val="solid"/>
+                      <a:round/>
+                      <a:headEnd type="none" w="med" len="med"/>
+                      <a:tailEnd type="none" w="med" len="med"/>
+                    </a:lnR>
+                    <a:lnT w="12700" cap="flat" cmpd="sng" algn="ctr">
+                      <a:solidFill>
+                        <a:schemeClr val="tx1"/>
+                      </a:solidFill>
+                      <a:prstDash val="solid"/>
+                      <a:round/>
+                      <a:headEnd type="none" w="med" len="med"/>
+                      <a:tailEnd type="none" w="med" len="med"/>
+                    </a:lnT>
+                    <a:lnB w="12700" cap="flat" cmpd="sng" algn="ctr">
+                      <a:solidFill>
+                        <a:schemeClr val="tx1"/>
+                      </a:solidFill>
+                      <a:prstDash val="solid"/>
+                      <a:round/>
+                      <a:headEnd type="none" w="med" len="med"/>
+                      <a:tailEnd type="none" w="med" len="med"/>
+                    </a:lnB>
+                    <a:lnTlToBr w="12700" cmpd="sng">
+                      <a:noFill/>
+                      <a:prstDash val="solid"/>
+                    </a:lnTlToBr>
+                    <a:lnBlToTr w="12700" cmpd="sng">
+                      <a:noFill/>
+                      <a:prstDash val="solid"/>
+                    </a:lnBlToTr>
+                    <a:noFill/>
+                  </a:tcPr>
+                </a:tc>
+                <a:tc>
+                  <a:txBody>
+                    <a:bodyPr/>
+                    <a:lstStyle/>
+                    <a:p>
+                      <a:pPr marL="0" marR="0" algn="ctr">
+                        <a:lnSpc>
+                          <a:spcPct val="115000"/>
+                        </a:lnSpc>
+                        <a:buNone/>
+                        <a:tabLst>
+                          <a:tab pos="2618740" algn="l"/>
+                        </a:tabLst>
+                      </a:pPr>
+                      <a:r>
+                        <a:rPr lang="en-US" sz="1800" kern="100">
+                          <a:ln>
+                            <a:noFill/>
+                          </a:ln>
+                          <a:solidFill>
+                            <a:sysClr val="windowText" lastClr="000000"/>
+                          </a:solidFill>
+                          <a:effectLst/>
+                        </a:rPr>
+                        <a:t>29</a:t>
+                      </a:r>
+                      <a:endParaRPr lang="en-US" sz="1600" kern="100">
+                        <a:ln>
+                          <a:noFill/>
+                        </a:ln>
+                        <a:solidFill>
+                          <a:sysClr val="windowText" lastClr="000000"/>
+                        </a:solidFill>
+                        <a:effectLst/>
+                        <a:latin typeface="Calibri" panose="020F0502020204030204" pitchFamily="34" charset="0"/>
+                        <a:ea typeface="Calibri" panose="020F0502020204030204" pitchFamily="34" charset="0"/>
+                        <a:cs typeface="Vrinda" panose="020B0502040204020203" pitchFamily="34" charset="0"/>
+                      </a:endParaRPr>
+                    </a:p>
+                  </a:txBody>
+                  <a:tcPr marL="68580" marR="68580" marT="0" marB="0" anchor="ctr">
+                    <a:lnL w="12700" cap="flat" cmpd="sng" algn="ctr">
+                      <a:solidFill>
+                        <a:schemeClr val="tx1"/>
+                      </a:solidFill>
+                      <a:prstDash val="solid"/>
+                      <a:round/>
+                      <a:headEnd type="none" w="med" len="med"/>
+                      <a:tailEnd type="none" w="med" len="med"/>
+                    </a:lnL>
+                    <a:lnR w="12700" cap="flat" cmpd="sng" algn="ctr">
+                      <a:solidFill>
+                        <a:schemeClr val="tx1"/>
+                      </a:solidFill>
+                      <a:prstDash val="solid"/>
+                      <a:round/>
+                      <a:headEnd type="none" w="med" len="med"/>
+                      <a:tailEnd type="none" w="med" len="med"/>
+                    </a:lnR>
+                    <a:lnT w="12700" cap="flat" cmpd="sng" algn="ctr">
+                      <a:solidFill>
+                        <a:schemeClr val="tx1"/>
+                      </a:solidFill>
+                      <a:prstDash val="solid"/>
+                      <a:round/>
+                      <a:headEnd type="none" w="med" len="med"/>
+                      <a:tailEnd type="none" w="med" len="med"/>
+                    </a:lnT>
+                    <a:lnB w="12700" cap="flat" cmpd="sng" algn="ctr">
+                      <a:solidFill>
+                        <a:schemeClr val="tx1"/>
+                      </a:solidFill>
+                      <a:prstDash val="solid"/>
+                      <a:round/>
+                      <a:headEnd type="none" w="med" len="med"/>
+                      <a:tailEnd type="none" w="med" len="med"/>
+                    </a:lnB>
+                    <a:lnTlToBr w="12700" cmpd="sng">
+                      <a:noFill/>
+                      <a:prstDash val="solid"/>
+                    </a:lnTlToBr>
+                    <a:lnBlToTr w="12700" cmpd="sng">
+                      <a:noFill/>
+                      <a:prstDash val="solid"/>
+                    </a:lnBlToTr>
+                    <a:noFill/>
+                  </a:tcPr>
+                </a:tc>
+                <a:tc>
+                  <a:txBody>
+                    <a:bodyPr/>
+                    <a:lstStyle/>
+                    <a:p>
+                      <a:pPr marL="0" marR="0" algn="ctr">
+                        <a:lnSpc>
+                          <a:spcPct val="115000"/>
+                        </a:lnSpc>
+                        <a:buNone/>
+                        <a:tabLst>
+                          <a:tab pos="2618740" algn="l"/>
+                        </a:tabLst>
+                      </a:pPr>
+                      <a:r>
+                        <a:rPr lang="en-US" sz="1800" kern="100">
+                          <a:ln>
+                            <a:noFill/>
+                          </a:ln>
+                          <a:solidFill>
+                            <a:sysClr val="windowText" lastClr="000000"/>
+                          </a:solidFill>
+                          <a:effectLst/>
+                        </a:rPr>
+                        <a:t>21</a:t>
+                      </a:r>
+                      <a:endParaRPr lang="en-US" sz="1600" kern="100">
+                        <a:ln>
+                          <a:noFill/>
+                        </a:ln>
+                        <a:solidFill>
+                          <a:sysClr val="windowText" lastClr="000000"/>
+                        </a:solidFill>
+                        <a:effectLst/>
+                        <a:latin typeface="Calibri" panose="020F0502020204030204" pitchFamily="34" charset="0"/>
+                        <a:ea typeface="Calibri" panose="020F0502020204030204" pitchFamily="34" charset="0"/>
+                        <a:cs typeface="Vrinda" panose="020B0502040204020203" pitchFamily="34" charset="0"/>
+                      </a:endParaRPr>
+                    </a:p>
+                  </a:txBody>
+                  <a:tcPr marL="68580" marR="68580" marT="0" marB="0" anchor="ctr">
+                    <a:lnL w="12700" cap="flat" cmpd="sng" algn="ctr">
+                      <a:solidFill>
+                        <a:schemeClr val="tx1"/>
+                      </a:solidFill>
+                      <a:prstDash val="solid"/>
+                      <a:round/>
+                      <a:headEnd type="none" w="med" len="med"/>
+                      <a:tailEnd type="none" w="med" len="med"/>
+                    </a:lnL>
+                    <a:lnR w="12700" cap="flat" cmpd="sng" algn="ctr">
+                      <a:solidFill>
+                        <a:schemeClr val="tx1"/>
+                      </a:solidFill>
+                      <a:prstDash val="solid"/>
+                      <a:round/>
+                      <a:headEnd type="none" w="med" len="med"/>
+                      <a:tailEnd type="none" w="med" len="med"/>
+                    </a:lnR>
+                    <a:lnT w="12700" cap="flat" cmpd="sng" algn="ctr">
+                      <a:solidFill>
+                        <a:schemeClr val="tx1"/>
+                      </a:solidFill>
+                      <a:prstDash val="solid"/>
+                      <a:round/>
+                      <a:headEnd type="none" w="med" len="med"/>
+                      <a:tailEnd type="none" w="med" len="med"/>
+                    </a:lnT>
+                    <a:lnB w="12700" cap="flat" cmpd="sng" algn="ctr">
+                      <a:solidFill>
+                        <a:schemeClr val="tx1"/>
+                      </a:solidFill>
+                      <a:prstDash val="solid"/>
+                      <a:round/>
+                      <a:headEnd type="none" w="med" len="med"/>
+                      <a:tailEnd type="none" w="med" len="med"/>
+                    </a:lnB>
+                    <a:lnTlToBr w="12700" cmpd="sng">
+                      <a:noFill/>
+                      <a:prstDash val="solid"/>
+                    </a:lnTlToBr>
+                    <a:lnBlToTr w="12700" cmpd="sng">
+                      <a:noFill/>
+                      <a:prstDash val="solid"/>
+                    </a:lnBlToTr>
+                    <a:noFill/>
+                  </a:tcPr>
+                </a:tc>
+                <a:tc>
+                  <a:txBody>
+                    <a:bodyPr/>
+                    <a:lstStyle/>
+                    <a:p>
+                      <a:pPr marL="0" marR="0" algn="ctr">
+                        <a:lnSpc>
+                          <a:spcPct val="115000"/>
+                        </a:lnSpc>
+                        <a:buNone/>
+                        <a:tabLst>
+                          <a:tab pos="2618740" algn="l"/>
+                        </a:tabLst>
+                      </a:pPr>
+                      <a:r>
+                        <a:rPr lang="en-US" sz="1800" kern="100">
+                          <a:ln>
+                            <a:noFill/>
+                          </a:ln>
+                          <a:solidFill>
+                            <a:sysClr val="windowText" lastClr="000000"/>
+                          </a:solidFill>
+                          <a:effectLst/>
+                        </a:rPr>
+                        <a:t>27</a:t>
+                      </a:r>
+                      <a:endParaRPr lang="en-US" sz="1600" kern="100">
+                        <a:ln>
+                          <a:noFill/>
+                        </a:ln>
+                        <a:solidFill>
+                          <a:sysClr val="windowText" lastClr="000000"/>
+                        </a:solidFill>
+                        <a:effectLst/>
+                        <a:latin typeface="Calibri" panose="020F0502020204030204" pitchFamily="34" charset="0"/>
+                        <a:ea typeface="Calibri" panose="020F0502020204030204" pitchFamily="34" charset="0"/>
+                        <a:cs typeface="Vrinda" panose="020B0502040204020203" pitchFamily="34" charset="0"/>
+                      </a:endParaRPr>
+                    </a:p>
+                  </a:txBody>
+                  <a:tcPr marL="68580" marR="68580" marT="0" marB="0" anchor="ctr">
+                    <a:lnL w="12700" cap="flat" cmpd="sng" algn="ctr">
+                      <a:solidFill>
+                        <a:schemeClr val="tx1"/>
+                      </a:solidFill>
+                      <a:prstDash val="solid"/>
+                      <a:round/>
+                      <a:headEnd type="none" w="med" len="med"/>
+                      <a:tailEnd type="none" w="med" len="med"/>
+                    </a:lnL>
+                    <a:lnR w="12700" cap="flat" cmpd="sng" algn="ctr">
+                      <a:solidFill>
+                        <a:schemeClr val="tx1"/>
+                      </a:solidFill>
+                      <a:prstDash val="solid"/>
+                      <a:round/>
+                      <a:headEnd type="none" w="med" len="med"/>
+                      <a:tailEnd type="none" w="med" len="med"/>
+                    </a:lnR>
+                    <a:lnT w="12700" cap="flat" cmpd="sng" algn="ctr">
+                      <a:solidFill>
+                        <a:schemeClr val="tx1"/>
+                      </a:solidFill>
+                      <a:prstDash val="solid"/>
+                      <a:round/>
+                      <a:headEnd type="none" w="med" len="med"/>
+                      <a:tailEnd type="none" w="med" len="med"/>
+                    </a:lnT>
+                    <a:lnB w="12700" cap="flat" cmpd="sng" algn="ctr">
+                      <a:solidFill>
+                        <a:schemeClr val="tx1"/>
+                      </a:solidFill>
+                      <a:prstDash val="solid"/>
+                      <a:round/>
+                      <a:headEnd type="none" w="med" len="med"/>
+                      <a:tailEnd type="none" w="med" len="med"/>
+                    </a:lnB>
+                    <a:lnTlToBr w="12700" cmpd="sng">
+                      <a:noFill/>
+                      <a:prstDash val="solid"/>
+                    </a:lnTlToBr>
+                    <a:lnBlToTr w="12700" cmpd="sng">
+                      <a:noFill/>
+                      <a:prstDash val="solid"/>
+                    </a:lnBlToTr>
+                    <a:noFill/>
+                  </a:tcPr>
+                </a:tc>
+                <a:tc>
+                  <a:txBody>
+                    <a:bodyPr/>
+                    <a:lstStyle/>
+                    <a:p>
+                      <a:pPr marL="0" marR="0" algn="ctr">
+                        <a:lnSpc>
+                          <a:spcPct val="115000"/>
+                        </a:lnSpc>
+                        <a:spcAft>
+                          <a:spcPts val="800"/>
+                        </a:spcAft>
+                        <a:buNone/>
+                        <a:tabLst>
+                          <a:tab pos="2618740" algn="l"/>
+                        </a:tabLst>
+                      </a:pPr>
+                      <a:r>
+                        <a:rPr lang="en-US" sz="1800" kern="100">
+                          <a:ln>
+                            <a:noFill/>
+                          </a:ln>
+                          <a:solidFill>
+                            <a:sysClr val="windowText" lastClr="000000"/>
+                          </a:solidFill>
+                          <a:effectLst/>
+                        </a:rPr>
+                        <a:t>16</a:t>
+                      </a:r>
+                      <a:endParaRPr lang="en-US" sz="1600" kern="100">
+                        <a:ln>
+                          <a:noFill/>
+                        </a:ln>
+                        <a:solidFill>
+                          <a:sysClr val="windowText" lastClr="000000"/>
+                        </a:solidFill>
+                        <a:effectLst/>
+                        <a:latin typeface="Calibri" panose="020F0502020204030204" pitchFamily="34" charset="0"/>
+                        <a:ea typeface="Calibri" panose="020F0502020204030204" pitchFamily="34" charset="0"/>
+                        <a:cs typeface="Vrinda" panose="020B0502040204020203" pitchFamily="34" charset="0"/>
+                      </a:endParaRPr>
+                    </a:p>
+                  </a:txBody>
+                  <a:tcPr marL="68580" marR="68580" marT="0" marB="0" anchor="ctr">
+                    <a:lnL w="12700" cap="flat" cmpd="sng" algn="ctr">
+                      <a:solidFill>
+                        <a:schemeClr val="tx1"/>
+                      </a:solidFill>
+                      <a:prstDash val="solid"/>
+                      <a:round/>
+                      <a:headEnd type="none" w="med" len="med"/>
+                      <a:tailEnd type="none" w="med" len="med"/>
+                    </a:lnL>
+                    <a:lnR w="12700" cap="flat" cmpd="sng" algn="ctr">
+                      <a:solidFill>
+                        <a:schemeClr val="tx1"/>
+                      </a:solidFill>
+                      <a:prstDash val="solid"/>
+                      <a:round/>
+                      <a:headEnd type="none" w="med" len="med"/>
+                      <a:tailEnd type="none" w="med" len="med"/>
+                    </a:lnR>
+                    <a:lnT w="12700" cap="flat" cmpd="sng" algn="ctr">
+                      <a:solidFill>
+                        <a:schemeClr val="tx1"/>
+                      </a:solidFill>
+                      <a:prstDash val="solid"/>
+                      <a:round/>
+                      <a:headEnd type="none" w="med" len="med"/>
+                      <a:tailEnd type="none" w="med" len="med"/>
+                    </a:lnT>
+                    <a:lnB w="12700" cap="flat" cmpd="sng" algn="ctr">
+                      <a:solidFill>
+                        <a:schemeClr val="tx1"/>
+                      </a:solidFill>
+                      <a:prstDash val="solid"/>
+                      <a:round/>
+                      <a:headEnd type="none" w="med" len="med"/>
+                      <a:tailEnd type="none" w="med" len="med"/>
+                    </a:lnB>
+                    <a:lnTlToBr w="12700" cmpd="sng">
+                      <a:noFill/>
+                      <a:prstDash val="solid"/>
+                    </a:lnTlToBr>
+                    <a:lnBlToTr w="12700" cmpd="sng">
+                      <a:noFill/>
+                      <a:prstDash val="solid"/>
+                    </a:lnBlToTr>
+                    <a:noFill/>
+                  </a:tcPr>
+                </a:tc>
+                <a:extLst>
+                  <a:ext uri="{0D108BD9-81ED-4DB2-BD59-A6C34878D82A}">
+                    <a16:rowId xmlns:a16="http://schemas.microsoft.com/office/drawing/2014/main" val="3377418670"/>
+                  </a:ext>
+                </a:extLst>
+              </a:tr>
+              <a:tr h="457200">
+                <a:tc rowSpan="2">
+                  <a:txBody>
+                    <a:bodyPr/>
+                    <a:lstStyle/>
+                    <a:p>
+                      <a:pPr marL="0" marR="0" algn="ctr">
+                        <a:lnSpc>
+                          <a:spcPct val="115000"/>
+                        </a:lnSpc>
+                        <a:buNone/>
+                        <a:tabLst>
+                          <a:tab pos="2618740" algn="l"/>
+                        </a:tabLst>
+                      </a:pPr>
+                      <a:r>
+                        <a:rPr lang="en-US" sz="1800" b="1" i="1" kern="100" dirty="0">
+                          <a:ln>
+                            <a:noFill/>
+                          </a:ln>
+                          <a:solidFill>
+                            <a:sysClr val="windowText" lastClr="000000"/>
+                          </a:solidFill>
+                          <a:effectLst/>
+                        </a:rPr>
+                        <a:t>Item 3</a:t>
+                      </a:r>
+                      <a:endParaRPr lang="en-US" sz="1600" b="1" i="1" kern="100" dirty="0">
+                        <a:ln>
+                          <a:noFill/>
+                        </a:ln>
+                        <a:solidFill>
+                          <a:sysClr val="windowText" lastClr="000000"/>
+                        </a:solidFill>
+                        <a:effectLst/>
+                        <a:latin typeface="Calibri" panose="020F0502020204030204" pitchFamily="34" charset="0"/>
+                        <a:ea typeface="Calibri" panose="020F0502020204030204" pitchFamily="34" charset="0"/>
+                        <a:cs typeface="Vrinda" panose="020B0502040204020203" pitchFamily="34" charset="0"/>
+                      </a:endParaRPr>
+                    </a:p>
+                  </a:txBody>
+                  <a:tcPr marL="68580" marR="68580" marT="0" marB="0" anchor="ctr">
+                    <a:lnL w="12700" cap="flat" cmpd="sng" algn="ctr">
+                      <a:solidFill>
+                        <a:schemeClr val="tx1"/>
+                      </a:solidFill>
+                      <a:prstDash val="solid"/>
+                      <a:round/>
+                      <a:headEnd type="none" w="med" len="med"/>
+                      <a:tailEnd type="none" w="med" len="med"/>
+                    </a:lnL>
+                    <a:lnR w="12700" cap="flat" cmpd="sng" algn="ctr">
+                      <a:solidFill>
+                        <a:schemeClr val="tx1"/>
+                      </a:solidFill>
+                      <a:prstDash val="solid"/>
+                      <a:round/>
+                      <a:headEnd type="none" w="med" len="med"/>
+                      <a:tailEnd type="none" w="med" len="med"/>
+                    </a:lnR>
+                    <a:lnT w="12700" cap="flat" cmpd="sng" algn="ctr">
+                      <a:solidFill>
+                        <a:schemeClr val="tx1"/>
+                      </a:solidFill>
+                      <a:prstDash val="solid"/>
+                      <a:round/>
+                      <a:headEnd type="none" w="med" len="med"/>
+                      <a:tailEnd type="none" w="med" len="med"/>
+                    </a:lnT>
+                    <a:lnB w="12700" cap="flat" cmpd="sng" algn="ctr">
+                      <a:solidFill>
+                        <a:schemeClr val="tx1"/>
+                      </a:solidFill>
+                      <a:prstDash val="solid"/>
+                      <a:round/>
+                      <a:headEnd type="none" w="med" len="med"/>
+                      <a:tailEnd type="none" w="med" len="med"/>
+                    </a:lnB>
+                    <a:lnTlToBr w="12700" cmpd="sng">
+                      <a:noFill/>
+                      <a:prstDash val="solid"/>
+                    </a:lnTlToBr>
+                    <a:lnBlToTr w="12700" cmpd="sng">
+                      <a:noFill/>
+                      <a:prstDash val="solid"/>
+                    </a:lnBlToTr>
+                    <a:noFill/>
+                  </a:tcPr>
+                </a:tc>
+                <a:tc>
+                  <a:txBody>
+                    <a:bodyPr/>
+                    <a:lstStyle/>
+                    <a:p>
+                      <a:pPr marL="0" marR="0" algn="ctr">
+                        <a:lnSpc>
+                          <a:spcPct val="115000"/>
+                        </a:lnSpc>
+                        <a:buNone/>
+                        <a:tabLst>
+                          <a:tab pos="2618740" algn="l"/>
+                        </a:tabLst>
+                      </a:pPr>
+                      <a:r>
+                        <a:rPr lang="en-US" sz="1800" b="1" i="1" kern="100">
+                          <a:ln>
+                            <a:noFill/>
+                          </a:ln>
+                          <a:solidFill>
+                            <a:sysClr val="windowText" lastClr="000000"/>
+                          </a:solidFill>
+                          <a:effectLst/>
+                        </a:rPr>
+                        <a:t>Price</a:t>
+                      </a:r>
+                      <a:endParaRPr lang="en-US" sz="1600" b="1" i="1" kern="100">
+                        <a:ln>
+                          <a:noFill/>
+                        </a:ln>
+                        <a:solidFill>
+                          <a:sysClr val="windowText" lastClr="000000"/>
+                        </a:solidFill>
+                        <a:effectLst/>
+                        <a:latin typeface="Calibri" panose="020F0502020204030204" pitchFamily="34" charset="0"/>
+                        <a:ea typeface="Calibri" panose="020F0502020204030204" pitchFamily="34" charset="0"/>
+                        <a:cs typeface="Vrinda" panose="020B0502040204020203" pitchFamily="34" charset="0"/>
+                      </a:endParaRPr>
+                    </a:p>
+                  </a:txBody>
+                  <a:tcPr marL="68580" marR="68580" marT="0" marB="0">
+                    <a:lnL w="12700" cap="flat" cmpd="sng" algn="ctr">
+                      <a:solidFill>
+                        <a:schemeClr val="tx1"/>
+                      </a:solidFill>
+                      <a:prstDash val="solid"/>
+                      <a:round/>
+                      <a:headEnd type="none" w="med" len="med"/>
+                      <a:tailEnd type="none" w="med" len="med"/>
+                    </a:lnL>
+                    <a:lnR w="12700" cap="flat" cmpd="sng" algn="ctr">
+                      <a:solidFill>
+                        <a:schemeClr val="tx1"/>
+                      </a:solidFill>
+                      <a:prstDash val="solid"/>
+                      <a:round/>
+                      <a:headEnd type="none" w="med" len="med"/>
+                      <a:tailEnd type="none" w="med" len="med"/>
+                    </a:lnR>
+                    <a:lnT w="12700" cap="flat" cmpd="sng" algn="ctr">
+                      <a:solidFill>
+                        <a:schemeClr val="tx1"/>
+                      </a:solidFill>
+                      <a:prstDash val="solid"/>
+                      <a:round/>
+                      <a:headEnd type="none" w="med" len="med"/>
+                      <a:tailEnd type="none" w="med" len="med"/>
+                    </a:lnT>
+                    <a:lnB w="12700" cap="flat" cmpd="sng" algn="ctr">
+                      <a:solidFill>
+                        <a:schemeClr val="tx1"/>
+                      </a:solidFill>
+                      <a:prstDash val="solid"/>
+                      <a:round/>
+                      <a:headEnd type="none" w="med" len="med"/>
+                      <a:tailEnd type="none" w="med" len="med"/>
+                    </a:lnB>
+                    <a:lnTlToBr w="12700" cmpd="sng">
+                      <a:noFill/>
+                      <a:prstDash val="solid"/>
+                    </a:lnTlToBr>
+                    <a:lnBlToTr w="12700" cmpd="sng">
+                      <a:noFill/>
+                      <a:prstDash val="solid"/>
+                    </a:lnBlToTr>
+                    <a:noFill/>
+                  </a:tcPr>
+                </a:tc>
+                <a:tc>
+                  <a:txBody>
+                    <a:bodyPr/>
+                    <a:lstStyle/>
+                    <a:p>
+                      <a:pPr marL="0" marR="0" algn="ctr">
+                        <a:lnSpc>
+                          <a:spcPct val="115000"/>
+                        </a:lnSpc>
+                        <a:buNone/>
+                        <a:tabLst>
+                          <a:tab pos="2618740" algn="l"/>
+                        </a:tabLst>
+                      </a:pPr>
+                      <a:r>
+                        <a:rPr lang="en-US" sz="1800" kern="100">
+                          <a:ln>
+                            <a:noFill/>
+                          </a:ln>
+                          <a:solidFill>
+                            <a:sysClr val="windowText" lastClr="000000"/>
+                          </a:solidFill>
+                          <a:effectLst/>
+                        </a:rPr>
+                        <a:t>70</a:t>
+                      </a:r>
+                      <a:endParaRPr lang="en-US" sz="1600" kern="100">
+                        <a:ln>
+                          <a:noFill/>
+                        </a:ln>
+                        <a:solidFill>
+                          <a:sysClr val="windowText" lastClr="000000"/>
+                        </a:solidFill>
+                        <a:effectLst/>
+                        <a:latin typeface="Calibri" panose="020F0502020204030204" pitchFamily="34" charset="0"/>
+                        <a:ea typeface="Calibri" panose="020F0502020204030204" pitchFamily="34" charset="0"/>
+                        <a:cs typeface="Vrinda" panose="020B0502040204020203" pitchFamily="34" charset="0"/>
+                      </a:endParaRPr>
+                    </a:p>
+                  </a:txBody>
+                  <a:tcPr marL="68580" marR="68580" marT="0" marB="0" anchor="ctr">
+                    <a:lnL w="12700" cap="flat" cmpd="sng" algn="ctr">
+                      <a:solidFill>
+                        <a:schemeClr val="tx1"/>
+                      </a:solidFill>
+                      <a:prstDash val="solid"/>
+                      <a:round/>
+                      <a:headEnd type="none" w="med" len="med"/>
+                      <a:tailEnd type="none" w="med" len="med"/>
+                    </a:lnL>
+                    <a:lnR w="12700" cap="flat" cmpd="sng" algn="ctr">
+                      <a:solidFill>
+                        <a:schemeClr val="tx1"/>
+                      </a:solidFill>
+                      <a:prstDash val="solid"/>
+                      <a:round/>
+                      <a:headEnd type="none" w="med" len="med"/>
+                      <a:tailEnd type="none" w="med" len="med"/>
+                    </a:lnR>
+                    <a:lnT w="12700" cap="flat" cmpd="sng" algn="ctr">
+                      <a:solidFill>
+                        <a:schemeClr val="tx1"/>
+                      </a:solidFill>
+                      <a:prstDash val="solid"/>
+                      <a:round/>
+                      <a:headEnd type="none" w="med" len="med"/>
+                      <a:tailEnd type="none" w="med" len="med"/>
+                    </a:lnT>
+                    <a:lnB w="12700" cap="flat" cmpd="sng" algn="ctr">
+                      <a:solidFill>
+                        <a:schemeClr val="tx1"/>
+                      </a:solidFill>
+                      <a:prstDash val="solid"/>
+                      <a:round/>
+                      <a:headEnd type="none" w="med" len="med"/>
+                      <a:tailEnd type="none" w="med" len="med"/>
+                    </a:lnB>
+                    <a:lnTlToBr w="12700" cmpd="sng">
+                      <a:noFill/>
+                      <a:prstDash val="solid"/>
+                    </a:lnTlToBr>
+                    <a:lnBlToTr w="12700" cmpd="sng">
+                      <a:noFill/>
+                      <a:prstDash val="solid"/>
+                    </a:lnBlToTr>
+                    <a:noFill/>
+                  </a:tcPr>
+                </a:tc>
+                <a:tc>
+                  <a:txBody>
+                    <a:bodyPr/>
+                    <a:lstStyle/>
+                    <a:p>
+                      <a:pPr marL="0" marR="0" algn="ctr">
+                        <a:lnSpc>
+                          <a:spcPct val="115000"/>
+                        </a:lnSpc>
+                        <a:buNone/>
+                        <a:tabLst>
+                          <a:tab pos="2618740" algn="l"/>
+                        </a:tabLst>
+                      </a:pPr>
+                      <a:r>
+                        <a:rPr lang="en-US" sz="1800" kern="100">
+                          <a:ln>
+                            <a:noFill/>
+                          </a:ln>
+                          <a:solidFill>
+                            <a:sysClr val="windowText" lastClr="000000"/>
+                          </a:solidFill>
+                          <a:effectLst/>
+                        </a:rPr>
+                        <a:t>72</a:t>
+                      </a:r>
+                      <a:endParaRPr lang="en-US" sz="1600" kern="100">
+                        <a:ln>
+                          <a:noFill/>
+                        </a:ln>
+                        <a:solidFill>
+                          <a:sysClr val="windowText" lastClr="000000"/>
+                        </a:solidFill>
+                        <a:effectLst/>
+                        <a:latin typeface="Calibri" panose="020F0502020204030204" pitchFamily="34" charset="0"/>
+                        <a:ea typeface="Calibri" panose="020F0502020204030204" pitchFamily="34" charset="0"/>
+                        <a:cs typeface="Vrinda" panose="020B0502040204020203" pitchFamily="34" charset="0"/>
+                      </a:endParaRPr>
+                    </a:p>
+                  </a:txBody>
+                  <a:tcPr marL="68580" marR="68580" marT="0" marB="0" anchor="ctr">
+                    <a:lnL w="12700" cap="flat" cmpd="sng" algn="ctr">
+                      <a:solidFill>
+                        <a:schemeClr val="tx1"/>
+                      </a:solidFill>
+                      <a:prstDash val="solid"/>
+                      <a:round/>
+                      <a:headEnd type="none" w="med" len="med"/>
+                      <a:tailEnd type="none" w="med" len="med"/>
+                    </a:lnL>
+                    <a:lnR w="12700" cap="flat" cmpd="sng" algn="ctr">
+                      <a:solidFill>
+                        <a:schemeClr val="tx1"/>
+                      </a:solidFill>
+                      <a:prstDash val="solid"/>
+                      <a:round/>
+                      <a:headEnd type="none" w="med" len="med"/>
+                      <a:tailEnd type="none" w="med" len="med"/>
+                    </a:lnR>
+                    <a:lnT w="12700" cap="flat" cmpd="sng" algn="ctr">
+                      <a:solidFill>
+                        <a:schemeClr val="tx1"/>
+                      </a:solidFill>
+                      <a:prstDash val="solid"/>
+                      <a:round/>
+                      <a:headEnd type="none" w="med" len="med"/>
+                      <a:tailEnd type="none" w="med" len="med"/>
+                    </a:lnT>
+                    <a:lnB w="12700" cap="flat" cmpd="sng" algn="ctr">
+                      <a:solidFill>
+                        <a:schemeClr val="tx1"/>
+                      </a:solidFill>
+                      <a:prstDash val="solid"/>
+                      <a:round/>
+                      <a:headEnd type="none" w="med" len="med"/>
+                      <a:tailEnd type="none" w="med" len="med"/>
+                    </a:lnB>
+                    <a:lnTlToBr w="12700" cmpd="sng">
+                      <a:noFill/>
+                      <a:prstDash val="solid"/>
+                    </a:lnTlToBr>
+                    <a:lnBlToTr w="12700" cmpd="sng">
+                      <a:noFill/>
+                      <a:prstDash val="solid"/>
+                    </a:lnBlToTr>
+                    <a:noFill/>
+                  </a:tcPr>
+                </a:tc>
+                <a:tc>
+                  <a:txBody>
+                    <a:bodyPr/>
+                    <a:lstStyle/>
+                    <a:p>
+                      <a:pPr marL="0" marR="0" algn="ctr">
+                        <a:lnSpc>
+                          <a:spcPct val="115000"/>
+                        </a:lnSpc>
+                        <a:buNone/>
+                        <a:tabLst>
+                          <a:tab pos="2618740" algn="l"/>
+                        </a:tabLst>
+                      </a:pPr>
+                      <a:r>
+                        <a:rPr lang="en-US" sz="1800" kern="100">
+                          <a:ln>
+                            <a:noFill/>
+                          </a:ln>
+                          <a:solidFill>
+                            <a:sysClr val="windowText" lastClr="000000"/>
+                          </a:solidFill>
+                          <a:effectLst/>
+                        </a:rPr>
+                        <a:t>74</a:t>
+                      </a:r>
+                      <a:endParaRPr lang="en-US" sz="1600" kern="100">
+                        <a:ln>
+                          <a:noFill/>
+                        </a:ln>
+                        <a:solidFill>
+                          <a:sysClr val="windowText" lastClr="000000"/>
+                        </a:solidFill>
+                        <a:effectLst/>
+                        <a:latin typeface="Calibri" panose="020F0502020204030204" pitchFamily="34" charset="0"/>
+                        <a:ea typeface="Calibri" panose="020F0502020204030204" pitchFamily="34" charset="0"/>
+                        <a:cs typeface="Vrinda" panose="020B0502040204020203" pitchFamily="34" charset="0"/>
+                      </a:endParaRPr>
+                    </a:p>
+                  </a:txBody>
+                  <a:tcPr marL="68580" marR="68580" marT="0" marB="0" anchor="ctr">
+                    <a:lnL w="12700" cap="flat" cmpd="sng" algn="ctr">
+                      <a:solidFill>
+                        <a:schemeClr val="tx1"/>
+                      </a:solidFill>
+                      <a:prstDash val="solid"/>
+                      <a:round/>
+                      <a:headEnd type="none" w="med" len="med"/>
+                      <a:tailEnd type="none" w="med" len="med"/>
+                    </a:lnL>
+                    <a:lnR w="12700" cap="flat" cmpd="sng" algn="ctr">
+                      <a:solidFill>
+                        <a:schemeClr val="tx1"/>
+                      </a:solidFill>
+                      <a:prstDash val="solid"/>
+                      <a:round/>
+                      <a:headEnd type="none" w="med" len="med"/>
+                      <a:tailEnd type="none" w="med" len="med"/>
+                    </a:lnR>
+                    <a:lnT w="12700" cap="flat" cmpd="sng" algn="ctr">
+                      <a:solidFill>
+                        <a:schemeClr val="tx1"/>
+                      </a:solidFill>
+                      <a:prstDash val="solid"/>
+                      <a:round/>
+                      <a:headEnd type="none" w="med" len="med"/>
+                      <a:tailEnd type="none" w="med" len="med"/>
+                    </a:lnT>
+                    <a:lnB w="12700" cap="flat" cmpd="sng" algn="ctr">
+                      <a:solidFill>
+                        <a:schemeClr val="tx1"/>
+                      </a:solidFill>
+                      <a:prstDash val="solid"/>
+                      <a:round/>
+                      <a:headEnd type="none" w="med" len="med"/>
+                      <a:tailEnd type="none" w="med" len="med"/>
+                    </a:lnB>
+                    <a:lnTlToBr w="12700" cmpd="sng">
+                      <a:noFill/>
+                      <a:prstDash val="solid"/>
+                    </a:lnTlToBr>
+                    <a:lnBlToTr w="12700" cmpd="sng">
+                      <a:noFill/>
+                      <a:prstDash val="solid"/>
+                    </a:lnBlToTr>
+                    <a:noFill/>
+                  </a:tcPr>
+                </a:tc>
+                <a:tc>
+                  <a:txBody>
+                    <a:bodyPr/>
+                    <a:lstStyle/>
+                    <a:p>
+                      <a:pPr marL="0" marR="0" algn="ctr">
+                        <a:lnSpc>
+                          <a:spcPct val="115000"/>
+                        </a:lnSpc>
+                        <a:buNone/>
+                        <a:tabLst>
+                          <a:tab pos="2618740" algn="l"/>
+                        </a:tabLst>
+                      </a:pPr>
+                      <a:r>
+                        <a:rPr lang="en-US" sz="1800" kern="100">
+                          <a:ln>
+                            <a:noFill/>
+                          </a:ln>
+                          <a:solidFill>
+                            <a:sysClr val="windowText" lastClr="000000"/>
+                          </a:solidFill>
+                          <a:effectLst/>
+                        </a:rPr>
+                        <a:t>73</a:t>
+                      </a:r>
+                      <a:endParaRPr lang="en-US" sz="1600" kern="100">
+                        <a:ln>
+                          <a:noFill/>
+                        </a:ln>
+                        <a:solidFill>
+                          <a:sysClr val="windowText" lastClr="000000"/>
+                        </a:solidFill>
+                        <a:effectLst/>
+                        <a:latin typeface="Calibri" panose="020F0502020204030204" pitchFamily="34" charset="0"/>
+                        <a:ea typeface="Calibri" panose="020F0502020204030204" pitchFamily="34" charset="0"/>
+                        <a:cs typeface="Vrinda" panose="020B0502040204020203" pitchFamily="34" charset="0"/>
+                      </a:endParaRPr>
+                    </a:p>
+                  </a:txBody>
+                  <a:tcPr marL="68580" marR="68580" marT="0" marB="0" anchor="ctr">
+                    <a:lnL w="12700" cap="flat" cmpd="sng" algn="ctr">
+                      <a:solidFill>
+                        <a:schemeClr val="tx1"/>
+                      </a:solidFill>
+                      <a:prstDash val="solid"/>
+                      <a:round/>
+                      <a:headEnd type="none" w="med" len="med"/>
+                      <a:tailEnd type="none" w="med" len="med"/>
+                    </a:lnL>
+                    <a:lnR w="12700" cap="flat" cmpd="sng" algn="ctr">
+                      <a:solidFill>
+                        <a:schemeClr val="tx1"/>
+                      </a:solidFill>
+                      <a:prstDash val="solid"/>
+                      <a:round/>
+                      <a:headEnd type="none" w="med" len="med"/>
+                      <a:tailEnd type="none" w="med" len="med"/>
+                    </a:lnR>
+                    <a:lnT w="12700" cap="flat" cmpd="sng" algn="ctr">
+                      <a:solidFill>
+                        <a:schemeClr val="tx1"/>
+                      </a:solidFill>
+                      <a:prstDash val="solid"/>
+                      <a:round/>
+                      <a:headEnd type="none" w="med" len="med"/>
+                      <a:tailEnd type="none" w="med" len="med"/>
+                    </a:lnT>
+                    <a:lnB w="12700" cap="flat" cmpd="sng" algn="ctr">
+                      <a:solidFill>
+                        <a:schemeClr val="tx1"/>
+                      </a:solidFill>
+                      <a:prstDash val="solid"/>
+                      <a:round/>
+                      <a:headEnd type="none" w="med" len="med"/>
+                      <a:tailEnd type="none" w="med" len="med"/>
+                    </a:lnB>
+                    <a:lnTlToBr w="12700" cmpd="sng">
+                      <a:noFill/>
+                      <a:prstDash val="solid"/>
+                    </a:lnTlToBr>
+                    <a:lnBlToTr w="12700" cmpd="sng">
+                      <a:noFill/>
+                      <a:prstDash val="solid"/>
+                    </a:lnBlToTr>
+                    <a:noFill/>
+                  </a:tcPr>
+                </a:tc>
+                <a:tc>
+                  <a:txBody>
+                    <a:bodyPr/>
+                    <a:lstStyle/>
+                    <a:p>
+                      <a:pPr marL="0" marR="0" algn="ctr">
+                        <a:lnSpc>
+                          <a:spcPct val="115000"/>
+                        </a:lnSpc>
+                        <a:buNone/>
+                        <a:tabLst>
+                          <a:tab pos="2618740" algn="l"/>
+                        </a:tabLst>
+                      </a:pPr>
+                      <a:r>
+                        <a:rPr lang="en-US" sz="1800" kern="100">
+                          <a:ln>
+                            <a:noFill/>
+                          </a:ln>
+                          <a:solidFill>
+                            <a:sysClr val="windowText" lastClr="000000"/>
+                          </a:solidFill>
+                          <a:effectLst/>
+                        </a:rPr>
+                        <a:t>75</a:t>
+                      </a:r>
+                      <a:endParaRPr lang="en-US" sz="1600" kern="100">
+                        <a:ln>
+                          <a:noFill/>
+                        </a:ln>
+                        <a:solidFill>
+                          <a:sysClr val="windowText" lastClr="000000"/>
+                        </a:solidFill>
+                        <a:effectLst/>
+                        <a:latin typeface="Calibri" panose="020F0502020204030204" pitchFamily="34" charset="0"/>
+                        <a:ea typeface="Calibri" panose="020F0502020204030204" pitchFamily="34" charset="0"/>
+                        <a:cs typeface="Vrinda" panose="020B0502040204020203" pitchFamily="34" charset="0"/>
+                      </a:endParaRPr>
+                    </a:p>
+                  </a:txBody>
+                  <a:tcPr marL="68580" marR="68580" marT="0" marB="0" anchor="ctr">
+                    <a:lnL w="12700" cap="flat" cmpd="sng" algn="ctr">
+                      <a:solidFill>
+                        <a:schemeClr val="tx1"/>
+                      </a:solidFill>
+                      <a:prstDash val="solid"/>
+                      <a:round/>
+                      <a:headEnd type="none" w="med" len="med"/>
+                      <a:tailEnd type="none" w="med" len="med"/>
+                    </a:lnL>
+                    <a:lnR w="12700" cap="flat" cmpd="sng" algn="ctr">
+                      <a:solidFill>
+                        <a:schemeClr val="tx1"/>
+                      </a:solidFill>
+                      <a:prstDash val="solid"/>
+                      <a:round/>
+                      <a:headEnd type="none" w="med" len="med"/>
+                      <a:tailEnd type="none" w="med" len="med"/>
+                    </a:lnR>
+                    <a:lnT w="12700" cap="flat" cmpd="sng" algn="ctr">
+                      <a:solidFill>
+                        <a:schemeClr val="tx1"/>
+                      </a:solidFill>
+                      <a:prstDash val="solid"/>
+                      <a:round/>
+                      <a:headEnd type="none" w="med" len="med"/>
+                      <a:tailEnd type="none" w="med" len="med"/>
+                    </a:lnT>
+                    <a:lnB w="12700" cap="flat" cmpd="sng" algn="ctr">
+                      <a:solidFill>
+                        <a:schemeClr val="tx1"/>
+                      </a:solidFill>
+                      <a:prstDash val="solid"/>
+                      <a:round/>
+                      <a:headEnd type="none" w="med" len="med"/>
+                      <a:tailEnd type="none" w="med" len="med"/>
+                    </a:lnB>
+                    <a:lnTlToBr w="12700" cmpd="sng">
+                      <a:noFill/>
+                      <a:prstDash val="solid"/>
+                    </a:lnTlToBr>
+                    <a:lnBlToTr w="12700" cmpd="sng">
+                      <a:noFill/>
+                      <a:prstDash val="solid"/>
+                    </a:lnBlToTr>
+                    <a:noFill/>
+                  </a:tcPr>
+                </a:tc>
+                <a:tc>
+                  <a:txBody>
+                    <a:bodyPr/>
+                    <a:lstStyle/>
+                    <a:p>
+                      <a:pPr marL="0" marR="0" algn="ctr">
+                        <a:lnSpc>
+                          <a:spcPct val="115000"/>
+                        </a:lnSpc>
+                        <a:buNone/>
+                        <a:tabLst>
+                          <a:tab pos="2618740" algn="l"/>
+                        </a:tabLst>
+                      </a:pPr>
+                      <a:r>
+                        <a:rPr lang="en-US" sz="1800" kern="100">
+                          <a:ln>
+                            <a:noFill/>
+                          </a:ln>
+                          <a:solidFill>
+                            <a:sysClr val="windowText" lastClr="000000"/>
+                          </a:solidFill>
+                          <a:effectLst/>
+                        </a:rPr>
+                        <a:t>78</a:t>
+                      </a:r>
+                      <a:endParaRPr lang="en-US" sz="1600" kern="100">
+                        <a:ln>
+                          <a:noFill/>
+                        </a:ln>
+                        <a:solidFill>
+                          <a:sysClr val="windowText" lastClr="000000"/>
+                        </a:solidFill>
+                        <a:effectLst/>
+                        <a:latin typeface="Calibri" panose="020F0502020204030204" pitchFamily="34" charset="0"/>
+                        <a:ea typeface="Calibri" panose="020F0502020204030204" pitchFamily="34" charset="0"/>
+                        <a:cs typeface="Vrinda" panose="020B0502040204020203" pitchFamily="34" charset="0"/>
+                      </a:endParaRPr>
+                    </a:p>
+                  </a:txBody>
+                  <a:tcPr marL="68580" marR="68580" marT="0" marB="0" anchor="ctr">
+                    <a:lnL w="12700" cap="flat" cmpd="sng" algn="ctr">
+                      <a:solidFill>
+                        <a:schemeClr val="tx1"/>
+                      </a:solidFill>
+                      <a:prstDash val="solid"/>
+                      <a:round/>
+                      <a:headEnd type="none" w="med" len="med"/>
+                      <a:tailEnd type="none" w="med" len="med"/>
+                    </a:lnL>
+                    <a:lnR w="12700" cap="flat" cmpd="sng" algn="ctr">
+                      <a:solidFill>
+                        <a:schemeClr val="tx1"/>
+                      </a:solidFill>
+                      <a:prstDash val="solid"/>
+                      <a:round/>
+                      <a:headEnd type="none" w="med" len="med"/>
+                      <a:tailEnd type="none" w="med" len="med"/>
+                    </a:lnR>
+                    <a:lnT w="12700" cap="flat" cmpd="sng" algn="ctr">
+                      <a:solidFill>
+                        <a:schemeClr val="tx1"/>
+                      </a:solidFill>
+                      <a:prstDash val="solid"/>
+                      <a:round/>
+                      <a:headEnd type="none" w="med" len="med"/>
+                      <a:tailEnd type="none" w="med" len="med"/>
+                    </a:lnT>
+                    <a:lnB w="12700" cap="flat" cmpd="sng" algn="ctr">
+                      <a:solidFill>
+                        <a:schemeClr val="tx1"/>
+                      </a:solidFill>
+                      <a:prstDash val="solid"/>
+                      <a:round/>
+                      <a:headEnd type="none" w="med" len="med"/>
+                      <a:tailEnd type="none" w="med" len="med"/>
+                    </a:lnB>
+                    <a:lnTlToBr w="12700" cmpd="sng">
+                      <a:noFill/>
+                      <a:prstDash val="solid"/>
+                    </a:lnTlToBr>
+                    <a:lnBlToTr w="12700" cmpd="sng">
+                      <a:noFill/>
+                      <a:prstDash val="solid"/>
+                    </a:lnBlToTr>
+                    <a:noFill/>
+                  </a:tcPr>
+                </a:tc>
+                <a:tc>
+                  <a:txBody>
+                    <a:bodyPr/>
+                    <a:lstStyle/>
+                    <a:p>
+                      <a:pPr marL="0" marR="0" algn="ctr">
+                        <a:lnSpc>
+                          <a:spcPct val="115000"/>
+                        </a:lnSpc>
+                        <a:spcAft>
+                          <a:spcPts val="800"/>
+                        </a:spcAft>
+                        <a:buNone/>
+                        <a:tabLst>
+                          <a:tab pos="2618740" algn="l"/>
+                        </a:tabLst>
+                      </a:pPr>
+                      <a:r>
+                        <a:rPr lang="en-US" sz="1800" kern="100">
+                          <a:ln>
+                            <a:noFill/>
+                          </a:ln>
+                          <a:solidFill>
+                            <a:sysClr val="windowText" lastClr="000000"/>
+                          </a:solidFill>
+                          <a:effectLst/>
+                        </a:rPr>
+                        <a:t>80</a:t>
+                      </a:r>
+                      <a:endParaRPr lang="en-US" sz="1600" kern="100">
+                        <a:ln>
+                          <a:noFill/>
+                        </a:ln>
+                        <a:solidFill>
+                          <a:sysClr val="windowText" lastClr="000000"/>
+                        </a:solidFill>
+                        <a:effectLst/>
+                        <a:latin typeface="Calibri" panose="020F0502020204030204" pitchFamily="34" charset="0"/>
+                        <a:ea typeface="Calibri" panose="020F0502020204030204" pitchFamily="34" charset="0"/>
+                        <a:cs typeface="Vrinda" panose="020B0502040204020203" pitchFamily="34" charset="0"/>
+                      </a:endParaRPr>
+                    </a:p>
+                  </a:txBody>
+                  <a:tcPr marL="68580" marR="68580" marT="0" marB="0" anchor="ctr">
+                    <a:lnL w="12700" cap="flat" cmpd="sng" algn="ctr">
+                      <a:solidFill>
+                        <a:schemeClr val="tx1"/>
+                      </a:solidFill>
+                      <a:prstDash val="solid"/>
+                      <a:round/>
+                      <a:headEnd type="none" w="med" len="med"/>
+                      <a:tailEnd type="none" w="med" len="med"/>
+                    </a:lnL>
+                    <a:lnR w="12700" cap="flat" cmpd="sng" algn="ctr">
+                      <a:solidFill>
+                        <a:schemeClr val="tx1"/>
+                      </a:solidFill>
+                      <a:prstDash val="solid"/>
+                      <a:round/>
+                      <a:headEnd type="none" w="med" len="med"/>
+                      <a:tailEnd type="none" w="med" len="med"/>
+                    </a:lnR>
+                    <a:lnT w="12700" cap="flat" cmpd="sng" algn="ctr">
+                      <a:solidFill>
+                        <a:schemeClr val="tx1"/>
+                      </a:solidFill>
+                      <a:prstDash val="solid"/>
+                      <a:round/>
+                      <a:headEnd type="none" w="med" len="med"/>
+                      <a:tailEnd type="none" w="med" len="med"/>
+                    </a:lnT>
+                    <a:lnB w="12700" cap="flat" cmpd="sng" algn="ctr">
+                      <a:solidFill>
+                        <a:schemeClr val="tx1"/>
+                      </a:solidFill>
+                      <a:prstDash val="solid"/>
+                      <a:round/>
+                      <a:headEnd type="none" w="med" len="med"/>
+                      <a:tailEnd type="none" w="med" len="med"/>
+                    </a:lnB>
+                    <a:lnTlToBr w="12700" cmpd="sng">
+                      <a:noFill/>
+                      <a:prstDash val="solid"/>
+                    </a:lnTlToBr>
+                    <a:lnBlToTr w="12700" cmpd="sng">
+                      <a:noFill/>
+                      <a:prstDash val="solid"/>
+                    </a:lnBlToTr>
+                    <a:noFill/>
+                  </a:tcPr>
+                </a:tc>
+                <a:extLst>
+                  <a:ext uri="{0D108BD9-81ED-4DB2-BD59-A6C34878D82A}">
+                    <a16:rowId xmlns:a16="http://schemas.microsoft.com/office/drawing/2014/main" val="490736444"/>
+                  </a:ext>
+                </a:extLst>
+              </a:tr>
+              <a:tr h="457200">
+                <a:tc vMerge="1">
+                  <a:txBody>
+                    <a:bodyPr/>
+                    <a:lstStyle/>
+                    <a:p>
+                      <a:endParaRPr lang="en-US"/>
+                    </a:p>
+                  </a:txBody>
+                  <a:tcPr/>
+                </a:tc>
+                <a:tc>
+                  <a:txBody>
+                    <a:bodyPr/>
+                    <a:lstStyle/>
+                    <a:p>
+                      <a:pPr marL="0" marR="0" algn="ctr">
+                        <a:lnSpc>
+                          <a:spcPct val="115000"/>
+                        </a:lnSpc>
+                        <a:buNone/>
+                        <a:tabLst>
+                          <a:tab pos="2618740" algn="l"/>
+                        </a:tabLst>
+                      </a:pPr>
+                      <a:r>
+                        <a:rPr lang="en-US" sz="1800" b="1" i="1" kern="100" dirty="0">
+                          <a:ln>
+                            <a:noFill/>
+                          </a:ln>
+                          <a:solidFill>
+                            <a:sysClr val="windowText" lastClr="000000"/>
+                          </a:solidFill>
+                          <a:effectLst/>
+                        </a:rPr>
+                        <a:t>Quantity</a:t>
+                      </a:r>
+                      <a:endParaRPr lang="en-US" sz="1600" b="1" i="1" kern="100" dirty="0">
+                        <a:ln>
+                          <a:noFill/>
+                        </a:ln>
+                        <a:solidFill>
+                          <a:sysClr val="windowText" lastClr="000000"/>
+                        </a:solidFill>
+                        <a:effectLst/>
+                        <a:latin typeface="Calibri" panose="020F0502020204030204" pitchFamily="34" charset="0"/>
+                        <a:ea typeface="Calibri" panose="020F0502020204030204" pitchFamily="34" charset="0"/>
+                        <a:cs typeface="Vrinda" panose="020B0502040204020203" pitchFamily="34" charset="0"/>
+                      </a:endParaRPr>
+                    </a:p>
+                  </a:txBody>
+                  <a:tcPr marL="68580" marR="68580" marT="0" marB="0">
+                    <a:lnL w="12700" cap="flat" cmpd="sng" algn="ctr">
+                      <a:solidFill>
+                        <a:schemeClr val="tx1"/>
+                      </a:solidFill>
+                      <a:prstDash val="solid"/>
+                      <a:round/>
+                      <a:headEnd type="none" w="med" len="med"/>
+                      <a:tailEnd type="none" w="med" len="med"/>
+                    </a:lnL>
+                    <a:lnR w="12700" cap="flat" cmpd="sng" algn="ctr">
+                      <a:solidFill>
+                        <a:schemeClr val="tx1"/>
+                      </a:solidFill>
+                      <a:prstDash val="solid"/>
+                      <a:round/>
+                      <a:headEnd type="none" w="med" len="med"/>
+                      <a:tailEnd type="none" w="med" len="med"/>
+                    </a:lnR>
+                    <a:lnT w="12700" cap="flat" cmpd="sng" algn="ctr">
+                      <a:solidFill>
+                        <a:schemeClr val="tx1"/>
+                      </a:solidFill>
+                      <a:prstDash val="solid"/>
+                      <a:round/>
+                      <a:headEnd type="none" w="med" len="med"/>
+                      <a:tailEnd type="none" w="med" len="med"/>
+                    </a:lnT>
+                    <a:lnB w="12700" cap="flat" cmpd="sng" algn="ctr">
+                      <a:solidFill>
+                        <a:schemeClr val="tx1"/>
+                      </a:solidFill>
+                      <a:prstDash val="solid"/>
+                      <a:round/>
+                      <a:headEnd type="none" w="med" len="med"/>
+                      <a:tailEnd type="none" w="med" len="med"/>
+                    </a:lnB>
+                    <a:lnTlToBr w="12700" cmpd="sng">
+                      <a:noFill/>
+                      <a:prstDash val="solid"/>
+                    </a:lnTlToBr>
+                    <a:lnBlToTr w="12700" cmpd="sng">
+                      <a:noFill/>
+                      <a:prstDash val="solid"/>
+                    </a:lnBlToTr>
+                    <a:noFill/>
+                  </a:tcPr>
+                </a:tc>
+                <a:tc>
+                  <a:txBody>
+                    <a:bodyPr/>
+                    <a:lstStyle/>
+                    <a:p>
+                      <a:pPr marL="0" marR="0" algn="ctr">
+                        <a:lnSpc>
+                          <a:spcPct val="115000"/>
+                        </a:lnSpc>
+                        <a:buNone/>
+                        <a:tabLst>
+                          <a:tab pos="2618740" algn="l"/>
+                        </a:tabLst>
+                      </a:pPr>
+                      <a:r>
+                        <a:rPr lang="en-US" sz="1800" kern="100">
+                          <a:ln>
+                            <a:noFill/>
+                          </a:ln>
+                          <a:solidFill>
+                            <a:sysClr val="windowText" lastClr="000000"/>
+                          </a:solidFill>
+                          <a:effectLst/>
+                        </a:rPr>
+                        <a:t>22</a:t>
+                      </a:r>
+                      <a:endParaRPr lang="en-US" sz="1600" kern="100">
+                        <a:ln>
+                          <a:noFill/>
+                        </a:ln>
+                        <a:solidFill>
+                          <a:sysClr val="windowText" lastClr="000000"/>
+                        </a:solidFill>
+                        <a:effectLst/>
+                        <a:latin typeface="Calibri" panose="020F0502020204030204" pitchFamily="34" charset="0"/>
+                        <a:ea typeface="Calibri" panose="020F0502020204030204" pitchFamily="34" charset="0"/>
+                        <a:cs typeface="Vrinda" panose="020B0502040204020203" pitchFamily="34" charset="0"/>
+                      </a:endParaRPr>
+                    </a:p>
+                  </a:txBody>
+                  <a:tcPr marL="68580" marR="68580" marT="0" marB="0" anchor="ctr">
+                    <a:lnL w="12700" cap="flat" cmpd="sng" algn="ctr">
+                      <a:solidFill>
+                        <a:schemeClr val="tx1"/>
+                      </a:solidFill>
+                      <a:prstDash val="solid"/>
+                      <a:round/>
+                      <a:headEnd type="none" w="med" len="med"/>
+                      <a:tailEnd type="none" w="med" len="med"/>
+                    </a:lnL>
+                    <a:lnR w="12700" cap="flat" cmpd="sng" algn="ctr">
+                      <a:solidFill>
+                        <a:schemeClr val="tx1"/>
+                      </a:solidFill>
+                      <a:prstDash val="solid"/>
+                      <a:round/>
+                      <a:headEnd type="none" w="med" len="med"/>
+                      <a:tailEnd type="none" w="med" len="med"/>
+                    </a:lnR>
+                    <a:lnT w="12700" cap="flat" cmpd="sng" algn="ctr">
+                      <a:solidFill>
+                        <a:schemeClr val="tx1"/>
+                      </a:solidFill>
+                      <a:prstDash val="solid"/>
+                      <a:round/>
+                      <a:headEnd type="none" w="med" len="med"/>
+                      <a:tailEnd type="none" w="med" len="med"/>
+                    </a:lnT>
+                    <a:lnB w="12700" cap="flat" cmpd="sng" algn="ctr">
+                      <a:solidFill>
+                        <a:schemeClr val="tx1"/>
+                      </a:solidFill>
+                      <a:prstDash val="solid"/>
+                      <a:round/>
+                      <a:headEnd type="none" w="med" len="med"/>
+                      <a:tailEnd type="none" w="med" len="med"/>
+                    </a:lnB>
+                    <a:lnTlToBr w="12700" cmpd="sng">
+                      <a:noFill/>
+                      <a:prstDash val="solid"/>
+                    </a:lnTlToBr>
+                    <a:lnBlToTr w="12700" cmpd="sng">
+                      <a:noFill/>
+                      <a:prstDash val="solid"/>
+                    </a:lnBlToTr>
+                    <a:noFill/>
+                  </a:tcPr>
+                </a:tc>
+                <a:tc>
+                  <a:txBody>
+                    <a:bodyPr/>
+                    <a:lstStyle/>
+                    <a:p>
+                      <a:pPr marL="0" marR="0" algn="ctr">
+                        <a:lnSpc>
+                          <a:spcPct val="115000"/>
+                        </a:lnSpc>
+                        <a:buNone/>
+                        <a:tabLst>
+                          <a:tab pos="2618740" algn="l"/>
+                        </a:tabLst>
+                      </a:pPr>
+                      <a:r>
+                        <a:rPr lang="en-US" sz="1800" kern="100">
+                          <a:ln>
+                            <a:noFill/>
+                          </a:ln>
+                          <a:solidFill>
+                            <a:sysClr val="windowText" lastClr="000000"/>
+                          </a:solidFill>
+                          <a:effectLst/>
+                        </a:rPr>
+                        <a:t>27</a:t>
+                      </a:r>
+                      <a:endParaRPr lang="en-US" sz="1600" kern="100">
+                        <a:ln>
+                          <a:noFill/>
+                        </a:ln>
+                        <a:solidFill>
+                          <a:sysClr val="windowText" lastClr="000000"/>
+                        </a:solidFill>
+                        <a:effectLst/>
+                        <a:latin typeface="Calibri" panose="020F0502020204030204" pitchFamily="34" charset="0"/>
+                        <a:ea typeface="Calibri" panose="020F0502020204030204" pitchFamily="34" charset="0"/>
+                        <a:cs typeface="Vrinda" panose="020B0502040204020203" pitchFamily="34" charset="0"/>
+                      </a:endParaRPr>
+                    </a:p>
+                  </a:txBody>
+                  <a:tcPr marL="68580" marR="68580" marT="0" marB="0" anchor="ctr">
+                    <a:lnL w="12700" cap="flat" cmpd="sng" algn="ctr">
+                      <a:solidFill>
+                        <a:schemeClr val="tx1"/>
+                      </a:solidFill>
+                      <a:prstDash val="solid"/>
+                      <a:round/>
+                      <a:headEnd type="none" w="med" len="med"/>
+                      <a:tailEnd type="none" w="med" len="med"/>
+                    </a:lnL>
+                    <a:lnR w="12700" cap="flat" cmpd="sng" algn="ctr">
+                      <a:solidFill>
+                        <a:schemeClr val="tx1"/>
+                      </a:solidFill>
+                      <a:prstDash val="solid"/>
+                      <a:round/>
+                      <a:headEnd type="none" w="med" len="med"/>
+                      <a:tailEnd type="none" w="med" len="med"/>
+                    </a:lnR>
+                    <a:lnT w="12700" cap="flat" cmpd="sng" algn="ctr">
+                      <a:solidFill>
+                        <a:schemeClr val="tx1"/>
+                      </a:solidFill>
+                      <a:prstDash val="solid"/>
+                      <a:round/>
+                      <a:headEnd type="none" w="med" len="med"/>
+                      <a:tailEnd type="none" w="med" len="med"/>
+                    </a:lnT>
+                    <a:lnB w="12700" cap="flat" cmpd="sng" algn="ctr">
+                      <a:solidFill>
+                        <a:schemeClr val="tx1"/>
+                      </a:solidFill>
+                      <a:prstDash val="solid"/>
+                      <a:round/>
+                      <a:headEnd type="none" w="med" len="med"/>
+                      <a:tailEnd type="none" w="med" len="med"/>
+                    </a:lnB>
+                    <a:lnTlToBr w="12700" cmpd="sng">
+                      <a:noFill/>
+                      <a:prstDash val="solid"/>
+                    </a:lnTlToBr>
+                    <a:lnBlToTr w="12700" cmpd="sng">
+                      <a:noFill/>
+                      <a:prstDash val="solid"/>
+                    </a:lnBlToTr>
+                    <a:noFill/>
+                  </a:tcPr>
+                </a:tc>
+                <a:tc>
+                  <a:txBody>
+                    <a:bodyPr/>
+                    <a:lstStyle/>
+                    <a:p>
+                      <a:pPr marL="0" marR="0" algn="ctr">
+                        <a:lnSpc>
+                          <a:spcPct val="115000"/>
+                        </a:lnSpc>
+                        <a:buNone/>
+                        <a:tabLst>
+                          <a:tab pos="2618740" algn="l"/>
+                        </a:tabLst>
+                      </a:pPr>
+                      <a:r>
+                        <a:rPr lang="en-US" sz="1800" kern="100">
+                          <a:ln>
+                            <a:noFill/>
+                          </a:ln>
+                          <a:solidFill>
+                            <a:sysClr val="windowText" lastClr="000000"/>
+                          </a:solidFill>
+                          <a:effectLst/>
+                        </a:rPr>
+                        <a:t>19</a:t>
+                      </a:r>
+                      <a:endParaRPr lang="en-US" sz="1600" kern="100">
+                        <a:ln>
+                          <a:noFill/>
+                        </a:ln>
+                        <a:solidFill>
+                          <a:sysClr val="windowText" lastClr="000000"/>
+                        </a:solidFill>
+                        <a:effectLst/>
+                        <a:latin typeface="Calibri" panose="020F0502020204030204" pitchFamily="34" charset="0"/>
+                        <a:ea typeface="Calibri" panose="020F0502020204030204" pitchFamily="34" charset="0"/>
+                        <a:cs typeface="Vrinda" panose="020B0502040204020203" pitchFamily="34" charset="0"/>
+                      </a:endParaRPr>
+                    </a:p>
+                  </a:txBody>
+                  <a:tcPr marL="68580" marR="68580" marT="0" marB="0" anchor="ctr">
+                    <a:lnL w="12700" cap="flat" cmpd="sng" algn="ctr">
+                      <a:solidFill>
+                        <a:schemeClr val="tx1"/>
+                      </a:solidFill>
+                      <a:prstDash val="solid"/>
+                      <a:round/>
+                      <a:headEnd type="none" w="med" len="med"/>
+                      <a:tailEnd type="none" w="med" len="med"/>
+                    </a:lnL>
+                    <a:lnR w="12700" cap="flat" cmpd="sng" algn="ctr">
+                      <a:solidFill>
+                        <a:schemeClr val="tx1"/>
+                      </a:solidFill>
+                      <a:prstDash val="solid"/>
+                      <a:round/>
+                      <a:headEnd type="none" w="med" len="med"/>
+                      <a:tailEnd type="none" w="med" len="med"/>
+                    </a:lnR>
+                    <a:lnT w="12700" cap="flat" cmpd="sng" algn="ctr">
+                      <a:solidFill>
+                        <a:schemeClr val="tx1"/>
+                      </a:solidFill>
+                      <a:prstDash val="solid"/>
+                      <a:round/>
+                      <a:headEnd type="none" w="med" len="med"/>
+                      <a:tailEnd type="none" w="med" len="med"/>
+                    </a:lnT>
+                    <a:lnB w="12700" cap="flat" cmpd="sng" algn="ctr">
+                      <a:solidFill>
+                        <a:schemeClr val="tx1"/>
+                      </a:solidFill>
+                      <a:prstDash val="solid"/>
+                      <a:round/>
+                      <a:headEnd type="none" w="med" len="med"/>
+                      <a:tailEnd type="none" w="med" len="med"/>
+                    </a:lnB>
+                    <a:lnTlToBr w="12700" cmpd="sng">
+                      <a:noFill/>
+                      <a:prstDash val="solid"/>
+                    </a:lnTlToBr>
+                    <a:lnBlToTr w="12700" cmpd="sng">
+                      <a:noFill/>
+                      <a:prstDash val="solid"/>
+                    </a:lnBlToTr>
+                    <a:noFill/>
+                  </a:tcPr>
+                </a:tc>
+                <a:tc>
+                  <a:txBody>
+                    <a:bodyPr/>
+                    <a:lstStyle/>
+                    <a:p>
+                      <a:pPr marL="0" marR="0" algn="ctr">
+                        <a:lnSpc>
+                          <a:spcPct val="115000"/>
+                        </a:lnSpc>
+                        <a:buNone/>
+                        <a:tabLst>
+                          <a:tab pos="2618740" algn="l"/>
+                        </a:tabLst>
+                      </a:pPr>
+                      <a:r>
+                        <a:rPr lang="en-US" sz="1800" kern="100">
+                          <a:ln>
+                            <a:noFill/>
+                          </a:ln>
+                          <a:solidFill>
+                            <a:sysClr val="windowText" lastClr="000000"/>
+                          </a:solidFill>
+                          <a:effectLst/>
+                        </a:rPr>
+                        <a:t>33</a:t>
+                      </a:r>
+                      <a:endParaRPr lang="en-US" sz="1600" kern="100">
+                        <a:ln>
+                          <a:noFill/>
+                        </a:ln>
+                        <a:solidFill>
+                          <a:sysClr val="windowText" lastClr="000000"/>
+                        </a:solidFill>
+                        <a:effectLst/>
+                        <a:latin typeface="Calibri" panose="020F0502020204030204" pitchFamily="34" charset="0"/>
+                        <a:ea typeface="Calibri" panose="020F0502020204030204" pitchFamily="34" charset="0"/>
+                        <a:cs typeface="Vrinda" panose="020B0502040204020203" pitchFamily="34" charset="0"/>
+                      </a:endParaRPr>
+                    </a:p>
+                  </a:txBody>
+                  <a:tcPr marL="68580" marR="68580" marT="0" marB="0" anchor="ctr">
+                    <a:lnL w="12700" cap="flat" cmpd="sng" algn="ctr">
+                      <a:solidFill>
+                        <a:schemeClr val="tx1"/>
+                      </a:solidFill>
+                      <a:prstDash val="solid"/>
+                      <a:round/>
+                      <a:headEnd type="none" w="med" len="med"/>
+                      <a:tailEnd type="none" w="med" len="med"/>
+                    </a:lnL>
+                    <a:lnR w="12700" cap="flat" cmpd="sng" algn="ctr">
+                      <a:solidFill>
+                        <a:schemeClr val="tx1"/>
+                      </a:solidFill>
+                      <a:prstDash val="solid"/>
+                      <a:round/>
+                      <a:headEnd type="none" w="med" len="med"/>
+                      <a:tailEnd type="none" w="med" len="med"/>
+                    </a:lnR>
+                    <a:lnT w="12700" cap="flat" cmpd="sng" algn="ctr">
+                      <a:solidFill>
+                        <a:schemeClr val="tx1"/>
+                      </a:solidFill>
+                      <a:prstDash val="solid"/>
+                      <a:round/>
+                      <a:headEnd type="none" w="med" len="med"/>
+                      <a:tailEnd type="none" w="med" len="med"/>
+                    </a:lnT>
+                    <a:lnB w="12700" cap="flat" cmpd="sng" algn="ctr">
+                      <a:solidFill>
+                        <a:schemeClr val="tx1"/>
+                      </a:solidFill>
+                      <a:prstDash val="solid"/>
+                      <a:round/>
+                      <a:headEnd type="none" w="med" len="med"/>
+                      <a:tailEnd type="none" w="med" len="med"/>
+                    </a:lnB>
+                    <a:lnTlToBr w="12700" cmpd="sng">
+                      <a:noFill/>
+                      <a:prstDash val="solid"/>
+                    </a:lnTlToBr>
+                    <a:lnBlToTr w="12700" cmpd="sng">
+                      <a:noFill/>
+                      <a:prstDash val="solid"/>
+                    </a:lnBlToTr>
+                    <a:noFill/>
+                  </a:tcPr>
+                </a:tc>
+                <a:tc>
+                  <a:txBody>
+                    <a:bodyPr/>
+                    <a:lstStyle/>
+                    <a:p>
+                      <a:pPr marL="0" marR="0" algn="ctr">
+                        <a:lnSpc>
+                          <a:spcPct val="115000"/>
+                        </a:lnSpc>
+                        <a:buNone/>
+                        <a:tabLst>
+                          <a:tab pos="2618740" algn="l"/>
+                        </a:tabLst>
+                      </a:pPr>
+                      <a:r>
+                        <a:rPr lang="en-US" sz="1800" kern="100">
+                          <a:ln>
+                            <a:noFill/>
+                          </a:ln>
+                          <a:solidFill>
+                            <a:sysClr val="windowText" lastClr="000000"/>
+                          </a:solidFill>
+                          <a:effectLst/>
+                        </a:rPr>
+                        <a:t>25</a:t>
+                      </a:r>
+                      <a:endParaRPr lang="en-US" sz="1600" kern="100">
+                        <a:ln>
+                          <a:noFill/>
+                        </a:ln>
+                        <a:solidFill>
+                          <a:sysClr val="windowText" lastClr="000000"/>
+                        </a:solidFill>
+                        <a:effectLst/>
+                        <a:latin typeface="Calibri" panose="020F0502020204030204" pitchFamily="34" charset="0"/>
+                        <a:ea typeface="Calibri" panose="020F0502020204030204" pitchFamily="34" charset="0"/>
+                        <a:cs typeface="Vrinda" panose="020B0502040204020203" pitchFamily="34" charset="0"/>
+                      </a:endParaRPr>
+                    </a:p>
+                  </a:txBody>
+                  <a:tcPr marL="68580" marR="68580" marT="0" marB="0" anchor="ctr">
+                    <a:lnL w="12700" cap="flat" cmpd="sng" algn="ctr">
+                      <a:solidFill>
+                        <a:schemeClr val="tx1"/>
+                      </a:solidFill>
+                      <a:prstDash val="solid"/>
+                      <a:round/>
+                      <a:headEnd type="none" w="med" len="med"/>
+                      <a:tailEnd type="none" w="med" len="med"/>
+                    </a:lnL>
+                    <a:lnR w="12700" cap="flat" cmpd="sng" algn="ctr">
+                      <a:solidFill>
+                        <a:schemeClr val="tx1"/>
+                      </a:solidFill>
+                      <a:prstDash val="solid"/>
+                      <a:round/>
+                      <a:headEnd type="none" w="med" len="med"/>
+                      <a:tailEnd type="none" w="med" len="med"/>
+                    </a:lnR>
+                    <a:lnT w="12700" cap="flat" cmpd="sng" algn="ctr">
+                      <a:solidFill>
+                        <a:schemeClr val="tx1"/>
+                      </a:solidFill>
+                      <a:prstDash val="solid"/>
+                      <a:round/>
+                      <a:headEnd type="none" w="med" len="med"/>
+                      <a:tailEnd type="none" w="med" len="med"/>
+                    </a:lnT>
+                    <a:lnB w="12700" cap="flat" cmpd="sng" algn="ctr">
+                      <a:solidFill>
+                        <a:schemeClr val="tx1"/>
+                      </a:solidFill>
+                      <a:prstDash val="solid"/>
+                      <a:round/>
+                      <a:headEnd type="none" w="med" len="med"/>
+                      <a:tailEnd type="none" w="med" len="med"/>
+                    </a:lnB>
+                    <a:lnTlToBr w="12700" cmpd="sng">
+                      <a:noFill/>
+                      <a:prstDash val="solid"/>
+                    </a:lnTlToBr>
+                    <a:lnBlToTr w="12700" cmpd="sng">
+                      <a:noFill/>
+                      <a:prstDash val="solid"/>
+                    </a:lnBlToTr>
+                    <a:noFill/>
+                  </a:tcPr>
+                </a:tc>
+                <a:tc>
+                  <a:txBody>
+                    <a:bodyPr/>
+                    <a:lstStyle/>
+                    <a:p>
+                      <a:pPr marL="0" marR="0" algn="ctr">
+                        <a:lnSpc>
+                          <a:spcPct val="115000"/>
+                        </a:lnSpc>
+                        <a:buNone/>
+                        <a:tabLst>
+                          <a:tab pos="2618740" algn="l"/>
+                        </a:tabLst>
+                      </a:pPr>
+                      <a:r>
+                        <a:rPr lang="en-US" sz="1800" kern="100">
+                          <a:ln>
+                            <a:noFill/>
+                          </a:ln>
+                          <a:solidFill>
+                            <a:sysClr val="windowText" lastClr="000000"/>
+                          </a:solidFill>
+                          <a:effectLst/>
+                        </a:rPr>
+                        <a:t>31</a:t>
+                      </a:r>
+                      <a:endParaRPr lang="en-US" sz="1600" kern="100">
+                        <a:ln>
+                          <a:noFill/>
+                        </a:ln>
+                        <a:solidFill>
+                          <a:sysClr val="windowText" lastClr="000000"/>
+                        </a:solidFill>
+                        <a:effectLst/>
+                        <a:latin typeface="Calibri" panose="020F0502020204030204" pitchFamily="34" charset="0"/>
+                        <a:ea typeface="Calibri" panose="020F0502020204030204" pitchFamily="34" charset="0"/>
+                        <a:cs typeface="Vrinda" panose="020B0502040204020203" pitchFamily="34" charset="0"/>
+                      </a:endParaRPr>
+                    </a:p>
+                  </a:txBody>
+                  <a:tcPr marL="68580" marR="68580" marT="0" marB="0" anchor="ctr">
+                    <a:lnL w="12700" cap="flat" cmpd="sng" algn="ctr">
+                      <a:solidFill>
+                        <a:schemeClr val="tx1"/>
+                      </a:solidFill>
+                      <a:prstDash val="solid"/>
+                      <a:round/>
+                      <a:headEnd type="none" w="med" len="med"/>
+                      <a:tailEnd type="none" w="med" len="med"/>
+                    </a:lnL>
+                    <a:lnR w="12700" cap="flat" cmpd="sng" algn="ctr">
+                      <a:solidFill>
+                        <a:schemeClr val="tx1"/>
+                      </a:solidFill>
+                      <a:prstDash val="solid"/>
+                      <a:round/>
+                      <a:headEnd type="none" w="med" len="med"/>
+                      <a:tailEnd type="none" w="med" len="med"/>
+                    </a:lnR>
+                    <a:lnT w="12700" cap="flat" cmpd="sng" algn="ctr">
+                      <a:solidFill>
+                        <a:schemeClr val="tx1"/>
+                      </a:solidFill>
+                      <a:prstDash val="solid"/>
+                      <a:round/>
+                      <a:headEnd type="none" w="med" len="med"/>
+                      <a:tailEnd type="none" w="med" len="med"/>
+                    </a:lnT>
+                    <a:lnB w="12700" cap="flat" cmpd="sng" algn="ctr">
+                      <a:solidFill>
+                        <a:schemeClr val="tx1"/>
+                      </a:solidFill>
+                      <a:prstDash val="solid"/>
+                      <a:round/>
+                      <a:headEnd type="none" w="med" len="med"/>
+                      <a:tailEnd type="none" w="med" len="med"/>
+                    </a:lnB>
+                    <a:lnTlToBr w="12700" cmpd="sng">
+                      <a:noFill/>
+                      <a:prstDash val="solid"/>
+                    </a:lnTlToBr>
+                    <a:lnBlToTr w="12700" cmpd="sng">
+                      <a:noFill/>
+                      <a:prstDash val="solid"/>
+                    </a:lnBlToTr>
+                    <a:noFill/>
+                  </a:tcPr>
+                </a:tc>
+                <a:tc>
+                  <a:txBody>
+                    <a:bodyPr/>
+                    <a:lstStyle/>
+                    <a:p>
+                      <a:pPr marL="0" marR="0" algn="ctr">
+                        <a:lnSpc>
+                          <a:spcPct val="115000"/>
+                        </a:lnSpc>
+                        <a:spcAft>
+                          <a:spcPts val="800"/>
+                        </a:spcAft>
+                        <a:buNone/>
+                        <a:tabLst>
+                          <a:tab pos="2618740" algn="l"/>
+                        </a:tabLst>
+                      </a:pPr>
+                      <a:r>
+                        <a:rPr lang="en-US" sz="1800" kern="100" dirty="0">
+                          <a:ln>
+                            <a:noFill/>
+                          </a:ln>
+                          <a:solidFill>
+                            <a:sysClr val="windowText" lastClr="000000"/>
+                          </a:solidFill>
+                          <a:effectLst/>
+                        </a:rPr>
+                        <a:t>20</a:t>
+                      </a:r>
+                      <a:endParaRPr lang="en-US" sz="1600" kern="100" dirty="0">
+                        <a:ln>
+                          <a:noFill/>
+                        </a:ln>
+                        <a:solidFill>
+                          <a:sysClr val="windowText" lastClr="000000"/>
+                        </a:solidFill>
+                        <a:effectLst/>
+                        <a:latin typeface="Calibri" panose="020F0502020204030204" pitchFamily="34" charset="0"/>
+                        <a:ea typeface="Calibri" panose="020F0502020204030204" pitchFamily="34" charset="0"/>
+                        <a:cs typeface="Vrinda" panose="020B0502040204020203" pitchFamily="34" charset="0"/>
+                      </a:endParaRPr>
+                    </a:p>
+                  </a:txBody>
+                  <a:tcPr marL="68580" marR="68580" marT="0" marB="0" anchor="ctr">
+                    <a:lnL w="12700" cap="flat" cmpd="sng" algn="ctr">
+                      <a:solidFill>
+                        <a:schemeClr val="tx1"/>
+                      </a:solidFill>
+                      <a:prstDash val="solid"/>
+                      <a:round/>
+                      <a:headEnd type="none" w="med" len="med"/>
+                      <a:tailEnd type="none" w="med" len="med"/>
+                    </a:lnL>
+                    <a:lnR w="12700" cap="flat" cmpd="sng" algn="ctr">
+                      <a:solidFill>
+                        <a:schemeClr val="tx1"/>
+                      </a:solidFill>
+                      <a:prstDash val="solid"/>
+                      <a:round/>
+                      <a:headEnd type="none" w="med" len="med"/>
+                      <a:tailEnd type="none" w="med" len="med"/>
+                    </a:lnR>
+                    <a:lnT w="12700" cap="flat" cmpd="sng" algn="ctr">
+                      <a:solidFill>
+                        <a:schemeClr val="tx1"/>
+                      </a:solidFill>
+                      <a:prstDash val="solid"/>
+                      <a:round/>
+                      <a:headEnd type="none" w="med" len="med"/>
+                      <a:tailEnd type="none" w="med" len="med"/>
+                    </a:lnT>
+                    <a:lnB w="12700" cap="flat" cmpd="sng" algn="ctr">
+                      <a:solidFill>
+                        <a:schemeClr val="tx1"/>
+                      </a:solidFill>
+                      <a:prstDash val="solid"/>
+                      <a:round/>
+                      <a:headEnd type="none" w="med" len="med"/>
+                      <a:tailEnd type="none" w="med" len="med"/>
+                    </a:lnB>
+                    <a:lnTlToBr w="12700" cmpd="sng">
+                      <a:noFill/>
+                      <a:prstDash val="solid"/>
+                    </a:lnTlToBr>
+                    <a:lnBlToTr w="12700" cmpd="sng">
+                      <a:noFill/>
+                      <a:prstDash val="solid"/>
+                    </a:lnBlToTr>
+                    <a:noFill/>
+                  </a:tcPr>
+                </a:tc>
+                <a:extLst>
+                  <a:ext uri="{0D108BD9-81ED-4DB2-BD59-A6C34878D82A}">
+                    <a16:rowId xmlns:a16="http://schemas.microsoft.com/office/drawing/2014/main" val="1026319606"/>
+                  </a:ext>
+                </a:extLst>
+              </a:tr>
+            </a:tbl>
+          </a:graphicData>
+        </a:graphic>
+      </p:graphicFrame>
+      <p:sp>
+        <p:nvSpPr>
+          <p:cNvPr id="5" name="TextBox 4">
+            <a:extLst>
+              <a:ext uri="{FF2B5EF4-FFF2-40B4-BE49-F238E27FC236}">
+                <a16:creationId xmlns:a16="http://schemas.microsoft.com/office/drawing/2014/main" id="{C3D07079-AD6E-B244-378D-8FBBD8E5388A}"/>
+              </a:ext>
+            </a:extLst>
+          </p:cNvPr>
+          <p:cNvSpPr txBox="1"/>
+          <p:nvPr/>
+        </p:nvSpPr>
+        <p:spPr>
+          <a:xfrm>
+            <a:off x="155051" y="5218707"/>
+            <a:ext cx="7136296" cy="1384995"/>
+          </a:xfrm>
+          <a:custGeom>
+            <a:avLst/>
+            <a:gdLst>
+              <a:gd name="connsiteX0" fmla="*/ 0 w 7136296"/>
+              <a:gd name="connsiteY0" fmla="*/ 0 h 1384995"/>
+              <a:gd name="connsiteX1" fmla="*/ 451965 w 7136296"/>
+              <a:gd name="connsiteY1" fmla="*/ 0 h 1384995"/>
+              <a:gd name="connsiteX2" fmla="*/ 1118020 w 7136296"/>
+              <a:gd name="connsiteY2" fmla="*/ 0 h 1384995"/>
+              <a:gd name="connsiteX3" fmla="*/ 1498622 w 7136296"/>
+              <a:gd name="connsiteY3" fmla="*/ 0 h 1384995"/>
+              <a:gd name="connsiteX4" fmla="*/ 2093313 w 7136296"/>
+              <a:gd name="connsiteY4" fmla="*/ 0 h 1384995"/>
+              <a:gd name="connsiteX5" fmla="*/ 2759368 w 7136296"/>
+              <a:gd name="connsiteY5" fmla="*/ 0 h 1384995"/>
+              <a:gd name="connsiteX6" fmla="*/ 3425422 w 7136296"/>
+              <a:gd name="connsiteY6" fmla="*/ 0 h 1384995"/>
+              <a:gd name="connsiteX7" fmla="*/ 3877387 w 7136296"/>
+              <a:gd name="connsiteY7" fmla="*/ 0 h 1384995"/>
+              <a:gd name="connsiteX8" fmla="*/ 4472079 w 7136296"/>
+              <a:gd name="connsiteY8" fmla="*/ 0 h 1384995"/>
+              <a:gd name="connsiteX9" fmla="*/ 5138133 w 7136296"/>
+              <a:gd name="connsiteY9" fmla="*/ 0 h 1384995"/>
+              <a:gd name="connsiteX10" fmla="*/ 5518736 w 7136296"/>
+              <a:gd name="connsiteY10" fmla="*/ 0 h 1384995"/>
+              <a:gd name="connsiteX11" fmla="*/ 6042064 w 7136296"/>
+              <a:gd name="connsiteY11" fmla="*/ 0 h 1384995"/>
+              <a:gd name="connsiteX12" fmla="*/ 7136296 w 7136296"/>
+              <a:gd name="connsiteY12" fmla="*/ 0 h 1384995"/>
+              <a:gd name="connsiteX13" fmla="*/ 7136296 w 7136296"/>
+              <a:gd name="connsiteY13" fmla="*/ 433965 h 1384995"/>
+              <a:gd name="connsiteX14" fmla="*/ 7136296 w 7136296"/>
+              <a:gd name="connsiteY14" fmla="*/ 867930 h 1384995"/>
+              <a:gd name="connsiteX15" fmla="*/ 7136296 w 7136296"/>
+              <a:gd name="connsiteY15" fmla="*/ 1384995 h 1384995"/>
+              <a:gd name="connsiteX16" fmla="*/ 6398879 w 7136296"/>
+              <a:gd name="connsiteY16" fmla="*/ 1384995 h 1384995"/>
+              <a:gd name="connsiteX17" fmla="*/ 5661461 w 7136296"/>
+              <a:gd name="connsiteY17" fmla="*/ 1384995 h 1384995"/>
+              <a:gd name="connsiteX18" fmla="*/ 4995407 w 7136296"/>
+              <a:gd name="connsiteY18" fmla="*/ 1384995 h 1384995"/>
+              <a:gd name="connsiteX19" fmla="*/ 4614805 w 7136296"/>
+              <a:gd name="connsiteY19" fmla="*/ 1384995 h 1384995"/>
+              <a:gd name="connsiteX20" fmla="*/ 3948750 w 7136296"/>
+              <a:gd name="connsiteY20" fmla="*/ 1384995 h 1384995"/>
+              <a:gd name="connsiteX21" fmla="*/ 3425422 w 7136296"/>
+              <a:gd name="connsiteY21" fmla="*/ 1384995 h 1384995"/>
+              <a:gd name="connsiteX22" fmla="*/ 2688005 w 7136296"/>
+              <a:gd name="connsiteY22" fmla="*/ 1384995 h 1384995"/>
+              <a:gd name="connsiteX23" fmla="*/ 2021951 w 7136296"/>
+              <a:gd name="connsiteY23" fmla="*/ 1384995 h 1384995"/>
+              <a:gd name="connsiteX24" fmla="*/ 1427259 w 7136296"/>
+              <a:gd name="connsiteY24" fmla="*/ 1384995 h 1384995"/>
+              <a:gd name="connsiteX25" fmla="*/ 689842 w 7136296"/>
+              <a:gd name="connsiteY25" fmla="*/ 1384995 h 1384995"/>
+              <a:gd name="connsiteX26" fmla="*/ 0 w 7136296"/>
+              <a:gd name="connsiteY26" fmla="*/ 1384995 h 1384995"/>
+              <a:gd name="connsiteX27" fmla="*/ 0 w 7136296"/>
+              <a:gd name="connsiteY27" fmla="*/ 909480 h 1384995"/>
+              <a:gd name="connsiteX28" fmla="*/ 0 w 7136296"/>
+              <a:gd name="connsiteY28" fmla="*/ 433965 h 1384995"/>
+              <a:gd name="connsiteX29" fmla="*/ 0 w 7136296"/>
+              <a:gd name="connsiteY29" fmla="*/ 0 h 1384995"/>
+            </a:gdLst>
+            <a:ahLst/>
+            <a:cxnLst>
+              <a:cxn ang="0">
+                <a:pos x="connsiteX0" y="connsiteY0"/>
+              </a:cxn>
+              <a:cxn ang="0">
+                <a:pos x="connsiteX1" y="connsiteY1"/>
+              </a:cxn>
+              <a:cxn ang="0">
+                <a:pos x="connsiteX2" y="connsiteY2"/>
+              </a:cxn>
+              <a:cxn ang="0">
+                <a:pos x="connsiteX3" y="connsiteY3"/>
+              </a:cxn>
+              <a:cxn ang="0">
+                <a:pos x="connsiteX4" y="connsiteY4"/>
+              </a:cxn>
+              <a:cxn ang="0">
+                <a:pos x="connsiteX5" y="connsiteY5"/>
+              </a:cxn>
+              <a:cxn ang="0">
+                <a:pos x="connsiteX6" y="connsiteY6"/>
+              </a:cxn>
+              <a:cxn ang="0">
+                <a:pos x="connsiteX7" y="connsiteY7"/>
+              </a:cxn>
+              <a:cxn ang="0">
+                <a:pos x="connsiteX8" y="connsiteY8"/>
+              </a:cxn>
+              <a:cxn ang="0">
+                <a:pos x="connsiteX9" y="connsiteY9"/>
+              </a:cxn>
+              <a:cxn ang="0">
+                <a:pos x="connsiteX10" y="connsiteY10"/>
+              </a:cxn>
+              <a:cxn ang="0">
+                <a:pos x="connsiteX11" y="connsiteY11"/>
+              </a:cxn>
+              <a:cxn ang="0">
+                <a:pos x="connsiteX12" y="connsiteY12"/>
+              </a:cxn>
+              <a:cxn ang="0">
+                <a:pos x="connsiteX13" y="connsiteY13"/>
+              </a:cxn>
+              <a:cxn ang="0">
+                <a:pos x="connsiteX14" y="connsiteY14"/>
+              </a:cxn>
+              <a:cxn ang="0">
+                <a:pos x="connsiteX15" y="connsiteY15"/>
+              </a:cxn>
+              <a:cxn ang="0">
+                <a:pos x="connsiteX16" y="connsiteY16"/>
+              </a:cxn>
+              <a:cxn ang="0">
+                <a:pos x="connsiteX17" y="connsiteY17"/>
+              </a:cxn>
+              <a:cxn ang="0">
+                <a:pos x="connsiteX18" y="connsiteY18"/>
+              </a:cxn>
+              <a:cxn ang="0">
+                <a:pos x="connsiteX19" y="connsiteY19"/>
+              </a:cxn>
+              <a:cxn ang="0">
+                <a:pos x="connsiteX20" y="connsiteY20"/>
+              </a:cxn>
+              <a:cxn ang="0">
+                <a:pos x="connsiteX21" y="connsiteY21"/>
+              </a:cxn>
+              <a:cxn ang="0">
+                <a:pos x="connsiteX22" y="connsiteY22"/>
+              </a:cxn>
+              <a:cxn ang="0">
+                <a:pos x="connsiteX23" y="connsiteY23"/>
+              </a:cxn>
+              <a:cxn ang="0">
+                <a:pos x="connsiteX24" y="connsiteY24"/>
+              </a:cxn>
+              <a:cxn ang="0">
+                <a:pos x="connsiteX25" y="connsiteY25"/>
+              </a:cxn>
+              <a:cxn ang="0">
+                <a:pos x="connsiteX26" y="connsiteY26"/>
+              </a:cxn>
+              <a:cxn ang="0">
+                <a:pos x="connsiteX27" y="connsiteY27"/>
+              </a:cxn>
+              <a:cxn ang="0">
+                <a:pos x="connsiteX28" y="connsiteY28"/>
+              </a:cxn>
+              <a:cxn ang="0">
+                <a:pos x="connsiteX29" y="connsiteY29"/>
+              </a:cxn>
+            </a:cxnLst>
+            <a:rect l="l" t="t" r="r" b="b"/>
+            <a:pathLst>
+              <a:path w="7136296" h="1384995" fill="none" extrusionOk="0">
+                <a:moveTo>
+                  <a:pt x="0" y="0"/>
+                </a:moveTo>
+                <a:cubicBezTo>
+                  <a:pt x="137122" y="-14640"/>
+                  <a:pt x="254039" y="15540"/>
+                  <a:pt x="451965" y="0"/>
+                </a:cubicBezTo>
+                <a:cubicBezTo>
+                  <a:pt x="649891" y="-15540"/>
+                  <a:pt x="920795" y="41367"/>
+                  <a:pt x="1118020" y="0"/>
+                </a:cubicBezTo>
+                <a:cubicBezTo>
+                  <a:pt x="1315245" y="-41367"/>
+                  <a:pt x="1380916" y="23417"/>
+                  <a:pt x="1498622" y="0"/>
+                </a:cubicBezTo>
+                <a:cubicBezTo>
+                  <a:pt x="1616328" y="-23417"/>
+                  <a:pt x="1807485" y="2259"/>
+                  <a:pt x="2093313" y="0"/>
+                </a:cubicBezTo>
+                <a:cubicBezTo>
+                  <a:pt x="2379141" y="-2259"/>
+                  <a:pt x="2434938" y="40126"/>
+                  <a:pt x="2759368" y="0"/>
+                </a:cubicBezTo>
+                <a:cubicBezTo>
+                  <a:pt x="3083798" y="-40126"/>
+                  <a:pt x="3212841" y="1412"/>
+                  <a:pt x="3425422" y="0"/>
+                </a:cubicBezTo>
+                <a:cubicBezTo>
+                  <a:pt x="3638003" y="-1412"/>
+                  <a:pt x="3737878" y="3993"/>
+                  <a:pt x="3877387" y="0"/>
+                </a:cubicBezTo>
+                <a:cubicBezTo>
+                  <a:pt x="4016896" y="-3993"/>
+                  <a:pt x="4199955" y="52199"/>
+                  <a:pt x="4472079" y="0"/>
+                </a:cubicBezTo>
+                <a:cubicBezTo>
+                  <a:pt x="4744203" y="-52199"/>
+                  <a:pt x="4858835" y="55175"/>
+                  <a:pt x="5138133" y="0"/>
+                </a:cubicBezTo>
+                <a:cubicBezTo>
+                  <a:pt x="5417431" y="-55175"/>
+                  <a:pt x="5349868" y="19201"/>
+                  <a:pt x="5518736" y="0"/>
+                </a:cubicBezTo>
+                <a:cubicBezTo>
+                  <a:pt x="5687604" y="-19201"/>
+                  <a:pt x="5852441" y="28825"/>
+                  <a:pt x="6042064" y="0"/>
+                </a:cubicBezTo>
+                <a:cubicBezTo>
+                  <a:pt x="6231687" y="-28825"/>
+                  <a:pt x="6791004" y="123871"/>
+                  <a:pt x="7136296" y="0"/>
+                </a:cubicBezTo>
+                <a:cubicBezTo>
+                  <a:pt x="7176097" y="91229"/>
+                  <a:pt x="7101711" y="325982"/>
+                  <a:pt x="7136296" y="433965"/>
+                </a:cubicBezTo>
+                <a:cubicBezTo>
+                  <a:pt x="7170881" y="541948"/>
+                  <a:pt x="7101788" y="672337"/>
+                  <a:pt x="7136296" y="867930"/>
+                </a:cubicBezTo>
+                <a:cubicBezTo>
+                  <a:pt x="7170804" y="1063524"/>
+                  <a:pt x="7105157" y="1173662"/>
+                  <a:pt x="7136296" y="1384995"/>
+                </a:cubicBezTo>
+                <a:cubicBezTo>
+                  <a:pt x="6770286" y="1405183"/>
+                  <a:pt x="6598252" y="1356718"/>
+                  <a:pt x="6398879" y="1384995"/>
+                </a:cubicBezTo>
+                <a:cubicBezTo>
+                  <a:pt x="6199506" y="1413272"/>
+                  <a:pt x="5902995" y="1306062"/>
+                  <a:pt x="5661461" y="1384995"/>
+                </a:cubicBezTo>
+                <a:cubicBezTo>
+                  <a:pt x="5419927" y="1463928"/>
+                  <a:pt x="5287883" y="1351348"/>
+                  <a:pt x="4995407" y="1384995"/>
+                </a:cubicBezTo>
+                <a:cubicBezTo>
+                  <a:pt x="4702931" y="1418642"/>
+                  <a:pt x="4745039" y="1358572"/>
+                  <a:pt x="4614805" y="1384995"/>
+                </a:cubicBezTo>
+                <a:cubicBezTo>
+                  <a:pt x="4484571" y="1411418"/>
+                  <a:pt x="4210920" y="1362379"/>
+                  <a:pt x="3948750" y="1384995"/>
+                </a:cubicBezTo>
+                <a:cubicBezTo>
+                  <a:pt x="3686581" y="1407611"/>
+                  <a:pt x="3665702" y="1347407"/>
+                  <a:pt x="3425422" y="1384995"/>
+                </a:cubicBezTo>
+                <a:cubicBezTo>
+                  <a:pt x="3185142" y="1422583"/>
+                  <a:pt x="2892452" y="1340160"/>
+                  <a:pt x="2688005" y="1384995"/>
+                </a:cubicBezTo>
+                <a:cubicBezTo>
+                  <a:pt x="2483558" y="1429830"/>
+                  <a:pt x="2297078" y="1336012"/>
+                  <a:pt x="2021951" y="1384995"/>
+                </a:cubicBezTo>
+                <a:cubicBezTo>
+                  <a:pt x="1746824" y="1433978"/>
+                  <a:pt x="1638295" y="1369130"/>
+                  <a:pt x="1427259" y="1384995"/>
+                </a:cubicBezTo>
+                <a:cubicBezTo>
+                  <a:pt x="1216223" y="1400860"/>
+                  <a:pt x="1017061" y="1373012"/>
+                  <a:pt x="689842" y="1384995"/>
+                </a:cubicBezTo>
+                <a:cubicBezTo>
+                  <a:pt x="362623" y="1396978"/>
+                  <a:pt x="202656" y="1365592"/>
+                  <a:pt x="0" y="1384995"/>
+                </a:cubicBezTo>
+                <a:cubicBezTo>
+                  <a:pt x="-46978" y="1173875"/>
+                  <a:pt x="31256" y="1019523"/>
+                  <a:pt x="0" y="909480"/>
+                </a:cubicBezTo>
+                <a:cubicBezTo>
+                  <a:pt x="-31256" y="799437"/>
+                  <a:pt x="42540" y="599134"/>
+                  <a:pt x="0" y="433965"/>
+                </a:cubicBezTo>
+                <a:cubicBezTo>
+                  <a:pt x="-42540" y="268797"/>
+                  <a:pt x="17332" y="167450"/>
+                  <a:pt x="0" y="0"/>
+                </a:cubicBezTo>
+                <a:close/>
+              </a:path>
+              <a:path w="7136296" h="1384995" stroke="0" extrusionOk="0">
+                <a:moveTo>
+                  <a:pt x="0" y="0"/>
+                </a:moveTo>
+                <a:cubicBezTo>
+                  <a:pt x="219200" y="-1842"/>
+                  <a:pt x="375480" y="33156"/>
+                  <a:pt x="523328" y="0"/>
+                </a:cubicBezTo>
+                <a:cubicBezTo>
+                  <a:pt x="671176" y="-33156"/>
+                  <a:pt x="788151" y="25221"/>
+                  <a:pt x="903931" y="0"/>
+                </a:cubicBezTo>
+                <a:cubicBezTo>
+                  <a:pt x="1019711" y="-25221"/>
+                  <a:pt x="1203211" y="19160"/>
+                  <a:pt x="1284533" y="0"/>
+                </a:cubicBezTo>
+                <a:cubicBezTo>
+                  <a:pt x="1365855" y="-19160"/>
+                  <a:pt x="1666774" y="17323"/>
+                  <a:pt x="1807862" y="0"/>
+                </a:cubicBezTo>
+                <a:cubicBezTo>
+                  <a:pt x="1948950" y="-17323"/>
+                  <a:pt x="2338049" y="31960"/>
+                  <a:pt x="2545279" y="0"/>
+                </a:cubicBezTo>
+                <a:cubicBezTo>
+                  <a:pt x="2752509" y="-31960"/>
+                  <a:pt x="2832911" y="48356"/>
+                  <a:pt x="2997244" y="0"/>
+                </a:cubicBezTo>
+                <a:cubicBezTo>
+                  <a:pt x="3161578" y="-48356"/>
+                  <a:pt x="3286353" y="27742"/>
+                  <a:pt x="3520573" y="0"/>
+                </a:cubicBezTo>
+                <a:cubicBezTo>
+                  <a:pt x="3754793" y="-27742"/>
+                  <a:pt x="3763753" y="14648"/>
+                  <a:pt x="3901175" y="0"/>
+                </a:cubicBezTo>
+                <a:cubicBezTo>
+                  <a:pt x="4038597" y="-14648"/>
+                  <a:pt x="4277466" y="53317"/>
+                  <a:pt x="4424504" y="0"/>
+                </a:cubicBezTo>
+                <a:cubicBezTo>
+                  <a:pt x="4571542" y="-53317"/>
+                  <a:pt x="4767697" y="17181"/>
+                  <a:pt x="4947832" y="0"/>
+                </a:cubicBezTo>
+                <a:cubicBezTo>
+                  <a:pt x="5127967" y="-17181"/>
+                  <a:pt x="5185891" y="40701"/>
+                  <a:pt x="5328434" y="0"/>
+                </a:cubicBezTo>
+                <a:cubicBezTo>
+                  <a:pt x="5470977" y="-40701"/>
+                  <a:pt x="5913453" y="45659"/>
+                  <a:pt x="6065852" y="0"/>
+                </a:cubicBezTo>
+                <a:cubicBezTo>
+                  <a:pt x="6218251" y="-45659"/>
+                  <a:pt x="6712768" y="27679"/>
+                  <a:pt x="7136296" y="0"/>
+                </a:cubicBezTo>
+                <a:cubicBezTo>
+                  <a:pt x="7191296" y="153915"/>
+                  <a:pt x="7125875" y="367235"/>
+                  <a:pt x="7136296" y="489365"/>
+                </a:cubicBezTo>
+                <a:cubicBezTo>
+                  <a:pt x="7146717" y="611496"/>
+                  <a:pt x="7119194" y="722962"/>
+                  <a:pt x="7136296" y="909480"/>
+                </a:cubicBezTo>
+                <a:cubicBezTo>
+                  <a:pt x="7153398" y="1095998"/>
+                  <a:pt x="7105307" y="1152453"/>
+                  <a:pt x="7136296" y="1384995"/>
+                </a:cubicBezTo>
+                <a:cubicBezTo>
+                  <a:pt x="6934372" y="1437147"/>
+                  <a:pt x="6723935" y="1361118"/>
+                  <a:pt x="6398879" y="1384995"/>
+                </a:cubicBezTo>
+                <a:cubicBezTo>
+                  <a:pt x="6073823" y="1408872"/>
+                  <a:pt x="5923796" y="1363241"/>
+                  <a:pt x="5661461" y="1384995"/>
+                </a:cubicBezTo>
+                <a:cubicBezTo>
+                  <a:pt x="5399126" y="1406749"/>
+                  <a:pt x="5356680" y="1383052"/>
+                  <a:pt x="5066770" y="1384995"/>
+                </a:cubicBezTo>
+                <a:cubicBezTo>
+                  <a:pt x="4776860" y="1386938"/>
+                  <a:pt x="4774469" y="1368054"/>
+                  <a:pt x="4543442" y="1384995"/>
+                </a:cubicBezTo>
+                <a:cubicBezTo>
+                  <a:pt x="4312415" y="1401936"/>
+                  <a:pt x="4226797" y="1357711"/>
+                  <a:pt x="4091476" y="1384995"/>
+                </a:cubicBezTo>
+                <a:cubicBezTo>
+                  <a:pt x="3956155" y="1412279"/>
+                  <a:pt x="3796680" y="1383019"/>
+                  <a:pt x="3710874" y="1384995"/>
+                </a:cubicBezTo>
+                <a:cubicBezTo>
+                  <a:pt x="3625068" y="1386971"/>
+                  <a:pt x="3477841" y="1379337"/>
+                  <a:pt x="3330271" y="1384995"/>
+                </a:cubicBezTo>
+                <a:cubicBezTo>
+                  <a:pt x="3182701" y="1390653"/>
+                  <a:pt x="3090246" y="1344834"/>
+                  <a:pt x="2949669" y="1384995"/>
+                </a:cubicBezTo>
+                <a:cubicBezTo>
+                  <a:pt x="2809092" y="1425156"/>
+                  <a:pt x="2605560" y="1326171"/>
+                  <a:pt x="2354978" y="1384995"/>
+                </a:cubicBezTo>
+                <a:cubicBezTo>
+                  <a:pt x="2104396" y="1443819"/>
+                  <a:pt x="2080530" y="1381226"/>
+                  <a:pt x="1903012" y="1384995"/>
+                </a:cubicBezTo>
+                <a:cubicBezTo>
+                  <a:pt x="1725494" y="1388764"/>
+                  <a:pt x="1492858" y="1363783"/>
+                  <a:pt x="1308321" y="1384995"/>
+                </a:cubicBezTo>
+                <a:cubicBezTo>
+                  <a:pt x="1123784" y="1406207"/>
+                  <a:pt x="738747" y="1336487"/>
+                  <a:pt x="570904" y="1384995"/>
+                </a:cubicBezTo>
+                <a:cubicBezTo>
+                  <a:pt x="403061" y="1433503"/>
+                  <a:pt x="267571" y="1360416"/>
+                  <a:pt x="0" y="1384995"/>
+                </a:cubicBezTo>
+                <a:cubicBezTo>
+                  <a:pt x="-43762" y="1242418"/>
+                  <a:pt x="51454" y="1027750"/>
+                  <a:pt x="0" y="923330"/>
+                </a:cubicBezTo>
+                <a:cubicBezTo>
+                  <a:pt x="-51454" y="818910"/>
+                  <a:pt x="25294" y="621878"/>
+                  <a:pt x="0" y="433965"/>
+                </a:cubicBezTo>
+                <a:cubicBezTo>
+                  <a:pt x="-25294" y="246053"/>
+                  <a:pt x="49074" y="141847"/>
+                  <a:pt x="0" y="0"/>
+                </a:cubicBezTo>
+                <a:close/>
+              </a:path>
+            </a:pathLst>
+          </a:custGeom>
+          <a:solidFill>
+            <a:srgbClr val="FFC000"/>
+          </a:solidFill>
+          <a:ln>
+            <a:solidFill>
+              <a:schemeClr val="tx1"/>
+            </a:solidFill>
+            <a:extLst>
+              <a:ext uri="{C807C97D-BFC1-408E-A445-0C87EB9F89A2}">
+                <ask:lineSketchStyleProps xmlns:ask="http://schemas.microsoft.com/office/drawing/2018/sketchyshapes" sd="2706786189">
+                  <a:prstGeom prst="rect">
+                    <a:avLst/>
+                  </a:prstGeom>
+                  <ask:type>
+                    <ask:lineSketchScribble/>
+                  </ask:type>
+                </ask:lineSketchStyleProps>
+              </a:ext>
+            </a:extLst>
+          </a:ln>
+        </p:spPr>
+        <p:txBody>
+          <a:bodyPr wrap="square" rtlCol="0">
+            <a:spAutoFit/>
+          </a:bodyPr>
+          <a:lstStyle/>
+          <a:p>
+            <a:pPr algn="just"/>
+            <a:r>
+              <a:rPr lang="en-US" sz="2800" kern="100" dirty="0">
+                <a:effectLst/>
+                <a:latin typeface="Cambria" panose="02040503050406030204" pitchFamily="18" charset="0"/>
+                <a:ea typeface="Cambria" panose="02040503050406030204" pitchFamily="18" charset="0"/>
+                <a:cs typeface="Times New Roman" panose="02020603050405020304" pitchFamily="18" charset="0"/>
+              </a:rPr>
+              <a:t>a) Use the three-year moving average method to discover and illustrate the trend in the price of "Item 1".</a:t>
+            </a:r>
+            <a:endParaRPr lang="en-US" sz="2800" kern="100" dirty="0">
+              <a:effectLst/>
+              <a:latin typeface="Cambria" panose="02040503050406030204" pitchFamily="18" charset="0"/>
+              <a:ea typeface="Cambria" panose="02040503050406030204" pitchFamily="18" charset="0"/>
+              <a:cs typeface="Vrinda" panose="020B0502040204020203" pitchFamily="34" charset="0"/>
+            </a:endParaRPr>
           </a:p>
         </p:txBody>
       </p:sp>
       <p:sp>
         <p:nvSpPr>
-          <p:cNvPr id="3" name="Text Placeholder 2">
+          <p:cNvPr id="6" name="TextBox 5">
             <a:extLst>
               <a:ext uri="{FF2B5EF4-FFF2-40B4-BE49-F238E27FC236}">
-                <a16:creationId xmlns:a16="http://schemas.microsoft.com/office/drawing/2014/main" id="{8D6F0738-B5E3-EAFC-3114-58678F032ABC}"/>
+                <a16:creationId xmlns:a16="http://schemas.microsoft.com/office/drawing/2014/main" id="{6F511B1E-5D71-6E63-AB20-B26F00F99DE9}"/>
               </a:ext>
             </a:extLst>
           </p:cNvPr>
-          <p:cNvSpPr>
-            <a:spLocks noGrp="1"/>
-          </p:cNvSpPr>
-          <p:nvPr>
-            <p:ph type="body" idx="1"/>
-          </p:nvPr>
+          <p:cNvSpPr txBox="1"/>
+          <p:nvPr/>
         </p:nvSpPr>
-        <p:spPr/>
+        <p:spPr>
+          <a:xfrm>
+            <a:off x="155051" y="6871622"/>
+            <a:ext cx="7136296" cy="954107"/>
+          </a:xfrm>
+          <a:custGeom>
+            <a:avLst/>
+            <a:gdLst>
+              <a:gd name="connsiteX0" fmla="*/ 0 w 7136296"/>
+              <a:gd name="connsiteY0" fmla="*/ 0 h 954107"/>
+              <a:gd name="connsiteX1" fmla="*/ 737417 w 7136296"/>
+              <a:gd name="connsiteY1" fmla="*/ 0 h 954107"/>
+              <a:gd name="connsiteX2" fmla="*/ 1260746 w 7136296"/>
+              <a:gd name="connsiteY2" fmla="*/ 0 h 954107"/>
+              <a:gd name="connsiteX3" fmla="*/ 1784074 w 7136296"/>
+              <a:gd name="connsiteY3" fmla="*/ 0 h 954107"/>
+              <a:gd name="connsiteX4" fmla="*/ 2450128 w 7136296"/>
+              <a:gd name="connsiteY4" fmla="*/ 0 h 954107"/>
+              <a:gd name="connsiteX5" fmla="*/ 2830731 w 7136296"/>
+              <a:gd name="connsiteY5" fmla="*/ 0 h 954107"/>
+              <a:gd name="connsiteX6" fmla="*/ 3425422 w 7136296"/>
+              <a:gd name="connsiteY6" fmla="*/ 0 h 954107"/>
+              <a:gd name="connsiteX7" fmla="*/ 4091476 w 7136296"/>
+              <a:gd name="connsiteY7" fmla="*/ 0 h 954107"/>
+              <a:gd name="connsiteX8" fmla="*/ 4757531 w 7136296"/>
+              <a:gd name="connsiteY8" fmla="*/ 0 h 954107"/>
+              <a:gd name="connsiteX9" fmla="*/ 5209496 w 7136296"/>
+              <a:gd name="connsiteY9" fmla="*/ 0 h 954107"/>
+              <a:gd name="connsiteX10" fmla="*/ 5804187 w 7136296"/>
+              <a:gd name="connsiteY10" fmla="*/ 0 h 954107"/>
+              <a:gd name="connsiteX11" fmla="*/ 6470242 w 7136296"/>
+              <a:gd name="connsiteY11" fmla="*/ 0 h 954107"/>
+              <a:gd name="connsiteX12" fmla="*/ 7136296 w 7136296"/>
+              <a:gd name="connsiteY12" fmla="*/ 0 h 954107"/>
+              <a:gd name="connsiteX13" fmla="*/ 7136296 w 7136296"/>
+              <a:gd name="connsiteY13" fmla="*/ 467512 h 954107"/>
+              <a:gd name="connsiteX14" fmla="*/ 7136296 w 7136296"/>
+              <a:gd name="connsiteY14" fmla="*/ 954107 h 954107"/>
+              <a:gd name="connsiteX15" fmla="*/ 6398879 w 7136296"/>
+              <a:gd name="connsiteY15" fmla="*/ 954107 h 954107"/>
+              <a:gd name="connsiteX16" fmla="*/ 5946913 w 7136296"/>
+              <a:gd name="connsiteY16" fmla="*/ 954107 h 954107"/>
+              <a:gd name="connsiteX17" fmla="*/ 5352222 w 7136296"/>
+              <a:gd name="connsiteY17" fmla="*/ 954107 h 954107"/>
+              <a:gd name="connsiteX18" fmla="*/ 4757531 w 7136296"/>
+              <a:gd name="connsiteY18" fmla="*/ 954107 h 954107"/>
+              <a:gd name="connsiteX19" fmla="*/ 4020113 w 7136296"/>
+              <a:gd name="connsiteY19" fmla="*/ 954107 h 954107"/>
+              <a:gd name="connsiteX20" fmla="*/ 3354059 w 7136296"/>
+              <a:gd name="connsiteY20" fmla="*/ 954107 h 954107"/>
+              <a:gd name="connsiteX21" fmla="*/ 2973457 w 7136296"/>
+              <a:gd name="connsiteY21" fmla="*/ 954107 h 954107"/>
+              <a:gd name="connsiteX22" fmla="*/ 2307402 w 7136296"/>
+              <a:gd name="connsiteY22" fmla="*/ 954107 h 954107"/>
+              <a:gd name="connsiteX23" fmla="*/ 1784074 w 7136296"/>
+              <a:gd name="connsiteY23" fmla="*/ 954107 h 954107"/>
+              <a:gd name="connsiteX24" fmla="*/ 1046657 w 7136296"/>
+              <a:gd name="connsiteY24" fmla="*/ 954107 h 954107"/>
+              <a:gd name="connsiteX25" fmla="*/ 0 w 7136296"/>
+              <a:gd name="connsiteY25" fmla="*/ 954107 h 954107"/>
+              <a:gd name="connsiteX26" fmla="*/ 0 w 7136296"/>
+              <a:gd name="connsiteY26" fmla="*/ 477054 h 954107"/>
+              <a:gd name="connsiteX27" fmla="*/ 0 w 7136296"/>
+              <a:gd name="connsiteY27" fmla="*/ 0 h 954107"/>
+            </a:gdLst>
+            <a:ahLst/>
+            <a:cxnLst>
+              <a:cxn ang="0">
+                <a:pos x="connsiteX0" y="connsiteY0"/>
+              </a:cxn>
+              <a:cxn ang="0">
+                <a:pos x="connsiteX1" y="connsiteY1"/>
+              </a:cxn>
+              <a:cxn ang="0">
+                <a:pos x="connsiteX2" y="connsiteY2"/>
+              </a:cxn>
+              <a:cxn ang="0">
+                <a:pos x="connsiteX3" y="connsiteY3"/>
+              </a:cxn>
+              <a:cxn ang="0">
+                <a:pos x="connsiteX4" y="connsiteY4"/>
+              </a:cxn>
+              <a:cxn ang="0">
+                <a:pos x="connsiteX5" y="connsiteY5"/>
+              </a:cxn>
+              <a:cxn ang="0">
+                <a:pos x="connsiteX6" y="connsiteY6"/>
+              </a:cxn>
+              <a:cxn ang="0">
+                <a:pos x="connsiteX7" y="connsiteY7"/>
+              </a:cxn>
+              <a:cxn ang="0">
+                <a:pos x="connsiteX8" y="connsiteY8"/>
+              </a:cxn>
+              <a:cxn ang="0">
+                <a:pos x="connsiteX9" y="connsiteY9"/>
+              </a:cxn>
+              <a:cxn ang="0">
+                <a:pos x="connsiteX10" y="connsiteY10"/>
+              </a:cxn>
+              <a:cxn ang="0">
+                <a:pos x="connsiteX11" y="connsiteY11"/>
+              </a:cxn>
+              <a:cxn ang="0">
+                <a:pos x="connsiteX12" y="connsiteY12"/>
+              </a:cxn>
+              <a:cxn ang="0">
+                <a:pos x="connsiteX13" y="connsiteY13"/>
+              </a:cxn>
+              <a:cxn ang="0">
+                <a:pos x="connsiteX14" y="connsiteY14"/>
+              </a:cxn>
+              <a:cxn ang="0">
+                <a:pos x="connsiteX15" y="connsiteY15"/>
+              </a:cxn>
+              <a:cxn ang="0">
+                <a:pos x="connsiteX16" y="connsiteY16"/>
+              </a:cxn>
+              <a:cxn ang="0">
+                <a:pos x="connsiteX17" y="connsiteY17"/>
+              </a:cxn>
+              <a:cxn ang="0">
+                <a:pos x="connsiteX18" y="connsiteY18"/>
+              </a:cxn>
+              <a:cxn ang="0">
+                <a:pos x="connsiteX19" y="connsiteY19"/>
+              </a:cxn>
+              <a:cxn ang="0">
+                <a:pos x="connsiteX20" y="connsiteY20"/>
+              </a:cxn>
+              <a:cxn ang="0">
+                <a:pos x="connsiteX21" y="connsiteY21"/>
+              </a:cxn>
+              <a:cxn ang="0">
+                <a:pos x="connsiteX22" y="connsiteY22"/>
+              </a:cxn>
+              <a:cxn ang="0">
+                <a:pos x="connsiteX23" y="connsiteY23"/>
+              </a:cxn>
+              <a:cxn ang="0">
+                <a:pos x="connsiteX24" y="connsiteY24"/>
+              </a:cxn>
+              <a:cxn ang="0">
+                <a:pos x="connsiteX25" y="connsiteY25"/>
+              </a:cxn>
+              <a:cxn ang="0">
+                <a:pos x="connsiteX26" y="connsiteY26"/>
+              </a:cxn>
+              <a:cxn ang="0">
+                <a:pos x="connsiteX27" y="connsiteY27"/>
+              </a:cxn>
+            </a:cxnLst>
+            <a:rect l="l" t="t" r="r" b="b"/>
+            <a:pathLst>
+              <a:path w="7136296" h="954107" fill="none" extrusionOk="0">
+                <a:moveTo>
+                  <a:pt x="0" y="0"/>
+                </a:moveTo>
+                <a:cubicBezTo>
+                  <a:pt x="259016" y="-69650"/>
+                  <a:pt x="473025" y="62003"/>
+                  <a:pt x="737417" y="0"/>
+                </a:cubicBezTo>
+                <a:cubicBezTo>
+                  <a:pt x="1001809" y="-62003"/>
+                  <a:pt x="1090131" y="12309"/>
+                  <a:pt x="1260746" y="0"/>
+                </a:cubicBezTo>
+                <a:cubicBezTo>
+                  <a:pt x="1431361" y="-12309"/>
+                  <a:pt x="1631444" y="54858"/>
+                  <a:pt x="1784074" y="0"/>
+                </a:cubicBezTo>
+                <a:cubicBezTo>
+                  <a:pt x="1936704" y="-54858"/>
+                  <a:pt x="2254382" y="45968"/>
+                  <a:pt x="2450128" y="0"/>
+                </a:cubicBezTo>
+                <a:cubicBezTo>
+                  <a:pt x="2645874" y="-45968"/>
+                  <a:pt x="2712468" y="15163"/>
+                  <a:pt x="2830731" y="0"/>
+                </a:cubicBezTo>
+                <a:cubicBezTo>
+                  <a:pt x="2948994" y="-15163"/>
+                  <a:pt x="3139594" y="2259"/>
+                  <a:pt x="3425422" y="0"/>
+                </a:cubicBezTo>
+                <a:cubicBezTo>
+                  <a:pt x="3711250" y="-2259"/>
+                  <a:pt x="3773435" y="45049"/>
+                  <a:pt x="4091476" y="0"/>
+                </a:cubicBezTo>
+                <a:cubicBezTo>
+                  <a:pt x="4409517" y="-45049"/>
+                  <a:pt x="4541903" y="75137"/>
+                  <a:pt x="4757531" y="0"/>
+                </a:cubicBezTo>
+                <a:cubicBezTo>
+                  <a:pt x="4973160" y="-75137"/>
+                  <a:pt x="5069987" y="3993"/>
+                  <a:pt x="5209496" y="0"/>
+                </a:cubicBezTo>
+                <a:cubicBezTo>
+                  <a:pt x="5349005" y="-3993"/>
+                  <a:pt x="5538087" y="53345"/>
+                  <a:pt x="5804187" y="0"/>
+                </a:cubicBezTo>
+                <a:cubicBezTo>
+                  <a:pt x="6070287" y="-53345"/>
+                  <a:pt x="6187128" y="50501"/>
+                  <a:pt x="6470242" y="0"/>
+                </a:cubicBezTo>
+                <a:cubicBezTo>
+                  <a:pt x="6753357" y="-50501"/>
+                  <a:pt x="6887961" y="48157"/>
+                  <a:pt x="7136296" y="0"/>
+                </a:cubicBezTo>
+                <a:cubicBezTo>
+                  <a:pt x="7154464" y="168497"/>
+                  <a:pt x="7128124" y="302396"/>
+                  <a:pt x="7136296" y="467512"/>
+                </a:cubicBezTo>
+                <a:cubicBezTo>
+                  <a:pt x="7144468" y="632628"/>
+                  <a:pt x="7105817" y="718854"/>
+                  <a:pt x="7136296" y="954107"/>
+                </a:cubicBezTo>
+                <a:cubicBezTo>
+                  <a:pt x="6793731" y="979645"/>
+                  <a:pt x="6624759" y="952239"/>
+                  <a:pt x="6398879" y="954107"/>
+                </a:cubicBezTo>
+                <a:cubicBezTo>
+                  <a:pt x="6172999" y="955975"/>
+                  <a:pt x="6153112" y="903260"/>
+                  <a:pt x="5946913" y="954107"/>
+                </a:cubicBezTo>
+                <a:cubicBezTo>
+                  <a:pt x="5740714" y="1004954"/>
+                  <a:pt x="5539166" y="914277"/>
+                  <a:pt x="5352222" y="954107"/>
+                </a:cubicBezTo>
+                <a:cubicBezTo>
+                  <a:pt x="5165278" y="993937"/>
+                  <a:pt x="4973423" y="922817"/>
+                  <a:pt x="4757531" y="954107"/>
+                </a:cubicBezTo>
+                <a:cubicBezTo>
+                  <a:pt x="4541639" y="985397"/>
+                  <a:pt x="4261647" y="875174"/>
+                  <a:pt x="4020113" y="954107"/>
+                </a:cubicBezTo>
+                <a:cubicBezTo>
+                  <a:pt x="3778579" y="1033040"/>
+                  <a:pt x="3646535" y="920460"/>
+                  <a:pt x="3354059" y="954107"/>
+                </a:cubicBezTo>
+                <a:cubicBezTo>
+                  <a:pt x="3061583" y="987754"/>
+                  <a:pt x="3103691" y="927684"/>
+                  <a:pt x="2973457" y="954107"/>
+                </a:cubicBezTo>
+                <a:cubicBezTo>
+                  <a:pt x="2843223" y="980530"/>
+                  <a:pt x="2569572" y="931491"/>
+                  <a:pt x="2307402" y="954107"/>
+                </a:cubicBezTo>
+                <a:cubicBezTo>
+                  <a:pt x="2045233" y="976723"/>
+                  <a:pt x="2024354" y="916519"/>
+                  <a:pt x="1784074" y="954107"/>
+                </a:cubicBezTo>
+                <a:cubicBezTo>
+                  <a:pt x="1543794" y="991695"/>
+                  <a:pt x="1251104" y="909272"/>
+                  <a:pt x="1046657" y="954107"/>
+                </a:cubicBezTo>
+                <a:cubicBezTo>
+                  <a:pt x="842210" y="998942"/>
+                  <a:pt x="236634" y="896458"/>
+                  <a:pt x="0" y="954107"/>
+                </a:cubicBezTo>
+                <a:cubicBezTo>
+                  <a:pt x="-33128" y="802478"/>
+                  <a:pt x="15620" y="685586"/>
+                  <a:pt x="0" y="477054"/>
+                </a:cubicBezTo>
+                <a:cubicBezTo>
+                  <a:pt x="-15620" y="268522"/>
+                  <a:pt x="368" y="96737"/>
+                  <a:pt x="0" y="0"/>
+                </a:cubicBezTo>
+                <a:close/>
+              </a:path>
+              <a:path w="7136296" h="954107" stroke="0" extrusionOk="0">
+                <a:moveTo>
+                  <a:pt x="0" y="0"/>
+                </a:moveTo>
+                <a:cubicBezTo>
+                  <a:pt x="219200" y="-1842"/>
+                  <a:pt x="375480" y="33156"/>
+                  <a:pt x="523328" y="0"/>
+                </a:cubicBezTo>
+                <a:cubicBezTo>
+                  <a:pt x="671176" y="-33156"/>
+                  <a:pt x="788151" y="25221"/>
+                  <a:pt x="903931" y="0"/>
+                </a:cubicBezTo>
+                <a:cubicBezTo>
+                  <a:pt x="1019711" y="-25221"/>
+                  <a:pt x="1203211" y="19160"/>
+                  <a:pt x="1284533" y="0"/>
+                </a:cubicBezTo>
+                <a:cubicBezTo>
+                  <a:pt x="1365855" y="-19160"/>
+                  <a:pt x="1666774" y="17323"/>
+                  <a:pt x="1807862" y="0"/>
+                </a:cubicBezTo>
+                <a:cubicBezTo>
+                  <a:pt x="1948950" y="-17323"/>
+                  <a:pt x="2338049" y="31960"/>
+                  <a:pt x="2545279" y="0"/>
+                </a:cubicBezTo>
+                <a:cubicBezTo>
+                  <a:pt x="2752509" y="-31960"/>
+                  <a:pt x="2832911" y="48356"/>
+                  <a:pt x="2997244" y="0"/>
+                </a:cubicBezTo>
+                <a:cubicBezTo>
+                  <a:pt x="3161578" y="-48356"/>
+                  <a:pt x="3286353" y="27742"/>
+                  <a:pt x="3520573" y="0"/>
+                </a:cubicBezTo>
+                <a:cubicBezTo>
+                  <a:pt x="3754793" y="-27742"/>
+                  <a:pt x="3763753" y="14648"/>
+                  <a:pt x="3901175" y="0"/>
+                </a:cubicBezTo>
+                <a:cubicBezTo>
+                  <a:pt x="4038597" y="-14648"/>
+                  <a:pt x="4277466" y="53317"/>
+                  <a:pt x="4424504" y="0"/>
+                </a:cubicBezTo>
+                <a:cubicBezTo>
+                  <a:pt x="4571542" y="-53317"/>
+                  <a:pt x="4767697" y="17181"/>
+                  <a:pt x="4947832" y="0"/>
+                </a:cubicBezTo>
+                <a:cubicBezTo>
+                  <a:pt x="5127967" y="-17181"/>
+                  <a:pt x="5185891" y="40701"/>
+                  <a:pt x="5328434" y="0"/>
+                </a:cubicBezTo>
+                <a:cubicBezTo>
+                  <a:pt x="5470977" y="-40701"/>
+                  <a:pt x="5913453" y="45659"/>
+                  <a:pt x="6065852" y="0"/>
+                </a:cubicBezTo>
+                <a:cubicBezTo>
+                  <a:pt x="6218251" y="-45659"/>
+                  <a:pt x="6712768" y="27679"/>
+                  <a:pt x="7136296" y="0"/>
+                </a:cubicBezTo>
+                <a:cubicBezTo>
+                  <a:pt x="7154729" y="217057"/>
+                  <a:pt x="7114755" y="309600"/>
+                  <a:pt x="7136296" y="496136"/>
+                </a:cubicBezTo>
+                <a:cubicBezTo>
+                  <a:pt x="7157837" y="682672"/>
+                  <a:pt x="7118305" y="739052"/>
+                  <a:pt x="7136296" y="954107"/>
+                </a:cubicBezTo>
+                <a:cubicBezTo>
+                  <a:pt x="6851889" y="986356"/>
+                  <a:pt x="6750346" y="896868"/>
+                  <a:pt x="6541605" y="954107"/>
+                </a:cubicBezTo>
+                <a:cubicBezTo>
+                  <a:pt x="6332864" y="1011346"/>
+                  <a:pt x="6126812" y="891756"/>
+                  <a:pt x="5875550" y="954107"/>
+                </a:cubicBezTo>
+                <a:cubicBezTo>
+                  <a:pt x="5624289" y="1016458"/>
+                  <a:pt x="5396390" y="930869"/>
+                  <a:pt x="5138133" y="954107"/>
+                </a:cubicBezTo>
+                <a:cubicBezTo>
+                  <a:pt x="4879876" y="977345"/>
+                  <a:pt x="4833352" y="952164"/>
+                  <a:pt x="4543442" y="954107"/>
+                </a:cubicBezTo>
+                <a:cubicBezTo>
+                  <a:pt x="4253532" y="956050"/>
+                  <a:pt x="4255899" y="941650"/>
+                  <a:pt x="4020113" y="954107"/>
+                </a:cubicBezTo>
+                <a:cubicBezTo>
+                  <a:pt x="3784327" y="966564"/>
+                  <a:pt x="3695013" y="921069"/>
+                  <a:pt x="3568148" y="954107"/>
+                </a:cubicBezTo>
+                <a:cubicBezTo>
+                  <a:pt x="3441284" y="987145"/>
+                  <a:pt x="3273352" y="952131"/>
+                  <a:pt x="3187546" y="954107"/>
+                </a:cubicBezTo>
+                <a:cubicBezTo>
+                  <a:pt x="3101740" y="956083"/>
+                  <a:pt x="2954513" y="948449"/>
+                  <a:pt x="2806943" y="954107"/>
+                </a:cubicBezTo>
+                <a:cubicBezTo>
+                  <a:pt x="2659373" y="959765"/>
+                  <a:pt x="2566918" y="913946"/>
+                  <a:pt x="2426341" y="954107"/>
+                </a:cubicBezTo>
+                <a:cubicBezTo>
+                  <a:pt x="2285764" y="994268"/>
+                  <a:pt x="2088944" y="900166"/>
+                  <a:pt x="1831649" y="954107"/>
+                </a:cubicBezTo>
+                <a:cubicBezTo>
+                  <a:pt x="1574354" y="1008048"/>
+                  <a:pt x="1553256" y="944475"/>
+                  <a:pt x="1379684" y="954107"/>
+                </a:cubicBezTo>
+                <a:cubicBezTo>
+                  <a:pt x="1206113" y="963739"/>
+                  <a:pt x="969530" y="932895"/>
+                  <a:pt x="784993" y="954107"/>
+                </a:cubicBezTo>
+                <a:cubicBezTo>
+                  <a:pt x="600456" y="975319"/>
+                  <a:pt x="186664" y="888556"/>
+                  <a:pt x="0" y="954107"/>
+                </a:cubicBezTo>
+                <a:cubicBezTo>
+                  <a:pt x="-35617" y="736041"/>
+                  <a:pt x="14118" y="671725"/>
+                  <a:pt x="0" y="505677"/>
+                </a:cubicBezTo>
+                <a:cubicBezTo>
+                  <a:pt x="-14118" y="339629"/>
+                  <a:pt x="9305" y="117800"/>
+                  <a:pt x="0" y="0"/>
+                </a:cubicBezTo>
+                <a:close/>
+              </a:path>
+            </a:pathLst>
+          </a:custGeom>
+          <a:solidFill>
+            <a:srgbClr val="FFC000"/>
+          </a:solidFill>
+          <a:ln>
+            <a:solidFill>
+              <a:schemeClr val="tx1"/>
+            </a:solidFill>
+            <a:extLst>
+              <a:ext uri="{C807C97D-BFC1-408E-A445-0C87EB9F89A2}">
+                <ask:lineSketchStyleProps xmlns:ask="http://schemas.microsoft.com/office/drawing/2018/sketchyshapes" sd="2706786189">
+                  <a:prstGeom prst="rect">
+                    <a:avLst/>
+                  </a:prstGeom>
+                  <ask:type>
+                    <ask:lineSketchScribble/>
+                  </ask:type>
+                </ask:lineSketchStyleProps>
+              </a:ext>
+            </a:extLst>
+          </a:ln>
+        </p:spPr>
         <p:txBody>
-          <a:bodyPr/>
+          <a:bodyPr wrap="square" rtlCol="0">
+            <a:spAutoFit/>
+          </a:bodyPr>
           <a:lstStyle/>
           <a:p>
-            <a:endParaRPr lang="en-US" dirty="0"/>
+            <a:pPr algn="just"/>
+            <a:r>
+              <a:rPr lang="en-US" sz="2800" kern="100" dirty="0">
+                <a:effectLst/>
+                <a:latin typeface="Cambria" panose="02040503050406030204" pitchFamily="18" charset="0"/>
+                <a:ea typeface="Cambria" panose="02040503050406030204" pitchFamily="18" charset="0"/>
+                <a:cs typeface="Times New Roman" panose="02020603050405020304" pitchFamily="18" charset="0"/>
+              </a:rPr>
+              <a:t>b) Fit linear trend model to the data (price of item 2) using least squares estimation.</a:t>
+            </a:r>
+            <a:endParaRPr lang="en-US" sz="2800" kern="100" dirty="0">
+              <a:effectLst/>
+              <a:latin typeface="Cambria" panose="02040503050406030204" pitchFamily="18" charset="0"/>
+              <a:ea typeface="Cambria" panose="02040503050406030204" pitchFamily="18" charset="0"/>
+              <a:cs typeface="Vrinda" panose="020B0502040204020203" pitchFamily="34" charset="0"/>
+            </a:endParaRPr>
+          </a:p>
+        </p:txBody>
+      </p:sp>
+      <p:sp>
+        <p:nvSpPr>
+          <p:cNvPr id="7" name="TextBox 6">
+            <a:extLst>
+              <a:ext uri="{FF2B5EF4-FFF2-40B4-BE49-F238E27FC236}">
+                <a16:creationId xmlns:a16="http://schemas.microsoft.com/office/drawing/2014/main" id="{589F99E7-0E3E-7B8D-3167-77078C24A683}"/>
+              </a:ext>
+            </a:extLst>
+          </p:cNvPr>
+          <p:cNvSpPr txBox="1"/>
+          <p:nvPr/>
+        </p:nvSpPr>
+        <p:spPr>
+          <a:xfrm>
+            <a:off x="7494104" y="5695761"/>
+            <a:ext cx="6981245" cy="1815882"/>
+          </a:xfrm>
+          <a:custGeom>
+            <a:avLst/>
+            <a:gdLst>
+              <a:gd name="connsiteX0" fmla="*/ 0 w 6981245"/>
+              <a:gd name="connsiteY0" fmla="*/ 0 h 1815882"/>
+              <a:gd name="connsiteX1" fmla="*/ 442146 w 6981245"/>
+              <a:gd name="connsiteY1" fmla="*/ 0 h 1815882"/>
+              <a:gd name="connsiteX2" fmla="*/ 1093728 w 6981245"/>
+              <a:gd name="connsiteY2" fmla="*/ 0 h 1815882"/>
+              <a:gd name="connsiteX3" fmla="*/ 1745311 w 6981245"/>
+              <a:gd name="connsiteY3" fmla="*/ 0 h 1815882"/>
+              <a:gd name="connsiteX4" fmla="*/ 2187457 w 6981245"/>
+              <a:gd name="connsiteY4" fmla="*/ 0 h 1815882"/>
+              <a:gd name="connsiteX5" fmla="*/ 2769227 w 6981245"/>
+              <a:gd name="connsiteY5" fmla="*/ 0 h 1815882"/>
+              <a:gd name="connsiteX6" fmla="*/ 3420810 w 6981245"/>
+              <a:gd name="connsiteY6" fmla="*/ 0 h 1815882"/>
+              <a:gd name="connsiteX7" fmla="*/ 3793143 w 6981245"/>
+              <a:gd name="connsiteY7" fmla="*/ 0 h 1815882"/>
+              <a:gd name="connsiteX8" fmla="*/ 4305101 w 6981245"/>
+              <a:gd name="connsiteY8" fmla="*/ 0 h 1815882"/>
+              <a:gd name="connsiteX9" fmla="*/ 4956684 w 6981245"/>
+              <a:gd name="connsiteY9" fmla="*/ 0 h 1815882"/>
+              <a:gd name="connsiteX10" fmla="*/ 5398829 w 6981245"/>
+              <a:gd name="connsiteY10" fmla="*/ 0 h 1815882"/>
+              <a:gd name="connsiteX11" fmla="*/ 5910787 w 6981245"/>
+              <a:gd name="connsiteY11" fmla="*/ 0 h 1815882"/>
+              <a:gd name="connsiteX12" fmla="*/ 6981245 w 6981245"/>
+              <a:gd name="connsiteY12" fmla="*/ 0 h 1815882"/>
+              <a:gd name="connsiteX13" fmla="*/ 6981245 w 6981245"/>
+              <a:gd name="connsiteY13" fmla="*/ 417653 h 1815882"/>
+              <a:gd name="connsiteX14" fmla="*/ 6981245 w 6981245"/>
+              <a:gd name="connsiteY14" fmla="*/ 871623 h 1815882"/>
+              <a:gd name="connsiteX15" fmla="*/ 6981245 w 6981245"/>
+              <a:gd name="connsiteY15" fmla="*/ 1361912 h 1815882"/>
+              <a:gd name="connsiteX16" fmla="*/ 6981245 w 6981245"/>
+              <a:gd name="connsiteY16" fmla="*/ 1815882 h 1815882"/>
+              <a:gd name="connsiteX17" fmla="*/ 6469287 w 6981245"/>
+              <a:gd name="connsiteY17" fmla="*/ 1815882 h 1815882"/>
+              <a:gd name="connsiteX18" fmla="*/ 5957329 w 6981245"/>
+              <a:gd name="connsiteY18" fmla="*/ 1815882 h 1815882"/>
+              <a:gd name="connsiteX19" fmla="*/ 5235934 w 6981245"/>
+              <a:gd name="connsiteY19" fmla="*/ 1815882 h 1815882"/>
+              <a:gd name="connsiteX20" fmla="*/ 4584351 w 6981245"/>
+              <a:gd name="connsiteY20" fmla="*/ 1815882 h 1815882"/>
+              <a:gd name="connsiteX21" fmla="*/ 4002580 w 6981245"/>
+              <a:gd name="connsiteY21" fmla="*/ 1815882 h 1815882"/>
+              <a:gd name="connsiteX22" fmla="*/ 3281185 w 6981245"/>
+              <a:gd name="connsiteY22" fmla="*/ 1815882 h 1815882"/>
+              <a:gd name="connsiteX23" fmla="*/ 2908852 w 6981245"/>
+              <a:gd name="connsiteY23" fmla="*/ 1815882 h 1815882"/>
+              <a:gd name="connsiteX24" fmla="*/ 2257269 w 6981245"/>
+              <a:gd name="connsiteY24" fmla="*/ 1815882 h 1815882"/>
+              <a:gd name="connsiteX25" fmla="*/ 1675499 w 6981245"/>
+              <a:gd name="connsiteY25" fmla="*/ 1815882 h 1815882"/>
+              <a:gd name="connsiteX26" fmla="*/ 1233353 w 6981245"/>
+              <a:gd name="connsiteY26" fmla="*/ 1815882 h 1815882"/>
+              <a:gd name="connsiteX27" fmla="*/ 791208 w 6981245"/>
+              <a:gd name="connsiteY27" fmla="*/ 1815882 h 1815882"/>
+              <a:gd name="connsiteX28" fmla="*/ 0 w 6981245"/>
+              <a:gd name="connsiteY28" fmla="*/ 1815882 h 1815882"/>
+              <a:gd name="connsiteX29" fmla="*/ 0 w 6981245"/>
+              <a:gd name="connsiteY29" fmla="*/ 1398229 h 1815882"/>
+              <a:gd name="connsiteX30" fmla="*/ 0 w 6981245"/>
+              <a:gd name="connsiteY30" fmla="*/ 907941 h 1815882"/>
+              <a:gd name="connsiteX31" fmla="*/ 0 w 6981245"/>
+              <a:gd name="connsiteY31" fmla="*/ 453971 h 1815882"/>
+              <a:gd name="connsiteX32" fmla="*/ 0 w 6981245"/>
+              <a:gd name="connsiteY32" fmla="*/ 0 h 1815882"/>
+            </a:gdLst>
+            <a:ahLst/>
+            <a:cxnLst>
+              <a:cxn ang="0">
+                <a:pos x="connsiteX0" y="connsiteY0"/>
+              </a:cxn>
+              <a:cxn ang="0">
+                <a:pos x="connsiteX1" y="connsiteY1"/>
+              </a:cxn>
+              <a:cxn ang="0">
+                <a:pos x="connsiteX2" y="connsiteY2"/>
+              </a:cxn>
+              <a:cxn ang="0">
+                <a:pos x="connsiteX3" y="connsiteY3"/>
+              </a:cxn>
+              <a:cxn ang="0">
+                <a:pos x="connsiteX4" y="connsiteY4"/>
+              </a:cxn>
+              <a:cxn ang="0">
+                <a:pos x="connsiteX5" y="connsiteY5"/>
+              </a:cxn>
+              <a:cxn ang="0">
+                <a:pos x="connsiteX6" y="connsiteY6"/>
+              </a:cxn>
+              <a:cxn ang="0">
+                <a:pos x="connsiteX7" y="connsiteY7"/>
+              </a:cxn>
+              <a:cxn ang="0">
+                <a:pos x="connsiteX8" y="connsiteY8"/>
+              </a:cxn>
+              <a:cxn ang="0">
+                <a:pos x="connsiteX9" y="connsiteY9"/>
+              </a:cxn>
+              <a:cxn ang="0">
+                <a:pos x="connsiteX10" y="connsiteY10"/>
+              </a:cxn>
+              <a:cxn ang="0">
+                <a:pos x="connsiteX11" y="connsiteY11"/>
+              </a:cxn>
+              <a:cxn ang="0">
+                <a:pos x="connsiteX12" y="connsiteY12"/>
+              </a:cxn>
+              <a:cxn ang="0">
+                <a:pos x="connsiteX13" y="connsiteY13"/>
+              </a:cxn>
+              <a:cxn ang="0">
+                <a:pos x="connsiteX14" y="connsiteY14"/>
+              </a:cxn>
+              <a:cxn ang="0">
+                <a:pos x="connsiteX15" y="connsiteY15"/>
+              </a:cxn>
+              <a:cxn ang="0">
+                <a:pos x="connsiteX16" y="connsiteY16"/>
+              </a:cxn>
+              <a:cxn ang="0">
+                <a:pos x="connsiteX17" y="connsiteY17"/>
+              </a:cxn>
+              <a:cxn ang="0">
+                <a:pos x="connsiteX18" y="connsiteY18"/>
+              </a:cxn>
+              <a:cxn ang="0">
+                <a:pos x="connsiteX19" y="connsiteY19"/>
+              </a:cxn>
+              <a:cxn ang="0">
+                <a:pos x="connsiteX20" y="connsiteY20"/>
+              </a:cxn>
+              <a:cxn ang="0">
+                <a:pos x="connsiteX21" y="connsiteY21"/>
+              </a:cxn>
+              <a:cxn ang="0">
+                <a:pos x="connsiteX22" y="connsiteY22"/>
+              </a:cxn>
+              <a:cxn ang="0">
+                <a:pos x="connsiteX23" y="connsiteY23"/>
+              </a:cxn>
+              <a:cxn ang="0">
+                <a:pos x="connsiteX24" y="connsiteY24"/>
+              </a:cxn>
+              <a:cxn ang="0">
+                <a:pos x="connsiteX25" y="connsiteY25"/>
+              </a:cxn>
+              <a:cxn ang="0">
+                <a:pos x="connsiteX26" y="connsiteY26"/>
+              </a:cxn>
+              <a:cxn ang="0">
+                <a:pos x="connsiteX27" y="connsiteY27"/>
+              </a:cxn>
+              <a:cxn ang="0">
+                <a:pos x="connsiteX28" y="connsiteY28"/>
+              </a:cxn>
+              <a:cxn ang="0">
+                <a:pos x="connsiteX29" y="connsiteY29"/>
+              </a:cxn>
+              <a:cxn ang="0">
+                <a:pos x="connsiteX30" y="connsiteY30"/>
+              </a:cxn>
+              <a:cxn ang="0">
+                <a:pos x="connsiteX31" y="connsiteY31"/>
+              </a:cxn>
+              <a:cxn ang="0">
+                <a:pos x="connsiteX32" y="connsiteY32"/>
+              </a:cxn>
+            </a:cxnLst>
+            <a:rect l="l" t="t" r="r" b="b"/>
+            <a:pathLst>
+              <a:path w="6981245" h="1815882" fill="none" extrusionOk="0">
+                <a:moveTo>
+                  <a:pt x="0" y="0"/>
+                </a:moveTo>
+                <a:cubicBezTo>
+                  <a:pt x="213148" y="-23247"/>
+                  <a:pt x="269988" y="47483"/>
+                  <a:pt x="442146" y="0"/>
+                </a:cubicBezTo>
+                <a:cubicBezTo>
+                  <a:pt x="614304" y="-47483"/>
+                  <a:pt x="777336" y="66707"/>
+                  <a:pt x="1093728" y="0"/>
+                </a:cubicBezTo>
+                <a:cubicBezTo>
+                  <a:pt x="1410120" y="-66707"/>
+                  <a:pt x="1452655" y="57408"/>
+                  <a:pt x="1745311" y="0"/>
+                </a:cubicBezTo>
+                <a:cubicBezTo>
+                  <a:pt x="2037967" y="-57408"/>
+                  <a:pt x="2066972" y="10804"/>
+                  <a:pt x="2187457" y="0"/>
+                </a:cubicBezTo>
+                <a:cubicBezTo>
+                  <a:pt x="2307942" y="-10804"/>
+                  <a:pt x="2488914" y="59032"/>
+                  <a:pt x="2769227" y="0"/>
+                </a:cubicBezTo>
+                <a:cubicBezTo>
+                  <a:pt x="3049540" y="-59032"/>
+                  <a:pt x="3245880" y="65260"/>
+                  <a:pt x="3420810" y="0"/>
+                </a:cubicBezTo>
+                <a:cubicBezTo>
+                  <a:pt x="3595740" y="-65260"/>
+                  <a:pt x="3638832" y="18114"/>
+                  <a:pt x="3793143" y="0"/>
+                </a:cubicBezTo>
+                <a:cubicBezTo>
+                  <a:pt x="3947454" y="-18114"/>
+                  <a:pt x="4132861" y="60304"/>
+                  <a:pt x="4305101" y="0"/>
+                </a:cubicBezTo>
+                <a:cubicBezTo>
+                  <a:pt x="4477341" y="-60304"/>
+                  <a:pt x="4701921" y="44232"/>
+                  <a:pt x="4956684" y="0"/>
+                </a:cubicBezTo>
+                <a:cubicBezTo>
+                  <a:pt x="5211447" y="-44232"/>
+                  <a:pt x="5300320" y="1458"/>
+                  <a:pt x="5398829" y="0"/>
+                </a:cubicBezTo>
+                <a:cubicBezTo>
+                  <a:pt x="5497338" y="-1458"/>
+                  <a:pt x="5716030" y="59355"/>
+                  <a:pt x="5910787" y="0"/>
+                </a:cubicBezTo>
+                <a:cubicBezTo>
+                  <a:pt x="6105544" y="-59355"/>
+                  <a:pt x="6656717" y="102533"/>
+                  <a:pt x="6981245" y="0"/>
+                </a:cubicBezTo>
+                <a:cubicBezTo>
+                  <a:pt x="7027254" y="170752"/>
+                  <a:pt x="6942974" y="252242"/>
+                  <a:pt x="6981245" y="417653"/>
+                </a:cubicBezTo>
+                <a:cubicBezTo>
+                  <a:pt x="7019516" y="583064"/>
+                  <a:pt x="6945854" y="678228"/>
+                  <a:pt x="6981245" y="871623"/>
+                </a:cubicBezTo>
+                <a:cubicBezTo>
+                  <a:pt x="7016636" y="1065018"/>
+                  <a:pt x="6945853" y="1177917"/>
+                  <a:pt x="6981245" y="1361912"/>
+                </a:cubicBezTo>
+                <a:cubicBezTo>
+                  <a:pt x="7016637" y="1545907"/>
+                  <a:pt x="6979059" y="1600639"/>
+                  <a:pt x="6981245" y="1815882"/>
+                </a:cubicBezTo>
+                <a:cubicBezTo>
+                  <a:pt x="6877201" y="1840490"/>
+                  <a:pt x="6688172" y="1771461"/>
+                  <a:pt x="6469287" y="1815882"/>
+                </a:cubicBezTo>
+                <a:cubicBezTo>
+                  <a:pt x="6250402" y="1860303"/>
+                  <a:pt x="6072341" y="1756284"/>
+                  <a:pt x="5957329" y="1815882"/>
+                </a:cubicBezTo>
+                <a:cubicBezTo>
+                  <a:pt x="5842317" y="1875480"/>
+                  <a:pt x="5394414" y="1809981"/>
+                  <a:pt x="5235934" y="1815882"/>
+                </a:cubicBezTo>
+                <a:cubicBezTo>
+                  <a:pt x="5077455" y="1821783"/>
+                  <a:pt x="4809419" y="1803464"/>
+                  <a:pt x="4584351" y="1815882"/>
+                </a:cubicBezTo>
+                <a:cubicBezTo>
+                  <a:pt x="4359283" y="1828300"/>
+                  <a:pt x="4240863" y="1792265"/>
+                  <a:pt x="4002580" y="1815882"/>
+                </a:cubicBezTo>
+                <a:cubicBezTo>
+                  <a:pt x="3764297" y="1839499"/>
+                  <a:pt x="3485280" y="1733346"/>
+                  <a:pt x="3281185" y="1815882"/>
+                </a:cubicBezTo>
+                <a:cubicBezTo>
+                  <a:pt x="3077091" y="1898418"/>
+                  <a:pt x="3093124" y="1806108"/>
+                  <a:pt x="2908852" y="1815882"/>
+                </a:cubicBezTo>
+                <a:cubicBezTo>
+                  <a:pt x="2724580" y="1825656"/>
+                  <a:pt x="2567547" y="1750842"/>
+                  <a:pt x="2257269" y="1815882"/>
+                </a:cubicBezTo>
+                <a:cubicBezTo>
+                  <a:pt x="1946991" y="1880922"/>
+                  <a:pt x="1965605" y="1774752"/>
+                  <a:pt x="1675499" y="1815882"/>
+                </a:cubicBezTo>
+                <a:cubicBezTo>
+                  <a:pt x="1385393" y="1857012"/>
+                  <a:pt x="1401822" y="1766107"/>
+                  <a:pt x="1233353" y="1815882"/>
+                </a:cubicBezTo>
+                <a:cubicBezTo>
+                  <a:pt x="1064884" y="1865657"/>
+                  <a:pt x="942029" y="1785576"/>
+                  <a:pt x="791208" y="1815882"/>
+                </a:cubicBezTo>
+                <a:cubicBezTo>
+                  <a:pt x="640387" y="1846188"/>
+                  <a:pt x="240754" y="1730861"/>
+                  <a:pt x="0" y="1815882"/>
+                </a:cubicBezTo>
+                <a:cubicBezTo>
+                  <a:pt x="-31335" y="1613564"/>
+                  <a:pt x="33886" y="1576809"/>
+                  <a:pt x="0" y="1398229"/>
+                </a:cubicBezTo>
+                <a:cubicBezTo>
+                  <a:pt x="-33886" y="1219649"/>
+                  <a:pt x="14826" y="1102386"/>
+                  <a:pt x="0" y="907941"/>
+                </a:cubicBezTo>
+                <a:cubicBezTo>
+                  <a:pt x="-14826" y="713496"/>
+                  <a:pt x="10535" y="582169"/>
+                  <a:pt x="0" y="453971"/>
+                </a:cubicBezTo>
+                <a:cubicBezTo>
+                  <a:pt x="-10535" y="325773"/>
+                  <a:pt x="5311" y="121081"/>
+                  <a:pt x="0" y="0"/>
+                </a:cubicBezTo>
+                <a:close/>
+              </a:path>
+              <a:path w="6981245" h="1815882" stroke="0" extrusionOk="0">
+                <a:moveTo>
+                  <a:pt x="0" y="0"/>
+                </a:moveTo>
+                <a:cubicBezTo>
+                  <a:pt x="175953" y="-13657"/>
+                  <a:pt x="408493" y="10500"/>
+                  <a:pt x="511958" y="0"/>
+                </a:cubicBezTo>
+                <a:cubicBezTo>
+                  <a:pt x="615423" y="-10500"/>
+                  <a:pt x="753265" y="3787"/>
+                  <a:pt x="884291" y="0"/>
+                </a:cubicBezTo>
+                <a:cubicBezTo>
+                  <a:pt x="1015317" y="-3787"/>
+                  <a:pt x="1180786" y="7936"/>
+                  <a:pt x="1256624" y="0"/>
+                </a:cubicBezTo>
+                <a:cubicBezTo>
+                  <a:pt x="1332462" y="-7936"/>
+                  <a:pt x="1593118" y="17873"/>
+                  <a:pt x="1768582" y="0"/>
+                </a:cubicBezTo>
+                <a:cubicBezTo>
+                  <a:pt x="1944046" y="-17873"/>
+                  <a:pt x="2160361" y="82738"/>
+                  <a:pt x="2489977" y="0"/>
+                </a:cubicBezTo>
+                <a:cubicBezTo>
+                  <a:pt x="2819593" y="-82738"/>
+                  <a:pt x="2726642" y="26239"/>
+                  <a:pt x="2932123" y="0"/>
+                </a:cubicBezTo>
+                <a:cubicBezTo>
+                  <a:pt x="3137604" y="-26239"/>
+                  <a:pt x="3310664" y="10446"/>
+                  <a:pt x="3444081" y="0"/>
+                </a:cubicBezTo>
+                <a:cubicBezTo>
+                  <a:pt x="3577498" y="-10446"/>
+                  <a:pt x="3632658" y="13158"/>
+                  <a:pt x="3816414" y="0"/>
+                </a:cubicBezTo>
+                <a:cubicBezTo>
+                  <a:pt x="4000170" y="-13158"/>
+                  <a:pt x="4194009" y="52482"/>
+                  <a:pt x="4328372" y="0"/>
+                </a:cubicBezTo>
+                <a:cubicBezTo>
+                  <a:pt x="4462735" y="-52482"/>
+                  <a:pt x="4683840" y="20966"/>
+                  <a:pt x="4840330" y="0"/>
+                </a:cubicBezTo>
+                <a:cubicBezTo>
+                  <a:pt x="4996820" y="-20966"/>
+                  <a:pt x="5137223" y="6165"/>
+                  <a:pt x="5212663" y="0"/>
+                </a:cubicBezTo>
+                <a:cubicBezTo>
+                  <a:pt x="5288103" y="-6165"/>
+                  <a:pt x="5670414" y="63101"/>
+                  <a:pt x="5934058" y="0"/>
+                </a:cubicBezTo>
+                <a:cubicBezTo>
+                  <a:pt x="6197702" y="-63101"/>
+                  <a:pt x="6522525" y="93682"/>
+                  <a:pt x="6981245" y="0"/>
+                </a:cubicBezTo>
+                <a:cubicBezTo>
+                  <a:pt x="7027469" y="126954"/>
+                  <a:pt x="6965615" y="333634"/>
+                  <a:pt x="6981245" y="490288"/>
+                </a:cubicBezTo>
+                <a:cubicBezTo>
+                  <a:pt x="6996875" y="646942"/>
+                  <a:pt x="6977850" y="737328"/>
+                  <a:pt x="6981245" y="889782"/>
+                </a:cubicBezTo>
+                <a:cubicBezTo>
+                  <a:pt x="6984640" y="1042236"/>
+                  <a:pt x="6981119" y="1203722"/>
+                  <a:pt x="6981245" y="1343753"/>
+                </a:cubicBezTo>
+                <a:cubicBezTo>
+                  <a:pt x="6981371" y="1483784"/>
+                  <a:pt x="6979575" y="1660702"/>
+                  <a:pt x="6981245" y="1815882"/>
+                </a:cubicBezTo>
+                <a:cubicBezTo>
+                  <a:pt x="6795611" y="1859977"/>
+                  <a:pt x="6769879" y="1781709"/>
+                  <a:pt x="6608912" y="1815882"/>
+                </a:cubicBezTo>
+                <a:cubicBezTo>
+                  <a:pt x="6447945" y="1850055"/>
+                  <a:pt x="6237185" y="1809660"/>
+                  <a:pt x="6027142" y="1815882"/>
+                </a:cubicBezTo>
+                <a:cubicBezTo>
+                  <a:pt x="5817099" y="1822104"/>
+                  <a:pt x="5691538" y="1809152"/>
+                  <a:pt x="5515184" y="1815882"/>
+                </a:cubicBezTo>
+                <a:cubicBezTo>
+                  <a:pt x="5338830" y="1822612"/>
+                  <a:pt x="5203138" y="1791755"/>
+                  <a:pt x="5073038" y="1815882"/>
+                </a:cubicBezTo>
+                <a:cubicBezTo>
+                  <a:pt x="4942938" y="1840009"/>
+                  <a:pt x="4880011" y="1809634"/>
+                  <a:pt x="4700705" y="1815882"/>
+                </a:cubicBezTo>
+                <a:cubicBezTo>
+                  <a:pt x="4521399" y="1822130"/>
+                  <a:pt x="4411881" y="1782004"/>
+                  <a:pt x="4328372" y="1815882"/>
+                </a:cubicBezTo>
+                <a:cubicBezTo>
+                  <a:pt x="4244863" y="1849760"/>
+                  <a:pt x="4037717" y="1775940"/>
+                  <a:pt x="3956039" y="1815882"/>
+                </a:cubicBezTo>
+                <a:cubicBezTo>
+                  <a:pt x="3874361" y="1855824"/>
+                  <a:pt x="3627691" y="1784901"/>
+                  <a:pt x="3374268" y="1815882"/>
+                </a:cubicBezTo>
+                <a:cubicBezTo>
+                  <a:pt x="3120845" y="1846863"/>
+                  <a:pt x="3087187" y="1799262"/>
+                  <a:pt x="2932123" y="1815882"/>
+                </a:cubicBezTo>
+                <a:cubicBezTo>
+                  <a:pt x="2777060" y="1832502"/>
+                  <a:pt x="2589524" y="1778448"/>
+                  <a:pt x="2350352" y="1815882"/>
+                </a:cubicBezTo>
+                <a:cubicBezTo>
+                  <a:pt x="2111180" y="1853316"/>
+                  <a:pt x="1884047" y="1733884"/>
+                  <a:pt x="1628957" y="1815882"/>
+                </a:cubicBezTo>
+                <a:cubicBezTo>
+                  <a:pt x="1373867" y="1897880"/>
+                  <a:pt x="1364804" y="1806509"/>
+                  <a:pt x="1256624" y="1815882"/>
+                </a:cubicBezTo>
+                <a:cubicBezTo>
+                  <a:pt x="1148444" y="1825255"/>
+                  <a:pt x="826339" y="1752985"/>
+                  <a:pt x="674854" y="1815882"/>
+                </a:cubicBezTo>
+                <a:cubicBezTo>
+                  <a:pt x="523369" y="1878779"/>
+                  <a:pt x="335320" y="1813520"/>
+                  <a:pt x="0" y="1815882"/>
+                </a:cubicBezTo>
+                <a:cubicBezTo>
+                  <a:pt x="-15968" y="1660028"/>
+                  <a:pt x="39964" y="1459794"/>
+                  <a:pt x="0" y="1361912"/>
+                </a:cubicBezTo>
+                <a:cubicBezTo>
+                  <a:pt x="-39964" y="1264030"/>
+                  <a:pt x="17355" y="1065029"/>
+                  <a:pt x="0" y="944259"/>
+                </a:cubicBezTo>
+                <a:cubicBezTo>
+                  <a:pt x="-17355" y="823489"/>
+                  <a:pt x="6512" y="686184"/>
+                  <a:pt x="0" y="472129"/>
+                </a:cubicBezTo>
+                <a:cubicBezTo>
+                  <a:pt x="-6512" y="258074"/>
+                  <a:pt x="34249" y="209049"/>
+                  <a:pt x="0" y="0"/>
+                </a:cubicBezTo>
+                <a:close/>
+              </a:path>
+            </a:pathLst>
+          </a:custGeom>
+          <a:solidFill>
+            <a:srgbClr val="FFC000"/>
+          </a:solidFill>
+          <a:ln>
+            <a:solidFill>
+              <a:schemeClr val="tx1"/>
+            </a:solidFill>
+            <a:extLst>
+              <a:ext uri="{C807C97D-BFC1-408E-A445-0C87EB9F89A2}">
+                <ask:lineSketchStyleProps xmlns:ask="http://schemas.microsoft.com/office/drawing/2018/sketchyshapes" sd="2706786189">
+                  <a:prstGeom prst="rect">
+                    <a:avLst/>
+                  </a:prstGeom>
+                  <ask:type>
+                    <ask:lineSketchScribble/>
+                  </ask:type>
+                </ask:lineSketchStyleProps>
+              </a:ext>
+            </a:extLst>
+          </a:ln>
+        </p:spPr>
+        <p:txBody>
+          <a:bodyPr wrap="square" rtlCol="0">
+            <a:spAutoFit/>
+          </a:bodyPr>
+          <a:lstStyle/>
+          <a:p>
+            <a:pPr algn="just"/>
+            <a:r>
+              <a:rPr lang="en-US" sz="2800" kern="100" dirty="0">
+                <a:effectLst/>
+                <a:latin typeface="Cambria" panose="02040503050406030204" pitchFamily="18" charset="0"/>
+                <a:ea typeface="Cambria" panose="02040503050406030204" pitchFamily="18" charset="0"/>
+                <a:cs typeface="Times New Roman" panose="02020603050405020304" pitchFamily="18" charset="0"/>
+              </a:rPr>
+              <a:t>c) Apply the best price index number method, and determine the index number for the year 2019 with the base year set as 2018.</a:t>
+            </a:r>
+            <a:endParaRPr lang="en-US" sz="2800" kern="100" dirty="0">
+              <a:effectLst/>
+              <a:latin typeface="Cambria" panose="02040503050406030204" pitchFamily="18" charset="0"/>
+              <a:ea typeface="Cambria" panose="02040503050406030204" pitchFamily="18" charset="0"/>
+              <a:cs typeface="Vrinda" panose="020B0502040204020203" pitchFamily="34" charset="0"/>
+            </a:endParaRPr>
           </a:p>
         </p:txBody>
       </p:sp>
     </p:spTree>
     <p:extLst>
       <p:ext uri="{BB962C8B-B14F-4D97-AF65-F5344CB8AC3E}">
-        <p14:creationId xmlns:p14="http://schemas.microsoft.com/office/powerpoint/2010/main" val="140860828"/>
+        <p14:creationId xmlns:p14="http://schemas.microsoft.com/office/powerpoint/2010/main" val="1342064518"/>
       </p:ext>
     </p:extLst>
   </p:cSld>
